--- a/Game_Shop.pptx
+++ b/Game_Shop.pptx
@@ -6,20 +6,26 @@
   </p:sldMasterIdLst>
   <p:sldIdLst>
     <p:sldId id="256" r:id="rId2"/>
-    <p:sldId id="270" r:id="rId3"/>
-    <p:sldId id="257" r:id="rId4"/>
-    <p:sldId id="258" r:id="rId5"/>
-    <p:sldId id="259" r:id="rId6"/>
-    <p:sldId id="260" r:id="rId7"/>
-    <p:sldId id="261" r:id="rId8"/>
-    <p:sldId id="262" r:id="rId9"/>
-    <p:sldId id="263" r:id="rId10"/>
-    <p:sldId id="264" r:id="rId11"/>
-    <p:sldId id="265" r:id="rId12"/>
-    <p:sldId id="266" r:id="rId13"/>
-    <p:sldId id="267" r:id="rId14"/>
-    <p:sldId id="268" r:id="rId15"/>
-    <p:sldId id="269" r:id="rId16"/>
+    <p:sldId id="271" r:id="rId3"/>
+    <p:sldId id="272" r:id="rId4"/>
+    <p:sldId id="273" r:id="rId5"/>
+    <p:sldId id="274" r:id="rId6"/>
+    <p:sldId id="275" r:id="rId7"/>
+    <p:sldId id="276" r:id="rId8"/>
+    <p:sldId id="277" r:id="rId9"/>
+    <p:sldId id="270" r:id="rId10"/>
+    <p:sldId id="258" r:id="rId11"/>
+    <p:sldId id="259" r:id="rId12"/>
+    <p:sldId id="260" r:id="rId13"/>
+    <p:sldId id="261" r:id="rId14"/>
+    <p:sldId id="262" r:id="rId15"/>
+    <p:sldId id="263" r:id="rId16"/>
+    <p:sldId id="264" r:id="rId17"/>
+    <p:sldId id="265" r:id="rId18"/>
+    <p:sldId id="266" r:id="rId19"/>
+    <p:sldId id="267" r:id="rId20"/>
+    <p:sldId id="268" r:id="rId21"/>
+    <p:sldId id="269" r:id="rId22"/>
   </p:sldIdLst>
   <p:sldSz cx="12192000" cy="6858000"/>
   <p:notesSz cx="6858000" cy="9144000"/>
@@ -118,6 +124,11 @@
       </a:defRPr>
     </a:lvl9pPr>
   </p:defaultTextStyle>
+  <p:extLst>
+    <p:ext uri="{EFAFB233-063F-42B5-8137-9DF3F51BA10A}">
+      <p15:sldGuideLst xmlns:p15="http://schemas.microsoft.com/office/powerpoint/2012/main"/>
+    </p:ext>
+  </p:extLst>
 </p:presentation>
 </file>
 
@@ -6067,854 +6078,6 @@
         <p:spPr>
           <a:xfrm>
             <a:off x="646111" y="452718"/>
-            <a:ext cx="9404723" cy="661707"/>
-          </a:xfrm>
-        </p:spPr>
-        <p:txBody>
-          <a:bodyPr/>
-          <a:lstStyle/>
-          <a:p>
-            <a:r>
-              <a:rPr lang="bs-Latn-BA" sz="3600" dirty="0" smtClean="0"/>
-              <a:t>Opis dijagram klase (MVVM arhitekture)</a:t>
-            </a:r>
-            <a:endParaRPr lang="en-US" sz="3600" dirty="0"/>
-          </a:p>
-        </p:txBody>
-      </p:sp>
-      <p:pic>
-        <p:nvPicPr>
-          <p:cNvPr id="4098" name="Picture 2" descr="https://raw.githubusercontent.com/ooad-2016-2017/Tim19-PraiseTheSun/master/DijagramKlasa/DijagramKlasaMVVM.jpg"/>
-          <p:cNvPicPr>
-            <a:picLocks noGrp="1" noChangeAspect="1" noChangeArrowheads="1"/>
-          </p:cNvPicPr>
-          <p:nvPr>
-            <p:ph idx="1"/>
-          </p:nvPr>
-        </p:nvPicPr>
-        <p:blipFill>
-          <a:blip r:embed="rId2">
-            <a:extLst>
-              <a:ext uri="{28A0092B-C50C-407E-A947-70E740481C1C}">
-                <a14:useLocalDpi xmlns:a14="http://schemas.microsoft.com/office/drawing/2010/main" val="0"/>
-              </a:ext>
-            </a:extLst>
-          </a:blip>
-          <a:srcRect/>
-          <a:stretch>
-            <a:fillRect/>
-          </a:stretch>
-        </p:blipFill>
-        <p:spPr bwMode="auto">
-          <a:xfrm>
-            <a:off x="1304925" y="1089673"/>
-            <a:ext cx="8410576" cy="5628817"/>
-          </a:xfrm>
-          <a:prstGeom prst="rect">
-            <a:avLst/>
-          </a:prstGeom>
-          <a:noFill/>
-          <a:extLst>
-            <a:ext uri="{909E8E84-426E-40DD-AFC4-6F175D3DCCD1}">
-              <a14:hiddenFill xmlns:a14="http://schemas.microsoft.com/office/drawing/2010/main">
-                <a:solidFill>
-                  <a:srgbClr val="FFFFFF"/>
-                </a:solidFill>
-              </a14:hiddenFill>
-            </a:ext>
-          </a:extLst>
-        </p:spPr>
-      </p:pic>
-    </p:spTree>
-    <p:extLst>
-      <p:ext uri="{BB962C8B-B14F-4D97-AF65-F5344CB8AC3E}">
-        <p14:creationId xmlns:p14="http://schemas.microsoft.com/office/powerpoint/2010/main" val="2212342194"/>
-      </p:ext>
-    </p:extLst>
-  </p:cSld>
-  <p:clrMapOvr>
-    <a:masterClrMapping/>
-  </p:clrMapOvr>
-  <p:timing>
-    <p:tnLst>
-      <p:par>
-        <p:cTn id="1" dur="indefinite" restart="never" nodeType="tmRoot"/>
-      </p:par>
-    </p:tnLst>
-  </p:timing>
-</p:sld>
-</file>
-
-<file path=ppt/slides/slide11.xml><?xml version="1.0" encoding="utf-8"?>
-<p:sld xmlns:a="http://schemas.openxmlformats.org/drawingml/2006/main" xmlns:r="http://schemas.openxmlformats.org/officeDocument/2006/relationships" xmlns:p="http://schemas.openxmlformats.org/presentationml/2006/main">
-  <p:cSld>
-    <p:spTree>
-      <p:nvGrpSpPr>
-        <p:cNvPr id="1" name=""/>
-        <p:cNvGrpSpPr/>
-        <p:nvPr/>
-      </p:nvGrpSpPr>
-      <p:grpSpPr>
-        <a:xfrm>
-          <a:off x="0" y="0"/>
-          <a:ext cx="0" cy="0"/>
-          <a:chOff x="0" y="0"/>
-          <a:chExt cx="0" cy="0"/>
-        </a:xfrm>
-      </p:grpSpPr>
-      <p:sp>
-        <p:nvSpPr>
-          <p:cNvPr id="2" name="Title 1"/>
-          <p:cNvSpPr>
-            <a:spLocks noGrp="1"/>
-          </p:cNvSpPr>
-          <p:nvPr>
-            <p:ph type="title"/>
-          </p:nvPr>
-        </p:nvSpPr>
-        <p:spPr>
-          <a:xfrm>
-            <a:off x="646111" y="452718"/>
-            <a:ext cx="9404723" cy="747432"/>
-          </a:xfrm>
-        </p:spPr>
-        <p:txBody>
-          <a:bodyPr/>
-          <a:lstStyle/>
-          <a:p>
-            <a:r>
-              <a:rPr lang="bs-Latn-BA" dirty="0" smtClean="0"/>
-              <a:t>Opis dijagram sekvenci</a:t>
-            </a:r>
-            <a:endParaRPr lang="en-US" dirty="0"/>
-          </a:p>
-        </p:txBody>
-      </p:sp>
-      <p:pic>
-        <p:nvPicPr>
-          <p:cNvPr id="4" name="Content Placeholder 3"/>
-          <p:cNvPicPr>
-            <a:picLocks noGrp="1" noChangeAspect="1"/>
-          </p:cNvPicPr>
-          <p:nvPr>
-            <p:ph idx="1"/>
-          </p:nvPr>
-        </p:nvPicPr>
-        <p:blipFill>
-          <a:blip r:embed="rId2">
-            <a:extLst>
-              <a:ext uri="{28A0092B-C50C-407E-A947-70E740481C1C}">
-                <a14:useLocalDpi xmlns:a14="http://schemas.microsoft.com/office/drawing/2010/main" val="0"/>
-              </a:ext>
-            </a:extLst>
-          </a:blip>
-          <a:stretch>
-            <a:fillRect/>
-          </a:stretch>
-        </p:blipFill>
-        <p:spPr>
-          <a:xfrm>
-            <a:off x="1647825" y="1581150"/>
-            <a:ext cx="7858125" cy="4352925"/>
-          </a:xfrm>
-        </p:spPr>
-      </p:pic>
-    </p:spTree>
-    <p:extLst>
-      <p:ext uri="{BB962C8B-B14F-4D97-AF65-F5344CB8AC3E}">
-        <p14:creationId xmlns:p14="http://schemas.microsoft.com/office/powerpoint/2010/main" val="3237778017"/>
-      </p:ext>
-    </p:extLst>
-  </p:cSld>
-  <p:clrMapOvr>
-    <a:masterClrMapping/>
-  </p:clrMapOvr>
-  <p:timing>
-    <p:tnLst>
-      <p:par>
-        <p:cTn id="1" dur="indefinite" restart="never" nodeType="tmRoot"/>
-      </p:par>
-    </p:tnLst>
-  </p:timing>
-</p:sld>
-</file>
-
-<file path=ppt/slides/slide12.xml><?xml version="1.0" encoding="utf-8"?>
-<p:sld xmlns:a="http://schemas.openxmlformats.org/drawingml/2006/main" xmlns:r="http://schemas.openxmlformats.org/officeDocument/2006/relationships" xmlns:p="http://schemas.openxmlformats.org/presentationml/2006/main">
-  <p:cSld>
-    <p:spTree>
-      <p:nvGrpSpPr>
-        <p:cNvPr id="1" name=""/>
-        <p:cNvGrpSpPr/>
-        <p:nvPr/>
-      </p:nvGrpSpPr>
-      <p:grpSpPr>
-        <a:xfrm>
-          <a:off x="0" y="0"/>
-          <a:ext cx="0" cy="0"/>
-          <a:chOff x="0" y="0"/>
-          <a:chExt cx="0" cy="0"/>
-        </a:xfrm>
-      </p:grpSpPr>
-      <p:sp>
-        <p:nvSpPr>
-          <p:cNvPr id="2" name="Title 1"/>
-          <p:cNvSpPr>
-            <a:spLocks noGrp="1"/>
-          </p:cNvSpPr>
-          <p:nvPr>
-            <p:ph type="title"/>
-          </p:nvPr>
-        </p:nvSpPr>
-        <p:spPr>
-          <a:xfrm>
-            <a:off x="646111" y="452718"/>
-            <a:ext cx="9404723" cy="823632"/>
-          </a:xfrm>
-        </p:spPr>
-        <p:txBody>
-          <a:bodyPr/>
-          <a:lstStyle/>
-          <a:p>
-            <a:r>
-              <a:rPr lang="bs-Latn-BA" dirty="0" smtClean="0"/>
-              <a:t>Opis dijagram komunikacije</a:t>
-            </a:r>
-            <a:endParaRPr lang="en-US" dirty="0"/>
-          </a:p>
-        </p:txBody>
-      </p:sp>
-      <p:pic>
-        <p:nvPicPr>
-          <p:cNvPr id="4" name="Content Placeholder 3"/>
-          <p:cNvPicPr>
-            <a:picLocks noGrp="1" noChangeAspect="1"/>
-          </p:cNvPicPr>
-          <p:nvPr>
-            <p:ph idx="1"/>
-          </p:nvPr>
-        </p:nvPicPr>
-        <p:blipFill>
-          <a:blip r:embed="rId2">
-            <a:extLst>
-              <a:ext uri="{28A0092B-C50C-407E-A947-70E740481C1C}">
-                <a14:useLocalDpi xmlns:a14="http://schemas.microsoft.com/office/drawing/2010/main" val="0"/>
-              </a:ext>
-            </a:extLst>
-          </a:blip>
-          <a:stretch>
-            <a:fillRect/>
-          </a:stretch>
-        </p:blipFill>
-        <p:spPr>
-          <a:xfrm>
-            <a:off x="2928938" y="1600200"/>
-            <a:ext cx="5295900" cy="4324350"/>
-          </a:xfrm>
-        </p:spPr>
-      </p:pic>
-    </p:spTree>
-    <p:extLst>
-      <p:ext uri="{BB962C8B-B14F-4D97-AF65-F5344CB8AC3E}">
-        <p14:creationId xmlns:p14="http://schemas.microsoft.com/office/powerpoint/2010/main" val="1082258345"/>
-      </p:ext>
-    </p:extLst>
-  </p:cSld>
-  <p:clrMapOvr>
-    <a:masterClrMapping/>
-  </p:clrMapOvr>
-</p:sld>
-</file>
-
-<file path=ppt/slides/slide13.xml><?xml version="1.0" encoding="utf-8"?>
-<p:sld xmlns:a="http://schemas.openxmlformats.org/drawingml/2006/main" xmlns:r="http://schemas.openxmlformats.org/officeDocument/2006/relationships" xmlns:p="http://schemas.openxmlformats.org/presentationml/2006/main">
-  <p:cSld>
-    <p:spTree>
-      <p:nvGrpSpPr>
-        <p:cNvPr id="1" name=""/>
-        <p:cNvGrpSpPr/>
-        <p:nvPr/>
-      </p:nvGrpSpPr>
-      <p:grpSpPr>
-        <a:xfrm>
-          <a:off x="0" y="0"/>
-          <a:ext cx="0" cy="0"/>
-          <a:chOff x="0" y="0"/>
-          <a:chExt cx="0" cy="0"/>
-        </a:xfrm>
-      </p:grpSpPr>
-      <p:sp>
-        <p:nvSpPr>
-          <p:cNvPr id="2" name="Title 1"/>
-          <p:cNvSpPr>
-            <a:spLocks noGrp="1"/>
-          </p:cNvSpPr>
-          <p:nvPr>
-            <p:ph type="title"/>
-          </p:nvPr>
-        </p:nvSpPr>
-        <p:spPr>
-          <a:xfrm>
-            <a:off x="646111" y="452718"/>
-            <a:ext cx="9404723" cy="804582"/>
-          </a:xfrm>
-        </p:spPr>
-        <p:txBody>
-          <a:bodyPr/>
-          <a:lstStyle/>
-          <a:p>
-            <a:r>
-              <a:rPr lang="bs-Latn-BA" dirty="0" smtClean="0"/>
-              <a:t>Opis dijagram paketa</a:t>
-            </a:r>
-            <a:endParaRPr lang="en-US" dirty="0"/>
-          </a:p>
-        </p:txBody>
-      </p:sp>
-      <p:pic>
-        <p:nvPicPr>
-          <p:cNvPr id="4" name="Content Placeholder 3"/>
-          <p:cNvPicPr>
-            <a:picLocks noGrp="1" noChangeAspect="1"/>
-          </p:cNvPicPr>
-          <p:nvPr>
-            <p:ph idx="1"/>
-          </p:nvPr>
-        </p:nvPicPr>
-        <p:blipFill>
-          <a:blip r:embed="rId2">
-            <a:extLst>
-              <a:ext uri="{28A0092B-C50C-407E-A947-70E740481C1C}">
-                <a14:useLocalDpi xmlns:a14="http://schemas.microsoft.com/office/drawing/2010/main" val="0"/>
-              </a:ext>
-            </a:extLst>
-          </a:blip>
-          <a:stretch>
-            <a:fillRect/>
-          </a:stretch>
-        </p:blipFill>
-        <p:spPr>
-          <a:xfrm>
-            <a:off x="1442641" y="1323975"/>
-            <a:ext cx="8268493" cy="4924425"/>
-          </a:xfrm>
-        </p:spPr>
-      </p:pic>
-    </p:spTree>
-    <p:extLst>
-      <p:ext uri="{BB962C8B-B14F-4D97-AF65-F5344CB8AC3E}">
-        <p14:creationId xmlns:p14="http://schemas.microsoft.com/office/powerpoint/2010/main" val="1607655662"/>
-      </p:ext>
-    </p:extLst>
-  </p:cSld>
-  <p:clrMapOvr>
-    <a:masterClrMapping/>
-  </p:clrMapOvr>
-</p:sld>
-</file>
-
-<file path=ppt/slides/slide14.xml><?xml version="1.0" encoding="utf-8"?>
-<p:sld xmlns:a="http://schemas.openxmlformats.org/drawingml/2006/main" xmlns:r="http://schemas.openxmlformats.org/officeDocument/2006/relationships" xmlns:p="http://schemas.openxmlformats.org/presentationml/2006/main">
-  <p:cSld>
-    <p:spTree>
-      <p:nvGrpSpPr>
-        <p:cNvPr id="1" name=""/>
-        <p:cNvGrpSpPr/>
-        <p:nvPr/>
-      </p:nvGrpSpPr>
-      <p:grpSpPr>
-        <a:xfrm>
-          <a:off x="0" y="0"/>
-          <a:ext cx="0" cy="0"/>
-          <a:chOff x="0" y="0"/>
-          <a:chExt cx="0" cy="0"/>
-        </a:xfrm>
-      </p:grpSpPr>
-      <p:sp>
-        <p:nvSpPr>
-          <p:cNvPr id="2" name="Title 1"/>
-          <p:cNvSpPr>
-            <a:spLocks noGrp="1"/>
-          </p:cNvSpPr>
-          <p:nvPr>
-            <p:ph type="title"/>
-          </p:nvPr>
-        </p:nvSpPr>
-        <p:spPr>
-          <a:xfrm>
-            <a:off x="646111" y="452718"/>
-            <a:ext cx="9404723" cy="899832"/>
-          </a:xfrm>
-        </p:spPr>
-        <p:txBody>
-          <a:bodyPr/>
-          <a:lstStyle/>
-          <a:p>
-            <a:r>
-              <a:rPr lang="bs-Latn-BA" dirty="0" smtClean="0"/>
-              <a:t>Opis dijagram komponenti</a:t>
-            </a:r>
-            <a:endParaRPr lang="en-US" dirty="0"/>
-          </a:p>
-        </p:txBody>
-      </p:sp>
-      <p:sp>
-        <p:nvSpPr>
-          <p:cNvPr id="3" name="Content Placeholder 2"/>
-          <p:cNvSpPr>
-            <a:spLocks noGrp="1"/>
-          </p:cNvSpPr>
-          <p:nvPr>
-            <p:ph idx="1"/>
-          </p:nvPr>
-        </p:nvSpPr>
-        <p:spPr>
-          <a:xfrm>
-            <a:off x="1103312" y="1352550"/>
-            <a:ext cx="8946541" cy="4895849"/>
-          </a:xfrm>
-        </p:spPr>
-        <p:txBody>
-          <a:bodyPr/>
-          <a:lstStyle/>
-          <a:p>
-            <a:r>
-              <a:rPr lang="bs-Latn-BA" dirty="0" smtClean="0"/>
-              <a:t>Ne znam je li tačno lolololol</a:t>
-            </a:r>
-            <a:endParaRPr lang="en-US" dirty="0"/>
-          </a:p>
-        </p:txBody>
-      </p:sp>
-    </p:spTree>
-    <p:extLst>
-      <p:ext uri="{BB962C8B-B14F-4D97-AF65-F5344CB8AC3E}">
-        <p14:creationId xmlns:p14="http://schemas.microsoft.com/office/powerpoint/2010/main" val="3032290119"/>
-      </p:ext>
-    </p:extLst>
-  </p:cSld>
-  <p:clrMapOvr>
-    <a:masterClrMapping/>
-  </p:clrMapOvr>
-</p:sld>
-</file>
-
-<file path=ppt/slides/slide15.xml><?xml version="1.0" encoding="utf-8"?>
-<p:sld xmlns:a="http://schemas.openxmlformats.org/drawingml/2006/main" xmlns:r="http://schemas.openxmlformats.org/officeDocument/2006/relationships" xmlns:p="http://schemas.openxmlformats.org/presentationml/2006/main">
-  <p:cSld>
-    <p:spTree>
-      <p:nvGrpSpPr>
-        <p:cNvPr id="1" name=""/>
-        <p:cNvGrpSpPr/>
-        <p:nvPr/>
-      </p:nvGrpSpPr>
-      <p:grpSpPr>
-        <a:xfrm>
-          <a:off x="0" y="0"/>
-          <a:ext cx="0" cy="0"/>
-          <a:chOff x="0" y="0"/>
-          <a:chExt cx="0" cy="0"/>
-        </a:xfrm>
-      </p:grpSpPr>
-      <p:sp>
-        <p:nvSpPr>
-          <p:cNvPr id="2" name="Title 1"/>
-          <p:cNvSpPr>
-            <a:spLocks noGrp="1"/>
-          </p:cNvSpPr>
-          <p:nvPr>
-            <p:ph type="title"/>
-          </p:nvPr>
-        </p:nvSpPr>
-        <p:spPr>
-          <a:xfrm>
-            <a:off x="646111" y="452718"/>
-            <a:ext cx="9404723" cy="833157"/>
-          </a:xfrm>
-        </p:spPr>
-        <p:txBody>
-          <a:bodyPr/>
-          <a:lstStyle/>
-          <a:p>
-            <a:r>
-              <a:rPr lang="bs-Latn-BA" dirty="0" smtClean="0"/>
-              <a:t>Ideja za igru</a:t>
-            </a:r>
-            <a:endParaRPr lang="en-US" dirty="0"/>
-          </a:p>
-        </p:txBody>
-      </p:sp>
-      <p:sp>
-        <p:nvSpPr>
-          <p:cNvPr id="3" name="Content Placeholder 2"/>
-          <p:cNvSpPr>
-            <a:spLocks noGrp="1"/>
-          </p:cNvSpPr>
-          <p:nvPr>
-            <p:ph idx="1"/>
-          </p:nvPr>
-        </p:nvSpPr>
-        <p:spPr>
-          <a:xfrm>
-            <a:off x="1103312" y="1285876"/>
-            <a:ext cx="8946541" cy="4962524"/>
-          </a:xfrm>
-        </p:spPr>
-        <p:txBody>
-          <a:bodyPr>
-            <a:normAutofit/>
-          </a:bodyPr>
-          <a:lstStyle/>
-          <a:p>
-            <a:r>
-              <a:rPr lang="bs-Latn-BA" sz="3200" dirty="0" smtClean="0"/>
-              <a:t>Postoje tri radnje u različitim bojama</a:t>
-            </a:r>
-          </a:p>
-          <a:p>
-            <a:r>
-              <a:rPr lang="bs-Latn-BA" sz="3200" dirty="0" smtClean="0"/>
-              <a:t>Artikli padaju sa vrha ekrana</a:t>
-            </a:r>
-          </a:p>
-          <a:p>
-            <a:r>
-              <a:rPr lang="bs-Latn-BA" sz="3200" dirty="0" smtClean="0"/>
-              <a:t>Trebaju se poslati artikli u odgovarajućim radnjama</a:t>
-            </a:r>
-          </a:p>
-          <a:p>
-            <a:r>
-              <a:rPr lang="bs-Latn-BA" sz="3200" dirty="0" smtClean="0"/>
-              <a:t>Slično Guitar Hero-u</a:t>
-            </a:r>
-            <a:endParaRPr lang="en-US" sz="3200" dirty="0"/>
-          </a:p>
-        </p:txBody>
-      </p:sp>
-      <p:pic>
-        <p:nvPicPr>
-          <p:cNvPr id="5124" name="Picture 4" descr="https://upload.wikimedia.org/wikipedia/en/6/6c/Guitarhero-screen.jpg"/>
-          <p:cNvPicPr>
-            <a:picLocks noChangeAspect="1" noChangeArrowheads="1"/>
-          </p:cNvPicPr>
-          <p:nvPr/>
-        </p:nvPicPr>
-        <p:blipFill>
-          <a:blip r:embed="rId2">
-            <a:extLst>
-              <a:ext uri="{28A0092B-C50C-407E-A947-70E740481C1C}">
-                <a14:useLocalDpi xmlns:a14="http://schemas.microsoft.com/office/drawing/2010/main" val="0"/>
-              </a:ext>
-            </a:extLst>
-          </a:blip>
-          <a:srcRect/>
-          <a:stretch>
-            <a:fillRect/>
-          </a:stretch>
-        </p:blipFill>
-        <p:spPr bwMode="auto">
-          <a:xfrm>
-            <a:off x="5979616" y="3390900"/>
-            <a:ext cx="3616710" cy="2705100"/>
-          </a:xfrm>
-          <a:prstGeom prst="rect">
-            <a:avLst/>
-          </a:prstGeom>
-          <a:noFill/>
-          <a:extLst>
-            <a:ext uri="{909E8E84-426E-40DD-AFC4-6F175D3DCCD1}">
-              <a14:hiddenFill xmlns:a14="http://schemas.microsoft.com/office/drawing/2010/main">
-                <a:solidFill>
-                  <a:srgbClr val="FFFFFF"/>
-                </a:solidFill>
-              </a14:hiddenFill>
-            </a:ext>
-          </a:extLst>
-        </p:spPr>
-      </p:pic>
-    </p:spTree>
-    <p:extLst>
-      <p:ext uri="{BB962C8B-B14F-4D97-AF65-F5344CB8AC3E}">
-        <p14:creationId xmlns:p14="http://schemas.microsoft.com/office/powerpoint/2010/main" val="3580140287"/>
-      </p:ext>
-    </p:extLst>
-  </p:cSld>
-  <p:clrMapOvr>
-    <a:masterClrMapping/>
-  </p:clrMapOvr>
-</p:sld>
-</file>
-
-<file path=ppt/slides/slide2.xml><?xml version="1.0" encoding="utf-8"?>
-<p:sld xmlns:a="http://schemas.openxmlformats.org/drawingml/2006/main" xmlns:r="http://schemas.openxmlformats.org/officeDocument/2006/relationships" xmlns:p="http://schemas.openxmlformats.org/presentationml/2006/main">
-  <p:cSld>
-    <p:spTree>
-      <p:nvGrpSpPr>
-        <p:cNvPr id="1" name=""/>
-        <p:cNvGrpSpPr/>
-        <p:nvPr/>
-      </p:nvGrpSpPr>
-      <p:grpSpPr>
-        <a:xfrm>
-          <a:off x="0" y="0"/>
-          <a:ext cx="0" cy="0"/>
-          <a:chOff x="0" y="0"/>
-          <a:chExt cx="0" cy="0"/>
-        </a:xfrm>
-      </p:grpSpPr>
-      <p:sp>
-        <p:nvSpPr>
-          <p:cNvPr id="2" name="Title 1"/>
-          <p:cNvSpPr>
-            <a:spLocks noGrp="1"/>
-          </p:cNvSpPr>
-          <p:nvPr>
-            <p:ph type="title"/>
-          </p:nvPr>
-        </p:nvSpPr>
-        <p:spPr>
-          <a:xfrm>
-            <a:off x="646111" y="452718"/>
-            <a:ext cx="9404723" cy="776007"/>
-          </a:xfrm>
-        </p:spPr>
-        <p:txBody>
-          <a:bodyPr/>
-          <a:lstStyle/>
-          <a:p>
-            <a:r>
-              <a:rPr lang="bs-Latn-BA" dirty="0" smtClean="0"/>
-              <a:t>Šta se koristi</a:t>
-            </a:r>
-            <a:endParaRPr lang="en-US" dirty="0"/>
-          </a:p>
-        </p:txBody>
-      </p:sp>
-      <p:sp>
-        <p:nvSpPr>
-          <p:cNvPr id="3" name="Content Placeholder 2"/>
-          <p:cNvSpPr>
-            <a:spLocks noGrp="1"/>
-          </p:cNvSpPr>
-          <p:nvPr>
-            <p:ph idx="1"/>
-          </p:nvPr>
-        </p:nvSpPr>
-        <p:spPr>
-          <a:xfrm>
-            <a:off x="1103312" y="1228726"/>
-            <a:ext cx="8946541" cy="5019674"/>
-          </a:xfrm>
-        </p:spPr>
-        <p:txBody>
-          <a:bodyPr>
-            <a:normAutofit/>
-          </a:bodyPr>
-          <a:lstStyle/>
-          <a:p>
-            <a:r>
-              <a:rPr lang="bs-Latn-BA" sz="2800" dirty="0" smtClean="0"/>
-              <a:t>Visual Studio 2015 Community Edition</a:t>
-            </a:r>
-          </a:p>
-          <a:p>
-            <a:r>
-              <a:rPr lang="en-US" sz="2800" dirty="0"/>
-              <a:t>Entity </a:t>
-            </a:r>
-            <a:r>
-              <a:rPr lang="en-US" sz="2800" dirty="0" err="1"/>
-              <a:t>Frameworka</a:t>
-            </a:r>
-            <a:endParaRPr lang="en-US" sz="2800" dirty="0"/>
-          </a:p>
-        </p:txBody>
-      </p:sp>
-    </p:spTree>
-    <p:extLst>
-      <p:ext uri="{BB962C8B-B14F-4D97-AF65-F5344CB8AC3E}">
-        <p14:creationId xmlns:p14="http://schemas.microsoft.com/office/powerpoint/2010/main" val="2622030284"/>
-      </p:ext>
-    </p:extLst>
-  </p:cSld>
-  <p:clrMapOvr>
-    <a:masterClrMapping/>
-  </p:clrMapOvr>
-</p:sld>
-</file>
-
-<file path=ppt/slides/slide3.xml><?xml version="1.0" encoding="utf-8"?>
-<p:sld xmlns:a="http://schemas.openxmlformats.org/drawingml/2006/main" xmlns:r="http://schemas.openxmlformats.org/officeDocument/2006/relationships" xmlns:p="http://schemas.openxmlformats.org/presentationml/2006/main">
-  <p:cSld>
-    <p:spTree>
-      <p:nvGrpSpPr>
-        <p:cNvPr id="1" name=""/>
-        <p:cNvGrpSpPr/>
-        <p:nvPr/>
-      </p:nvGrpSpPr>
-      <p:grpSpPr>
-        <a:xfrm>
-          <a:off x="0" y="0"/>
-          <a:ext cx="0" cy="0"/>
-          <a:chOff x="0" y="0"/>
-          <a:chExt cx="0" cy="0"/>
-        </a:xfrm>
-      </p:grpSpPr>
-      <p:sp>
-        <p:nvSpPr>
-          <p:cNvPr id="2" name="Title 1"/>
-          <p:cNvSpPr>
-            <a:spLocks noGrp="1"/>
-          </p:cNvSpPr>
-          <p:nvPr>
-            <p:ph type="title"/>
-          </p:nvPr>
-        </p:nvSpPr>
-        <p:spPr/>
-        <p:txBody>
-          <a:bodyPr/>
-          <a:lstStyle/>
-          <a:p>
-            <a:r>
-              <a:rPr lang="bs-Latn-BA" dirty="0" smtClean="0"/>
-              <a:t>Funkcije radnje:</a:t>
-            </a:r>
-            <a:endParaRPr lang="en-US" dirty="0"/>
-          </a:p>
-        </p:txBody>
-      </p:sp>
-      <p:sp>
-        <p:nvSpPr>
-          <p:cNvPr id="3" name="Content Placeholder 2"/>
-          <p:cNvSpPr>
-            <a:spLocks noGrp="1"/>
-          </p:cNvSpPr>
-          <p:nvPr>
-            <p:ph idx="1"/>
-          </p:nvPr>
-        </p:nvSpPr>
-        <p:spPr>
-          <a:xfrm>
-            <a:off x="1103312" y="1429407"/>
-            <a:ext cx="8946541" cy="5129047"/>
-          </a:xfrm>
-        </p:spPr>
-        <p:txBody>
-          <a:bodyPr/>
-          <a:lstStyle/>
-          <a:p>
-            <a:r>
-              <a:rPr lang="bs-Latn-BA" dirty="0" smtClean="0"/>
-              <a:t>Korisnici, zaposlenik, administrator</a:t>
-            </a:r>
-          </a:p>
-          <a:p>
-            <a:r>
-              <a:rPr lang="bs-Latn-BA" dirty="0" smtClean="0"/>
-              <a:t>Registracija/logovanje</a:t>
-            </a:r>
-          </a:p>
-          <a:p>
-            <a:r>
-              <a:rPr lang="bs-Latn-BA" dirty="0" smtClean="0"/>
-              <a:t>Pretraga artikala</a:t>
-            </a:r>
-          </a:p>
-          <a:p>
-            <a:r>
-              <a:rPr lang="bs-Latn-BA" dirty="0" smtClean="0"/>
-              <a:t>Prikaz informacija artikala</a:t>
-            </a:r>
-          </a:p>
-          <a:p>
-            <a:r>
-              <a:rPr lang="bs-Latn-BA" dirty="0" smtClean="0"/>
-              <a:t>Postavljanje kritika</a:t>
-            </a:r>
-          </a:p>
-          <a:p>
-            <a:r>
-              <a:rPr lang="bs-Latn-BA" dirty="0" smtClean="0"/>
-              <a:t>Mijenjanje ličnih postavki</a:t>
-            </a:r>
-          </a:p>
-          <a:p>
-            <a:r>
-              <a:rPr lang="bs-Latn-BA" dirty="0" smtClean="0"/>
-              <a:t>Pregled kolekcije</a:t>
-            </a:r>
-          </a:p>
-          <a:p>
-            <a:r>
-              <a:rPr lang="bs-Latn-BA" dirty="0" smtClean="0"/>
-              <a:t>Transakcija</a:t>
-            </a:r>
-          </a:p>
-          <a:p>
-            <a:r>
-              <a:rPr lang="bs-Latn-BA" dirty="0" smtClean="0"/>
-              <a:t>Pretraga korisnika (admin)</a:t>
-            </a:r>
-          </a:p>
-          <a:p>
-            <a:r>
-              <a:rPr lang="bs-Latn-BA" dirty="0" smtClean="0"/>
-              <a:t>Banovanje korisnika (admin)</a:t>
-            </a:r>
-          </a:p>
-          <a:p>
-            <a:r>
-              <a:rPr lang="bs-Latn-BA" dirty="0" smtClean="0"/>
-              <a:t>Dodavanje/brisanje artikala (admin)</a:t>
-            </a:r>
-            <a:endParaRPr lang="en-US" dirty="0"/>
-          </a:p>
-        </p:txBody>
-      </p:sp>
-    </p:spTree>
-    <p:extLst>
-      <p:ext uri="{BB962C8B-B14F-4D97-AF65-F5344CB8AC3E}">
-        <p14:creationId xmlns:p14="http://schemas.microsoft.com/office/powerpoint/2010/main" val="37946190"/>
-      </p:ext>
-    </p:extLst>
-  </p:cSld>
-  <p:clrMapOvr>
-    <a:masterClrMapping/>
-  </p:clrMapOvr>
-</p:sld>
-</file>
-
-<file path=ppt/slides/slide4.xml><?xml version="1.0" encoding="utf-8"?>
-<p:sld xmlns:a="http://schemas.openxmlformats.org/drawingml/2006/main" xmlns:r="http://schemas.openxmlformats.org/officeDocument/2006/relationships" xmlns:p="http://schemas.openxmlformats.org/presentationml/2006/main">
-  <p:cSld>
-    <p:spTree>
-      <p:nvGrpSpPr>
-        <p:cNvPr id="1" name=""/>
-        <p:cNvGrpSpPr/>
-        <p:nvPr/>
-      </p:nvGrpSpPr>
-      <p:grpSpPr>
-        <a:xfrm>
-          <a:off x="0" y="0"/>
-          <a:ext cx="0" cy="0"/>
-          <a:chOff x="0" y="0"/>
-          <a:chExt cx="0" cy="0"/>
-        </a:xfrm>
-      </p:grpSpPr>
-      <p:sp>
-        <p:nvSpPr>
-          <p:cNvPr id="2" name="Title 1"/>
-          <p:cNvSpPr>
-            <a:spLocks noGrp="1"/>
-          </p:cNvSpPr>
-          <p:nvPr>
-            <p:ph type="title"/>
-          </p:nvPr>
-        </p:nvSpPr>
-        <p:spPr>
-          <a:xfrm>
-            <a:off x="646111" y="452718"/>
             <a:ext cx="9404723" cy="724441"/>
           </a:xfrm>
         </p:spPr>
@@ -6972,7 +6135,7 @@
 </p:sld>
 </file>
 
-<file path=ppt/slides/slide5.xml><?xml version="1.0" encoding="utf-8"?>
+<file path=ppt/slides/slide11.xml><?xml version="1.0" encoding="utf-8"?>
 <p:sld xmlns:a="http://schemas.openxmlformats.org/drawingml/2006/main" xmlns:r="http://schemas.openxmlformats.org/officeDocument/2006/relationships" xmlns:p="http://schemas.openxmlformats.org/presentationml/2006/main">
   <p:cSld>
     <p:spTree>
@@ -8001,7 +7164,7 @@
 </p:sld>
 </file>
 
-<file path=ppt/slides/slide6.xml><?xml version="1.0" encoding="utf-8"?>
+<file path=ppt/slides/slide12.xml><?xml version="1.0" encoding="utf-8"?>
 <p:sld xmlns:a="http://schemas.openxmlformats.org/drawingml/2006/main" xmlns:r="http://schemas.openxmlformats.org/officeDocument/2006/relationships" xmlns:p="http://schemas.openxmlformats.org/presentationml/2006/main">
   <p:cSld>
     <p:spTree>
@@ -8883,7 +8046,7 @@
 </p:sld>
 </file>
 
-<file path=ppt/slides/slide7.xml><?xml version="1.0" encoding="utf-8"?>
+<file path=ppt/slides/slide13.xml><?xml version="1.0" encoding="utf-8"?>
 <p:sld xmlns:a="http://schemas.openxmlformats.org/drawingml/2006/main" xmlns:r="http://schemas.openxmlformats.org/officeDocument/2006/relationships" xmlns:p="http://schemas.openxmlformats.org/presentationml/2006/main">
   <p:cSld>
     <p:spTree>
@@ -9237,7 +8400,7 @@
 </p:sld>
 </file>
 
-<file path=ppt/slides/slide8.xml><?xml version="1.0" encoding="utf-8"?>
+<file path=ppt/slides/slide14.xml><?xml version="1.0" encoding="utf-8"?>
 <p:sld xmlns:a="http://schemas.openxmlformats.org/drawingml/2006/main" xmlns:r="http://schemas.openxmlformats.org/officeDocument/2006/relationships" xmlns:p="http://schemas.openxmlformats.org/presentationml/2006/main">
   <p:cSld>
     <p:spTree>
@@ -9338,7 +8501,7 @@
 </p:sld>
 </file>
 
-<file path=ppt/slides/slide9.xml><?xml version="1.0" encoding="utf-8"?>
+<file path=ppt/slides/slide15.xml><?xml version="1.0" encoding="utf-8"?>
 <p:sld xmlns:a="http://schemas.openxmlformats.org/drawingml/2006/main" xmlns:r="http://schemas.openxmlformats.org/officeDocument/2006/relationships" xmlns:p="http://schemas.openxmlformats.org/presentationml/2006/main">
   <p:cSld>
     <p:spTree>
@@ -9429,6 +8592,6415 @@
       </p:par>
     </p:tnLst>
   </p:timing>
+</p:sld>
+</file>
+
+<file path=ppt/slides/slide16.xml><?xml version="1.0" encoding="utf-8"?>
+<p:sld xmlns:a="http://schemas.openxmlformats.org/drawingml/2006/main" xmlns:r="http://schemas.openxmlformats.org/officeDocument/2006/relationships" xmlns:p="http://schemas.openxmlformats.org/presentationml/2006/main">
+  <p:cSld>
+    <p:spTree>
+      <p:nvGrpSpPr>
+        <p:cNvPr id="1" name=""/>
+        <p:cNvGrpSpPr/>
+        <p:nvPr/>
+      </p:nvGrpSpPr>
+      <p:grpSpPr>
+        <a:xfrm>
+          <a:off x="0" y="0"/>
+          <a:ext cx="0" cy="0"/>
+          <a:chOff x="0" y="0"/>
+          <a:chExt cx="0" cy="0"/>
+        </a:xfrm>
+      </p:grpSpPr>
+      <p:sp>
+        <p:nvSpPr>
+          <p:cNvPr id="2" name="Title 1"/>
+          <p:cNvSpPr>
+            <a:spLocks noGrp="1"/>
+          </p:cNvSpPr>
+          <p:nvPr>
+            <p:ph type="title"/>
+          </p:nvPr>
+        </p:nvSpPr>
+        <p:spPr>
+          <a:xfrm>
+            <a:off x="646111" y="452718"/>
+            <a:ext cx="9404723" cy="661707"/>
+          </a:xfrm>
+        </p:spPr>
+        <p:txBody>
+          <a:bodyPr/>
+          <a:lstStyle/>
+          <a:p>
+            <a:r>
+              <a:rPr lang="bs-Latn-BA" sz="3600" dirty="0" smtClean="0"/>
+              <a:t>Opis dijagram klase (MVVM arhitekture)</a:t>
+            </a:r>
+            <a:endParaRPr lang="en-US" sz="3600" dirty="0"/>
+          </a:p>
+        </p:txBody>
+      </p:sp>
+      <p:pic>
+        <p:nvPicPr>
+          <p:cNvPr id="4098" name="Picture 2" descr="https://raw.githubusercontent.com/ooad-2016-2017/Tim19-PraiseTheSun/master/DijagramKlasa/DijagramKlasaMVVM.jpg"/>
+          <p:cNvPicPr>
+            <a:picLocks noGrp="1" noChangeAspect="1" noChangeArrowheads="1"/>
+          </p:cNvPicPr>
+          <p:nvPr>
+            <p:ph idx="1"/>
+          </p:nvPr>
+        </p:nvPicPr>
+        <p:blipFill>
+          <a:blip r:embed="rId2">
+            <a:extLst>
+              <a:ext uri="{28A0092B-C50C-407E-A947-70E740481C1C}">
+                <a14:useLocalDpi xmlns:a14="http://schemas.microsoft.com/office/drawing/2010/main" val="0"/>
+              </a:ext>
+            </a:extLst>
+          </a:blip>
+          <a:srcRect/>
+          <a:stretch>
+            <a:fillRect/>
+          </a:stretch>
+        </p:blipFill>
+        <p:spPr bwMode="auto">
+          <a:xfrm>
+            <a:off x="1304925" y="1089673"/>
+            <a:ext cx="8410576" cy="5628817"/>
+          </a:xfrm>
+          <a:prstGeom prst="rect">
+            <a:avLst/>
+          </a:prstGeom>
+          <a:noFill/>
+          <a:extLst>
+            <a:ext uri="{909E8E84-426E-40DD-AFC4-6F175D3DCCD1}">
+              <a14:hiddenFill xmlns:a14="http://schemas.microsoft.com/office/drawing/2010/main">
+                <a:solidFill>
+                  <a:srgbClr val="FFFFFF"/>
+                </a:solidFill>
+              </a14:hiddenFill>
+            </a:ext>
+          </a:extLst>
+        </p:spPr>
+      </p:pic>
+    </p:spTree>
+    <p:extLst>
+      <p:ext uri="{BB962C8B-B14F-4D97-AF65-F5344CB8AC3E}">
+        <p14:creationId xmlns:p14="http://schemas.microsoft.com/office/powerpoint/2010/main" val="2212342194"/>
+      </p:ext>
+    </p:extLst>
+  </p:cSld>
+  <p:clrMapOvr>
+    <a:masterClrMapping/>
+  </p:clrMapOvr>
+  <p:timing>
+    <p:tnLst>
+      <p:par>
+        <p:cTn id="1" dur="indefinite" restart="never" nodeType="tmRoot"/>
+      </p:par>
+    </p:tnLst>
+  </p:timing>
+</p:sld>
+</file>
+
+<file path=ppt/slides/slide17.xml><?xml version="1.0" encoding="utf-8"?>
+<p:sld xmlns:a="http://schemas.openxmlformats.org/drawingml/2006/main" xmlns:r="http://schemas.openxmlformats.org/officeDocument/2006/relationships" xmlns:p="http://schemas.openxmlformats.org/presentationml/2006/main">
+  <p:cSld>
+    <p:spTree>
+      <p:nvGrpSpPr>
+        <p:cNvPr id="1" name=""/>
+        <p:cNvGrpSpPr/>
+        <p:nvPr/>
+      </p:nvGrpSpPr>
+      <p:grpSpPr>
+        <a:xfrm>
+          <a:off x="0" y="0"/>
+          <a:ext cx="0" cy="0"/>
+          <a:chOff x="0" y="0"/>
+          <a:chExt cx="0" cy="0"/>
+        </a:xfrm>
+      </p:grpSpPr>
+      <p:sp>
+        <p:nvSpPr>
+          <p:cNvPr id="2" name="Title 1"/>
+          <p:cNvSpPr>
+            <a:spLocks noGrp="1"/>
+          </p:cNvSpPr>
+          <p:nvPr>
+            <p:ph type="title"/>
+          </p:nvPr>
+        </p:nvSpPr>
+        <p:spPr>
+          <a:xfrm>
+            <a:off x="646111" y="452718"/>
+            <a:ext cx="9404723" cy="747432"/>
+          </a:xfrm>
+        </p:spPr>
+        <p:txBody>
+          <a:bodyPr/>
+          <a:lstStyle/>
+          <a:p>
+            <a:r>
+              <a:rPr lang="bs-Latn-BA" dirty="0" smtClean="0"/>
+              <a:t>Opis dijagram sekvenci</a:t>
+            </a:r>
+            <a:endParaRPr lang="en-US" dirty="0"/>
+          </a:p>
+        </p:txBody>
+      </p:sp>
+      <p:pic>
+        <p:nvPicPr>
+          <p:cNvPr id="4" name="Content Placeholder 3"/>
+          <p:cNvPicPr>
+            <a:picLocks noGrp="1" noChangeAspect="1"/>
+          </p:cNvPicPr>
+          <p:nvPr>
+            <p:ph idx="1"/>
+          </p:nvPr>
+        </p:nvPicPr>
+        <p:blipFill>
+          <a:blip r:embed="rId2">
+            <a:extLst>
+              <a:ext uri="{28A0092B-C50C-407E-A947-70E740481C1C}">
+                <a14:useLocalDpi xmlns:a14="http://schemas.microsoft.com/office/drawing/2010/main" val="0"/>
+              </a:ext>
+            </a:extLst>
+          </a:blip>
+          <a:stretch>
+            <a:fillRect/>
+          </a:stretch>
+        </p:blipFill>
+        <p:spPr>
+          <a:xfrm>
+            <a:off x="1647825" y="1581150"/>
+            <a:ext cx="7858125" cy="4352925"/>
+          </a:xfrm>
+        </p:spPr>
+      </p:pic>
+    </p:spTree>
+    <p:extLst>
+      <p:ext uri="{BB962C8B-B14F-4D97-AF65-F5344CB8AC3E}">
+        <p14:creationId xmlns:p14="http://schemas.microsoft.com/office/powerpoint/2010/main" val="3237778017"/>
+      </p:ext>
+    </p:extLst>
+  </p:cSld>
+  <p:clrMapOvr>
+    <a:masterClrMapping/>
+  </p:clrMapOvr>
+  <p:timing>
+    <p:tnLst>
+      <p:par>
+        <p:cTn id="1" dur="indefinite" restart="never" nodeType="tmRoot"/>
+      </p:par>
+    </p:tnLst>
+  </p:timing>
+</p:sld>
+</file>
+
+<file path=ppt/slides/slide18.xml><?xml version="1.0" encoding="utf-8"?>
+<p:sld xmlns:a="http://schemas.openxmlformats.org/drawingml/2006/main" xmlns:r="http://schemas.openxmlformats.org/officeDocument/2006/relationships" xmlns:p="http://schemas.openxmlformats.org/presentationml/2006/main">
+  <p:cSld>
+    <p:spTree>
+      <p:nvGrpSpPr>
+        <p:cNvPr id="1" name=""/>
+        <p:cNvGrpSpPr/>
+        <p:nvPr/>
+      </p:nvGrpSpPr>
+      <p:grpSpPr>
+        <a:xfrm>
+          <a:off x="0" y="0"/>
+          <a:ext cx="0" cy="0"/>
+          <a:chOff x="0" y="0"/>
+          <a:chExt cx="0" cy="0"/>
+        </a:xfrm>
+      </p:grpSpPr>
+      <p:sp>
+        <p:nvSpPr>
+          <p:cNvPr id="2" name="Title 1"/>
+          <p:cNvSpPr>
+            <a:spLocks noGrp="1"/>
+          </p:cNvSpPr>
+          <p:nvPr>
+            <p:ph type="title"/>
+          </p:nvPr>
+        </p:nvSpPr>
+        <p:spPr>
+          <a:xfrm>
+            <a:off x="646111" y="452718"/>
+            <a:ext cx="9404723" cy="823632"/>
+          </a:xfrm>
+        </p:spPr>
+        <p:txBody>
+          <a:bodyPr/>
+          <a:lstStyle/>
+          <a:p>
+            <a:r>
+              <a:rPr lang="bs-Latn-BA" dirty="0" smtClean="0"/>
+              <a:t>Opis dijagram komunikacije</a:t>
+            </a:r>
+            <a:endParaRPr lang="en-US" dirty="0"/>
+          </a:p>
+        </p:txBody>
+      </p:sp>
+      <p:pic>
+        <p:nvPicPr>
+          <p:cNvPr id="4" name="Content Placeholder 3"/>
+          <p:cNvPicPr>
+            <a:picLocks noGrp="1" noChangeAspect="1"/>
+          </p:cNvPicPr>
+          <p:nvPr>
+            <p:ph idx="1"/>
+          </p:nvPr>
+        </p:nvPicPr>
+        <p:blipFill>
+          <a:blip r:embed="rId2">
+            <a:extLst>
+              <a:ext uri="{28A0092B-C50C-407E-A947-70E740481C1C}">
+                <a14:useLocalDpi xmlns:a14="http://schemas.microsoft.com/office/drawing/2010/main" val="0"/>
+              </a:ext>
+            </a:extLst>
+          </a:blip>
+          <a:stretch>
+            <a:fillRect/>
+          </a:stretch>
+        </p:blipFill>
+        <p:spPr>
+          <a:xfrm>
+            <a:off x="2928938" y="1600200"/>
+            <a:ext cx="5295900" cy="4324350"/>
+          </a:xfrm>
+        </p:spPr>
+      </p:pic>
+    </p:spTree>
+    <p:extLst>
+      <p:ext uri="{BB962C8B-B14F-4D97-AF65-F5344CB8AC3E}">
+        <p14:creationId xmlns:p14="http://schemas.microsoft.com/office/powerpoint/2010/main" val="1082258345"/>
+      </p:ext>
+    </p:extLst>
+  </p:cSld>
+  <p:clrMapOvr>
+    <a:masterClrMapping/>
+  </p:clrMapOvr>
+</p:sld>
+</file>
+
+<file path=ppt/slides/slide19.xml><?xml version="1.0" encoding="utf-8"?>
+<p:sld xmlns:a="http://schemas.openxmlformats.org/drawingml/2006/main" xmlns:r="http://schemas.openxmlformats.org/officeDocument/2006/relationships" xmlns:p="http://schemas.openxmlformats.org/presentationml/2006/main">
+  <p:cSld>
+    <p:spTree>
+      <p:nvGrpSpPr>
+        <p:cNvPr id="1" name=""/>
+        <p:cNvGrpSpPr/>
+        <p:nvPr/>
+      </p:nvGrpSpPr>
+      <p:grpSpPr>
+        <a:xfrm>
+          <a:off x="0" y="0"/>
+          <a:ext cx="0" cy="0"/>
+          <a:chOff x="0" y="0"/>
+          <a:chExt cx="0" cy="0"/>
+        </a:xfrm>
+      </p:grpSpPr>
+      <p:sp>
+        <p:nvSpPr>
+          <p:cNvPr id="2" name="Title 1"/>
+          <p:cNvSpPr>
+            <a:spLocks noGrp="1"/>
+          </p:cNvSpPr>
+          <p:nvPr>
+            <p:ph type="title"/>
+          </p:nvPr>
+        </p:nvSpPr>
+        <p:spPr>
+          <a:xfrm>
+            <a:off x="646111" y="452718"/>
+            <a:ext cx="9404723" cy="804582"/>
+          </a:xfrm>
+        </p:spPr>
+        <p:txBody>
+          <a:bodyPr/>
+          <a:lstStyle/>
+          <a:p>
+            <a:r>
+              <a:rPr lang="bs-Latn-BA" dirty="0" smtClean="0"/>
+              <a:t>Opis dijagram paketa</a:t>
+            </a:r>
+            <a:endParaRPr lang="en-US" dirty="0"/>
+          </a:p>
+        </p:txBody>
+      </p:sp>
+      <p:pic>
+        <p:nvPicPr>
+          <p:cNvPr id="4" name="Content Placeholder 3"/>
+          <p:cNvPicPr>
+            <a:picLocks noGrp="1" noChangeAspect="1"/>
+          </p:cNvPicPr>
+          <p:nvPr>
+            <p:ph idx="1"/>
+          </p:nvPr>
+        </p:nvPicPr>
+        <p:blipFill>
+          <a:blip r:embed="rId2">
+            <a:extLst>
+              <a:ext uri="{28A0092B-C50C-407E-A947-70E740481C1C}">
+                <a14:useLocalDpi xmlns:a14="http://schemas.microsoft.com/office/drawing/2010/main" val="0"/>
+              </a:ext>
+            </a:extLst>
+          </a:blip>
+          <a:stretch>
+            <a:fillRect/>
+          </a:stretch>
+        </p:blipFill>
+        <p:spPr>
+          <a:xfrm>
+            <a:off x="1442641" y="1323975"/>
+            <a:ext cx="8268493" cy="4924425"/>
+          </a:xfrm>
+        </p:spPr>
+      </p:pic>
+    </p:spTree>
+    <p:extLst>
+      <p:ext uri="{BB962C8B-B14F-4D97-AF65-F5344CB8AC3E}">
+        <p14:creationId xmlns:p14="http://schemas.microsoft.com/office/powerpoint/2010/main" val="1607655662"/>
+      </p:ext>
+    </p:extLst>
+  </p:cSld>
+  <p:clrMapOvr>
+    <a:masterClrMapping/>
+  </p:clrMapOvr>
+</p:sld>
+</file>
+
+<file path=ppt/slides/slide2.xml><?xml version="1.0" encoding="utf-8"?>
+<p:sld xmlns:a="http://schemas.openxmlformats.org/drawingml/2006/main" xmlns:r="http://schemas.openxmlformats.org/officeDocument/2006/relationships" xmlns:p="http://schemas.openxmlformats.org/presentationml/2006/main">
+  <p:cSld>
+    <p:spTree>
+      <p:nvGrpSpPr>
+        <p:cNvPr id="1" name=""/>
+        <p:cNvGrpSpPr/>
+        <p:nvPr/>
+      </p:nvGrpSpPr>
+      <p:grpSpPr>
+        <a:xfrm>
+          <a:off x="0" y="0"/>
+          <a:ext cx="0" cy="0"/>
+          <a:chOff x="0" y="0"/>
+          <a:chExt cx="0" cy="0"/>
+        </a:xfrm>
+      </p:grpSpPr>
+      <p:sp>
+        <p:nvSpPr>
+          <p:cNvPr id="2" name="Title 1"/>
+          <p:cNvSpPr>
+            <a:spLocks noGrp="1"/>
+          </p:cNvSpPr>
+          <p:nvPr>
+            <p:ph type="title"/>
+          </p:nvPr>
+        </p:nvSpPr>
+        <p:spPr>
+          <a:xfrm>
+            <a:off x="646111" y="452718"/>
+            <a:ext cx="9404723" cy="734951"/>
+          </a:xfrm>
+        </p:spPr>
+        <p:txBody>
+          <a:bodyPr/>
+          <a:lstStyle/>
+          <a:p>
+            <a:r>
+              <a:rPr lang="en-US" b="1"/>
+              <a:t>Opis</a:t>
+            </a:r>
+            <a:r>
+              <a:rPr lang="en-US" b="1" dirty="0"/>
+              <a:t> </a:t>
+            </a:r>
+            <a:r>
+              <a:rPr lang="en-US" b="1" dirty="0" err="1"/>
+              <a:t>teme</a:t>
+            </a:r>
+            <a:r>
+              <a:rPr lang="en-US" b="1" dirty="0"/>
+              <a:t/>
+            </a:r>
+            <a:br>
+              <a:rPr lang="en-US" b="1" dirty="0"/>
+            </a:br>
+            <a:endParaRPr lang="en-US" dirty="0"/>
+          </a:p>
+        </p:txBody>
+      </p:sp>
+      <p:sp>
+        <p:nvSpPr>
+          <p:cNvPr id="3" name="Content Placeholder 2"/>
+          <p:cNvSpPr>
+            <a:spLocks noGrp="1"/>
+          </p:cNvSpPr>
+          <p:nvPr>
+            <p:ph idx="1"/>
+          </p:nvPr>
+        </p:nvSpPr>
+        <p:spPr>
+          <a:xfrm>
+            <a:off x="646111" y="1187670"/>
+            <a:ext cx="10715571" cy="5060730"/>
+          </a:xfrm>
+        </p:spPr>
+        <p:txBody>
+          <a:bodyPr/>
+          <a:lstStyle/>
+          <a:p>
+            <a:r>
+              <a:rPr lang="bs-Latn-BA" sz="2800" dirty="0" err="1"/>
+              <a:t>O</a:t>
+            </a:r>
+            <a:r>
+              <a:rPr lang="en-US" sz="2800" dirty="0" err="1" smtClean="0"/>
+              <a:t>snovnu</a:t>
+            </a:r>
+            <a:r>
+              <a:rPr lang="en-US" sz="2800" dirty="0" smtClean="0"/>
+              <a:t> </a:t>
+            </a:r>
+            <a:r>
+              <a:rPr lang="en-US" sz="2800" dirty="0" err="1"/>
+              <a:t>funkcionalnost</a:t>
+            </a:r>
+            <a:r>
+              <a:rPr lang="en-US" sz="2800" dirty="0"/>
+              <a:t> </a:t>
+            </a:r>
+            <a:r>
+              <a:rPr lang="en-US" sz="2800" dirty="0" err="1"/>
+              <a:t>prodavnice</a:t>
+            </a:r>
+            <a:r>
+              <a:rPr lang="en-US" sz="2800" dirty="0"/>
+              <a:t> </a:t>
+            </a:r>
+            <a:r>
+              <a:rPr lang="en-US" sz="2800" dirty="0" err="1" smtClean="0"/>
+              <a:t>posjeduje</a:t>
+            </a:r>
+            <a:r>
+              <a:rPr lang="bs-Latn-BA" sz="2800" dirty="0" smtClean="0"/>
+              <a:t> pregled i kupovina artikala,</a:t>
+            </a:r>
+            <a:r>
+              <a:rPr lang="en-US" sz="2800" dirty="0" smtClean="0"/>
+              <a:t> </a:t>
+            </a:r>
+            <a:r>
+              <a:rPr lang="en-US" sz="2800" dirty="0" err="1"/>
+              <a:t>funkcionalnost</a:t>
+            </a:r>
+            <a:r>
+              <a:rPr lang="en-US" sz="2800" dirty="0"/>
+              <a:t> </a:t>
+            </a:r>
+            <a:r>
+              <a:rPr lang="en-US" sz="2800" dirty="0" err="1"/>
+              <a:t>foruma</a:t>
+            </a:r>
+            <a:r>
+              <a:rPr lang="en-US" sz="2800" dirty="0"/>
+              <a:t> </a:t>
+            </a:r>
+            <a:r>
+              <a:rPr lang="en-US" sz="2800" dirty="0" err="1"/>
+              <a:t>za</a:t>
+            </a:r>
+            <a:r>
+              <a:rPr lang="en-US" sz="2800" dirty="0"/>
+              <a:t> </a:t>
+            </a:r>
+            <a:r>
+              <a:rPr lang="en-US" sz="2800" dirty="0" err="1"/>
+              <a:t>ocjenjivanje</a:t>
+            </a:r>
+            <a:r>
+              <a:rPr lang="en-US" sz="2800" dirty="0"/>
+              <a:t> </a:t>
+            </a:r>
+            <a:r>
+              <a:rPr lang="en-US" sz="2800" dirty="0" err="1"/>
+              <a:t>artikala</a:t>
+            </a:r>
+            <a:r>
+              <a:rPr lang="en-US" sz="2800" dirty="0"/>
+              <a:t> </a:t>
+            </a:r>
+            <a:r>
+              <a:rPr lang="en-US" sz="2800" dirty="0" err="1"/>
+              <a:t>i</a:t>
+            </a:r>
+            <a:r>
+              <a:rPr lang="en-US" sz="2800" dirty="0"/>
+              <a:t> </a:t>
+            </a:r>
+            <a:r>
+              <a:rPr lang="en-US" sz="2800" dirty="0" err="1"/>
+              <a:t>interakcije</a:t>
+            </a:r>
+            <a:r>
+              <a:rPr lang="en-US" sz="2800" dirty="0"/>
+              <a:t> </a:t>
+            </a:r>
+            <a:r>
+              <a:rPr lang="en-US" sz="2800" dirty="0" err="1"/>
+              <a:t>sa</a:t>
+            </a:r>
+            <a:r>
+              <a:rPr lang="en-US" sz="2800" dirty="0"/>
+              <a:t> </a:t>
+            </a:r>
+            <a:r>
+              <a:rPr lang="en-US" sz="2800" dirty="0" err="1"/>
+              <a:t>fizičkim</a:t>
+            </a:r>
+            <a:r>
+              <a:rPr lang="en-US" sz="2800" dirty="0"/>
+              <a:t> </a:t>
+            </a:r>
+            <a:r>
+              <a:rPr lang="en-US" sz="2800" dirty="0" err="1"/>
+              <a:t>prodavnicama</a:t>
+            </a:r>
+            <a:r>
+              <a:rPr lang="en-US" sz="2800" dirty="0"/>
+              <a:t> </a:t>
+            </a:r>
+            <a:r>
+              <a:rPr lang="en-US" sz="2800" dirty="0" err="1"/>
+              <a:t>koje</a:t>
+            </a:r>
+            <a:r>
+              <a:rPr lang="en-US" sz="2800" dirty="0"/>
+              <a:t> </a:t>
+            </a:r>
+            <a:r>
+              <a:rPr lang="en-US" sz="2800" dirty="0" err="1"/>
+              <a:t>posjeduje</a:t>
+            </a:r>
+            <a:r>
+              <a:rPr lang="en-US" sz="2800" dirty="0"/>
+              <a:t> </a:t>
+            </a:r>
+            <a:r>
+              <a:rPr lang="en-US" sz="2800" dirty="0" err="1"/>
+              <a:t>biznis</a:t>
+            </a:r>
+            <a:r>
+              <a:rPr lang="en-US" sz="2800" dirty="0"/>
+              <a:t>. </a:t>
+            </a:r>
+            <a:endParaRPr lang="bs-Latn-BA" sz="2800" dirty="0" smtClean="0"/>
+          </a:p>
+          <a:p>
+            <a:r>
+              <a:rPr lang="en-US" sz="2800" dirty="0" err="1"/>
+              <a:t>Osim</a:t>
+            </a:r>
+            <a:r>
+              <a:rPr lang="en-US" sz="2800" dirty="0"/>
+              <a:t> toga on </a:t>
+            </a:r>
+            <a:r>
+              <a:rPr lang="en-US" sz="2800" dirty="0" err="1"/>
+              <a:t>daje</a:t>
+            </a:r>
+            <a:r>
+              <a:rPr lang="en-US" sz="2800" dirty="0"/>
+              <a:t> </a:t>
+            </a:r>
+            <a:r>
+              <a:rPr lang="en-US" sz="2800" dirty="0" err="1"/>
+              <a:t>korisne</a:t>
+            </a:r>
+            <a:r>
+              <a:rPr lang="en-US" sz="2800" dirty="0"/>
+              <a:t> </a:t>
+            </a:r>
+            <a:r>
+              <a:rPr lang="en-US" sz="2800" dirty="0" err="1"/>
+              <a:t>mogućnosti</a:t>
+            </a:r>
+            <a:r>
+              <a:rPr lang="en-US" sz="2800" dirty="0"/>
+              <a:t> </a:t>
+            </a:r>
+            <a:r>
+              <a:rPr lang="en-US" sz="2800" dirty="0" err="1"/>
+              <a:t>koje</a:t>
+            </a:r>
+            <a:r>
+              <a:rPr lang="en-US" sz="2800" dirty="0"/>
+              <a:t> se </a:t>
+            </a:r>
+            <a:r>
+              <a:rPr lang="en-US" sz="2800" dirty="0" err="1"/>
+              <a:t>tiču</a:t>
+            </a:r>
+            <a:r>
+              <a:rPr lang="en-US" sz="2800" dirty="0"/>
+              <a:t> </a:t>
+            </a:r>
+            <a:r>
+              <a:rPr lang="en-US" sz="2800" dirty="0" err="1"/>
+              <a:t>spašavanja</a:t>
+            </a:r>
+            <a:r>
+              <a:rPr lang="en-US" sz="2800" dirty="0"/>
+              <a:t> </a:t>
+            </a:r>
+            <a:r>
+              <a:rPr lang="en-US" sz="2800" dirty="0" err="1"/>
+              <a:t>historije</a:t>
+            </a:r>
+            <a:r>
+              <a:rPr lang="en-US" sz="2800" dirty="0"/>
+              <a:t> </a:t>
+            </a:r>
+            <a:r>
+              <a:rPr lang="en-US" sz="2800" dirty="0" err="1"/>
+              <a:t>korisnikove</a:t>
+            </a:r>
+            <a:r>
+              <a:rPr lang="en-US" sz="2800" dirty="0"/>
+              <a:t> </a:t>
+            </a:r>
+            <a:r>
+              <a:rPr lang="en-US" sz="2800" dirty="0" err="1"/>
+              <a:t>kupnje</a:t>
+            </a:r>
+            <a:r>
+              <a:rPr lang="en-US" sz="2800" dirty="0"/>
+              <a:t>, </a:t>
+            </a:r>
+            <a:r>
+              <a:rPr lang="en-US" sz="2800" dirty="0" err="1"/>
+              <a:t>zahtjeva</a:t>
+            </a:r>
+            <a:r>
+              <a:rPr lang="en-US" sz="2800" dirty="0"/>
+              <a:t> </a:t>
+            </a:r>
+            <a:r>
+              <a:rPr lang="en-US" sz="2800" dirty="0" err="1"/>
+              <a:t>za</a:t>
+            </a:r>
+            <a:r>
+              <a:rPr lang="en-US" sz="2800" dirty="0"/>
+              <a:t> </a:t>
+            </a:r>
+            <a:r>
+              <a:rPr lang="en-US" sz="2800" dirty="0" err="1"/>
+              <a:t>povratak</a:t>
+            </a:r>
+            <a:r>
+              <a:rPr lang="en-US" sz="2800" dirty="0"/>
+              <a:t> robe, </a:t>
+            </a:r>
+            <a:r>
+              <a:rPr lang="en-US" sz="2800" dirty="0" err="1"/>
+              <a:t>kupovanja</a:t>
+            </a:r>
+            <a:r>
+              <a:rPr lang="en-US" sz="2800" dirty="0"/>
+              <a:t> </a:t>
+            </a:r>
+            <a:r>
+              <a:rPr lang="en-US" sz="2800" dirty="0" err="1"/>
+              <a:t>specijalnih</a:t>
+            </a:r>
+            <a:r>
+              <a:rPr lang="en-US" sz="2800" dirty="0"/>
+              <a:t> </a:t>
+            </a:r>
+            <a:r>
+              <a:rPr lang="en-US" sz="2800" dirty="0" err="1"/>
+              <a:t>članstava</a:t>
+            </a:r>
+            <a:r>
+              <a:rPr lang="en-US" sz="2800" dirty="0"/>
+              <a:t> </a:t>
+            </a:r>
+            <a:r>
+              <a:rPr lang="en-US" sz="2800" dirty="0" err="1"/>
+              <a:t>za</a:t>
+            </a:r>
+            <a:r>
+              <a:rPr lang="en-US" sz="2800" dirty="0"/>
+              <a:t> </a:t>
+            </a:r>
+            <a:r>
+              <a:rPr lang="en-US" sz="2800" dirty="0" err="1"/>
+              <a:t>buduće</a:t>
+            </a:r>
+            <a:r>
+              <a:rPr lang="en-US" sz="2800" dirty="0"/>
+              <a:t> </a:t>
+            </a:r>
+            <a:r>
+              <a:rPr lang="en-US" sz="2800" dirty="0" err="1"/>
+              <a:t>popuste</a:t>
+            </a:r>
+            <a:r>
+              <a:rPr lang="en-US" sz="2800" dirty="0"/>
+              <a:t>, </a:t>
+            </a:r>
+            <a:r>
+              <a:rPr lang="en-US" sz="2800" dirty="0" err="1"/>
+              <a:t>analize</a:t>
+            </a:r>
+            <a:r>
+              <a:rPr lang="en-US" sz="2800" dirty="0"/>
+              <a:t> </a:t>
+            </a:r>
+            <a:r>
+              <a:rPr lang="en-US" sz="2800" dirty="0" err="1"/>
+              <a:t>podataka</a:t>
+            </a:r>
+            <a:r>
+              <a:rPr lang="en-US" sz="2800" dirty="0"/>
+              <a:t> o </a:t>
+            </a:r>
+            <a:r>
+              <a:rPr lang="en-US" sz="2800" dirty="0" err="1"/>
+              <a:t>kupljenim</a:t>
+            </a:r>
+            <a:r>
+              <a:rPr lang="en-US" sz="2800" dirty="0"/>
+              <a:t> </a:t>
+            </a:r>
+            <a:r>
+              <a:rPr lang="en-US" sz="2800" dirty="0" err="1"/>
+              <a:t>artiklima</a:t>
+            </a:r>
+            <a:r>
+              <a:rPr lang="en-US" sz="2800" dirty="0"/>
+              <a:t>, </a:t>
+            </a:r>
+            <a:r>
+              <a:rPr lang="en-US" sz="2800" dirty="0" err="1"/>
+              <a:t>te</a:t>
+            </a:r>
+            <a:r>
+              <a:rPr lang="en-US" sz="2800" dirty="0"/>
+              <a:t> </a:t>
+            </a:r>
+            <a:r>
+              <a:rPr lang="en-US" sz="2800" dirty="0" err="1"/>
+              <a:t>preporuka</a:t>
+            </a:r>
+            <a:r>
+              <a:rPr lang="en-US" sz="2800" dirty="0"/>
+              <a:t> </a:t>
+            </a:r>
+            <a:r>
+              <a:rPr lang="en-US" sz="2800" dirty="0" err="1"/>
+              <a:t>za</a:t>
+            </a:r>
+            <a:r>
+              <a:rPr lang="en-US" sz="2800" dirty="0"/>
+              <a:t> </a:t>
+            </a:r>
+            <a:r>
+              <a:rPr lang="en-US" sz="2800" dirty="0" err="1"/>
+              <a:t>kupovinu</a:t>
+            </a:r>
+            <a:r>
+              <a:rPr lang="en-US" sz="2800" dirty="0"/>
+              <a:t> </a:t>
+            </a:r>
+            <a:r>
+              <a:rPr lang="en-US" sz="2800" dirty="0" err="1"/>
+              <a:t>novih</a:t>
+            </a:r>
+            <a:r>
+              <a:rPr lang="en-US" sz="2800" dirty="0"/>
+              <a:t> </a:t>
+            </a:r>
+            <a:r>
+              <a:rPr lang="en-US" sz="2800" dirty="0" err="1"/>
+              <a:t>artikala</a:t>
+            </a:r>
+            <a:r>
+              <a:rPr lang="en-US" sz="2800" dirty="0"/>
+              <a:t> </a:t>
+            </a:r>
+            <a:r>
+              <a:rPr lang="en-US" sz="2800" dirty="0" err="1"/>
+              <a:t>bazirana</a:t>
+            </a:r>
+            <a:r>
+              <a:rPr lang="en-US" sz="2800" dirty="0"/>
+              <a:t> </a:t>
+            </a:r>
+            <a:r>
+              <a:rPr lang="en-US" sz="2800" dirty="0" err="1"/>
+              <a:t>na</a:t>
+            </a:r>
+            <a:r>
+              <a:rPr lang="en-US" sz="2800" dirty="0"/>
+              <a:t> </a:t>
+            </a:r>
+            <a:r>
+              <a:rPr lang="en-US" sz="2800" dirty="0" err="1"/>
+              <a:t>odrađenoj</a:t>
+            </a:r>
+            <a:r>
+              <a:rPr lang="en-US" sz="2800" dirty="0"/>
+              <a:t> </a:t>
+            </a:r>
+            <a:r>
+              <a:rPr lang="en-US" sz="2800" dirty="0" err="1"/>
+              <a:t>analizi</a:t>
+            </a:r>
+            <a:r>
+              <a:rPr lang="en-US" sz="2800" dirty="0"/>
+              <a:t>.</a:t>
+            </a:r>
+          </a:p>
+          <a:p>
+            <a:endParaRPr lang="en-US" dirty="0"/>
+          </a:p>
+        </p:txBody>
+      </p:sp>
+    </p:spTree>
+    <p:extLst>
+      <p:ext uri="{BB962C8B-B14F-4D97-AF65-F5344CB8AC3E}">
+        <p14:creationId xmlns:p14="http://schemas.microsoft.com/office/powerpoint/2010/main" val="57391603"/>
+      </p:ext>
+    </p:extLst>
+  </p:cSld>
+  <p:clrMapOvr>
+    <a:masterClrMapping/>
+  </p:clrMapOvr>
+</p:sld>
+</file>
+
+<file path=ppt/slides/slide20.xml><?xml version="1.0" encoding="utf-8"?>
+<p:sld xmlns:a="http://schemas.openxmlformats.org/drawingml/2006/main" xmlns:r="http://schemas.openxmlformats.org/officeDocument/2006/relationships" xmlns:p="http://schemas.openxmlformats.org/presentationml/2006/main">
+  <p:cSld>
+    <p:spTree>
+      <p:nvGrpSpPr>
+        <p:cNvPr id="1" name=""/>
+        <p:cNvGrpSpPr/>
+        <p:nvPr/>
+      </p:nvGrpSpPr>
+      <p:grpSpPr>
+        <a:xfrm>
+          <a:off x="0" y="0"/>
+          <a:ext cx="0" cy="0"/>
+          <a:chOff x="0" y="0"/>
+          <a:chExt cx="0" cy="0"/>
+        </a:xfrm>
+      </p:grpSpPr>
+      <p:sp>
+        <p:nvSpPr>
+          <p:cNvPr id="2" name="Title 1"/>
+          <p:cNvSpPr>
+            <a:spLocks noGrp="1"/>
+          </p:cNvSpPr>
+          <p:nvPr>
+            <p:ph type="title"/>
+          </p:nvPr>
+        </p:nvSpPr>
+        <p:spPr>
+          <a:xfrm>
+            <a:off x="646111" y="452718"/>
+            <a:ext cx="9404723" cy="899832"/>
+          </a:xfrm>
+        </p:spPr>
+        <p:txBody>
+          <a:bodyPr/>
+          <a:lstStyle/>
+          <a:p>
+            <a:r>
+              <a:rPr lang="bs-Latn-BA" dirty="0" smtClean="0"/>
+              <a:t>Opis dijagram komponenti</a:t>
+            </a:r>
+            <a:endParaRPr lang="en-US" dirty="0"/>
+          </a:p>
+        </p:txBody>
+      </p:sp>
+      <p:sp>
+        <p:nvSpPr>
+          <p:cNvPr id="3" name="Content Placeholder 2"/>
+          <p:cNvSpPr>
+            <a:spLocks noGrp="1"/>
+          </p:cNvSpPr>
+          <p:nvPr>
+            <p:ph idx="1"/>
+          </p:nvPr>
+        </p:nvSpPr>
+        <p:spPr>
+          <a:xfrm>
+            <a:off x="1103312" y="1352550"/>
+            <a:ext cx="8946541" cy="4895849"/>
+          </a:xfrm>
+        </p:spPr>
+        <p:txBody>
+          <a:bodyPr/>
+          <a:lstStyle/>
+          <a:p>
+            <a:r>
+              <a:rPr lang="bs-Latn-BA" dirty="0" smtClean="0"/>
+              <a:t>Ne znam je li tačno lolololol</a:t>
+            </a:r>
+            <a:endParaRPr lang="en-US" dirty="0"/>
+          </a:p>
+        </p:txBody>
+      </p:sp>
+    </p:spTree>
+    <p:extLst>
+      <p:ext uri="{BB962C8B-B14F-4D97-AF65-F5344CB8AC3E}">
+        <p14:creationId xmlns:p14="http://schemas.microsoft.com/office/powerpoint/2010/main" val="3032290119"/>
+      </p:ext>
+    </p:extLst>
+  </p:cSld>
+  <p:clrMapOvr>
+    <a:masterClrMapping/>
+  </p:clrMapOvr>
+</p:sld>
+</file>
+
+<file path=ppt/slides/slide21.xml><?xml version="1.0" encoding="utf-8"?>
+<p:sld xmlns:a="http://schemas.openxmlformats.org/drawingml/2006/main" xmlns:r="http://schemas.openxmlformats.org/officeDocument/2006/relationships" xmlns:p="http://schemas.openxmlformats.org/presentationml/2006/main">
+  <p:cSld>
+    <p:spTree>
+      <p:nvGrpSpPr>
+        <p:cNvPr id="1" name=""/>
+        <p:cNvGrpSpPr/>
+        <p:nvPr/>
+      </p:nvGrpSpPr>
+      <p:grpSpPr>
+        <a:xfrm>
+          <a:off x="0" y="0"/>
+          <a:ext cx="0" cy="0"/>
+          <a:chOff x="0" y="0"/>
+          <a:chExt cx="0" cy="0"/>
+        </a:xfrm>
+      </p:grpSpPr>
+      <p:sp>
+        <p:nvSpPr>
+          <p:cNvPr id="2" name="Title 1"/>
+          <p:cNvSpPr>
+            <a:spLocks noGrp="1"/>
+          </p:cNvSpPr>
+          <p:nvPr>
+            <p:ph type="title"/>
+          </p:nvPr>
+        </p:nvSpPr>
+        <p:spPr>
+          <a:xfrm>
+            <a:off x="646111" y="452718"/>
+            <a:ext cx="9404723" cy="833157"/>
+          </a:xfrm>
+        </p:spPr>
+        <p:txBody>
+          <a:bodyPr/>
+          <a:lstStyle/>
+          <a:p>
+            <a:r>
+              <a:rPr lang="bs-Latn-BA" dirty="0" smtClean="0"/>
+              <a:t>Ideja za igru</a:t>
+            </a:r>
+            <a:endParaRPr lang="en-US" dirty="0"/>
+          </a:p>
+        </p:txBody>
+      </p:sp>
+      <p:sp>
+        <p:nvSpPr>
+          <p:cNvPr id="3" name="Content Placeholder 2"/>
+          <p:cNvSpPr>
+            <a:spLocks noGrp="1"/>
+          </p:cNvSpPr>
+          <p:nvPr>
+            <p:ph idx="1"/>
+          </p:nvPr>
+        </p:nvSpPr>
+        <p:spPr>
+          <a:xfrm>
+            <a:off x="1103312" y="1285876"/>
+            <a:ext cx="8946541" cy="4962524"/>
+          </a:xfrm>
+        </p:spPr>
+        <p:txBody>
+          <a:bodyPr>
+            <a:normAutofit/>
+          </a:bodyPr>
+          <a:lstStyle/>
+          <a:p>
+            <a:r>
+              <a:rPr lang="bs-Latn-BA" sz="3200" dirty="0" smtClean="0"/>
+              <a:t>Postoje tri radnje u različitim bojama</a:t>
+            </a:r>
+          </a:p>
+          <a:p>
+            <a:r>
+              <a:rPr lang="bs-Latn-BA" sz="3200" dirty="0" smtClean="0"/>
+              <a:t>Artikli padaju sa vrha ekrana</a:t>
+            </a:r>
+          </a:p>
+          <a:p>
+            <a:r>
+              <a:rPr lang="bs-Latn-BA" sz="3200" dirty="0" smtClean="0"/>
+              <a:t>Trebaju se poslati artikli u odgovarajućim radnjama</a:t>
+            </a:r>
+          </a:p>
+          <a:p>
+            <a:r>
+              <a:rPr lang="bs-Latn-BA" sz="3200" dirty="0" smtClean="0"/>
+              <a:t>Slično Guitar Hero-u</a:t>
+            </a:r>
+            <a:endParaRPr lang="en-US" sz="3200" dirty="0"/>
+          </a:p>
+        </p:txBody>
+      </p:sp>
+      <p:pic>
+        <p:nvPicPr>
+          <p:cNvPr id="5124" name="Picture 4" descr="https://upload.wikimedia.org/wikipedia/en/6/6c/Guitarhero-screen.jpg"/>
+          <p:cNvPicPr>
+            <a:picLocks noChangeAspect="1" noChangeArrowheads="1"/>
+          </p:cNvPicPr>
+          <p:nvPr/>
+        </p:nvPicPr>
+        <p:blipFill>
+          <a:blip r:embed="rId2">
+            <a:extLst>
+              <a:ext uri="{28A0092B-C50C-407E-A947-70E740481C1C}">
+                <a14:useLocalDpi xmlns:a14="http://schemas.microsoft.com/office/drawing/2010/main" val="0"/>
+              </a:ext>
+            </a:extLst>
+          </a:blip>
+          <a:srcRect/>
+          <a:stretch>
+            <a:fillRect/>
+          </a:stretch>
+        </p:blipFill>
+        <p:spPr bwMode="auto">
+          <a:xfrm>
+            <a:off x="5979616" y="3390900"/>
+            <a:ext cx="3616710" cy="2705100"/>
+          </a:xfrm>
+          <a:prstGeom prst="rect">
+            <a:avLst/>
+          </a:prstGeom>
+          <a:noFill/>
+          <a:extLst>
+            <a:ext uri="{909E8E84-426E-40DD-AFC4-6F175D3DCCD1}">
+              <a14:hiddenFill xmlns:a14="http://schemas.microsoft.com/office/drawing/2010/main">
+                <a:solidFill>
+                  <a:srgbClr val="FFFFFF"/>
+                </a:solidFill>
+              </a14:hiddenFill>
+            </a:ext>
+          </a:extLst>
+        </p:spPr>
+      </p:pic>
+    </p:spTree>
+    <p:extLst>
+      <p:ext uri="{BB962C8B-B14F-4D97-AF65-F5344CB8AC3E}">
+        <p14:creationId xmlns:p14="http://schemas.microsoft.com/office/powerpoint/2010/main" val="3580140287"/>
+      </p:ext>
+    </p:extLst>
+  </p:cSld>
+  <p:clrMapOvr>
+    <a:masterClrMapping/>
+  </p:clrMapOvr>
+</p:sld>
+</file>
+
+<file path=ppt/slides/slide3.xml><?xml version="1.0" encoding="utf-8"?>
+<p:sld xmlns:a="http://schemas.openxmlformats.org/drawingml/2006/main" xmlns:r="http://schemas.openxmlformats.org/officeDocument/2006/relationships" xmlns:p="http://schemas.openxmlformats.org/presentationml/2006/main">
+  <p:cSld>
+    <p:spTree>
+      <p:nvGrpSpPr>
+        <p:cNvPr id="1" name=""/>
+        <p:cNvGrpSpPr/>
+        <p:nvPr/>
+      </p:nvGrpSpPr>
+      <p:grpSpPr>
+        <a:xfrm>
+          <a:off x="0" y="0"/>
+          <a:ext cx="0" cy="0"/>
+          <a:chOff x="0" y="0"/>
+          <a:chExt cx="0" cy="0"/>
+        </a:xfrm>
+      </p:grpSpPr>
+      <p:sp>
+        <p:nvSpPr>
+          <p:cNvPr id="2" name="Title 1"/>
+          <p:cNvSpPr>
+            <a:spLocks noGrp="1"/>
+          </p:cNvSpPr>
+          <p:nvPr>
+            <p:ph type="title"/>
+          </p:nvPr>
+        </p:nvSpPr>
+        <p:spPr>
+          <a:xfrm>
+            <a:off x="646111" y="452718"/>
+            <a:ext cx="9404723" cy="703420"/>
+          </a:xfrm>
+        </p:spPr>
+        <p:txBody>
+          <a:bodyPr/>
+          <a:lstStyle/>
+          <a:p>
+            <a:r>
+              <a:rPr lang="en-US" b="1" dirty="0" err="1"/>
+              <a:t>Funkcionalnosti</a:t>
+            </a:r>
+            <a:r>
+              <a:rPr lang="en-US" b="1" dirty="0"/>
+              <a:t/>
+            </a:r>
+            <a:br>
+              <a:rPr lang="en-US" b="1" dirty="0"/>
+            </a:br>
+            <a:endParaRPr lang="en-US" dirty="0"/>
+          </a:p>
+        </p:txBody>
+      </p:sp>
+      <p:sp>
+        <p:nvSpPr>
+          <p:cNvPr id="3" name="Content Placeholder 2"/>
+          <p:cNvSpPr>
+            <a:spLocks noGrp="1"/>
+          </p:cNvSpPr>
+          <p:nvPr>
+            <p:ph idx="1"/>
+          </p:nvPr>
+        </p:nvSpPr>
+        <p:spPr>
+          <a:xfrm>
+            <a:off x="646112" y="1250730"/>
+            <a:ext cx="10747102" cy="5150069"/>
+          </a:xfrm>
+        </p:spPr>
+        <p:txBody>
+          <a:bodyPr>
+            <a:normAutofit lnSpcReduction="10000"/>
+          </a:bodyPr>
+          <a:lstStyle/>
+          <a:p>
+            <a:r>
+              <a:rPr lang="en-US" dirty="0"/>
+              <a:t>Login/</a:t>
+            </a:r>
+            <a:r>
+              <a:rPr lang="en-US" dirty="0" err="1"/>
+              <a:t>Registracija</a:t>
+            </a:r>
+            <a:r>
+              <a:rPr lang="en-US" dirty="0"/>
+              <a:t> </a:t>
+            </a:r>
+            <a:r>
+              <a:rPr lang="en-US" dirty="0" err="1"/>
+              <a:t>korisnika</a:t>
+            </a:r>
+            <a:r>
+              <a:rPr lang="en-US" dirty="0"/>
+              <a:t> u </a:t>
+            </a:r>
+            <a:r>
+              <a:rPr lang="en-US" dirty="0" err="1"/>
+              <a:t>aplikaciji</a:t>
+            </a:r>
+            <a:endParaRPr lang="en-US" dirty="0"/>
+          </a:p>
+          <a:p>
+            <a:r>
+              <a:rPr lang="en-US" dirty="0" err="1"/>
+              <a:t>Izmjena</a:t>
+            </a:r>
+            <a:r>
+              <a:rPr lang="en-US" dirty="0"/>
+              <a:t> </a:t>
+            </a:r>
+            <a:r>
+              <a:rPr lang="en-US" dirty="0" err="1"/>
+              <a:t>profilnih</a:t>
+            </a:r>
+            <a:r>
+              <a:rPr lang="en-US" dirty="0"/>
+              <a:t> </a:t>
+            </a:r>
+            <a:r>
+              <a:rPr lang="en-US" dirty="0" err="1"/>
+              <a:t>podataka</a:t>
+            </a:r>
+            <a:endParaRPr lang="en-US" dirty="0"/>
+          </a:p>
+          <a:p>
+            <a:r>
+              <a:rPr lang="en-US" dirty="0" err="1"/>
+              <a:t>Kupovanje</a:t>
+            </a:r>
+            <a:r>
+              <a:rPr lang="en-US" dirty="0"/>
+              <a:t> premium </a:t>
+            </a:r>
+            <a:r>
+              <a:rPr lang="en-US" dirty="0" err="1"/>
+              <a:t>membershipa</a:t>
+            </a:r>
+            <a:r>
+              <a:rPr lang="en-US" dirty="0"/>
+              <a:t> </a:t>
+            </a:r>
+            <a:r>
+              <a:rPr lang="en-US" dirty="0" err="1"/>
+              <a:t>za</a:t>
+            </a:r>
+            <a:r>
+              <a:rPr lang="en-US" dirty="0"/>
+              <a:t> </a:t>
+            </a:r>
+            <a:r>
+              <a:rPr lang="en-US" dirty="0" err="1"/>
+              <a:t>buduće</a:t>
+            </a:r>
+            <a:r>
+              <a:rPr lang="en-US" dirty="0"/>
+              <a:t> </a:t>
+            </a:r>
+            <a:r>
+              <a:rPr lang="en-US" dirty="0" err="1"/>
+              <a:t>popuste</a:t>
+            </a:r>
+            <a:endParaRPr lang="en-US" dirty="0"/>
+          </a:p>
+          <a:p>
+            <a:r>
+              <a:rPr lang="en-US" dirty="0" err="1"/>
+              <a:t>Podnošenje</a:t>
+            </a:r>
+            <a:r>
+              <a:rPr lang="en-US" dirty="0"/>
+              <a:t> </a:t>
+            </a:r>
+            <a:r>
+              <a:rPr lang="en-US" dirty="0" err="1"/>
+              <a:t>zahtjeva</a:t>
+            </a:r>
+            <a:r>
+              <a:rPr lang="en-US" dirty="0"/>
+              <a:t> </a:t>
+            </a:r>
+            <a:r>
+              <a:rPr lang="en-US" dirty="0" err="1"/>
+              <a:t>za</a:t>
+            </a:r>
+            <a:r>
+              <a:rPr lang="en-US" dirty="0"/>
+              <a:t> </a:t>
+            </a:r>
+            <a:r>
+              <a:rPr lang="en-US" dirty="0" err="1"/>
+              <a:t>povratak</a:t>
+            </a:r>
+            <a:r>
+              <a:rPr lang="en-US" dirty="0"/>
+              <a:t> </a:t>
+            </a:r>
+            <a:r>
+              <a:rPr lang="en-US" dirty="0" err="1"/>
+              <a:t>neodgovarajuće</a:t>
+            </a:r>
+            <a:r>
+              <a:rPr lang="en-US" dirty="0"/>
+              <a:t> robe</a:t>
+            </a:r>
+          </a:p>
+          <a:p>
+            <a:r>
+              <a:rPr lang="en-US" dirty="0" err="1"/>
+              <a:t>Pregled</a:t>
+            </a:r>
+            <a:r>
+              <a:rPr lang="en-US" dirty="0"/>
+              <a:t> </a:t>
+            </a:r>
+            <a:r>
+              <a:rPr lang="en-US" dirty="0" err="1"/>
+              <a:t>kolekcije</a:t>
+            </a:r>
+            <a:r>
+              <a:rPr lang="en-US" dirty="0"/>
+              <a:t>(</a:t>
+            </a:r>
+            <a:r>
+              <a:rPr lang="en-US" dirty="0" err="1"/>
+              <a:t>prethodno</a:t>
+            </a:r>
+            <a:r>
+              <a:rPr lang="en-US" dirty="0"/>
+              <a:t> </a:t>
+            </a:r>
+            <a:r>
+              <a:rPr lang="en-US" dirty="0" err="1"/>
+              <a:t>kupljenih</a:t>
+            </a:r>
+            <a:r>
+              <a:rPr lang="en-US" dirty="0"/>
+              <a:t> </a:t>
+            </a:r>
+            <a:r>
+              <a:rPr lang="en-US" dirty="0" err="1"/>
+              <a:t>artikala</a:t>
+            </a:r>
+            <a:r>
+              <a:rPr lang="en-US" dirty="0"/>
+              <a:t> </a:t>
+            </a:r>
+            <a:r>
+              <a:rPr lang="en-US" dirty="0" err="1"/>
+              <a:t>kroz</a:t>
+            </a:r>
+            <a:r>
+              <a:rPr lang="en-US" dirty="0"/>
+              <a:t> </a:t>
+            </a:r>
+            <a:r>
+              <a:rPr lang="en-US" dirty="0" err="1"/>
+              <a:t>prodavnicu</a:t>
+            </a:r>
+            <a:r>
+              <a:rPr lang="en-US" dirty="0"/>
+              <a:t>)</a:t>
+            </a:r>
+          </a:p>
+          <a:p>
+            <a:r>
+              <a:rPr lang="en-US" dirty="0" err="1"/>
+              <a:t>Pregled</a:t>
+            </a:r>
+            <a:r>
+              <a:rPr lang="en-US" dirty="0"/>
+              <a:t> </a:t>
+            </a:r>
+            <a:r>
+              <a:rPr lang="en-US" dirty="0" err="1"/>
+              <a:t>liste</a:t>
+            </a:r>
+            <a:r>
+              <a:rPr lang="en-US" dirty="0"/>
+              <a:t> </a:t>
+            </a:r>
+            <a:r>
+              <a:rPr lang="en-US" dirty="0" err="1"/>
+              <a:t>ponuđenih</a:t>
+            </a:r>
+            <a:r>
+              <a:rPr lang="en-US" dirty="0"/>
+              <a:t> </a:t>
+            </a:r>
+            <a:r>
+              <a:rPr lang="en-US" dirty="0" err="1"/>
+              <a:t>artikala</a:t>
+            </a:r>
+            <a:r>
+              <a:rPr lang="en-US" dirty="0"/>
+              <a:t> </a:t>
+            </a:r>
+            <a:r>
+              <a:rPr lang="en-US" dirty="0" err="1"/>
+              <a:t>i</a:t>
+            </a:r>
+            <a:r>
+              <a:rPr lang="en-US" dirty="0"/>
+              <a:t> </a:t>
+            </a:r>
+            <a:r>
+              <a:rPr lang="en-US" dirty="0" err="1"/>
+              <a:t>osnovnih</a:t>
+            </a:r>
+            <a:r>
+              <a:rPr lang="en-US" dirty="0"/>
+              <a:t> </a:t>
+            </a:r>
+            <a:r>
+              <a:rPr lang="en-US" dirty="0" err="1"/>
+              <a:t>informacija</a:t>
+            </a:r>
+            <a:r>
+              <a:rPr lang="en-US" dirty="0"/>
+              <a:t> o </a:t>
+            </a:r>
+            <a:r>
+              <a:rPr lang="en-US" dirty="0" err="1"/>
+              <a:t>tim</a:t>
+            </a:r>
+            <a:r>
+              <a:rPr lang="en-US" dirty="0"/>
+              <a:t> </a:t>
+            </a:r>
+            <a:r>
+              <a:rPr lang="en-US" dirty="0" err="1"/>
+              <a:t>artiklima</a:t>
+            </a:r>
+            <a:endParaRPr lang="en-US" dirty="0"/>
+          </a:p>
+          <a:p>
+            <a:r>
+              <a:rPr lang="en-US" dirty="0" err="1"/>
+              <a:t>Pregled</a:t>
+            </a:r>
+            <a:r>
+              <a:rPr lang="en-US" dirty="0"/>
+              <a:t> </a:t>
+            </a:r>
+            <a:r>
+              <a:rPr lang="en-US" dirty="0" err="1"/>
+              <a:t>detaljnijih</a:t>
+            </a:r>
+            <a:r>
+              <a:rPr lang="en-US" dirty="0"/>
+              <a:t> </a:t>
+            </a:r>
+            <a:r>
+              <a:rPr lang="en-US" dirty="0" err="1"/>
+              <a:t>informacija</a:t>
+            </a:r>
+            <a:r>
+              <a:rPr lang="en-US" dirty="0"/>
+              <a:t> o </a:t>
+            </a:r>
+            <a:r>
+              <a:rPr lang="en-US" dirty="0" err="1"/>
+              <a:t>artiklu</a:t>
+            </a:r>
+            <a:r>
+              <a:rPr lang="en-US" dirty="0"/>
+              <a:t>, </a:t>
+            </a:r>
+            <a:r>
+              <a:rPr lang="en-US" dirty="0" err="1"/>
+              <a:t>kritika</a:t>
+            </a:r>
+            <a:r>
+              <a:rPr lang="en-US" dirty="0"/>
+              <a:t> od </a:t>
+            </a:r>
+            <a:r>
+              <a:rPr lang="en-US" dirty="0" err="1"/>
+              <a:t>strane</a:t>
+            </a:r>
+            <a:r>
+              <a:rPr lang="en-US" dirty="0"/>
+              <a:t> </a:t>
+            </a:r>
+            <a:r>
+              <a:rPr lang="en-US" dirty="0" err="1"/>
+              <a:t>drugih</a:t>
+            </a:r>
+            <a:r>
+              <a:rPr lang="en-US" dirty="0"/>
+              <a:t> </a:t>
+            </a:r>
+            <a:r>
+              <a:rPr lang="en-US" dirty="0" err="1"/>
+              <a:t>korisnika</a:t>
+            </a:r>
+            <a:r>
+              <a:rPr lang="en-US" dirty="0"/>
+              <a:t> </a:t>
+            </a:r>
+            <a:r>
+              <a:rPr lang="en-US" dirty="0" err="1"/>
+              <a:t>i</a:t>
+            </a:r>
+            <a:r>
+              <a:rPr lang="en-US" dirty="0"/>
+              <a:t> sl.</a:t>
+            </a:r>
+          </a:p>
+          <a:p>
+            <a:r>
+              <a:rPr lang="en-US" dirty="0" err="1"/>
+              <a:t>Dodavanje</a:t>
+            </a:r>
+            <a:r>
+              <a:rPr lang="en-US" dirty="0"/>
+              <a:t> </a:t>
+            </a:r>
+            <a:r>
+              <a:rPr lang="en-US" dirty="0" err="1"/>
+              <a:t>artikala</a:t>
+            </a:r>
+            <a:r>
+              <a:rPr lang="en-US" dirty="0"/>
+              <a:t> u </a:t>
+            </a:r>
+            <a:r>
+              <a:rPr lang="en-US" dirty="0" err="1"/>
+              <a:t>korpu</a:t>
+            </a:r>
+            <a:r>
+              <a:rPr lang="en-US" dirty="0"/>
+              <a:t> </a:t>
+            </a:r>
+            <a:r>
+              <a:rPr lang="en-US" dirty="0" err="1"/>
+              <a:t>i</a:t>
+            </a:r>
+            <a:r>
+              <a:rPr lang="en-US" dirty="0"/>
+              <a:t> </a:t>
+            </a:r>
+            <a:r>
+              <a:rPr lang="en-US" dirty="0" err="1"/>
+              <a:t>sklanjanje</a:t>
+            </a:r>
+            <a:r>
+              <a:rPr lang="en-US" dirty="0"/>
+              <a:t> </a:t>
+            </a:r>
+            <a:r>
+              <a:rPr lang="en-US" dirty="0" err="1"/>
+              <a:t>stvari</a:t>
+            </a:r>
+            <a:r>
+              <a:rPr lang="en-US" dirty="0"/>
+              <a:t> </a:t>
+            </a:r>
+            <a:r>
+              <a:rPr lang="en-US" dirty="0" err="1"/>
+              <a:t>iz</a:t>
+            </a:r>
+            <a:r>
+              <a:rPr lang="en-US" dirty="0"/>
+              <a:t> </a:t>
+            </a:r>
+            <a:r>
+              <a:rPr lang="en-US" dirty="0" err="1"/>
+              <a:t>te</a:t>
+            </a:r>
+            <a:r>
+              <a:rPr lang="en-US" dirty="0"/>
+              <a:t> </a:t>
+            </a:r>
+            <a:r>
+              <a:rPr lang="en-US" dirty="0" err="1"/>
+              <a:t>korpe</a:t>
+            </a:r>
+            <a:endParaRPr lang="en-US" dirty="0"/>
+          </a:p>
+          <a:p>
+            <a:r>
+              <a:rPr lang="en-US" dirty="0" err="1"/>
+              <a:t>Kupovina</a:t>
+            </a:r>
+            <a:r>
+              <a:rPr lang="en-US" dirty="0"/>
+              <a:t> </a:t>
+            </a:r>
+            <a:r>
+              <a:rPr lang="en-US" dirty="0" err="1"/>
+              <a:t>artikala</a:t>
+            </a:r>
+            <a:r>
+              <a:rPr lang="en-US" dirty="0"/>
+              <a:t> </a:t>
+            </a:r>
+            <a:r>
+              <a:rPr lang="en-US" dirty="0" err="1"/>
+              <a:t>uz</a:t>
+            </a:r>
+            <a:r>
+              <a:rPr lang="en-US" dirty="0"/>
+              <a:t> </a:t>
+            </a:r>
+            <a:r>
+              <a:rPr lang="en-US" dirty="0" err="1"/>
+              <a:t>navođenje</a:t>
+            </a:r>
+            <a:r>
+              <a:rPr lang="en-US" dirty="0"/>
+              <a:t> </a:t>
+            </a:r>
+            <a:r>
+              <a:rPr lang="en-US" dirty="0" err="1"/>
+              <a:t>informacija</a:t>
+            </a:r>
+            <a:r>
+              <a:rPr lang="en-US" dirty="0"/>
+              <a:t> o </a:t>
+            </a:r>
+            <a:r>
+              <a:rPr lang="en-US" dirty="0" err="1"/>
+              <a:t>konkretnostima</a:t>
+            </a:r>
+            <a:r>
+              <a:rPr lang="en-US" dirty="0"/>
+              <a:t> </a:t>
+            </a:r>
+            <a:r>
+              <a:rPr lang="en-US" dirty="0" err="1"/>
+              <a:t>kupovine</a:t>
+            </a:r>
+            <a:endParaRPr lang="en-US" dirty="0"/>
+          </a:p>
+          <a:p>
+            <a:r>
+              <a:rPr lang="en-US" dirty="0" err="1"/>
+              <a:t>Mogućnost</a:t>
+            </a:r>
+            <a:r>
+              <a:rPr lang="en-US" dirty="0"/>
+              <a:t> </a:t>
+            </a:r>
+            <a:r>
+              <a:rPr lang="en-US" dirty="0" err="1" smtClean="0"/>
+              <a:t>kup</a:t>
+            </a:r>
+            <a:endParaRPr lang="bs-Latn-BA" dirty="0" smtClean="0"/>
+          </a:p>
+          <a:p>
+            <a:r>
+              <a:rPr lang="en-US" dirty="0" err="1"/>
+              <a:t>Mogućnost</a:t>
+            </a:r>
+            <a:r>
+              <a:rPr lang="en-US" dirty="0"/>
+              <a:t> </a:t>
+            </a:r>
+            <a:r>
+              <a:rPr lang="en-US" dirty="0" err="1"/>
+              <a:t>kupovanja</a:t>
+            </a:r>
+            <a:r>
+              <a:rPr lang="en-US" dirty="0"/>
+              <a:t> </a:t>
+            </a:r>
+            <a:r>
+              <a:rPr lang="en-US" dirty="0" err="1"/>
+              <a:t>bilo</a:t>
+            </a:r>
+            <a:r>
+              <a:rPr lang="en-US" dirty="0"/>
+              <a:t> </a:t>
+            </a:r>
+            <a:r>
+              <a:rPr lang="en-US" dirty="0" err="1"/>
+              <a:t>poštom</a:t>
+            </a:r>
+            <a:r>
+              <a:rPr lang="en-US" dirty="0"/>
+              <a:t> </a:t>
+            </a:r>
+            <a:r>
+              <a:rPr lang="en-US" dirty="0" err="1"/>
+              <a:t>ili</a:t>
+            </a:r>
+            <a:r>
+              <a:rPr lang="en-US" dirty="0"/>
+              <a:t> </a:t>
+            </a:r>
+            <a:r>
+              <a:rPr lang="en-US" dirty="0" err="1"/>
+              <a:t>rezervisanja</a:t>
+            </a:r>
+            <a:r>
+              <a:rPr lang="en-US" dirty="0"/>
+              <a:t> </a:t>
+            </a:r>
+            <a:r>
+              <a:rPr lang="en-US" dirty="0" err="1"/>
+              <a:t>artikla</a:t>
+            </a:r>
+            <a:r>
+              <a:rPr lang="en-US" dirty="0"/>
+              <a:t> </a:t>
+            </a:r>
+            <a:r>
+              <a:rPr lang="en-US" dirty="0" err="1"/>
+              <a:t>na</a:t>
+            </a:r>
+            <a:r>
+              <a:rPr lang="en-US" dirty="0"/>
+              <a:t> </a:t>
+            </a:r>
+            <a:r>
+              <a:rPr lang="en-US" dirty="0" err="1"/>
+              <a:t>određenoj</a:t>
+            </a:r>
+            <a:r>
+              <a:rPr lang="en-US" dirty="0"/>
+              <a:t> </a:t>
+            </a:r>
+            <a:r>
+              <a:rPr lang="en-US" dirty="0" err="1"/>
+              <a:t>prodajnoj</a:t>
+            </a:r>
+            <a:r>
+              <a:rPr lang="en-US" dirty="0"/>
+              <a:t> </a:t>
+            </a:r>
+            <a:r>
+              <a:rPr lang="en-US" dirty="0" err="1"/>
+              <a:t>lokaciji</a:t>
+            </a:r>
+            <a:r>
+              <a:rPr lang="en-US" dirty="0"/>
+              <a:t> </a:t>
+            </a:r>
+            <a:r>
+              <a:rPr lang="en-US" dirty="0" err="1"/>
+              <a:t>ili</a:t>
+            </a:r>
+            <a:r>
+              <a:rPr lang="en-US" dirty="0"/>
+              <a:t> </a:t>
+            </a:r>
+            <a:r>
+              <a:rPr lang="en-US" dirty="0" err="1"/>
+              <a:t>skladištu</a:t>
+            </a:r>
+            <a:r>
+              <a:rPr lang="en-US" dirty="0"/>
+              <a:t> </a:t>
+            </a:r>
+            <a:r>
+              <a:rPr lang="en-US" dirty="0" err="1"/>
+              <a:t>te</a:t>
+            </a:r>
+            <a:r>
+              <a:rPr lang="en-US" dirty="0"/>
+              <a:t> </a:t>
+            </a:r>
+            <a:r>
+              <a:rPr lang="en-US" dirty="0" err="1"/>
+              <a:t>dolazak</a:t>
+            </a:r>
+            <a:r>
+              <a:rPr lang="en-US" dirty="0"/>
+              <a:t> </a:t>
+            </a:r>
+            <a:r>
+              <a:rPr lang="en-US" dirty="0" err="1"/>
+              <a:t>po</a:t>
+            </a:r>
+            <a:r>
+              <a:rPr lang="en-US" dirty="0"/>
+              <a:t> </a:t>
+            </a:r>
+            <a:r>
+              <a:rPr lang="en-US" dirty="0" err="1"/>
+              <a:t>artikal</a:t>
+            </a:r>
+            <a:endParaRPr lang="en-US" dirty="0"/>
+          </a:p>
+          <a:p>
+            <a:r>
+              <a:rPr lang="en-US" dirty="0" err="1" smtClean="0"/>
+              <a:t>ovanja</a:t>
+            </a:r>
+            <a:r>
+              <a:rPr lang="en-US" dirty="0" smtClean="0"/>
+              <a:t> </a:t>
+            </a:r>
+            <a:r>
+              <a:rPr lang="en-US" dirty="0" err="1"/>
+              <a:t>kreditnom</a:t>
+            </a:r>
+            <a:r>
+              <a:rPr lang="en-US" dirty="0"/>
+              <a:t> </a:t>
+            </a:r>
+            <a:r>
+              <a:rPr lang="en-US" dirty="0" err="1"/>
+              <a:t>karticom</a:t>
+            </a:r>
+            <a:endParaRPr lang="en-US" dirty="0"/>
+          </a:p>
+        </p:txBody>
+      </p:sp>
+    </p:spTree>
+    <p:extLst>
+      <p:ext uri="{BB962C8B-B14F-4D97-AF65-F5344CB8AC3E}">
+        <p14:creationId xmlns:p14="http://schemas.microsoft.com/office/powerpoint/2010/main" val="3063506438"/>
+      </p:ext>
+    </p:extLst>
+  </p:cSld>
+  <p:clrMapOvr>
+    <a:masterClrMapping/>
+  </p:clrMapOvr>
+</p:sld>
+</file>
+
+<file path=ppt/slides/slide4.xml><?xml version="1.0" encoding="utf-8"?>
+<p:sld xmlns:a="http://schemas.openxmlformats.org/drawingml/2006/main" xmlns:r="http://schemas.openxmlformats.org/officeDocument/2006/relationships" xmlns:p="http://schemas.openxmlformats.org/presentationml/2006/main">
+  <p:cSld>
+    <p:spTree>
+      <p:nvGrpSpPr>
+        <p:cNvPr id="1" name=""/>
+        <p:cNvGrpSpPr/>
+        <p:nvPr/>
+      </p:nvGrpSpPr>
+      <p:grpSpPr>
+        <a:xfrm>
+          <a:off x="0" y="0"/>
+          <a:ext cx="0" cy="0"/>
+          <a:chOff x="0" y="0"/>
+          <a:chExt cx="0" cy="0"/>
+        </a:xfrm>
+      </p:grpSpPr>
+      <p:sp>
+        <p:nvSpPr>
+          <p:cNvPr id="3" name="Content Placeholder 2"/>
+          <p:cNvSpPr>
+            <a:spLocks noGrp="1"/>
+          </p:cNvSpPr>
+          <p:nvPr>
+            <p:ph idx="1"/>
+          </p:nvPr>
+        </p:nvSpPr>
+        <p:spPr>
+          <a:xfrm>
+            <a:off x="1103312" y="945931"/>
+            <a:ext cx="8946541" cy="5649309"/>
+          </a:xfrm>
+        </p:spPr>
+        <p:txBody>
+          <a:bodyPr/>
+          <a:lstStyle/>
+          <a:p>
+            <a:r>
+              <a:rPr lang="en-US" dirty="0" err="1"/>
+              <a:t>Dodavanje</a:t>
+            </a:r>
+            <a:r>
+              <a:rPr lang="en-US" dirty="0"/>
+              <a:t> </a:t>
+            </a:r>
+            <a:r>
+              <a:rPr lang="en-US" dirty="0" err="1"/>
+              <a:t>komentara</a:t>
+            </a:r>
+            <a:r>
+              <a:rPr lang="en-US" dirty="0"/>
+              <a:t> </a:t>
+            </a:r>
+            <a:r>
+              <a:rPr lang="en-US" dirty="0" err="1"/>
+              <a:t>i</a:t>
+            </a:r>
+            <a:r>
+              <a:rPr lang="en-US" dirty="0"/>
+              <a:t> </a:t>
+            </a:r>
+            <a:r>
+              <a:rPr lang="en-US" dirty="0" err="1"/>
+              <a:t>ocjena</a:t>
+            </a:r>
+            <a:r>
+              <a:rPr lang="en-US" dirty="0"/>
+              <a:t> </a:t>
+            </a:r>
+            <a:r>
+              <a:rPr lang="en-US" dirty="0" err="1"/>
+              <a:t>na</a:t>
+            </a:r>
+            <a:r>
+              <a:rPr lang="en-US" dirty="0"/>
+              <a:t> </a:t>
+            </a:r>
+            <a:r>
+              <a:rPr lang="en-US" dirty="0" err="1"/>
+              <a:t>artikle</a:t>
+            </a:r>
+            <a:r>
+              <a:rPr lang="en-US" dirty="0"/>
+              <a:t> u </a:t>
+            </a:r>
+            <a:r>
+              <a:rPr lang="en-US" dirty="0" err="1"/>
+              <a:t>prodavnici</a:t>
+            </a:r>
+            <a:endParaRPr lang="en-US" dirty="0"/>
+          </a:p>
+          <a:p>
+            <a:r>
+              <a:rPr lang="en-US" dirty="0" err="1"/>
+              <a:t>Pregled</a:t>
+            </a:r>
+            <a:r>
+              <a:rPr lang="en-US" dirty="0"/>
+              <a:t> </a:t>
+            </a:r>
+            <a:r>
+              <a:rPr lang="en-US" dirty="0" err="1"/>
+              <a:t>prodajnih</a:t>
+            </a:r>
+            <a:r>
+              <a:rPr lang="en-US" dirty="0"/>
+              <a:t> </a:t>
+            </a:r>
+            <a:r>
+              <a:rPr lang="en-US" dirty="0" err="1"/>
+              <a:t>mjesta</a:t>
+            </a:r>
+            <a:r>
+              <a:rPr lang="en-US" dirty="0"/>
+              <a:t> </a:t>
+            </a:r>
+            <a:r>
+              <a:rPr lang="en-US" dirty="0" err="1"/>
+              <a:t>kroz</a:t>
+            </a:r>
+            <a:r>
+              <a:rPr lang="en-US" dirty="0"/>
+              <a:t> </a:t>
+            </a:r>
+            <a:r>
+              <a:rPr lang="en-US" dirty="0" err="1"/>
+              <a:t>integrisani</a:t>
+            </a:r>
+            <a:r>
+              <a:rPr lang="en-US" dirty="0"/>
+              <a:t> </a:t>
+            </a:r>
+            <a:r>
+              <a:rPr lang="en-US" dirty="0" err="1"/>
+              <a:t>sistem</a:t>
+            </a:r>
+            <a:r>
+              <a:rPr lang="en-US" dirty="0"/>
+              <a:t> </a:t>
+            </a:r>
+            <a:r>
+              <a:rPr lang="en-US" dirty="0" err="1"/>
+              <a:t>mapa</a:t>
+            </a:r>
+            <a:endParaRPr lang="en-US" dirty="0"/>
+          </a:p>
+          <a:p>
+            <a:r>
+              <a:rPr lang="en-US" dirty="0" err="1"/>
+              <a:t>Pregled</a:t>
+            </a:r>
+            <a:r>
+              <a:rPr lang="en-US" dirty="0"/>
+              <a:t> </a:t>
+            </a:r>
+            <a:r>
+              <a:rPr lang="en-US" dirty="0" err="1"/>
+              <a:t>preporučenih</a:t>
+            </a:r>
+            <a:r>
+              <a:rPr lang="en-US" dirty="0"/>
+              <a:t> </a:t>
+            </a:r>
+            <a:r>
+              <a:rPr lang="en-US" dirty="0" err="1"/>
+              <a:t>artikala</a:t>
+            </a:r>
+            <a:r>
+              <a:rPr lang="en-US" dirty="0"/>
+              <a:t> </a:t>
+            </a:r>
+            <a:r>
+              <a:rPr lang="en-US" dirty="0" err="1"/>
+              <a:t>na</a:t>
+            </a:r>
+            <a:r>
+              <a:rPr lang="en-US" dirty="0"/>
+              <a:t> </a:t>
+            </a:r>
+            <a:r>
+              <a:rPr lang="en-US" dirty="0" err="1"/>
+              <a:t>osnovu</a:t>
+            </a:r>
+            <a:r>
+              <a:rPr lang="en-US" dirty="0"/>
+              <a:t> </a:t>
+            </a:r>
+            <a:r>
+              <a:rPr lang="en-US" dirty="0" err="1"/>
+              <a:t>prethodnih</a:t>
+            </a:r>
+            <a:r>
+              <a:rPr lang="en-US" dirty="0"/>
+              <a:t> </a:t>
+            </a:r>
+            <a:r>
+              <a:rPr lang="en-US" dirty="0" err="1"/>
+              <a:t>transakcija</a:t>
+            </a:r>
+            <a:r>
+              <a:rPr lang="en-US" dirty="0"/>
+              <a:t> </a:t>
+            </a:r>
+            <a:r>
+              <a:rPr lang="en-US" dirty="0" err="1"/>
+              <a:t>izvršenih</a:t>
+            </a:r>
+            <a:r>
+              <a:rPr lang="en-US" dirty="0"/>
+              <a:t> od </a:t>
+            </a:r>
+            <a:r>
+              <a:rPr lang="en-US" dirty="0" err="1"/>
+              <a:t>svih</a:t>
+            </a:r>
+            <a:r>
+              <a:rPr lang="en-US" dirty="0"/>
+              <a:t> </a:t>
+            </a:r>
+            <a:r>
+              <a:rPr lang="en-US" dirty="0" err="1"/>
+              <a:t>korisnika</a:t>
+            </a:r>
+            <a:endParaRPr lang="en-US" dirty="0"/>
+          </a:p>
+          <a:p>
+            <a:r>
+              <a:rPr lang="en-US" dirty="0" err="1"/>
+              <a:t>Promovisanje</a:t>
+            </a:r>
+            <a:r>
+              <a:rPr lang="en-US" dirty="0"/>
+              <a:t> </a:t>
+            </a:r>
+            <a:r>
+              <a:rPr lang="en-US" dirty="0" err="1"/>
+              <a:t>novog</a:t>
+            </a:r>
+            <a:r>
+              <a:rPr lang="en-US" dirty="0"/>
+              <a:t> </a:t>
+            </a:r>
+            <a:r>
+              <a:rPr lang="en-US" dirty="0" err="1"/>
+              <a:t>materijala</a:t>
+            </a:r>
+            <a:r>
+              <a:rPr lang="en-US" dirty="0"/>
+              <a:t> </a:t>
+            </a:r>
+            <a:r>
+              <a:rPr lang="en-US" dirty="0" err="1"/>
+              <a:t>na</a:t>
+            </a:r>
+            <a:r>
+              <a:rPr lang="en-US" dirty="0"/>
+              <a:t> </a:t>
+            </a:r>
+            <a:r>
+              <a:rPr lang="en-US" dirty="0" err="1"/>
+              <a:t>glavnoj</a:t>
+            </a:r>
+            <a:r>
+              <a:rPr lang="en-US" dirty="0"/>
+              <a:t> </a:t>
+            </a:r>
+            <a:r>
+              <a:rPr lang="en-US" dirty="0" err="1"/>
+              <a:t>stranici</a:t>
+            </a:r>
+            <a:endParaRPr lang="en-US" dirty="0"/>
+          </a:p>
+          <a:p>
+            <a:r>
+              <a:rPr lang="en-US" dirty="0" err="1"/>
+              <a:t>Sistem</a:t>
+            </a:r>
+            <a:r>
+              <a:rPr lang="en-US" dirty="0"/>
+              <a:t> </a:t>
+            </a:r>
+            <a:r>
+              <a:rPr lang="en-US" dirty="0" err="1"/>
+              <a:t>za</a:t>
+            </a:r>
+            <a:r>
+              <a:rPr lang="en-US" dirty="0"/>
+              <a:t> offline </a:t>
+            </a:r>
+            <a:r>
+              <a:rPr lang="en-US" dirty="0" err="1"/>
+              <a:t>prodaju</a:t>
+            </a:r>
+            <a:r>
+              <a:rPr lang="en-US" dirty="0"/>
+              <a:t> </a:t>
+            </a:r>
+            <a:r>
+              <a:rPr lang="en-US" dirty="0" err="1"/>
+              <a:t>spregnut</a:t>
+            </a:r>
+            <a:r>
+              <a:rPr lang="en-US" dirty="0"/>
+              <a:t> </a:t>
+            </a:r>
+            <a:r>
+              <a:rPr lang="en-US" dirty="0" err="1"/>
+              <a:t>sa</a:t>
+            </a:r>
+            <a:r>
+              <a:rPr lang="en-US" dirty="0"/>
+              <a:t> online </a:t>
+            </a:r>
+            <a:r>
+              <a:rPr lang="en-US" dirty="0" err="1"/>
+              <a:t>prodavnicom</a:t>
+            </a:r>
+            <a:endParaRPr lang="en-US" dirty="0"/>
+          </a:p>
+          <a:p>
+            <a:r>
+              <a:rPr lang="en-US" dirty="0" err="1"/>
+              <a:t>Podnošenje</a:t>
+            </a:r>
+            <a:r>
+              <a:rPr lang="en-US" dirty="0"/>
+              <a:t> </a:t>
+            </a:r>
+            <a:r>
+              <a:rPr lang="en-US" dirty="0" err="1"/>
+              <a:t>raznih</a:t>
+            </a:r>
+            <a:r>
+              <a:rPr lang="en-US" dirty="0"/>
+              <a:t> </a:t>
+            </a:r>
+            <a:r>
+              <a:rPr lang="en-US" dirty="0" err="1"/>
+              <a:t>administrativnih</a:t>
+            </a:r>
+            <a:r>
+              <a:rPr lang="en-US" dirty="0"/>
+              <a:t> </a:t>
+            </a:r>
+            <a:r>
+              <a:rPr lang="en-US" dirty="0" err="1"/>
+              <a:t>zahtjeva</a:t>
+            </a:r>
+            <a:r>
+              <a:rPr lang="en-US" dirty="0"/>
+              <a:t>(od </a:t>
+            </a:r>
+            <a:r>
+              <a:rPr lang="en-US" dirty="0" err="1"/>
+              <a:t>strane</a:t>
+            </a:r>
+            <a:r>
+              <a:rPr lang="en-US" dirty="0"/>
+              <a:t> </a:t>
+            </a:r>
+            <a:r>
+              <a:rPr lang="en-US" dirty="0" err="1"/>
+              <a:t>uposlenika</a:t>
+            </a:r>
+            <a:r>
+              <a:rPr lang="en-US" dirty="0"/>
+              <a:t>) </a:t>
+            </a:r>
+            <a:r>
+              <a:rPr lang="en-US" dirty="0" err="1"/>
+              <a:t>za</a:t>
+            </a:r>
+            <a:r>
+              <a:rPr lang="en-US" dirty="0"/>
+              <a:t> </a:t>
+            </a:r>
+            <a:r>
+              <a:rPr lang="en-US" dirty="0" err="1"/>
+              <a:t>različite</a:t>
+            </a:r>
+            <a:r>
+              <a:rPr lang="en-US" dirty="0"/>
+              <a:t> </a:t>
+            </a:r>
+            <a:r>
+              <a:rPr lang="en-US" dirty="0" err="1"/>
+              <a:t>fizikalne</a:t>
+            </a:r>
+            <a:r>
+              <a:rPr lang="en-US" dirty="0"/>
+              <a:t> </a:t>
+            </a:r>
+            <a:r>
+              <a:rPr lang="en-US" dirty="0" err="1"/>
+              <a:t>probleme</a:t>
+            </a:r>
+            <a:r>
+              <a:rPr lang="en-US" dirty="0"/>
+              <a:t>(</a:t>
+            </a:r>
+            <a:r>
+              <a:rPr lang="en-US" dirty="0" err="1"/>
+              <a:t>premještanje</a:t>
+            </a:r>
+            <a:r>
+              <a:rPr lang="en-US" dirty="0"/>
+              <a:t>, </a:t>
+            </a:r>
+            <a:r>
+              <a:rPr lang="en-US" dirty="0" err="1"/>
+              <a:t>nabavka</a:t>
+            </a:r>
+            <a:r>
+              <a:rPr lang="en-US" dirty="0"/>
+              <a:t> robe, </a:t>
+            </a:r>
+            <a:r>
+              <a:rPr lang="en-US" dirty="0" err="1"/>
+              <a:t>i</a:t>
+            </a:r>
+            <a:r>
+              <a:rPr lang="en-US" dirty="0"/>
+              <a:t> sl.)</a:t>
+            </a:r>
+          </a:p>
+          <a:p>
+            <a:r>
+              <a:rPr lang="en-US" dirty="0" err="1"/>
+              <a:t>Podnošenje</a:t>
+            </a:r>
+            <a:r>
+              <a:rPr lang="en-US" dirty="0"/>
+              <a:t> </a:t>
+            </a:r>
+            <a:r>
+              <a:rPr lang="en-US" dirty="0" err="1"/>
+              <a:t>zahtjeva</a:t>
+            </a:r>
+            <a:r>
+              <a:rPr lang="en-US" dirty="0"/>
+              <a:t>(od </a:t>
+            </a:r>
+            <a:r>
+              <a:rPr lang="en-US" dirty="0" err="1"/>
+              <a:t>strane</a:t>
+            </a:r>
+            <a:r>
+              <a:rPr lang="en-US" dirty="0"/>
+              <a:t> </a:t>
+            </a:r>
+            <a:r>
+              <a:rPr lang="en-US" dirty="0" err="1"/>
+              <a:t>zaposlenika</a:t>
+            </a:r>
+            <a:r>
+              <a:rPr lang="en-US" dirty="0"/>
+              <a:t>) </a:t>
+            </a:r>
+            <a:r>
+              <a:rPr lang="en-US" dirty="0" err="1"/>
+              <a:t>koji</a:t>
+            </a:r>
+            <a:r>
+              <a:rPr lang="en-US" dirty="0"/>
+              <a:t> se </a:t>
+            </a:r>
+            <a:r>
+              <a:rPr lang="en-US" dirty="0" err="1"/>
+              <a:t>tiču</a:t>
+            </a:r>
+            <a:r>
+              <a:rPr lang="en-US" dirty="0"/>
+              <a:t> </a:t>
+            </a:r>
+            <a:r>
+              <a:rPr lang="en-US" dirty="0" err="1"/>
+              <a:t>aplikacije</a:t>
+            </a:r>
+            <a:endParaRPr lang="en-US" dirty="0"/>
+          </a:p>
+          <a:p>
+            <a:r>
+              <a:rPr lang="en-US" dirty="0" err="1"/>
+              <a:t>Manuelna</a:t>
+            </a:r>
+            <a:r>
+              <a:rPr lang="en-US" dirty="0"/>
+              <a:t> </a:t>
+            </a:r>
+            <a:r>
+              <a:rPr lang="en-US" dirty="0" err="1"/>
+              <a:t>obrada</a:t>
+            </a:r>
+            <a:r>
+              <a:rPr lang="en-US" dirty="0"/>
+              <a:t> </a:t>
+            </a:r>
+            <a:r>
+              <a:rPr lang="en-US" dirty="0" err="1"/>
+              <a:t>zahtjeva</a:t>
+            </a:r>
+            <a:r>
+              <a:rPr lang="en-US" dirty="0"/>
+              <a:t> od </a:t>
+            </a:r>
+            <a:r>
+              <a:rPr lang="en-US" dirty="0" err="1"/>
+              <a:t>strane</a:t>
+            </a:r>
+            <a:r>
+              <a:rPr lang="en-US" dirty="0"/>
+              <a:t> </a:t>
+            </a:r>
+            <a:r>
+              <a:rPr lang="en-US" dirty="0" err="1"/>
+              <a:t>drugog</a:t>
+            </a:r>
+            <a:r>
+              <a:rPr lang="en-US" dirty="0"/>
+              <a:t> </a:t>
+            </a:r>
+            <a:r>
+              <a:rPr lang="en-US" dirty="0" err="1"/>
+              <a:t>uposlenika</a:t>
+            </a:r>
+            <a:r>
+              <a:rPr lang="en-US" dirty="0"/>
+              <a:t> / </a:t>
+            </a:r>
+            <a:r>
+              <a:rPr lang="en-US" dirty="0" err="1"/>
+              <a:t>admina</a:t>
+            </a:r>
+            <a:endParaRPr lang="en-US" dirty="0"/>
+          </a:p>
+          <a:p>
+            <a:r>
+              <a:rPr lang="en-US" dirty="0" err="1"/>
+              <a:t>Sistem</a:t>
+            </a:r>
+            <a:r>
+              <a:rPr lang="en-US" dirty="0"/>
+              <a:t> </a:t>
+            </a:r>
+            <a:r>
+              <a:rPr lang="en-US" dirty="0" err="1"/>
+              <a:t>administracije</a:t>
+            </a:r>
+            <a:r>
+              <a:rPr lang="en-US" dirty="0"/>
+              <a:t> </a:t>
+            </a:r>
+            <a:r>
+              <a:rPr lang="en-US" dirty="0" err="1"/>
+              <a:t>nad</a:t>
+            </a:r>
+            <a:r>
+              <a:rPr lang="en-US" dirty="0"/>
+              <a:t> </a:t>
+            </a:r>
+            <a:r>
+              <a:rPr lang="en-US" dirty="0" err="1"/>
+              <a:t>korisnicima</a:t>
+            </a:r>
+            <a:r>
+              <a:rPr lang="en-US" dirty="0"/>
+              <a:t> </a:t>
+            </a:r>
+            <a:r>
+              <a:rPr lang="en-US" dirty="0" err="1"/>
+              <a:t>i</a:t>
+            </a:r>
+            <a:r>
+              <a:rPr lang="en-US" dirty="0"/>
+              <a:t> </a:t>
+            </a:r>
+            <a:r>
+              <a:rPr lang="en-US" dirty="0" err="1"/>
+              <a:t>kritikama</a:t>
+            </a:r>
+            <a:endParaRPr lang="en-US" dirty="0"/>
+          </a:p>
+          <a:p>
+            <a:r>
+              <a:rPr lang="en-US" dirty="0" err="1"/>
+              <a:t>Sistem</a:t>
+            </a:r>
+            <a:r>
+              <a:rPr lang="en-US" dirty="0"/>
+              <a:t> </a:t>
+            </a:r>
+            <a:r>
+              <a:rPr lang="en-US" dirty="0" err="1"/>
+              <a:t>za</a:t>
+            </a:r>
+            <a:r>
+              <a:rPr lang="en-US" dirty="0"/>
+              <a:t> </a:t>
+            </a:r>
+            <a:r>
+              <a:rPr lang="en-US" dirty="0" err="1"/>
+              <a:t>fizikalno</a:t>
+            </a:r>
+            <a:r>
+              <a:rPr lang="en-US" dirty="0"/>
+              <a:t> </a:t>
+            </a:r>
+            <a:r>
+              <a:rPr lang="en-US" dirty="0" err="1"/>
+              <a:t>skeniranje</a:t>
+            </a:r>
+            <a:r>
+              <a:rPr lang="en-US" dirty="0"/>
+              <a:t> </a:t>
+            </a:r>
+            <a:r>
+              <a:rPr lang="en-US" dirty="0" err="1"/>
+              <a:t>kreditnih</a:t>
+            </a:r>
+            <a:r>
+              <a:rPr lang="en-US" dirty="0"/>
+              <a:t> </a:t>
+            </a:r>
+            <a:r>
+              <a:rPr lang="en-US" dirty="0" err="1"/>
+              <a:t>kartica</a:t>
+            </a:r>
+            <a:endParaRPr lang="en-US" dirty="0"/>
+          </a:p>
+          <a:p>
+            <a:endParaRPr lang="en-US" dirty="0"/>
+          </a:p>
+        </p:txBody>
+      </p:sp>
+    </p:spTree>
+    <p:extLst>
+      <p:ext uri="{BB962C8B-B14F-4D97-AF65-F5344CB8AC3E}">
+        <p14:creationId xmlns:p14="http://schemas.microsoft.com/office/powerpoint/2010/main" val="2280878549"/>
+      </p:ext>
+    </p:extLst>
+  </p:cSld>
+  <p:clrMapOvr>
+    <a:masterClrMapping/>
+  </p:clrMapOvr>
+</p:sld>
+</file>
+
+<file path=ppt/slides/slide5.xml><?xml version="1.0" encoding="utf-8"?>
+<p:sld xmlns:a="http://schemas.openxmlformats.org/drawingml/2006/main" xmlns:r="http://schemas.openxmlformats.org/officeDocument/2006/relationships" xmlns:p="http://schemas.openxmlformats.org/presentationml/2006/main">
+  <p:cSld>
+    <p:spTree>
+      <p:nvGrpSpPr>
+        <p:cNvPr id="1" name=""/>
+        <p:cNvGrpSpPr/>
+        <p:nvPr/>
+      </p:nvGrpSpPr>
+      <p:grpSpPr>
+        <a:xfrm>
+          <a:off x="0" y="0"/>
+          <a:ext cx="0" cy="0"/>
+          <a:chOff x="0" y="0"/>
+          <a:chExt cx="0" cy="0"/>
+        </a:xfrm>
+      </p:grpSpPr>
+      <p:sp>
+        <p:nvSpPr>
+          <p:cNvPr id="2" name="Title 1"/>
+          <p:cNvSpPr>
+            <a:spLocks noGrp="1"/>
+          </p:cNvSpPr>
+          <p:nvPr>
+            <p:ph type="title"/>
+          </p:nvPr>
+        </p:nvSpPr>
+        <p:spPr>
+          <a:xfrm>
+            <a:off x="646111" y="452718"/>
+            <a:ext cx="9404723" cy="724441"/>
+          </a:xfrm>
+        </p:spPr>
+        <p:txBody>
+          <a:bodyPr/>
+          <a:lstStyle/>
+          <a:p>
+            <a:r>
+              <a:rPr lang="bs-Latn-BA" dirty="0" smtClean="0"/>
+              <a:t>Procesi</a:t>
+            </a:r>
+            <a:endParaRPr lang="en-US" dirty="0"/>
+          </a:p>
+        </p:txBody>
+      </p:sp>
+      <p:sp>
+        <p:nvSpPr>
+          <p:cNvPr id="3" name="Content Placeholder 2"/>
+          <p:cNvSpPr>
+            <a:spLocks noGrp="1"/>
+          </p:cNvSpPr>
+          <p:nvPr>
+            <p:ph idx="1"/>
+          </p:nvPr>
+        </p:nvSpPr>
+        <p:spPr>
+          <a:xfrm>
+            <a:off x="1103312" y="1303280"/>
+            <a:ext cx="8946541" cy="5071240"/>
+          </a:xfrm>
+        </p:spPr>
+        <p:txBody>
+          <a:bodyPr>
+            <a:normAutofit fontScale="92500" lnSpcReduction="20000"/>
+          </a:bodyPr>
+          <a:lstStyle/>
+          <a:p>
+            <a:pPr marL="0" indent="0">
+              <a:buNone/>
+            </a:pPr>
+            <a:r>
+              <a:rPr lang="en-US" sz="2600" b="1" dirty="0" err="1"/>
+              <a:t>Registracija</a:t>
+            </a:r>
+            <a:r>
+              <a:rPr lang="en-US" sz="2600" b="1" dirty="0"/>
+              <a:t> </a:t>
+            </a:r>
+            <a:r>
+              <a:rPr lang="en-US" sz="2600" b="1" dirty="0" err="1"/>
+              <a:t>korisnika</a:t>
+            </a:r>
+            <a:endParaRPr lang="en-US" sz="2600" b="1" dirty="0"/>
+          </a:p>
+          <a:p>
+            <a:r>
+              <a:rPr lang="en-US" dirty="0" err="1"/>
+              <a:t>Korisnik</a:t>
+            </a:r>
+            <a:r>
+              <a:rPr lang="en-US" dirty="0"/>
+              <a:t> </a:t>
+            </a:r>
+            <a:r>
+              <a:rPr lang="en-US" dirty="0" err="1"/>
+              <a:t>unosi</a:t>
+            </a:r>
+            <a:r>
+              <a:rPr lang="en-US" dirty="0"/>
+              <a:t> </a:t>
+            </a:r>
+            <a:r>
+              <a:rPr lang="en-US" dirty="0" err="1"/>
+              <a:t>svoje</a:t>
+            </a:r>
+            <a:r>
+              <a:rPr lang="en-US" dirty="0"/>
+              <a:t> </a:t>
+            </a:r>
+            <a:r>
+              <a:rPr lang="en-US" dirty="0" err="1"/>
+              <a:t>lične</a:t>
+            </a:r>
+            <a:r>
+              <a:rPr lang="en-US" dirty="0"/>
+              <a:t> </a:t>
+            </a:r>
+            <a:r>
+              <a:rPr lang="en-US" dirty="0" err="1"/>
+              <a:t>podatke</a:t>
+            </a:r>
+            <a:r>
+              <a:rPr lang="en-US" dirty="0"/>
+              <a:t> </a:t>
+            </a:r>
+            <a:r>
+              <a:rPr lang="en-US" dirty="0" err="1"/>
+              <a:t>i</a:t>
+            </a:r>
+            <a:r>
+              <a:rPr lang="en-US" dirty="0"/>
+              <a:t> </a:t>
+            </a:r>
+            <a:r>
+              <a:rPr lang="en-US" dirty="0" err="1"/>
+              <a:t>nakon</a:t>
+            </a:r>
+            <a:r>
+              <a:rPr lang="en-US" dirty="0"/>
+              <a:t> </a:t>
+            </a:r>
+            <a:r>
+              <a:rPr lang="en-US" dirty="0" err="1"/>
+              <a:t>provjere</a:t>
+            </a:r>
+            <a:r>
+              <a:rPr lang="en-US" dirty="0"/>
+              <a:t> </a:t>
+            </a:r>
+            <a:r>
+              <a:rPr lang="en-US" dirty="0" err="1"/>
+              <a:t>validnosti</a:t>
+            </a:r>
+            <a:r>
+              <a:rPr lang="en-US" dirty="0"/>
+              <a:t> </a:t>
+            </a:r>
+            <a:r>
+              <a:rPr lang="en-US" dirty="0" err="1"/>
+              <a:t>i</a:t>
+            </a:r>
+            <a:r>
+              <a:rPr lang="en-US" dirty="0"/>
+              <a:t> </a:t>
+            </a:r>
+            <a:r>
+              <a:rPr lang="en-US" dirty="0" err="1"/>
+              <a:t>nezauzetosti</a:t>
+            </a:r>
+            <a:r>
+              <a:rPr lang="en-US" dirty="0"/>
+              <a:t> </a:t>
+            </a:r>
+            <a:r>
+              <a:rPr lang="en-US" dirty="0" err="1"/>
+              <a:t>tih</a:t>
+            </a:r>
+            <a:r>
+              <a:rPr lang="en-US" dirty="0"/>
+              <a:t> </a:t>
+            </a:r>
+            <a:r>
+              <a:rPr lang="en-US" dirty="0" err="1"/>
+              <a:t>podataka</a:t>
+            </a:r>
+            <a:r>
+              <a:rPr lang="en-US" dirty="0"/>
+              <a:t> </a:t>
+            </a:r>
+            <a:r>
+              <a:rPr lang="en-US" dirty="0" err="1"/>
+              <a:t>dobija</a:t>
+            </a:r>
+            <a:r>
+              <a:rPr lang="en-US" dirty="0"/>
+              <a:t> </a:t>
+            </a:r>
+            <a:r>
+              <a:rPr lang="en-US" dirty="0" err="1"/>
+              <a:t>pristup</a:t>
+            </a:r>
+            <a:r>
+              <a:rPr lang="en-US" dirty="0"/>
+              <a:t> </a:t>
+            </a:r>
+            <a:r>
+              <a:rPr lang="en-US" dirty="0" err="1"/>
+              <a:t>prodavnici</a:t>
+            </a:r>
+            <a:r>
+              <a:rPr lang="en-US" dirty="0"/>
+              <a:t>. </a:t>
+            </a:r>
+            <a:r>
+              <a:rPr lang="en-US" dirty="0" err="1"/>
+              <a:t>Uz</a:t>
+            </a:r>
+            <a:r>
+              <a:rPr lang="en-US" dirty="0"/>
+              <a:t> to on </a:t>
+            </a:r>
+            <a:r>
+              <a:rPr lang="en-US" dirty="0" err="1"/>
+              <a:t>sada</a:t>
+            </a:r>
+            <a:r>
+              <a:rPr lang="en-US" dirty="0"/>
+              <a:t> </a:t>
+            </a:r>
+            <a:r>
+              <a:rPr lang="en-US" dirty="0" err="1"/>
+              <a:t>ima</a:t>
+            </a:r>
+            <a:r>
+              <a:rPr lang="en-US" dirty="0"/>
+              <a:t> </a:t>
+            </a:r>
+            <a:r>
+              <a:rPr lang="en-US" dirty="0" err="1"/>
+              <a:t>mogućnost</a:t>
+            </a:r>
+            <a:r>
+              <a:rPr lang="en-US" dirty="0"/>
+              <a:t> </a:t>
+            </a:r>
+            <a:r>
+              <a:rPr lang="en-US" dirty="0" err="1"/>
+              <a:t>pristupa</a:t>
+            </a:r>
+            <a:r>
+              <a:rPr lang="en-US" dirty="0"/>
+              <a:t> </a:t>
+            </a:r>
+            <a:r>
+              <a:rPr lang="en-US" dirty="0" err="1"/>
+              <a:t>svojem</a:t>
+            </a:r>
+            <a:r>
+              <a:rPr lang="en-US" dirty="0"/>
+              <a:t> </a:t>
+            </a:r>
+            <a:r>
+              <a:rPr lang="en-US" dirty="0" err="1"/>
+              <a:t>profilu</a:t>
+            </a:r>
+            <a:r>
+              <a:rPr lang="en-US" dirty="0"/>
+              <a:t> </a:t>
+            </a:r>
+            <a:r>
+              <a:rPr lang="en-US" dirty="0" err="1"/>
+              <a:t>te</a:t>
+            </a:r>
+            <a:r>
+              <a:rPr lang="en-US" dirty="0"/>
+              <a:t> </a:t>
+            </a:r>
+            <a:r>
+              <a:rPr lang="en-US" dirty="0" err="1"/>
+              <a:t>sposobnosti</a:t>
+            </a:r>
+            <a:r>
+              <a:rPr lang="en-US" dirty="0"/>
+              <a:t> </a:t>
+            </a:r>
+            <a:r>
+              <a:rPr lang="en-US" dirty="0" err="1"/>
+              <a:t>mijenjanja</a:t>
+            </a:r>
+            <a:r>
+              <a:rPr lang="en-US" dirty="0"/>
+              <a:t> </a:t>
+            </a:r>
+            <a:r>
+              <a:rPr lang="en-US" dirty="0" err="1"/>
+              <a:t>svojih</a:t>
+            </a:r>
+            <a:r>
+              <a:rPr lang="en-US" dirty="0"/>
+              <a:t> </a:t>
+            </a:r>
+            <a:r>
+              <a:rPr lang="en-US" dirty="0" err="1"/>
+              <a:t>podataka</a:t>
+            </a:r>
+            <a:r>
+              <a:rPr lang="en-US" dirty="0"/>
+              <a:t> </a:t>
+            </a:r>
+            <a:r>
+              <a:rPr lang="en-US" dirty="0" err="1"/>
+              <a:t>unutar</a:t>
+            </a:r>
+            <a:r>
+              <a:rPr lang="en-US" dirty="0"/>
+              <a:t> </a:t>
+            </a:r>
+            <a:r>
+              <a:rPr lang="en-US" dirty="0" err="1"/>
+              <a:t>opcija</a:t>
+            </a:r>
+            <a:r>
+              <a:rPr lang="en-US" dirty="0"/>
+              <a:t> </a:t>
+            </a:r>
+            <a:r>
+              <a:rPr lang="en-US" dirty="0" err="1"/>
+              <a:t>na</a:t>
+            </a:r>
+            <a:r>
+              <a:rPr lang="en-US" dirty="0"/>
+              <a:t> </a:t>
+            </a:r>
+            <a:r>
+              <a:rPr lang="en-US" dirty="0" err="1"/>
+              <a:t>profilu</a:t>
+            </a:r>
+            <a:r>
+              <a:rPr lang="en-US" dirty="0"/>
+              <a:t>.</a:t>
+            </a:r>
+          </a:p>
+          <a:p>
+            <a:pPr marL="0" indent="0">
+              <a:buNone/>
+            </a:pPr>
+            <a:r>
+              <a:rPr lang="en-US" sz="2600" b="1" dirty="0" err="1"/>
+              <a:t>Promjena</a:t>
+            </a:r>
+            <a:r>
+              <a:rPr lang="en-US" sz="2600" b="1" dirty="0"/>
+              <a:t> </a:t>
+            </a:r>
+            <a:r>
+              <a:rPr lang="en-US" sz="2600" b="1" dirty="0" err="1"/>
+              <a:t>profilnih</a:t>
+            </a:r>
+            <a:r>
+              <a:rPr lang="en-US" sz="2600" b="1" dirty="0"/>
+              <a:t> </a:t>
+            </a:r>
+            <a:r>
+              <a:rPr lang="en-US" sz="2600" b="1" dirty="0" err="1"/>
+              <a:t>postavki</a:t>
+            </a:r>
+            <a:endParaRPr lang="en-US" sz="2600" b="1" dirty="0"/>
+          </a:p>
+          <a:p>
+            <a:r>
+              <a:rPr lang="en-US" dirty="0" err="1"/>
+              <a:t>Korisnik</a:t>
+            </a:r>
+            <a:r>
+              <a:rPr lang="en-US" dirty="0"/>
+              <a:t> </a:t>
+            </a:r>
+            <a:r>
+              <a:rPr lang="en-US" dirty="0" err="1"/>
+              <a:t>može</a:t>
+            </a:r>
+            <a:r>
+              <a:rPr lang="en-US" dirty="0"/>
+              <a:t> </a:t>
+            </a:r>
+            <a:r>
+              <a:rPr lang="en-US" dirty="0" err="1"/>
+              <a:t>nakon</a:t>
+            </a:r>
+            <a:r>
+              <a:rPr lang="en-US" dirty="0"/>
+              <a:t> </a:t>
+            </a:r>
+            <a:r>
+              <a:rPr lang="en-US" dirty="0" err="1"/>
+              <a:t>ulaska</a:t>
+            </a:r>
+            <a:r>
+              <a:rPr lang="en-US" dirty="0"/>
+              <a:t> u </a:t>
+            </a:r>
+            <a:r>
+              <a:rPr lang="en-US" dirty="0" err="1"/>
+              <a:t>profil</a:t>
+            </a:r>
+            <a:r>
+              <a:rPr lang="en-US" dirty="0"/>
+              <a:t> da </a:t>
+            </a:r>
+            <a:r>
+              <a:rPr lang="en-US" dirty="0" err="1"/>
+              <a:t>otvori</a:t>
+            </a:r>
+            <a:r>
+              <a:rPr lang="en-US" dirty="0"/>
+              <a:t> </a:t>
+            </a:r>
+            <a:r>
+              <a:rPr lang="en-US" dirty="0" err="1"/>
+              <a:t>novu</a:t>
+            </a:r>
+            <a:r>
+              <a:rPr lang="en-US" dirty="0"/>
+              <a:t> </a:t>
+            </a:r>
+            <a:r>
+              <a:rPr lang="en-US" dirty="0" err="1"/>
+              <a:t>formu</a:t>
+            </a:r>
+            <a:r>
+              <a:rPr lang="en-US" dirty="0"/>
+              <a:t> </a:t>
+            </a:r>
+            <a:r>
+              <a:rPr lang="en-US" dirty="0" err="1"/>
+              <a:t>pritiskom</a:t>
+            </a:r>
+            <a:r>
+              <a:rPr lang="en-US" dirty="0"/>
+              <a:t> </a:t>
+            </a:r>
+            <a:r>
+              <a:rPr lang="en-US" dirty="0" err="1"/>
+              <a:t>na</a:t>
+            </a:r>
+            <a:r>
+              <a:rPr lang="en-US" dirty="0"/>
+              <a:t> </a:t>
+            </a:r>
+            <a:r>
+              <a:rPr lang="en-US" dirty="0" err="1"/>
+              <a:t>dugme</a:t>
+            </a:r>
+            <a:r>
+              <a:rPr lang="en-US" dirty="0"/>
+              <a:t> settings. </a:t>
+            </a:r>
+            <a:r>
+              <a:rPr lang="en-US" dirty="0" err="1"/>
+              <a:t>Unutar</a:t>
+            </a:r>
+            <a:r>
+              <a:rPr lang="en-US" dirty="0"/>
+              <a:t> </a:t>
+            </a:r>
+            <a:r>
+              <a:rPr lang="en-US" dirty="0" err="1"/>
+              <a:t>ove</a:t>
+            </a:r>
+            <a:r>
+              <a:rPr lang="en-US" dirty="0"/>
+              <a:t> </a:t>
+            </a:r>
+            <a:r>
+              <a:rPr lang="en-US" dirty="0" err="1"/>
+              <a:t>forme</a:t>
+            </a:r>
+            <a:r>
+              <a:rPr lang="en-US" dirty="0"/>
+              <a:t> on </a:t>
+            </a:r>
+            <a:r>
+              <a:rPr lang="en-US" dirty="0" err="1"/>
+              <a:t>može</a:t>
+            </a:r>
+            <a:r>
+              <a:rPr lang="en-US" dirty="0"/>
+              <a:t> </a:t>
+            </a:r>
+            <a:r>
+              <a:rPr lang="en-US" dirty="0" err="1"/>
+              <a:t>podnijeti</a:t>
+            </a:r>
+            <a:r>
+              <a:rPr lang="en-US" dirty="0"/>
+              <a:t> </a:t>
+            </a:r>
+            <a:r>
+              <a:rPr lang="en-US" dirty="0" err="1"/>
+              <a:t>zahtjev</a:t>
+            </a:r>
+            <a:r>
+              <a:rPr lang="en-US" dirty="0"/>
+              <a:t> </a:t>
+            </a:r>
+            <a:r>
+              <a:rPr lang="en-US" dirty="0" err="1"/>
+              <a:t>za</a:t>
+            </a:r>
+            <a:r>
+              <a:rPr lang="en-US" dirty="0"/>
+              <a:t> </a:t>
+            </a:r>
+            <a:r>
+              <a:rPr lang="en-US" dirty="0" err="1"/>
+              <a:t>promjenu</a:t>
+            </a:r>
+            <a:r>
+              <a:rPr lang="en-US" dirty="0"/>
+              <a:t> </a:t>
+            </a:r>
+            <a:r>
+              <a:rPr lang="en-US" dirty="0" err="1"/>
+              <a:t>svojih</a:t>
+            </a:r>
+            <a:r>
+              <a:rPr lang="en-US" dirty="0"/>
+              <a:t> login </a:t>
+            </a:r>
+            <a:r>
+              <a:rPr lang="en-US" dirty="0" err="1"/>
+              <a:t>informacija</a:t>
+            </a:r>
+            <a:r>
+              <a:rPr lang="en-US" dirty="0"/>
+              <a:t>, </a:t>
+            </a:r>
+            <a:r>
+              <a:rPr lang="en-US" dirty="0" err="1"/>
+              <a:t>spašenih</a:t>
+            </a:r>
+            <a:r>
+              <a:rPr lang="en-US" dirty="0"/>
+              <a:t> </a:t>
+            </a:r>
+            <a:r>
+              <a:rPr lang="en-US" dirty="0" err="1"/>
+              <a:t>informacija</a:t>
+            </a:r>
+            <a:r>
+              <a:rPr lang="en-US" dirty="0"/>
+              <a:t> o </a:t>
+            </a:r>
+            <a:r>
+              <a:rPr lang="en-US" dirty="0" err="1"/>
+              <a:t>kreditnoj</a:t>
+            </a:r>
+            <a:r>
+              <a:rPr lang="en-US" dirty="0"/>
+              <a:t> </a:t>
+            </a:r>
+            <a:r>
+              <a:rPr lang="en-US" dirty="0" err="1"/>
+              <a:t>kartici</a:t>
+            </a:r>
+            <a:r>
+              <a:rPr lang="en-US" dirty="0"/>
+              <a:t>, </a:t>
+            </a:r>
+            <a:r>
+              <a:rPr lang="en-US" dirty="0" err="1"/>
+              <a:t>adresi</a:t>
+            </a:r>
+            <a:r>
+              <a:rPr lang="en-US" dirty="0"/>
+              <a:t> </a:t>
+            </a:r>
+            <a:r>
+              <a:rPr lang="en-US" dirty="0" err="1"/>
+              <a:t>i</a:t>
+            </a:r>
+            <a:r>
+              <a:rPr lang="en-US" dirty="0"/>
+              <a:t> sl.</a:t>
+            </a:r>
+          </a:p>
+          <a:p>
+            <a:pPr marL="0" indent="0">
+              <a:buNone/>
+            </a:pPr>
+            <a:r>
+              <a:rPr lang="en-US" sz="2600" b="1" dirty="0" err="1"/>
+              <a:t>Pregledanje</a:t>
+            </a:r>
+            <a:r>
+              <a:rPr lang="en-US" sz="2600" b="1" dirty="0"/>
+              <a:t> </a:t>
+            </a:r>
+            <a:r>
+              <a:rPr lang="en-US" sz="2600" b="1" dirty="0" err="1"/>
+              <a:t>prodavnice</a:t>
+            </a:r>
+            <a:endParaRPr lang="en-US" sz="2600" b="1" dirty="0"/>
+          </a:p>
+          <a:p>
+            <a:r>
+              <a:rPr lang="en-US" dirty="0" err="1"/>
+              <a:t>Korisnik</a:t>
+            </a:r>
+            <a:r>
+              <a:rPr lang="en-US" dirty="0"/>
+              <a:t> </a:t>
+            </a:r>
+            <a:r>
+              <a:rPr lang="en-US" dirty="0" err="1"/>
+              <a:t>može</a:t>
+            </a:r>
+            <a:r>
+              <a:rPr lang="en-US" dirty="0"/>
+              <a:t> da </a:t>
+            </a:r>
+            <a:r>
+              <a:rPr lang="en-US" dirty="0" err="1"/>
+              <a:t>pregleda</a:t>
+            </a:r>
+            <a:r>
+              <a:rPr lang="en-US" dirty="0"/>
+              <a:t> online </a:t>
+            </a:r>
+            <a:r>
+              <a:rPr lang="en-US" dirty="0" err="1"/>
+              <a:t>prodavnicu</a:t>
+            </a:r>
+            <a:r>
+              <a:rPr lang="en-US" dirty="0"/>
+              <a:t> </a:t>
+            </a:r>
+            <a:r>
+              <a:rPr lang="en-US" dirty="0" err="1"/>
+              <a:t>i</a:t>
+            </a:r>
+            <a:r>
+              <a:rPr lang="en-US" dirty="0"/>
+              <a:t> </a:t>
+            </a:r>
+            <a:r>
+              <a:rPr lang="en-US" dirty="0" err="1"/>
+              <a:t>vidi</a:t>
+            </a:r>
+            <a:r>
+              <a:rPr lang="en-US" dirty="0"/>
+              <a:t> </a:t>
+            </a:r>
+            <a:r>
+              <a:rPr lang="en-US" dirty="0" err="1"/>
+              <a:t>osnovne</a:t>
+            </a:r>
+            <a:r>
+              <a:rPr lang="en-US" dirty="0"/>
+              <a:t> </a:t>
+            </a:r>
+            <a:r>
+              <a:rPr lang="en-US" dirty="0" err="1"/>
+              <a:t>podatke</a:t>
+            </a:r>
+            <a:r>
+              <a:rPr lang="en-US" dirty="0"/>
+              <a:t> o </a:t>
+            </a:r>
+            <a:r>
+              <a:rPr lang="en-US" dirty="0" err="1"/>
+              <a:t>njima</a:t>
+            </a:r>
+            <a:r>
+              <a:rPr lang="en-US" dirty="0"/>
+              <a:t>. On </a:t>
+            </a:r>
+            <a:r>
+              <a:rPr lang="en-US" dirty="0" err="1"/>
+              <a:t>može</a:t>
+            </a:r>
+            <a:r>
+              <a:rPr lang="en-US" dirty="0"/>
+              <a:t> </a:t>
+            </a:r>
+            <a:r>
+              <a:rPr lang="en-US" dirty="0" err="1"/>
+              <a:t>za</a:t>
+            </a:r>
+            <a:r>
+              <a:rPr lang="en-US" dirty="0"/>
+              <a:t> </a:t>
+            </a:r>
+            <a:r>
+              <a:rPr lang="en-US" dirty="0" err="1"/>
+              <a:t>artikle</a:t>
+            </a:r>
+            <a:r>
+              <a:rPr lang="en-US" dirty="0"/>
+              <a:t> </a:t>
+            </a:r>
+            <a:r>
+              <a:rPr lang="en-US" dirty="0" err="1"/>
+              <a:t>koji</a:t>
+            </a:r>
+            <a:r>
+              <a:rPr lang="en-US" dirty="0"/>
+              <a:t> </a:t>
+            </a:r>
+            <a:r>
+              <a:rPr lang="en-US" dirty="0" err="1"/>
+              <a:t>ga</a:t>
+            </a:r>
+            <a:r>
+              <a:rPr lang="en-US" dirty="0"/>
+              <a:t> </a:t>
+            </a:r>
+            <a:r>
+              <a:rPr lang="en-US" dirty="0" err="1"/>
+              <a:t>zainteresuju</a:t>
+            </a:r>
+            <a:r>
+              <a:rPr lang="en-US" dirty="0"/>
+              <a:t> </a:t>
+            </a:r>
+            <a:r>
+              <a:rPr lang="en-US" dirty="0" err="1"/>
+              <a:t>otvoriti</a:t>
+            </a:r>
+            <a:r>
+              <a:rPr lang="en-US" dirty="0"/>
+              <a:t> </a:t>
+            </a:r>
+            <a:r>
+              <a:rPr lang="en-US" dirty="0" err="1"/>
+              <a:t>posebnu</a:t>
+            </a:r>
+            <a:r>
+              <a:rPr lang="en-US" dirty="0"/>
+              <a:t> </a:t>
+            </a:r>
+            <a:r>
+              <a:rPr lang="en-US" dirty="0" err="1"/>
+              <a:t>stranicu</a:t>
+            </a:r>
+            <a:r>
+              <a:rPr lang="en-US" dirty="0"/>
+              <a:t> </a:t>
+            </a:r>
+            <a:r>
+              <a:rPr lang="en-US" dirty="0" err="1"/>
+              <a:t>koja</a:t>
+            </a:r>
+            <a:r>
+              <a:rPr lang="en-US" dirty="0"/>
+              <a:t> </a:t>
+            </a:r>
+            <a:r>
+              <a:rPr lang="en-US" dirty="0" err="1"/>
+              <a:t>detaljno</a:t>
+            </a:r>
+            <a:r>
+              <a:rPr lang="en-US" dirty="0"/>
+              <a:t> </a:t>
+            </a:r>
+            <a:r>
+              <a:rPr lang="en-US" dirty="0" err="1"/>
+              <a:t>prikazuje</a:t>
+            </a:r>
+            <a:r>
+              <a:rPr lang="en-US" dirty="0"/>
+              <a:t> </a:t>
+            </a:r>
+            <a:r>
+              <a:rPr lang="en-US" dirty="0" err="1"/>
+              <a:t>informacije</a:t>
+            </a:r>
+            <a:r>
+              <a:rPr lang="en-US" dirty="0"/>
+              <a:t> o tom </a:t>
+            </a:r>
+            <a:r>
+              <a:rPr lang="en-US" dirty="0" err="1"/>
+              <a:t>artiklu</a:t>
+            </a:r>
+            <a:r>
+              <a:rPr lang="en-US" dirty="0"/>
+              <a:t>, </a:t>
+            </a:r>
+            <a:r>
+              <a:rPr lang="en-US" dirty="0" err="1"/>
+              <a:t>njegovu</a:t>
+            </a:r>
+            <a:r>
+              <a:rPr lang="en-US" dirty="0"/>
+              <a:t> </a:t>
+            </a:r>
+            <a:r>
+              <a:rPr lang="en-US" dirty="0" err="1"/>
+              <a:t>cijenu</a:t>
+            </a:r>
+            <a:r>
+              <a:rPr lang="en-US" dirty="0"/>
+              <a:t>, </a:t>
+            </a:r>
+            <a:r>
+              <a:rPr lang="en-US" dirty="0" err="1"/>
+              <a:t>raspoloživost</a:t>
+            </a:r>
+            <a:r>
+              <a:rPr lang="en-US" dirty="0"/>
+              <a:t>, </a:t>
+            </a:r>
+            <a:r>
+              <a:rPr lang="en-US" dirty="0" err="1"/>
+              <a:t>te</a:t>
+            </a:r>
+            <a:r>
+              <a:rPr lang="en-US" dirty="0"/>
+              <a:t> </a:t>
+            </a:r>
+            <a:r>
+              <a:rPr lang="en-US" dirty="0" err="1"/>
+              <a:t>ocjene</a:t>
+            </a:r>
+            <a:r>
+              <a:rPr lang="en-US" dirty="0"/>
+              <a:t> </a:t>
+            </a:r>
+            <a:r>
+              <a:rPr lang="en-US" dirty="0" err="1"/>
+              <a:t>i</a:t>
+            </a:r>
+            <a:r>
+              <a:rPr lang="en-US" dirty="0"/>
+              <a:t> </a:t>
+            </a:r>
+            <a:r>
+              <a:rPr lang="en-US" dirty="0" err="1"/>
+              <a:t>komentare</a:t>
+            </a:r>
+            <a:r>
+              <a:rPr lang="en-US" dirty="0"/>
+              <a:t> </a:t>
+            </a:r>
+            <a:r>
+              <a:rPr lang="en-US" dirty="0" err="1"/>
+              <a:t>koji</a:t>
+            </a:r>
+            <a:r>
+              <a:rPr lang="en-US" dirty="0"/>
+              <a:t> </a:t>
+            </a:r>
+            <a:r>
+              <a:rPr lang="en-US" dirty="0" err="1"/>
+              <a:t>su</a:t>
+            </a:r>
+            <a:r>
+              <a:rPr lang="en-US" dirty="0"/>
+              <a:t> </a:t>
+            </a:r>
+            <a:r>
+              <a:rPr lang="en-US" dirty="0" err="1"/>
+              <a:t>ostavili</a:t>
+            </a:r>
+            <a:r>
+              <a:rPr lang="en-US" dirty="0"/>
+              <a:t> </a:t>
+            </a:r>
+            <a:r>
+              <a:rPr lang="en-US" dirty="0" err="1"/>
+              <a:t>drugi</a:t>
+            </a:r>
+            <a:r>
+              <a:rPr lang="en-US" dirty="0"/>
+              <a:t> </a:t>
+            </a:r>
+            <a:r>
+              <a:rPr lang="en-US" dirty="0" err="1"/>
+              <a:t>korisnici</a:t>
+            </a:r>
+            <a:r>
+              <a:rPr lang="en-US" dirty="0"/>
+              <a:t> o tom </a:t>
+            </a:r>
+            <a:r>
+              <a:rPr lang="en-US" dirty="0" err="1"/>
+              <a:t>artiklu</a:t>
+            </a:r>
+            <a:r>
+              <a:rPr lang="en-US" dirty="0"/>
+              <a:t>. </a:t>
+            </a:r>
+            <a:r>
+              <a:rPr lang="en-US" dirty="0" err="1"/>
+              <a:t>Dalje</a:t>
+            </a:r>
+            <a:r>
+              <a:rPr lang="en-US" dirty="0"/>
+              <a:t>, on </a:t>
+            </a:r>
+            <a:r>
+              <a:rPr lang="en-US" dirty="0" err="1"/>
+              <a:t>može</a:t>
+            </a:r>
+            <a:r>
+              <a:rPr lang="en-US" dirty="0"/>
+              <a:t> </a:t>
+            </a:r>
+            <a:r>
+              <a:rPr lang="en-US" dirty="0" err="1"/>
+              <a:t>ubaciti</a:t>
+            </a:r>
+            <a:r>
+              <a:rPr lang="en-US" dirty="0"/>
+              <a:t> </a:t>
+            </a:r>
+            <a:r>
+              <a:rPr lang="en-US" dirty="0" err="1"/>
+              <a:t>taj</a:t>
+            </a:r>
+            <a:r>
+              <a:rPr lang="en-US" dirty="0"/>
+              <a:t> </a:t>
+            </a:r>
+            <a:r>
+              <a:rPr lang="en-US" dirty="0" err="1"/>
+              <a:t>artikal</a:t>
+            </a:r>
+            <a:r>
+              <a:rPr lang="en-US" dirty="0"/>
+              <a:t> u </a:t>
+            </a:r>
+            <a:r>
+              <a:rPr lang="en-US" dirty="0" err="1"/>
+              <a:t>korpu</a:t>
+            </a:r>
+            <a:r>
+              <a:rPr lang="en-US" dirty="0"/>
+              <a:t> </a:t>
+            </a:r>
+            <a:r>
+              <a:rPr lang="en-US" dirty="0" err="1"/>
+              <a:t>i</a:t>
+            </a:r>
+            <a:r>
+              <a:rPr lang="en-US" dirty="0"/>
+              <a:t> </a:t>
+            </a:r>
+            <a:r>
+              <a:rPr lang="en-US" dirty="0" err="1"/>
+              <a:t>kasnije</a:t>
+            </a:r>
+            <a:r>
+              <a:rPr lang="en-US" dirty="0"/>
+              <a:t> </a:t>
+            </a:r>
+            <a:r>
+              <a:rPr lang="en-US" dirty="0" err="1"/>
+              <a:t>kupiti</a:t>
+            </a:r>
+            <a:r>
+              <a:rPr lang="en-US" dirty="0"/>
+              <a:t> </a:t>
+            </a:r>
+            <a:r>
+              <a:rPr lang="en-US" dirty="0" err="1"/>
+              <a:t>ili</a:t>
+            </a:r>
+            <a:r>
+              <a:rPr lang="en-US" dirty="0"/>
+              <a:t> </a:t>
+            </a:r>
+            <a:r>
+              <a:rPr lang="en-US" dirty="0" err="1"/>
+              <a:t>odbaciti</a:t>
+            </a:r>
+            <a:r>
+              <a:rPr lang="en-US" dirty="0"/>
+              <a:t>.</a:t>
+            </a:r>
+          </a:p>
+          <a:p>
+            <a:endParaRPr lang="en-US" dirty="0"/>
+          </a:p>
+        </p:txBody>
+      </p:sp>
+    </p:spTree>
+    <p:extLst>
+      <p:ext uri="{BB962C8B-B14F-4D97-AF65-F5344CB8AC3E}">
+        <p14:creationId xmlns:p14="http://schemas.microsoft.com/office/powerpoint/2010/main" val="2758655817"/>
+      </p:ext>
+    </p:extLst>
+  </p:cSld>
+  <p:clrMapOvr>
+    <a:masterClrMapping/>
+  </p:clrMapOvr>
+</p:sld>
+</file>
+
+<file path=ppt/slides/slide6.xml><?xml version="1.0" encoding="utf-8"?>
+<p:sld xmlns:a="http://schemas.openxmlformats.org/drawingml/2006/main" xmlns:r="http://schemas.openxmlformats.org/officeDocument/2006/relationships" xmlns:p="http://schemas.openxmlformats.org/presentationml/2006/main">
+  <p:cSld>
+    <p:spTree>
+      <p:nvGrpSpPr>
+        <p:cNvPr id="1" name=""/>
+        <p:cNvGrpSpPr/>
+        <p:nvPr/>
+      </p:nvGrpSpPr>
+      <p:grpSpPr>
+        <a:xfrm>
+          <a:off x="0" y="0"/>
+          <a:ext cx="0" cy="0"/>
+          <a:chOff x="0" y="0"/>
+          <a:chExt cx="0" cy="0"/>
+        </a:xfrm>
+      </p:grpSpPr>
+      <p:sp>
+        <p:nvSpPr>
+          <p:cNvPr id="3" name="Content Placeholder 2"/>
+          <p:cNvSpPr>
+            <a:spLocks noGrp="1"/>
+          </p:cNvSpPr>
+          <p:nvPr>
+            <p:ph idx="1"/>
+          </p:nvPr>
+        </p:nvSpPr>
+        <p:spPr>
+          <a:xfrm>
+            <a:off x="1103312" y="430923"/>
+            <a:ext cx="8946541" cy="5990897"/>
+          </a:xfrm>
+        </p:spPr>
+        <p:txBody>
+          <a:bodyPr>
+            <a:normAutofit fontScale="92500" lnSpcReduction="20000"/>
+          </a:bodyPr>
+          <a:lstStyle/>
+          <a:p>
+            <a:pPr marL="0" indent="0">
+              <a:buNone/>
+            </a:pPr>
+            <a:r>
+              <a:rPr lang="en-US" sz="2800" b="1" dirty="0" err="1" smtClean="0"/>
+              <a:t>Kupovina</a:t>
+            </a:r>
+            <a:r>
+              <a:rPr lang="en-US" sz="2800" b="1" dirty="0" smtClean="0"/>
+              <a:t> </a:t>
+            </a:r>
+            <a:r>
+              <a:rPr lang="en-US" sz="2800" b="1" dirty="0"/>
+              <a:t>robe</a:t>
+            </a:r>
+          </a:p>
+          <a:p>
+            <a:r>
+              <a:rPr lang="en-US" dirty="0" err="1"/>
+              <a:t>Nakon</a:t>
+            </a:r>
+            <a:r>
+              <a:rPr lang="en-US" dirty="0"/>
+              <a:t> </a:t>
+            </a:r>
+            <a:r>
+              <a:rPr lang="en-US" dirty="0" err="1"/>
+              <a:t>što</a:t>
+            </a:r>
+            <a:r>
+              <a:rPr lang="en-US" dirty="0"/>
+              <a:t> je </a:t>
+            </a:r>
+            <a:r>
+              <a:rPr lang="en-US" dirty="0" err="1"/>
+              <a:t>ispunio</a:t>
+            </a:r>
+            <a:r>
+              <a:rPr lang="en-US" dirty="0"/>
+              <a:t> </a:t>
+            </a:r>
+            <a:r>
+              <a:rPr lang="en-US" dirty="0" err="1"/>
+              <a:t>korpu</a:t>
+            </a:r>
+            <a:r>
+              <a:rPr lang="en-US" dirty="0"/>
+              <a:t> </a:t>
+            </a:r>
+            <a:r>
+              <a:rPr lang="en-US" dirty="0" err="1"/>
+              <a:t>robom</a:t>
+            </a:r>
+            <a:r>
+              <a:rPr lang="en-US" dirty="0"/>
+              <a:t>, </a:t>
+            </a:r>
+            <a:r>
+              <a:rPr lang="en-US" dirty="0" err="1"/>
+              <a:t>korisnik</a:t>
+            </a:r>
+            <a:r>
+              <a:rPr lang="en-US" dirty="0"/>
+              <a:t> </a:t>
+            </a:r>
+            <a:r>
+              <a:rPr lang="en-US" dirty="0" err="1"/>
+              <a:t>dobiva</a:t>
+            </a:r>
+            <a:r>
+              <a:rPr lang="en-US" dirty="0"/>
+              <a:t> </a:t>
+            </a:r>
+            <a:r>
+              <a:rPr lang="en-US" dirty="0" err="1"/>
+              <a:t>pregled</a:t>
+            </a:r>
+            <a:r>
+              <a:rPr lang="en-US" dirty="0"/>
+              <a:t> </a:t>
+            </a:r>
+            <a:r>
+              <a:rPr lang="en-US" dirty="0" err="1"/>
+              <a:t>onoga</a:t>
+            </a:r>
+            <a:r>
+              <a:rPr lang="en-US" dirty="0"/>
+              <a:t> </a:t>
+            </a:r>
+            <a:r>
+              <a:rPr lang="en-US" dirty="0" err="1"/>
+              <a:t>što</a:t>
+            </a:r>
+            <a:r>
+              <a:rPr lang="en-US" dirty="0"/>
+              <a:t> je </a:t>
+            </a:r>
+            <a:r>
+              <a:rPr lang="en-US" dirty="0" err="1"/>
+              <a:t>izabrao</a:t>
+            </a:r>
+            <a:r>
+              <a:rPr lang="en-US" dirty="0"/>
+              <a:t> </a:t>
+            </a:r>
+            <a:r>
+              <a:rPr lang="en-US" dirty="0" err="1"/>
+              <a:t>i</a:t>
+            </a:r>
+            <a:r>
+              <a:rPr lang="en-US" dirty="0"/>
+              <a:t> </a:t>
+            </a:r>
+            <a:r>
+              <a:rPr lang="en-US" dirty="0" err="1"/>
+              <a:t>informacije</a:t>
+            </a:r>
+            <a:r>
+              <a:rPr lang="en-US" dirty="0"/>
+              <a:t> o </a:t>
+            </a:r>
+            <a:r>
+              <a:rPr lang="en-US" dirty="0" err="1"/>
+              <a:t>ukupnoj</a:t>
+            </a:r>
+            <a:r>
+              <a:rPr lang="en-US" dirty="0"/>
+              <a:t> </a:t>
+            </a:r>
+            <a:r>
+              <a:rPr lang="en-US" dirty="0" err="1"/>
+              <a:t>cijeni</a:t>
+            </a:r>
+            <a:r>
+              <a:rPr lang="en-US" dirty="0"/>
+              <a:t> </a:t>
+            </a:r>
+            <a:r>
+              <a:rPr lang="en-US" dirty="0" err="1"/>
+              <a:t>te</a:t>
+            </a:r>
+            <a:r>
+              <a:rPr lang="en-US" dirty="0"/>
+              <a:t> robe. </a:t>
+            </a:r>
+            <a:r>
+              <a:rPr lang="en-US" dirty="0" err="1"/>
+              <a:t>Dalje</a:t>
+            </a:r>
+            <a:r>
+              <a:rPr lang="en-US" dirty="0"/>
+              <a:t>, </a:t>
+            </a:r>
+            <a:r>
+              <a:rPr lang="en-US" dirty="0" err="1"/>
+              <a:t>za</a:t>
+            </a:r>
+            <a:r>
+              <a:rPr lang="en-US" dirty="0"/>
+              <a:t> </a:t>
+            </a:r>
+            <a:r>
+              <a:rPr lang="en-US" dirty="0" err="1"/>
+              <a:t>fizičke</a:t>
+            </a:r>
+            <a:r>
+              <a:rPr lang="en-US" dirty="0"/>
+              <a:t> </a:t>
+            </a:r>
+            <a:r>
+              <a:rPr lang="en-US" dirty="0" err="1"/>
+              <a:t>artikle</a:t>
+            </a:r>
+            <a:r>
+              <a:rPr lang="en-US" dirty="0"/>
+              <a:t> on </a:t>
+            </a:r>
+            <a:r>
+              <a:rPr lang="en-US" dirty="0" err="1"/>
+              <a:t>ima</a:t>
+            </a:r>
+            <a:r>
+              <a:rPr lang="en-US" dirty="0"/>
+              <a:t> </a:t>
+            </a:r>
+            <a:r>
+              <a:rPr lang="en-US" dirty="0" err="1"/>
+              <a:t>mogućnost</a:t>
+            </a:r>
+            <a:r>
+              <a:rPr lang="en-US" dirty="0"/>
+              <a:t> </a:t>
+            </a:r>
+            <a:r>
+              <a:rPr lang="en-US" dirty="0" err="1"/>
+              <a:t>odabira</a:t>
+            </a:r>
+            <a:r>
+              <a:rPr lang="en-US" dirty="0"/>
+              <a:t> </a:t>
+            </a:r>
+            <a:r>
+              <a:rPr lang="en-US" dirty="0" err="1"/>
+              <a:t>lokacije</a:t>
+            </a:r>
+            <a:r>
+              <a:rPr lang="en-US" dirty="0"/>
+              <a:t> </a:t>
+            </a:r>
+            <a:r>
+              <a:rPr lang="en-US" dirty="0" err="1"/>
+              <a:t>na</a:t>
+            </a:r>
+            <a:r>
+              <a:rPr lang="en-US" dirty="0"/>
+              <a:t> </a:t>
+            </a:r>
+            <a:r>
+              <a:rPr lang="en-US" dirty="0" err="1"/>
+              <a:t>koju</a:t>
+            </a:r>
+            <a:r>
+              <a:rPr lang="en-US" dirty="0"/>
+              <a:t> </a:t>
+            </a:r>
+            <a:r>
+              <a:rPr lang="en-US" dirty="0" err="1"/>
+              <a:t>će</a:t>
+            </a:r>
+            <a:r>
+              <a:rPr lang="en-US" dirty="0"/>
+              <a:t> </a:t>
+            </a:r>
+            <a:r>
+              <a:rPr lang="en-US" dirty="0" err="1"/>
+              <a:t>biti</a:t>
+            </a:r>
+            <a:r>
+              <a:rPr lang="en-US" dirty="0"/>
+              <a:t> </a:t>
+            </a:r>
+            <a:r>
+              <a:rPr lang="en-US" dirty="0" err="1"/>
+              <a:t>dostavljeni</a:t>
+            </a:r>
+            <a:r>
+              <a:rPr lang="en-US" dirty="0"/>
+              <a:t> </a:t>
+            </a:r>
+            <a:r>
+              <a:rPr lang="en-US" dirty="0" err="1"/>
+              <a:t>i</a:t>
+            </a:r>
+            <a:r>
+              <a:rPr lang="en-US" dirty="0"/>
+              <a:t> </a:t>
+            </a:r>
+            <a:r>
+              <a:rPr lang="en-US" dirty="0" err="1"/>
+              <a:t>tipa</a:t>
+            </a:r>
+            <a:r>
+              <a:rPr lang="en-US" dirty="0"/>
+              <a:t> </a:t>
+            </a:r>
+            <a:r>
+              <a:rPr lang="en-US" dirty="0" err="1"/>
+              <a:t>dostave</a:t>
+            </a:r>
+            <a:r>
+              <a:rPr lang="en-US" dirty="0"/>
+              <a:t> (da li </a:t>
+            </a:r>
+            <a:r>
+              <a:rPr lang="en-US" dirty="0" err="1"/>
+              <a:t>dolazi</a:t>
+            </a:r>
+            <a:r>
+              <a:rPr lang="en-US" dirty="0"/>
+              <a:t> </a:t>
+            </a:r>
+            <a:r>
+              <a:rPr lang="en-US" dirty="0" err="1"/>
+              <a:t>fizički</a:t>
+            </a:r>
+            <a:r>
+              <a:rPr lang="en-US" dirty="0"/>
+              <a:t> u </a:t>
+            </a:r>
+            <a:r>
+              <a:rPr lang="en-US" dirty="0" err="1"/>
+              <a:t>prodavnicu</a:t>
+            </a:r>
+            <a:r>
+              <a:rPr lang="en-US" dirty="0"/>
+              <a:t> </a:t>
+            </a:r>
+            <a:r>
+              <a:rPr lang="en-US" dirty="0" err="1"/>
+              <a:t>po</a:t>
+            </a:r>
+            <a:r>
+              <a:rPr lang="en-US" dirty="0"/>
+              <a:t> </a:t>
+            </a:r>
+            <a:r>
+              <a:rPr lang="en-US" dirty="0" err="1"/>
+              <a:t>robu</a:t>
+            </a:r>
+            <a:r>
+              <a:rPr lang="en-US" dirty="0"/>
+              <a:t> </a:t>
+            </a:r>
+            <a:r>
+              <a:rPr lang="en-US" dirty="0" err="1"/>
+              <a:t>ili</a:t>
+            </a:r>
+            <a:r>
+              <a:rPr lang="en-US" dirty="0"/>
+              <a:t> prima </a:t>
+            </a:r>
+            <a:r>
+              <a:rPr lang="en-US" dirty="0" err="1"/>
+              <a:t>poštom</a:t>
+            </a:r>
+            <a:r>
+              <a:rPr lang="en-US" dirty="0"/>
+              <a:t>). </a:t>
+            </a:r>
+            <a:r>
+              <a:rPr lang="en-US" dirty="0" err="1"/>
+              <a:t>Uz</a:t>
+            </a:r>
+            <a:r>
+              <a:rPr lang="en-US" dirty="0"/>
+              <a:t> to on </a:t>
+            </a:r>
+            <a:r>
+              <a:rPr lang="en-US" dirty="0" err="1"/>
+              <a:t>ima</a:t>
+            </a:r>
+            <a:r>
+              <a:rPr lang="en-US" dirty="0"/>
+              <a:t> </a:t>
+            </a:r>
+            <a:r>
+              <a:rPr lang="en-US" dirty="0" err="1"/>
+              <a:t>mogućnost</a:t>
+            </a:r>
+            <a:r>
+              <a:rPr lang="en-US" dirty="0"/>
+              <a:t> da </a:t>
+            </a:r>
+            <a:r>
+              <a:rPr lang="en-US" dirty="0" err="1"/>
+              <a:t>ispuni</a:t>
+            </a:r>
+            <a:r>
+              <a:rPr lang="en-US" dirty="0"/>
+              <a:t> </a:t>
+            </a:r>
+            <a:r>
+              <a:rPr lang="en-US" dirty="0" err="1"/>
+              <a:t>informacije</a:t>
+            </a:r>
+            <a:r>
+              <a:rPr lang="en-US" dirty="0"/>
+              <a:t> o </a:t>
+            </a:r>
+            <a:r>
+              <a:rPr lang="en-US" dirty="0" err="1"/>
+              <a:t>kreditnoj</a:t>
+            </a:r>
+            <a:r>
+              <a:rPr lang="en-US" dirty="0"/>
+              <a:t> </a:t>
+            </a:r>
+            <a:r>
+              <a:rPr lang="en-US" dirty="0" err="1"/>
+              <a:t>kartici</a:t>
+            </a:r>
+            <a:r>
+              <a:rPr lang="en-US" dirty="0"/>
+              <a:t> </a:t>
+            </a:r>
+            <a:r>
+              <a:rPr lang="en-US" dirty="0" err="1"/>
+              <a:t>koju</a:t>
+            </a:r>
+            <a:r>
+              <a:rPr lang="en-US" dirty="0"/>
+              <a:t> </a:t>
+            </a:r>
+            <a:r>
+              <a:rPr lang="en-US" dirty="0" err="1"/>
+              <a:t>upotrebljava</a:t>
+            </a:r>
+            <a:r>
+              <a:rPr lang="en-US" dirty="0"/>
+              <a:t> </a:t>
+            </a:r>
+            <a:r>
+              <a:rPr lang="en-US" dirty="0" err="1"/>
+              <a:t>za</a:t>
+            </a:r>
+            <a:r>
+              <a:rPr lang="en-US" dirty="0"/>
+              <a:t> </a:t>
+            </a:r>
+            <a:r>
+              <a:rPr lang="en-US" dirty="0" err="1"/>
+              <a:t>kupovinu</a:t>
+            </a:r>
+            <a:r>
+              <a:rPr lang="en-US" dirty="0"/>
+              <a:t>. </a:t>
+            </a:r>
+            <a:r>
+              <a:rPr lang="en-US" dirty="0" err="1"/>
+              <a:t>Nakon</a:t>
+            </a:r>
+            <a:r>
+              <a:rPr lang="en-US" dirty="0"/>
+              <a:t> </a:t>
+            </a:r>
+            <a:r>
+              <a:rPr lang="en-US" dirty="0" err="1"/>
+              <a:t>slanja</a:t>
+            </a:r>
+            <a:r>
+              <a:rPr lang="en-US" dirty="0"/>
+              <a:t> </a:t>
+            </a:r>
+            <a:r>
+              <a:rPr lang="en-US" dirty="0" err="1"/>
+              <a:t>zahtjeva</a:t>
+            </a:r>
+            <a:r>
+              <a:rPr lang="en-US" dirty="0"/>
+              <a:t> </a:t>
+            </a:r>
+            <a:r>
+              <a:rPr lang="en-US" dirty="0" err="1"/>
+              <a:t>za</a:t>
+            </a:r>
+            <a:r>
+              <a:rPr lang="en-US" dirty="0"/>
+              <a:t> </a:t>
+            </a:r>
+            <a:r>
+              <a:rPr lang="en-US" dirty="0" err="1"/>
+              <a:t>kupnju</a:t>
+            </a:r>
+            <a:r>
+              <a:rPr lang="en-US" dirty="0"/>
+              <a:t>, </a:t>
+            </a:r>
+            <a:r>
+              <a:rPr lang="en-US" dirty="0" err="1"/>
+              <a:t>radi</a:t>
+            </a:r>
+            <a:r>
+              <a:rPr lang="en-US" dirty="0"/>
+              <a:t> se </a:t>
+            </a:r>
+            <a:r>
+              <a:rPr lang="en-US" dirty="0" err="1"/>
+              <a:t>provjera</a:t>
+            </a:r>
+            <a:r>
+              <a:rPr lang="en-US" dirty="0"/>
+              <a:t> </a:t>
+            </a:r>
+            <a:r>
+              <a:rPr lang="en-US" dirty="0" err="1"/>
+              <a:t>raspoloživosti</a:t>
+            </a:r>
+            <a:r>
+              <a:rPr lang="en-US" dirty="0"/>
+              <a:t> </a:t>
+            </a:r>
+            <a:r>
+              <a:rPr lang="en-US" dirty="0" err="1"/>
+              <a:t>sredstava</a:t>
+            </a:r>
+            <a:r>
+              <a:rPr lang="en-US" dirty="0"/>
+              <a:t> </a:t>
+            </a:r>
+            <a:r>
+              <a:rPr lang="en-US" dirty="0" err="1"/>
+              <a:t>i</a:t>
+            </a:r>
+            <a:r>
+              <a:rPr lang="en-US" dirty="0"/>
+              <a:t> </a:t>
+            </a:r>
+            <a:r>
+              <a:rPr lang="en-US" dirty="0" err="1"/>
+              <a:t>nakon</a:t>
+            </a:r>
+            <a:r>
+              <a:rPr lang="en-US" dirty="0"/>
+              <a:t> </a:t>
+            </a:r>
+            <a:r>
+              <a:rPr lang="en-US" dirty="0" err="1"/>
+              <a:t>ustanovljenja</a:t>
+            </a:r>
+            <a:r>
+              <a:rPr lang="en-US" dirty="0"/>
+              <a:t> </a:t>
+            </a:r>
+            <a:r>
+              <a:rPr lang="en-US" dirty="0" err="1"/>
+              <a:t>validnosti</a:t>
+            </a:r>
+            <a:r>
+              <a:rPr lang="en-US" dirty="0"/>
+              <a:t>, </a:t>
+            </a:r>
+            <a:r>
+              <a:rPr lang="en-US" dirty="0" err="1"/>
+              <a:t>izvršava</a:t>
+            </a:r>
+            <a:r>
+              <a:rPr lang="en-US" dirty="0"/>
+              <a:t> se </a:t>
+            </a:r>
+            <a:r>
+              <a:rPr lang="en-US" dirty="0" err="1"/>
+              <a:t>prodaja</a:t>
+            </a:r>
+            <a:r>
+              <a:rPr lang="en-US" dirty="0"/>
+              <a:t>.</a:t>
+            </a:r>
+          </a:p>
+          <a:p>
+            <a:pPr marL="0" indent="0">
+              <a:buNone/>
+            </a:pPr>
+            <a:r>
+              <a:rPr lang="en-US" sz="2800" b="1" dirty="0" err="1"/>
+              <a:t>Kupovanje</a:t>
+            </a:r>
+            <a:r>
+              <a:rPr lang="en-US" sz="2800" b="1" dirty="0"/>
+              <a:t> premium </a:t>
+            </a:r>
+            <a:r>
+              <a:rPr lang="en-US" sz="2800" b="1" dirty="0" err="1"/>
+              <a:t>membershipa</a:t>
+            </a:r>
+            <a:endParaRPr lang="en-US" sz="2800" b="1" dirty="0"/>
+          </a:p>
+          <a:p>
+            <a:r>
+              <a:rPr lang="en-US" dirty="0" err="1"/>
+              <a:t>Korisnik</a:t>
+            </a:r>
+            <a:r>
+              <a:rPr lang="en-US" dirty="0"/>
+              <a:t> </a:t>
+            </a:r>
+            <a:r>
+              <a:rPr lang="en-US" dirty="0" err="1"/>
+              <a:t>kroz</a:t>
+            </a:r>
+            <a:r>
+              <a:rPr lang="en-US" dirty="0"/>
+              <a:t> </a:t>
+            </a:r>
+            <a:r>
+              <a:rPr lang="en-US" dirty="0" err="1"/>
+              <a:t>profil</a:t>
+            </a:r>
+            <a:r>
+              <a:rPr lang="en-US" dirty="0"/>
+              <a:t> </a:t>
+            </a:r>
+            <a:r>
+              <a:rPr lang="en-US" dirty="0" err="1"/>
+              <a:t>može</a:t>
+            </a:r>
+            <a:r>
+              <a:rPr lang="en-US" dirty="0"/>
+              <a:t> da </a:t>
+            </a:r>
+            <a:r>
+              <a:rPr lang="en-US" dirty="0" err="1"/>
+              <a:t>pristupi</a:t>
+            </a:r>
+            <a:r>
+              <a:rPr lang="en-US" dirty="0"/>
+              <a:t> </a:t>
+            </a:r>
+            <a:r>
+              <a:rPr lang="en-US" dirty="0" err="1"/>
+              <a:t>stavci</a:t>
+            </a:r>
+            <a:r>
+              <a:rPr lang="en-US" dirty="0"/>
+              <a:t> </a:t>
+            </a:r>
+            <a:r>
+              <a:rPr lang="en-US" dirty="0" err="1"/>
+              <a:t>kupovanje</a:t>
+            </a:r>
+            <a:r>
+              <a:rPr lang="en-US" dirty="0"/>
+              <a:t> premium </a:t>
+            </a:r>
+            <a:r>
+              <a:rPr lang="en-US" dirty="0" err="1"/>
+              <a:t>membershipa</a:t>
+            </a:r>
+            <a:r>
+              <a:rPr lang="en-US" dirty="0"/>
+              <a:t> </a:t>
+            </a:r>
+            <a:r>
+              <a:rPr lang="en-US" dirty="0" err="1"/>
+              <a:t>ili</a:t>
+            </a:r>
+            <a:r>
+              <a:rPr lang="en-US" dirty="0"/>
+              <a:t> da </a:t>
+            </a:r>
+            <a:r>
+              <a:rPr lang="en-US" dirty="0" err="1"/>
+              <a:t>pronađe</a:t>
+            </a:r>
+            <a:r>
+              <a:rPr lang="en-US" dirty="0"/>
+              <a:t> to </a:t>
+            </a:r>
+            <a:r>
+              <a:rPr lang="en-US" dirty="0" err="1"/>
+              <a:t>kao</a:t>
+            </a:r>
+            <a:r>
+              <a:rPr lang="en-US" dirty="0"/>
+              <a:t> </a:t>
+            </a:r>
+            <a:r>
+              <a:rPr lang="en-US" dirty="0" err="1"/>
+              <a:t>jedan</a:t>
+            </a:r>
+            <a:r>
+              <a:rPr lang="en-US" dirty="0"/>
+              <a:t> od </a:t>
+            </a:r>
+            <a:r>
+              <a:rPr lang="en-US" dirty="0" err="1"/>
+              <a:t>artikala</a:t>
+            </a:r>
+            <a:r>
+              <a:rPr lang="en-US" dirty="0"/>
+              <a:t> u </a:t>
+            </a:r>
+            <a:r>
+              <a:rPr lang="en-US" dirty="0" err="1"/>
+              <a:t>prodavnici</a:t>
+            </a:r>
+            <a:r>
+              <a:rPr lang="en-US" dirty="0"/>
+              <a:t>. </a:t>
+            </a:r>
+            <a:r>
+              <a:rPr lang="en-US" dirty="0" err="1"/>
+              <a:t>Nakon</a:t>
+            </a:r>
+            <a:r>
+              <a:rPr lang="en-US" dirty="0"/>
+              <a:t> </a:t>
+            </a:r>
+            <a:r>
+              <a:rPr lang="en-US" dirty="0" err="1"/>
+              <a:t>ovoga</a:t>
+            </a:r>
+            <a:r>
+              <a:rPr lang="en-US" dirty="0"/>
+              <a:t> on </a:t>
+            </a:r>
+            <a:r>
+              <a:rPr lang="en-US" dirty="0" err="1"/>
+              <a:t>ima</a:t>
+            </a:r>
+            <a:r>
+              <a:rPr lang="en-US" dirty="0"/>
+              <a:t> </a:t>
+            </a:r>
+            <a:r>
+              <a:rPr lang="en-US" dirty="0" err="1"/>
+              <a:t>sposobnost</a:t>
+            </a:r>
+            <a:r>
+              <a:rPr lang="en-US" dirty="0"/>
+              <a:t> </a:t>
+            </a:r>
+            <a:r>
+              <a:rPr lang="en-US" dirty="0" err="1"/>
+              <a:t>dodavanja</a:t>
+            </a:r>
+            <a:r>
+              <a:rPr lang="en-US" dirty="0"/>
+              <a:t> </a:t>
+            </a:r>
+            <a:r>
+              <a:rPr lang="en-US" dirty="0" err="1"/>
+              <a:t>ovog</a:t>
+            </a:r>
+            <a:r>
+              <a:rPr lang="en-US" dirty="0"/>
+              <a:t> </a:t>
+            </a:r>
+            <a:r>
+              <a:rPr lang="en-US" dirty="0" err="1"/>
+              <a:t>članstva</a:t>
+            </a:r>
+            <a:r>
+              <a:rPr lang="en-US" dirty="0"/>
+              <a:t> </a:t>
+            </a:r>
+            <a:r>
+              <a:rPr lang="en-US" dirty="0" err="1"/>
+              <a:t>kao</a:t>
+            </a:r>
+            <a:r>
+              <a:rPr lang="en-US" dirty="0"/>
+              <a:t> </a:t>
+            </a:r>
+            <a:r>
+              <a:rPr lang="en-US" dirty="0" err="1"/>
+              <a:t>svakog</a:t>
+            </a:r>
+            <a:r>
+              <a:rPr lang="en-US" dirty="0"/>
+              <a:t> </a:t>
+            </a:r>
+            <a:r>
+              <a:rPr lang="en-US" dirty="0" err="1"/>
+              <a:t>drugog</a:t>
+            </a:r>
+            <a:r>
+              <a:rPr lang="en-US" dirty="0"/>
+              <a:t> </a:t>
+            </a:r>
+            <a:r>
+              <a:rPr lang="en-US" dirty="0" err="1"/>
+              <a:t>artikla</a:t>
+            </a:r>
+            <a:r>
+              <a:rPr lang="en-US" dirty="0"/>
+              <a:t>. </a:t>
+            </a:r>
+            <a:r>
+              <a:rPr lang="en-US" dirty="0" err="1"/>
+              <a:t>Kupovina</a:t>
+            </a:r>
+            <a:r>
+              <a:rPr lang="en-US" dirty="0"/>
+              <a:t> </a:t>
+            </a:r>
+            <a:r>
+              <a:rPr lang="en-US" dirty="0" err="1"/>
+              <a:t>članstva</a:t>
+            </a:r>
+            <a:r>
+              <a:rPr lang="en-US" dirty="0"/>
+              <a:t> </a:t>
+            </a:r>
+            <a:r>
+              <a:rPr lang="en-US" dirty="0" err="1"/>
+              <a:t>korisniku</a:t>
+            </a:r>
+            <a:r>
+              <a:rPr lang="en-US" dirty="0"/>
+              <a:t> </a:t>
+            </a:r>
+            <a:r>
+              <a:rPr lang="en-US" dirty="0" err="1"/>
+              <a:t>odmah</a:t>
+            </a:r>
+            <a:r>
+              <a:rPr lang="en-US" dirty="0"/>
+              <a:t> </a:t>
+            </a:r>
+            <a:r>
+              <a:rPr lang="en-US" dirty="0" err="1"/>
+              <a:t>daje</a:t>
+            </a:r>
+            <a:r>
+              <a:rPr lang="en-US" dirty="0"/>
+              <a:t> </a:t>
+            </a:r>
+            <a:r>
+              <a:rPr lang="en-US" dirty="0" err="1"/>
+              <a:t>popuste</a:t>
+            </a:r>
+            <a:r>
+              <a:rPr lang="en-US" dirty="0"/>
+              <a:t> </a:t>
+            </a:r>
+            <a:r>
+              <a:rPr lang="en-US" dirty="0" err="1"/>
+              <a:t>na</a:t>
+            </a:r>
+            <a:r>
+              <a:rPr lang="en-US" dirty="0"/>
+              <a:t> </a:t>
+            </a:r>
+            <a:r>
+              <a:rPr lang="en-US" dirty="0" err="1"/>
+              <a:t>buduće</a:t>
+            </a:r>
+            <a:r>
+              <a:rPr lang="en-US" dirty="0"/>
+              <a:t> </a:t>
+            </a:r>
+            <a:r>
+              <a:rPr lang="en-US" dirty="0" err="1"/>
+              <a:t>kupovine</a:t>
+            </a:r>
+            <a:r>
+              <a:rPr lang="en-US" dirty="0"/>
+              <a:t>.</a:t>
+            </a:r>
+          </a:p>
+          <a:p>
+            <a:pPr marL="0" indent="0">
+              <a:buNone/>
+            </a:pPr>
+            <a:r>
+              <a:rPr lang="en-US" sz="2800" b="1" dirty="0" err="1"/>
+              <a:t>Podnošenje</a:t>
+            </a:r>
+            <a:r>
+              <a:rPr lang="en-US" sz="2800" b="1" dirty="0"/>
+              <a:t> </a:t>
+            </a:r>
+            <a:r>
+              <a:rPr lang="en-US" sz="2800" b="1" dirty="0" err="1"/>
+              <a:t>zahtjeva</a:t>
+            </a:r>
+            <a:r>
+              <a:rPr lang="en-US" sz="2800" b="1" dirty="0"/>
+              <a:t> </a:t>
+            </a:r>
+            <a:r>
+              <a:rPr lang="en-US" sz="2800" b="1" dirty="0" err="1"/>
+              <a:t>za</a:t>
+            </a:r>
+            <a:r>
+              <a:rPr lang="en-US" sz="2800" b="1" dirty="0"/>
+              <a:t> </a:t>
+            </a:r>
+            <a:r>
+              <a:rPr lang="en-US" sz="2800" b="1" dirty="0" err="1"/>
+              <a:t>povratak</a:t>
+            </a:r>
+            <a:r>
+              <a:rPr lang="en-US" sz="2800" b="1" dirty="0"/>
+              <a:t> robe</a:t>
+            </a:r>
+          </a:p>
+          <a:p>
+            <a:r>
+              <a:rPr lang="en-US" dirty="0" err="1"/>
+              <a:t>Korisnik</a:t>
+            </a:r>
+            <a:r>
+              <a:rPr lang="en-US" dirty="0"/>
+              <a:t> </a:t>
+            </a:r>
+            <a:r>
+              <a:rPr lang="en-US" dirty="0" err="1"/>
+              <a:t>može</a:t>
+            </a:r>
+            <a:r>
+              <a:rPr lang="en-US" dirty="0"/>
+              <a:t> </a:t>
+            </a:r>
+            <a:r>
+              <a:rPr lang="en-US" dirty="0" err="1"/>
+              <a:t>kroz</a:t>
+            </a:r>
+            <a:r>
+              <a:rPr lang="en-US" dirty="0"/>
+              <a:t> </a:t>
+            </a:r>
+            <a:r>
+              <a:rPr lang="en-US" dirty="0" err="1"/>
+              <a:t>profil</a:t>
+            </a:r>
+            <a:r>
+              <a:rPr lang="en-US" dirty="0"/>
+              <a:t> </a:t>
+            </a:r>
+            <a:r>
+              <a:rPr lang="en-US" dirty="0" err="1"/>
+              <a:t>pristupiti</a:t>
+            </a:r>
+            <a:r>
+              <a:rPr lang="en-US" dirty="0"/>
+              <a:t> </a:t>
+            </a:r>
+            <a:r>
+              <a:rPr lang="en-US" dirty="0" err="1"/>
+              <a:t>pregledu</a:t>
+            </a:r>
+            <a:r>
+              <a:rPr lang="en-US" dirty="0"/>
+              <a:t> </a:t>
+            </a:r>
+            <a:r>
+              <a:rPr lang="en-US" dirty="0" err="1"/>
+              <a:t>svoje</a:t>
+            </a:r>
+            <a:r>
+              <a:rPr lang="en-US" dirty="0"/>
+              <a:t> </a:t>
+            </a:r>
+            <a:r>
+              <a:rPr lang="en-US" dirty="0" err="1"/>
+              <a:t>kolekcije</a:t>
+            </a:r>
+            <a:r>
+              <a:rPr lang="en-US" dirty="0"/>
+              <a:t> </a:t>
+            </a:r>
+            <a:r>
+              <a:rPr lang="en-US" dirty="0" err="1"/>
+              <a:t>i</a:t>
+            </a:r>
+            <a:r>
+              <a:rPr lang="en-US" dirty="0"/>
+              <a:t> </a:t>
+            </a:r>
+            <a:r>
+              <a:rPr lang="en-US" dirty="0" err="1"/>
+              <a:t>kroz</a:t>
+            </a:r>
+            <a:r>
+              <a:rPr lang="en-US" dirty="0"/>
+              <a:t> to </a:t>
+            </a:r>
+            <a:r>
+              <a:rPr lang="en-US" dirty="0" err="1"/>
+              <a:t>podnijeti</a:t>
+            </a:r>
+            <a:r>
+              <a:rPr lang="en-US" dirty="0"/>
+              <a:t> </a:t>
+            </a:r>
+            <a:r>
+              <a:rPr lang="en-US" dirty="0" err="1"/>
+              <a:t>zahtjev</a:t>
+            </a:r>
+            <a:r>
+              <a:rPr lang="en-US" dirty="0"/>
+              <a:t> </a:t>
+            </a:r>
+            <a:r>
+              <a:rPr lang="en-US" dirty="0" err="1"/>
+              <a:t>za</a:t>
+            </a:r>
+            <a:r>
+              <a:rPr lang="en-US" dirty="0"/>
+              <a:t> </a:t>
+            </a:r>
+            <a:r>
+              <a:rPr lang="en-US" dirty="0" err="1"/>
+              <a:t>povratak</a:t>
+            </a:r>
+            <a:r>
+              <a:rPr lang="en-US" dirty="0"/>
+              <a:t> robe </a:t>
+            </a:r>
+            <a:r>
+              <a:rPr lang="en-US" dirty="0" err="1"/>
+              <a:t>davajući</a:t>
+            </a:r>
+            <a:r>
+              <a:rPr lang="en-US" dirty="0"/>
+              <a:t> </a:t>
+            </a:r>
+            <a:r>
+              <a:rPr lang="en-US" dirty="0" err="1"/>
+              <a:t>usput</a:t>
+            </a:r>
+            <a:r>
+              <a:rPr lang="en-US" dirty="0"/>
+              <a:t> </a:t>
+            </a:r>
+            <a:r>
+              <a:rPr lang="en-US" dirty="0" err="1"/>
+              <a:t>odgovarajući</a:t>
+            </a:r>
+            <a:r>
+              <a:rPr lang="en-US" dirty="0"/>
+              <a:t> </a:t>
+            </a:r>
+            <a:r>
+              <a:rPr lang="en-US" dirty="0" err="1"/>
+              <a:t>komentar</a:t>
+            </a:r>
+            <a:r>
+              <a:rPr lang="en-US" dirty="0"/>
+              <a:t>. </a:t>
+            </a:r>
+            <a:r>
+              <a:rPr lang="en-US" dirty="0" err="1"/>
+              <a:t>Ovaj</a:t>
+            </a:r>
+            <a:r>
+              <a:rPr lang="en-US" dirty="0"/>
+              <a:t> </a:t>
+            </a:r>
+            <a:r>
+              <a:rPr lang="en-US" dirty="0" err="1"/>
+              <a:t>zahtjev</a:t>
+            </a:r>
+            <a:r>
+              <a:rPr lang="en-US" dirty="0"/>
+              <a:t> </a:t>
+            </a:r>
+            <a:r>
+              <a:rPr lang="en-US" dirty="0" err="1"/>
+              <a:t>procesuira</a:t>
+            </a:r>
+            <a:r>
+              <a:rPr lang="en-US" dirty="0"/>
+              <a:t> </a:t>
+            </a:r>
+            <a:r>
+              <a:rPr lang="en-US" dirty="0" err="1"/>
+              <a:t>neki</a:t>
+            </a:r>
+            <a:r>
+              <a:rPr lang="en-US" dirty="0"/>
+              <a:t> od </a:t>
+            </a:r>
+            <a:r>
+              <a:rPr lang="en-US" dirty="0" err="1"/>
+              <a:t>uposlenika</a:t>
+            </a:r>
+            <a:r>
+              <a:rPr lang="en-US" dirty="0"/>
+              <a:t> </a:t>
+            </a:r>
+            <a:r>
+              <a:rPr lang="en-US" dirty="0" err="1"/>
+              <a:t>i</a:t>
+            </a:r>
+            <a:r>
+              <a:rPr lang="en-US" dirty="0"/>
+              <a:t> </a:t>
+            </a:r>
+            <a:r>
+              <a:rPr lang="en-US" dirty="0" err="1"/>
+              <a:t>daje</a:t>
+            </a:r>
+            <a:r>
+              <a:rPr lang="en-US" dirty="0"/>
+              <a:t> </a:t>
+            </a:r>
+            <a:r>
+              <a:rPr lang="en-US" dirty="0" err="1"/>
+              <a:t>odgovarajuće</a:t>
+            </a:r>
+            <a:r>
+              <a:rPr lang="en-US" dirty="0"/>
+              <a:t> </a:t>
+            </a:r>
+            <a:r>
+              <a:rPr lang="en-US" dirty="0" err="1"/>
+              <a:t>obrazloženje</a:t>
+            </a:r>
+            <a:r>
+              <a:rPr lang="en-US" dirty="0"/>
+              <a:t> </a:t>
+            </a:r>
+            <a:r>
+              <a:rPr lang="en-US" dirty="0" err="1"/>
+              <a:t>kada</a:t>
+            </a:r>
+            <a:r>
+              <a:rPr lang="en-US" dirty="0"/>
+              <a:t> </a:t>
+            </a:r>
+            <a:r>
+              <a:rPr lang="en-US" dirty="0" err="1"/>
+              <a:t>odobri</a:t>
+            </a:r>
+            <a:r>
+              <a:rPr lang="en-US" dirty="0"/>
+              <a:t> </a:t>
+            </a:r>
+            <a:r>
+              <a:rPr lang="en-US" dirty="0" err="1"/>
+              <a:t>ili</a:t>
+            </a:r>
+            <a:r>
+              <a:rPr lang="en-US" dirty="0"/>
+              <a:t> </a:t>
+            </a:r>
+            <a:r>
+              <a:rPr lang="en-US" dirty="0" err="1"/>
+              <a:t>odbije</a:t>
+            </a:r>
+            <a:r>
+              <a:rPr lang="en-US" dirty="0"/>
+              <a:t> </a:t>
+            </a:r>
+            <a:r>
+              <a:rPr lang="en-US" dirty="0" err="1"/>
+              <a:t>zahtjev</a:t>
+            </a:r>
+            <a:r>
+              <a:rPr lang="en-US" dirty="0"/>
+              <a:t>. U </a:t>
+            </a:r>
+            <a:r>
+              <a:rPr lang="en-US" dirty="0" err="1"/>
+              <a:t>slučaju</a:t>
+            </a:r>
+            <a:r>
+              <a:rPr lang="en-US" dirty="0"/>
+              <a:t> </a:t>
+            </a:r>
+            <a:r>
+              <a:rPr lang="en-US" dirty="0" err="1"/>
+              <a:t>odobrenja</a:t>
+            </a:r>
+            <a:r>
+              <a:rPr lang="en-US" dirty="0"/>
+              <a:t>, </a:t>
+            </a:r>
+            <a:r>
+              <a:rPr lang="en-US" dirty="0" err="1"/>
+              <a:t>korisnik</a:t>
+            </a:r>
+            <a:r>
+              <a:rPr lang="en-US" dirty="0"/>
+              <a:t> </a:t>
+            </a:r>
+            <a:r>
+              <a:rPr lang="en-US" dirty="0" err="1"/>
+              <a:t>biva</a:t>
+            </a:r>
+            <a:r>
+              <a:rPr lang="en-US" dirty="0"/>
+              <a:t> </a:t>
+            </a:r>
+            <a:r>
+              <a:rPr lang="en-US" dirty="0" err="1"/>
+              <a:t>obaviješten</a:t>
+            </a:r>
+            <a:r>
+              <a:rPr lang="en-US" dirty="0"/>
+              <a:t> o </a:t>
+            </a:r>
+            <a:r>
+              <a:rPr lang="en-US" dirty="0" err="1"/>
+              <a:t>konkretnostima</a:t>
+            </a:r>
+            <a:r>
+              <a:rPr lang="en-US" dirty="0"/>
+              <a:t> </a:t>
+            </a:r>
+            <a:r>
+              <a:rPr lang="en-US" dirty="0" err="1"/>
+              <a:t>ovog</a:t>
+            </a:r>
+            <a:r>
+              <a:rPr lang="en-US" dirty="0"/>
+              <a:t> </a:t>
+            </a:r>
+            <a:r>
+              <a:rPr lang="en-US" dirty="0" err="1"/>
+              <a:t>povratka</a:t>
+            </a:r>
+            <a:r>
+              <a:rPr lang="en-US" dirty="0"/>
+              <a:t>.</a:t>
+            </a:r>
+          </a:p>
+          <a:p>
+            <a:endParaRPr lang="en-US" dirty="0"/>
+          </a:p>
+        </p:txBody>
+      </p:sp>
+    </p:spTree>
+    <p:extLst>
+      <p:ext uri="{BB962C8B-B14F-4D97-AF65-F5344CB8AC3E}">
+        <p14:creationId xmlns:p14="http://schemas.microsoft.com/office/powerpoint/2010/main" val="562211311"/>
+      </p:ext>
+    </p:extLst>
+  </p:cSld>
+  <p:clrMapOvr>
+    <a:masterClrMapping/>
+  </p:clrMapOvr>
+</p:sld>
+</file>
+
+<file path=ppt/slides/slide7.xml><?xml version="1.0" encoding="utf-8"?>
+<p:sld xmlns:a="http://schemas.openxmlformats.org/drawingml/2006/main" xmlns:r="http://schemas.openxmlformats.org/officeDocument/2006/relationships" xmlns:p="http://schemas.openxmlformats.org/presentationml/2006/main">
+  <p:cSld>
+    <p:spTree>
+      <p:nvGrpSpPr>
+        <p:cNvPr id="1" name=""/>
+        <p:cNvGrpSpPr/>
+        <p:nvPr/>
+      </p:nvGrpSpPr>
+      <p:grpSpPr>
+        <a:xfrm>
+          <a:off x="0" y="0"/>
+          <a:ext cx="0" cy="0"/>
+          <a:chOff x="0" y="0"/>
+          <a:chExt cx="0" cy="0"/>
+        </a:xfrm>
+      </p:grpSpPr>
+      <p:sp>
+        <p:nvSpPr>
+          <p:cNvPr id="3" name="Content Placeholder 2"/>
+          <p:cNvSpPr>
+            <a:spLocks noGrp="1"/>
+          </p:cNvSpPr>
+          <p:nvPr>
+            <p:ph idx="1"/>
+          </p:nvPr>
+        </p:nvSpPr>
+        <p:spPr>
+          <a:xfrm>
+            <a:off x="1103312" y="662152"/>
+            <a:ext cx="8946541" cy="5586247"/>
+          </a:xfrm>
+        </p:spPr>
+        <p:txBody>
+          <a:bodyPr/>
+          <a:lstStyle/>
+          <a:p>
+            <a:pPr marL="0" indent="0">
+              <a:buNone/>
+            </a:pPr>
+            <a:r>
+              <a:rPr lang="en-US" sz="2400" b="1" dirty="0" err="1"/>
+              <a:t>Administracija</a:t>
+            </a:r>
+            <a:r>
+              <a:rPr lang="en-US" sz="2400" b="1" dirty="0"/>
+              <a:t> </a:t>
+            </a:r>
+            <a:r>
+              <a:rPr lang="en-US" sz="2400" b="1" dirty="0" err="1"/>
+              <a:t>korisnika</a:t>
+            </a:r>
+            <a:endParaRPr lang="en-US" sz="2400" b="1" dirty="0"/>
+          </a:p>
+          <a:p>
+            <a:r>
+              <a:rPr lang="en-US" dirty="0"/>
+              <a:t>Admin </a:t>
+            </a:r>
+            <a:r>
+              <a:rPr lang="en-US" dirty="0" err="1"/>
+              <a:t>ima</a:t>
+            </a:r>
+            <a:r>
+              <a:rPr lang="en-US" dirty="0"/>
+              <a:t> </a:t>
+            </a:r>
+            <a:r>
+              <a:rPr lang="en-US" dirty="0" err="1"/>
+              <a:t>mogućnost</a:t>
+            </a:r>
+            <a:r>
+              <a:rPr lang="en-US" dirty="0"/>
+              <a:t> </a:t>
+            </a:r>
+            <a:r>
+              <a:rPr lang="en-US" dirty="0" err="1"/>
+              <a:t>pristupa</a:t>
+            </a:r>
+            <a:r>
+              <a:rPr lang="en-US" dirty="0"/>
+              <a:t> </a:t>
+            </a:r>
+            <a:r>
+              <a:rPr lang="en-US" dirty="0" err="1"/>
+              <a:t>sistemu</a:t>
+            </a:r>
+            <a:r>
+              <a:rPr lang="en-US" dirty="0"/>
+              <a:t> </a:t>
+            </a:r>
+            <a:r>
+              <a:rPr lang="en-US" dirty="0" err="1"/>
+              <a:t>kroz</a:t>
+            </a:r>
+            <a:r>
+              <a:rPr lang="en-US" dirty="0"/>
+              <a:t> </a:t>
+            </a:r>
+            <a:r>
+              <a:rPr lang="en-US" dirty="0" err="1"/>
+              <a:t>koji</a:t>
+            </a:r>
+            <a:r>
+              <a:rPr lang="en-US" dirty="0"/>
+              <a:t> </a:t>
+            </a:r>
+            <a:r>
+              <a:rPr lang="en-US" dirty="0" err="1"/>
+              <a:t>može</a:t>
+            </a:r>
+            <a:r>
+              <a:rPr lang="en-US" dirty="0"/>
+              <a:t> da </a:t>
+            </a:r>
+            <a:r>
+              <a:rPr lang="en-US" dirty="0" err="1"/>
+              <a:t>pregleda</a:t>
+            </a:r>
+            <a:r>
+              <a:rPr lang="en-US" dirty="0"/>
+              <a:t> </a:t>
+            </a:r>
+            <a:r>
+              <a:rPr lang="en-US" dirty="0" err="1"/>
+              <a:t>korisnike</a:t>
+            </a:r>
+            <a:r>
+              <a:rPr lang="en-US" dirty="0"/>
+              <a:t> </a:t>
+            </a:r>
+            <a:r>
+              <a:rPr lang="en-US" dirty="0" err="1"/>
+              <a:t>i</a:t>
+            </a:r>
+            <a:r>
+              <a:rPr lang="en-US" dirty="0"/>
+              <a:t> </a:t>
+            </a:r>
+            <a:r>
+              <a:rPr lang="en-US" dirty="0" err="1"/>
+              <a:t>artikle</a:t>
+            </a:r>
+            <a:r>
+              <a:rPr lang="en-US" dirty="0"/>
+              <a:t>. </a:t>
+            </a:r>
+            <a:r>
+              <a:rPr lang="en-US" dirty="0" err="1"/>
+              <a:t>Kada</a:t>
+            </a:r>
+            <a:r>
+              <a:rPr lang="en-US" dirty="0"/>
+              <a:t> </a:t>
+            </a:r>
+            <a:r>
+              <a:rPr lang="en-US" dirty="0" err="1"/>
+              <a:t>otvori</a:t>
+            </a:r>
+            <a:r>
+              <a:rPr lang="en-US" dirty="0"/>
+              <a:t> </a:t>
+            </a:r>
+            <a:r>
+              <a:rPr lang="en-US" dirty="0" err="1"/>
+              <a:t>profil</a:t>
+            </a:r>
+            <a:r>
+              <a:rPr lang="en-US" dirty="0"/>
+              <a:t> </a:t>
+            </a:r>
+            <a:r>
+              <a:rPr lang="en-US" dirty="0" err="1"/>
+              <a:t>korisnika</a:t>
+            </a:r>
+            <a:r>
+              <a:rPr lang="en-US" dirty="0"/>
+              <a:t> on </a:t>
+            </a:r>
+            <a:r>
+              <a:rPr lang="en-US" dirty="0" err="1"/>
+              <a:t>ima</a:t>
+            </a:r>
+            <a:r>
+              <a:rPr lang="en-US" dirty="0"/>
+              <a:t> </a:t>
+            </a:r>
+            <a:r>
+              <a:rPr lang="en-US" dirty="0" err="1"/>
+              <a:t>mogućnost</a:t>
+            </a:r>
+            <a:r>
+              <a:rPr lang="en-US" dirty="0"/>
+              <a:t> da tog </a:t>
+            </a:r>
+            <a:r>
+              <a:rPr lang="en-US" dirty="0" err="1"/>
+              <a:t>korisnika</a:t>
+            </a:r>
+            <a:r>
+              <a:rPr lang="en-US" dirty="0"/>
+              <a:t> </a:t>
+            </a:r>
+            <a:r>
+              <a:rPr lang="en-US" dirty="0" err="1"/>
+              <a:t>banuje</a:t>
+            </a:r>
+            <a:r>
+              <a:rPr lang="en-US" dirty="0"/>
+              <a:t>. </a:t>
+            </a:r>
+            <a:r>
+              <a:rPr lang="en-US" dirty="0" err="1"/>
+              <a:t>Kada</a:t>
+            </a:r>
+            <a:r>
+              <a:rPr lang="en-US" dirty="0"/>
+              <a:t> </a:t>
+            </a:r>
+            <a:r>
+              <a:rPr lang="en-US" dirty="0" err="1"/>
+              <a:t>otvori</a:t>
+            </a:r>
+            <a:r>
+              <a:rPr lang="en-US" dirty="0"/>
+              <a:t> </a:t>
+            </a:r>
+            <a:r>
+              <a:rPr lang="en-US" dirty="0" err="1"/>
+              <a:t>artikal</a:t>
+            </a:r>
+            <a:r>
+              <a:rPr lang="en-US" dirty="0"/>
+              <a:t> on </a:t>
+            </a:r>
+            <a:r>
+              <a:rPr lang="en-US" dirty="0" err="1"/>
+              <a:t>može</a:t>
+            </a:r>
+            <a:r>
+              <a:rPr lang="en-US" dirty="0"/>
+              <a:t> da </a:t>
+            </a:r>
+            <a:r>
+              <a:rPr lang="en-US" dirty="0" err="1"/>
+              <a:t>uklanja</a:t>
+            </a:r>
+            <a:r>
+              <a:rPr lang="en-US" dirty="0"/>
+              <a:t> </a:t>
+            </a:r>
+            <a:r>
+              <a:rPr lang="en-US" dirty="0" err="1"/>
+              <a:t>neodgovarajuće</a:t>
+            </a:r>
+            <a:r>
+              <a:rPr lang="en-US" dirty="0"/>
+              <a:t> </a:t>
+            </a:r>
+            <a:r>
+              <a:rPr lang="en-US" dirty="0" err="1"/>
+              <a:t>kritike</a:t>
+            </a:r>
+            <a:r>
+              <a:rPr lang="en-US" dirty="0"/>
+              <a:t> </a:t>
+            </a:r>
+            <a:r>
+              <a:rPr lang="en-US" dirty="0" err="1"/>
+              <a:t>za</a:t>
+            </a:r>
+            <a:r>
+              <a:rPr lang="en-US" dirty="0"/>
+              <a:t> </a:t>
+            </a:r>
+            <a:r>
+              <a:rPr lang="en-US" dirty="0" err="1"/>
+              <a:t>taj</a:t>
+            </a:r>
+            <a:r>
+              <a:rPr lang="en-US" dirty="0"/>
+              <a:t> </a:t>
+            </a:r>
+            <a:r>
+              <a:rPr lang="en-US" dirty="0" err="1"/>
+              <a:t>artikal</a:t>
+            </a:r>
+            <a:r>
+              <a:rPr lang="en-US" dirty="0"/>
+              <a:t>.</a:t>
+            </a:r>
+          </a:p>
+          <a:p>
+            <a:pPr marL="0" indent="0">
+              <a:buNone/>
+            </a:pPr>
+            <a:r>
+              <a:rPr lang="en-US" sz="2400" b="1" dirty="0" err="1"/>
+              <a:t>Podnošenje</a:t>
+            </a:r>
+            <a:r>
+              <a:rPr lang="en-US" sz="2400" b="1" dirty="0"/>
+              <a:t> </a:t>
+            </a:r>
+            <a:r>
+              <a:rPr lang="en-US" sz="2400" b="1" dirty="0" err="1"/>
+              <a:t>zahtjeva</a:t>
+            </a:r>
+            <a:endParaRPr lang="en-US" sz="2400" b="1" dirty="0"/>
+          </a:p>
+          <a:p>
+            <a:r>
+              <a:rPr lang="en-US" dirty="0" err="1"/>
+              <a:t>Uposlenici</a:t>
+            </a:r>
+            <a:r>
+              <a:rPr lang="en-US" dirty="0"/>
+              <a:t> tog </a:t>
+            </a:r>
+            <a:r>
+              <a:rPr lang="en-US" dirty="0" err="1"/>
+              <a:t>biznisa</a:t>
+            </a:r>
+            <a:r>
+              <a:rPr lang="en-US" dirty="0"/>
+              <a:t> </a:t>
+            </a:r>
+            <a:r>
+              <a:rPr lang="en-US" dirty="0" err="1"/>
+              <a:t>imaju</a:t>
+            </a:r>
+            <a:r>
+              <a:rPr lang="en-US" dirty="0"/>
+              <a:t> </a:t>
+            </a:r>
+            <a:r>
+              <a:rPr lang="en-US" dirty="0" err="1"/>
+              <a:t>mogućnost</a:t>
+            </a:r>
+            <a:r>
+              <a:rPr lang="en-US" dirty="0"/>
+              <a:t> </a:t>
+            </a:r>
+            <a:r>
+              <a:rPr lang="en-US" dirty="0" err="1"/>
+              <a:t>kroz</a:t>
+            </a:r>
+            <a:r>
+              <a:rPr lang="en-US" dirty="0"/>
+              <a:t> </a:t>
+            </a:r>
+            <a:r>
+              <a:rPr lang="en-US" dirty="0" err="1"/>
+              <a:t>svoje</a:t>
+            </a:r>
+            <a:r>
+              <a:rPr lang="en-US" dirty="0"/>
+              <a:t> profile da </a:t>
+            </a:r>
+            <a:r>
+              <a:rPr lang="en-US" dirty="0" err="1"/>
+              <a:t>podnose</a:t>
+            </a:r>
+            <a:r>
+              <a:rPr lang="en-US" dirty="0"/>
+              <a:t> </a:t>
+            </a:r>
+            <a:r>
+              <a:rPr lang="en-US" dirty="0" err="1"/>
+              <a:t>zahtjeve</a:t>
+            </a:r>
+            <a:r>
+              <a:rPr lang="en-US" dirty="0"/>
+              <a:t> </a:t>
+            </a:r>
+            <a:r>
+              <a:rPr lang="en-US" dirty="0" err="1"/>
+              <a:t>za</a:t>
+            </a:r>
+            <a:r>
+              <a:rPr lang="en-US" dirty="0"/>
+              <a:t> </a:t>
+            </a:r>
+            <a:r>
+              <a:rPr lang="en-US" dirty="0" err="1"/>
+              <a:t>razne</a:t>
+            </a:r>
+            <a:r>
+              <a:rPr lang="en-US" dirty="0"/>
+              <a:t> </a:t>
+            </a:r>
+            <a:r>
+              <a:rPr lang="en-US" dirty="0" err="1"/>
+              <a:t>svrhe</a:t>
+            </a:r>
+            <a:r>
+              <a:rPr lang="en-US" dirty="0"/>
+              <a:t> </a:t>
+            </a:r>
+            <a:r>
+              <a:rPr lang="en-US" dirty="0" err="1"/>
+              <a:t>kao</a:t>
+            </a:r>
+            <a:r>
+              <a:rPr lang="en-US" dirty="0"/>
+              <a:t> </a:t>
+            </a:r>
+            <a:r>
+              <a:rPr lang="en-US" dirty="0" err="1"/>
+              <a:t>što</a:t>
+            </a:r>
+            <a:r>
+              <a:rPr lang="en-US" dirty="0"/>
+              <a:t> </a:t>
+            </a:r>
+            <a:r>
+              <a:rPr lang="en-US" dirty="0" err="1"/>
+              <a:t>su</a:t>
+            </a:r>
+            <a:r>
+              <a:rPr lang="en-US" dirty="0"/>
+              <a:t> </a:t>
+            </a:r>
+            <a:r>
+              <a:rPr lang="en-US" dirty="0" err="1"/>
+              <a:t>nabavka</a:t>
+            </a:r>
+            <a:r>
+              <a:rPr lang="en-US" dirty="0"/>
+              <a:t> robe, </a:t>
+            </a:r>
+            <a:r>
+              <a:rPr lang="en-US" dirty="0" err="1"/>
+              <a:t>premještanje</a:t>
+            </a:r>
+            <a:r>
+              <a:rPr lang="en-US" dirty="0"/>
+              <a:t> robe </a:t>
+            </a:r>
+            <a:r>
+              <a:rPr lang="en-US" dirty="0" err="1"/>
+              <a:t>sa</a:t>
+            </a:r>
+            <a:r>
+              <a:rPr lang="en-US" dirty="0"/>
+              <a:t> </a:t>
+            </a:r>
+            <a:r>
+              <a:rPr lang="en-US" dirty="0" err="1"/>
+              <a:t>jednog</a:t>
+            </a:r>
+            <a:r>
+              <a:rPr lang="en-US" dirty="0"/>
+              <a:t> </a:t>
+            </a:r>
+            <a:r>
+              <a:rPr lang="en-US" dirty="0" err="1"/>
+              <a:t>mjesta</a:t>
+            </a:r>
+            <a:r>
+              <a:rPr lang="en-US" dirty="0"/>
+              <a:t> </a:t>
+            </a:r>
+            <a:r>
+              <a:rPr lang="en-US" dirty="0" err="1"/>
+              <a:t>na</a:t>
+            </a:r>
+            <a:r>
+              <a:rPr lang="en-US" dirty="0"/>
+              <a:t> </a:t>
+            </a:r>
+            <a:r>
+              <a:rPr lang="en-US" dirty="0" err="1"/>
+              <a:t>drugo</a:t>
+            </a:r>
+            <a:r>
+              <a:rPr lang="en-US" dirty="0"/>
+              <a:t>, </a:t>
+            </a:r>
+            <a:r>
+              <a:rPr lang="en-US" dirty="0" err="1"/>
+              <a:t>dodavanje</a:t>
+            </a:r>
+            <a:r>
+              <a:rPr lang="en-US" dirty="0"/>
+              <a:t> </a:t>
+            </a:r>
+            <a:r>
+              <a:rPr lang="en-US" dirty="0" err="1"/>
+              <a:t>lokacija</a:t>
+            </a:r>
+            <a:r>
+              <a:rPr lang="en-US" dirty="0"/>
+              <a:t> </a:t>
+            </a:r>
+            <a:r>
+              <a:rPr lang="en-US" dirty="0" err="1"/>
+              <a:t>na</a:t>
+            </a:r>
+            <a:r>
+              <a:rPr lang="en-US" dirty="0"/>
+              <a:t> </a:t>
+            </a:r>
+            <a:r>
+              <a:rPr lang="en-US" dirty="0" err="1"/>
+              <a:t>sistem</a:t>
+            </a:r>
+            <a:r>
+              <a:rPr lang="en-US" dirty="0"/>
+              <a:t> </a:t>
+            </a:r>
+            <a:r>
+              <a:rPr lang="en-US" dirty="0" err="1"/>
+              <a:t>mapa</a:t>
+            </a:r>
+            <a:r>
+              <a:rPr lang="en-US" dirty="0"/>
+              <a:t>(</a:t>
+            </a:r>
+            <a:r>
+              <a:rPr lang="en-US" dirty="0" err="1"/>
+              <a:t>vanjski</a:t>
+            </a:r>
+            <a:r>
+              <a:rPr lang="en-US" dirty="0"/>
+              <a:t> </a:t>
+            </a:r>
+            <a:r>
+              <a:rPr lang="en-US" dirty="0" err="1"/>
+              <a:t>sistem</a:t>
+            </a:r>
+            <a:r>
+              <a:rPr lang="en-US" dirty="0"/>
+              <a:t>), </a:t>
+            </a:r>
+            <a:r>
+              <a:rPr lang="en-US" dirty="0" err="1"/>
+              <a:t>itd</a:t>
+            </a:r>
+            <a:r>
+              <a:rPr lang="en-US" dirty="0"/>
+              <a:t>. </a:t>
+            </a:r>
+            <a:r>
+              <a:rPr lang="en-US" dirty="0" err="1"/>
+              <a:t>Osim</a:t>
+            </a:r>
+            <a:r>
+              <a:rPr lang="en-US" dirty="0"/>
+              <a:t> toga </a:t>
+            </a:r>
+            <a:r>
+              <a:rPr lang="en-US" dirty="0" err="1"/>
+              <a:t>drugi</a:t>
+            </a:r>
+            <a:r>
+              <a:rPr lang="en-US" dirty="0"/>
+              <a:t> </a:t>
+            </a:r>
+            <a:r>
+              <a:rPr lang="en-US" dirty="0" err="1"/>
+              <a:t>uposlenici</a:t>
+            </a:r>
+            <a:r>
+              <a:rPr lang="en-US" dirty="0"/>
+              <a:t>/</a:t>
+            </a:r>
+            <a:r>
+              <a:rPr lang="en-US" dirty="0" err="1"/>
+              <a:t>admini</a:t>
+            </a:r>
+            <a:r>
+              <a:rPr lang="en-US" dirty="0"/>
+              <a:t> </a:t>
+            </a:r>
+            <a:r>
+              <a:rPr lang="en-US" dirty="0" err="1"/>
+              <a:t>mogu</a:t>
+            </a:r>
+            <a:r>
+              <a:rPr lang="en-US" dirty="0"/>
+              <a:t> da </a:t>
+            </a:r>
+            <a:r>
+              <a:rPr lang="en-US" dirty="0" err="1"/>
+              <a:t>odobravaju</a:t>
+            </a:r>
+            <a:r>
+              <a:rPr lang="en-US" dirty="0"/>
+              <a:t> </a:t>
+            </a:r>
+            <a:r>
+              <a:rPr lang="en-US" dirty="0" err="1"/>
+              <a:t>ili</a:t>
+            </a:r>
+            <a:r>
+              <a:rPr lang="en-US" dirty="0"/>
+              <a:t> </a:t>
+            </a:r>
+            <a:r>
+              <a:rPr lang="en-US" dirty="0" err="1"/>
+              <a:t>odbijaju</a:t>
+            </a:r>
+            <a:r>
+              <a:rPr lang="en-US" dirty="0"/>
+              <a:t> </a:t>
+            </a:r>
+            <a:r>
+              <a:rPr lang="en-US" dirty="0" err="1"/>
+              <a:t>ove</a:t>
+            </a:r>
+            <a:r>
+              <a:rPr lang="en-US" dirty="0"/>
+              <a:t> </a:t>
+            </a:r>
+            <a:r>
+              <a:rPr lang="en-US" dirty="0" err="1"/>
+              <a:t>zahtjeve</a:t>
+            </a:r>
+            <a:r>
+              <a:rPr lang="en-US" dirty="0"/>
+              <a:t> </a:t>
+            </a:r>
+            <a:r>
+              <a:rPr lang="en-US" dirty="0" err="1"/>
+              <a:t>ili</a:t>
+            </a:r>
+            <a:r>
+              <a:rPr lang="en-US" dirty="0"/>
+              <a:t> </a:t>
+            </a:r>
+            <a:r>
+              <a:rPr lang="en-US" dirty="0" err="1"/>
+              <a:t>sistem</a:t>
+            </a:r>
+            <a:r>
+              <a:rPr lang="en-US" dirty="0"/>
+              <a:t> </a:t>
+            </a:r>
+            <a:r>
+              <a:rPr lang="en-US" dirty="0" err="1"/>
+              <a:t>sam</a:t>
+            </a:r>
+            <a:r>
+              <a:rPr lang="en-US" dirty="0"/>
+              <a:t> </a:t>
+            </a:r>
+            <a:r>
+              <a:rPr lang="en-US" dirty="0" err="1"/>
+              <a:t>može</a:t>
+            </a:r>
+            <a:r>
+              <a:rPr lang="en-US" dirty="0"/>
+              <a:t> da to </a:t>
+            </a:r>
+            <a:r>
+              <a:rPr lang="en-US" dirty="0" err="1"/>
+              <a:t>uradi</a:t>
+            </a:r>
+            <a:r>
+              <a:rPr lang="en-US" dirty="0"/>
+              <a:t> </a:t>
+            </a:r>
+            <a:r>
+              <a:rPr lang="en-US" dirty="0" err="1"/>
+              <a:t>ukoliko</a:t>
+            </a:r>
+            <a:r>
+              <a:rPr lang="en-US" dirty="0"/>
+              <a:t> se </a:t>
+            </a:r>
+            <a:r>
+              <a:rPr lang="en-US" dirty="0" err="1"/>
+              <a:t>zahtjev</a:t>
+            </a:r>
+            <a:r>
+              <a:rPr lang="en-US" dirty="0"/>
+              <a:t> tog </a:t>
+            </a:r>
+            <a:r>
+              <a:rPr lang="en-US" dirty="0" err="1"/>
+              <a:t>tipa</a:t>
+            </a:r>
+            <a:r>
+              <a:rPr lang="en-US" dirty="0"/>
+              <a:t> </a:t>
+            </a:r>
+            <a:r>
+              <a:rPr lang="en-US" dirty="0" err="1"/>
+              <a:t>automatski</a:t>
+            </a:r>
+            <a:r>
+              <a:rPr lang="en-US" dirty="0"/>
+              <a:t> </a:t>
+            </a:r>
+            <a:r>
+              <a:rPr lang="en-US" dirty="0" err="1"/>
+              <a:t>procesira</a:t>
+            </a:r>
+            <a:r>
+              <a:rPr lang="en-US" dirty="0"/>
+              <a:t>.</a:t>
+            </a:r>
+          </a:p>
+          <a:p>
+            <a:endParaRPr lang="en-US" dirty="0"/>
+          </a:p>
+        </p:txBody>
+      </p:sp>
+    </p:spTree>
+    <p:extLst>
+      <p:ext uri="{BB962C8B-B14F-4D97-AF65-F5344CB8AC3E}">
+        <p14:creationId xmlns:p14="http://schemas.microsoft.com/office/powerpoint/2010/main" val="47405059"/>
+      </p:ext>
+    </p:extLst>
+  </p:cSld>
+  <p:clrMapOvr>
+    <a:masterClrMapping/>
+  </p:clrMapOvr>
+</p:sld>
+</file>
+
+<file path=ppt/slides/slide8.xml><?xml version="1.0" encoding="utf-8"?>
+<p:sld xmlns:a="http://schemas.openxmlformats.org/drawingml/2006/main" xmlns:r="http://schemas.openxmlformats.org/officeDocument/2006/relationships" xmlns:p="http://schemas.openxmlformats.org/presentationml/2006/main">
+  <p:cSld>
+    <p:spTree>
+      <p:nvGrpSpPr>
+        <p:cNvPr id="1" name=""/>
+        <p:cNvGrpSpPr/>
+        <p:nvPr/>
+      </p:nvGrpSpPr>
+      <p:grpSpPr>
+        <a:xfrm>
+          <a:off x="0" y="0"/>
+          <a:ext cx="0" cy="0"/>
+          <a:chOff x="0" y="0"/>
+          <a:chExt cx="0" cy="0"/>
+        </a:xfrm>
+      </p:grpSpPr>
+      <p:sp>
+        <p:nvSpPr>
+          <p:cNvPr id="2" name="Title 1"/>
+          <p:cNvSpPr>
+            <a:spLocks noGrp="1"/>
+          </p:cNvSpPr>
+          <p:nvPr>
+            <p:ph type="title"/>
+          </p:nvPr>
+        </p:nvSpPr>
+        <p:spPr>
+          <a:xfrm>
+            <a:off x="646111" y="452718"/>
+            <a:ext cx="9404723" cy="776992"/>
+          </a:xfrm>
+        </p:spPr>
+        <p:txBody>
+          <a:bodyPr/>
+          <a:lstStyle/>
+          <a:p>
+            <a:r>
+              <a:rPr lang="bs-Latn-BA" dirty="0" smtClean="0"/>
+              <a:t>Akteri</a:t>
+            </a:r>
+            <a:endParaRPr lang="en-US" dirty="0"/>
+          </a:p>
+        </p:txBody>
+      </p:sp>
+      <p:sp>
+        <p:nvSpPr>
+          <p:cNvPr id="3" name="Content Placeholder 2"/>
+          <p:cNvSpPr>
+            <a:spLocks noGrp="1"/>
+          </p:cNvSpPr>
+          <p:nvPr>
+            <p:ph idx="1"/>
+          </p:nvPr>
+        </p:nvSpPr>
+        <p:spPr>
+          <a:xfrm>
+            <a:off x="1103312" y="1229710"/>
+            <a:ext cx="8946541" cy="5018689"/>
+          </a:xfrm>
+        </p:spPr>
+        <p:txBody>
+          <a:bodyPr>
+            <a:normAutofit lnSpcReduction="10000"/>
+          </a:bodyPr>
+          <a:lstStyle/>
+          <a:p>
+            <a:r>
+              <a:rPr lang="en-US" dirty="0" err="1"/>
+              <a:t>Korisnik</a:t>
+            </a:r>
+            <a:r>
+              <a:rPr lang="en-US" dirty="0"/>
+              <a:t> </a:t>
+            </a:r>
+            <a:r>
+              <a:rPr lang="en-US" dirty="0" err="1"/>
+              <a:t>usluga</a:t>
+            </a:r>
+            <a:r>
+              <a:rPr lang="en-US" dirty="0"/>
+              <a:t>: To je </a:t>
+            </a:r>
+            <a:r>
+              <a:rPr lang="en-US" dirty="0" err="1"/>
+              <a:t>osoba</a:t>
+            </a:r>
+            <a:r>
+              <a:rPr lang="en-US" dirty="0"/>
+              <a:t> </a:t>
+            </a:r>
+            <a:r>
+              <a:rPr lang="en-US" dirty="0" err="1"/>
+              <a:t>koja</a:t>
+            </a:r>
+            <a:r>
+              <a:rPr lang="en-US" dirty="0"/>
+              <a:t> </a:t>
+            </a:r>
+            <a:r>
+              <a:rPr lang="en-US" dirty="0" err="1"/>
+              <a:t>ima</a:t>
+            </a:r>
+            <a:r>
+              <a:rPr lang="en-US" dirty="0"/>
+              <a:t> </a:t>
+            </a:r>
+            <a:r>
+              <a:rPr lang="en-US" dirty="0" err="1"/>
+              <a:t>mogućnosti</a:t>
+            </a:r>
+            <a:r>
+              <a:rPr lang="en-US" dirty="0"/>
+              <a:t> </a:t>
+            </a:r>
+            <a:r>
+              <a:rPr lang="en-US" dirty="0" err="1"/>
+              <a:t>pregleda</a:t>
+            </a:r>
+            <a:r>
+              <a:rPr lang="en-US" dirty="0"/>
+              <a:t>, </a:t>
+            </a:r>
+            <a:r>
+              <a:rPr lang="en-US" dirty="0" err="1"/>
+              <a:t>kupovine</a:t>
+            </a:r>
+            <a:r>
+              <a:rPr lang="en-US" dirty="0"/>
+              <a:t> </a:t>
+            </a:r>
+            <a:r>
+              <a:rPr lang="en-US" dirty="0" err="1"/>
+              <a:t>i</a:t>
+            </a:r>
+            <a:r>
+              <a:rPr lang="en-US" dirty="0"/>
+              <a:t> </a:t>
+            </a:r>
+            <a:r>
+              <a:rPr lang="en-US" dirty="0" err="1"/>
+              <a:t>povratka</a:t>
+            </a:r>
+            <a:r>
+              <a:rPr lang="en-US" dirty="0"/>
+              <a:t> robe </a:t>
+            </a:r>
+            <a:r>
+              <a:rPr lang="en-US" dirty="0" err="1"/>
+              <a:t>unutar</a:t>
+            </a:r>
+            <a:r>
+              <a:rPr lang="en-US" dirty="0"/>
+              <a:t> online </a:t>
+            </a:r>
+            <a:r>
+              <a:rPr lang="en-US" dirty="0" err="1"/>
+              <a:t>prodavnice</a:t>
+            </a:r>
+            <a:r>
+              <a:rPr lang="en-US" dirty="0"/>
+              <a:t>.</a:t>
+            </a:r>
+          </a:p>
+          <a:p>
+            <a:r>
+              <a:rPr lang="en-US" dirty="0" err="1"/>
+              <a:t>Uposlenik</a:t>
+            </a:r>
+            <a:r>
+              <a:rPr lang="en-US" dirty="0"/>
+              <a:t>: On je </a:t>
+            </a:r>
+            <a:r>
+              <a:rPr lang="en-US" dirty="0" err="1"/>
+              <a:t>zadužen</a:t>
+            </a:r>
+            <a:r>
+              <a:rPr lang="en-US" dirty="0"/>
+              <a:t> </a:t>
+            </a:r>
+            <a:r>
+              <a:rPr lang="en-US" dirty="0" err="1"/>
+              <a:t>za</a:t>
+            </a:r>
+            <a:r>
+              <a:rPr lang="en-US" dirty="0"/>
+              <a:t> </a:t>
+            </a:r>
+            <a:r>
+              <a:rPr lang="en-US" dirty="0" err="1"/>
+              <a:t>razne</a:t>
+            </a:r>
+            <a:r>
+              <a:rPr lang="en-US" dirty="0"/>
+              <a:t> </a:t>
+            </a:r>
+            <a:r>
+              <a:rPr lang="en-US" dirty="0" err="1"/>
+              <a:t>administrativne</a:t>
+            </a:r>
+            <a:r>
+              <a:rPr lang="en-US" dirty="0"/>
+              <a:t> </a:t>
+            </a:r>
+            <a:r>
+              <a:rPr lang="en-US" dirty="0" err="1"/>
+              <a:t>poslove</a:t>
+            </a:r>
+            <a:r>
+              <a:rPr lang="en-US" dirty="0"/>
+              <a:t> </a:t>
+            </a:r>
+            <a:r>
+              <a:rPr lang="en-US" dirty="0" err="1"/>
+              <a:t>na</a:t>
+            </a:r>
+            <a:r>
+              <a:rPr lang="en-US" dirty="0"/>
+              <a:t> </a:t>
+            </a:r>
+            <a:r>
+              <a:rPr lang="en-US" dirty="0" err="1"/>
+              <a:t>poslovnim</a:t>
+            </a:r>
+            <a:r>
+              <a:rPr lang="en-US" dirty="0"/>
+              <a:t> </a:t>
+            </a:r>
+            <a:r>
+              <a:rPr lang="en-US" dirty="0" err="1"/>
+              <a:t>mjestima</a:t>
+            </a:r>
+            <a:r>
+              <a:rPr lang="en-US" dirty="0"/>
+              <a:t>, </a:t>
+            </a:r>
+            <a:r>
+              <a:rPr lang="en-US" dirty="0" err="1"/>
+              <a:t>te</a:t>
+            </a:r>
+            <a:r>
+              <a:rPr lang="en-US" dirty="0"/>
+              <a:t> </a:t>
+            </a:r>
+            <a:r>
+              <a:rPr lang="en-US" dirty="0" err="1"/>
+              <a:t>za</a:t>
+            </a:r>
+            <a:r>
+              <a:rPr lang="en-US" dirty="0"/>
+              <a:t> </a:t>
+            </a:r>
+            <a:r>
+              <a:rPr lang="en-US" dirty="0" err="1"/>
+              <a:t>komunikaciju</a:t>
+            </a:r>
+            <a:r>
+              <a:rPr lang="en-US" dirty="0"/>
+              <a:t> u </a:t>
+            </a:r>
+            <a:r>
+              <a:rPr lang="en-US" dirty="0" err="1"/>
+              <a:t>vidu</a:t>
+            </a:r>
+            <a:r>
+              <a:rPr lang="en-US" dirty="0"/>
+              <a:t> </a:t>
+            </a:r>
+            <a:r>
+              <a:rPr lang="en-US" dirty="0" err="1"/>
+              <a:t>zahtjeva</a:t>
+            </a:r>
+            <a:r>
+              <a:rPr lang="en-US" dirty="0"/>
+              <a:t> </a:t>
+            </a:r>
+            <a:r>
+              <a:rPr lang="en-US" dirty="0" err="1"/>
+              <a:t>kroz</a:t>
+            </a:r>
+            <a:r>
+              <a:rPr lang="en-US" dirty="0"/>
+              <a:t> </a:t>
+            </a:r>
+            <a:r>
+              <a:rPr lang="en-US" dirty="0" err="1"/>
+              <a:t>aplikaciju</a:t>
+            </a:r>
+            <a:r>
+              <a:rPr lang="en-US" dirty="0"/>
+              <a:t> </a:t>
+            </a:r>
+            <a:r>
+              <a:rPr lang="en-US" dirty="0" err="1"/>
+              <a:t>sa</a:t>
+            </a:r>
+            <a:r>
+              <a:rPr lang="en-US" dirty="0"/>
+              <a:t> </a:t>
+            </a:r>
+            <a:r>
+              <a:rPr lang="en-US" dirty="0" err="1"/>
+              <a:t>drugim</a:t>
+            </a:r>
+            <a:r>
+              <a:rPr lang="en-US" dirty="0"/>
+              <a:t> </a:t>
+            </a:r>
+            <a:r>
+              <a:rPr lang="en-US" dirty="0" err="1"/>
+              <a:t>poslovnicama</a:t>
+            </a:r>
+            <a:r>
+              <a:rPr lang="en-US" dirty="0"/>
+              <a:t> </a:t>
+            </a:r>
+            <a:r>
+              <a:rPr lang="en-US" dirty="0" err="1"/>
+              <a:t>i</a:t>
+            </a:r>
+            <a:r>
+              <a:rPr lang="en-US" dirty="0"/>
+              <a:t> </a:t>
+            </a:r>
+            <a:r>
+              <a:rPr lang="en-US" dirty="0" err="1"/>
+              <a:t>administratorima</a:t>
+            </a:r>
+            <a:r>
+              <a:rPr lang="en-US" dirty="0"/>
+              <a:t>. Oni u </a:t>
+            </a:r>
+            <a:r>
+              <a:rPr lang="en-US" dirty="0" err="1"/>
+              <a:t>isto</a:t>
+            </a:r>
+            <a:r>
+              <a:rPr lang="en-US" dirty="0"/>
+              <a:t> </a:t>
+            </a:r>
+            <a:r>
+              <a:rPr lang="en-US" dirty="0" err="1"/>
+              <a:t>vrijeme</a:t>
+            </a:r>
+            <a:r>
+              <a:rPr lang="en-US" dirty="0"/>
+              <a:t> </a:t>
+            </a:r>
+            <a:r>
+              <a:rPr lang="en-US" dirty="0" err="1"/>
+              <a:t>podnosi</a:t>
+            </a:r>
+            <a:r>
+              <a:rPr lang="en-US" dirty="0"/>
+              <a:t> </a:t>
+            </a:r>
+            <a:r>
+              <a:rPr lang="en-US" dirty="0" err="1"/>
+              <a:t>i</a:t>
+            </a:r>
+            <a:r>
+              <a:rPr lang="en-US" dirty="0"/>
+              <a:t> </a:t>
+            </a:r>
+            <a:r>
+              <a:rPr lang="en-US" dirty="0" err="1"/>
+              <a:t>obrađuje</a:t>
+            </a:r>
+            <a:r>
+              <a:rPr lang="en-US" dirty="0"/>
+              <a:t> </a:t>
+            </a:r>
+            <a:r>
+              <a:rPr lang="en-US" dirty="0" err="1"/>
+              <a:t>odgovarajuće</a:t>
+            </a:r>
+            <a:r>
+              <a:rPr lang="en-US" dirty="0"/>
+              <a:t> </a:t>
+            </a:r>
+            <a:r>
+              <a:rPr lang="en-US" dirty="0" err="1"/>
+              <a:t>zahtjeve</a:t>
+            </a:r>
+            <a:r>
+              <a:rPr lang="en-US" dirty="0"/>
+              <a:t> </a:t>
+            </a:r>
+            <a:r>
+              <a:rPr lang="en-US" dirty="0" err="1"/>
+              <a:t>ovisno</a:t>
+            </a:r>
+            <a:r>
+              <a:rPr lang="en-US" dirty="0"/>
+              <a:t> od </a:t>
+            </a:r>
+            <a:r>
+              <a:rPr lang="en-US" dirty="0" err="1"/>
+              <a:t>svojih</a:t>
+            </a:r>
+            <a:r>
+              <a:rPr lang="en-US" dirty="0"/>
+              <a:t> </a:t>
+            </a:r>
+            <a:r>
+              <a:rPr lang="en-US" dirty="0" err="1"/>
+              <a:t>obaveza</a:t>
+            </a:r>
+            <a:r>
+              <a:rPr lang="en-US" dirty="0"/>
+              <a:t>.</a:t>
+            </a:r>
+          </a:p>
+          <a:p>
+            <a:r>
+              <a:rPr lang="en-US" dirty="0"/>
+              <a:t>Administrator: To je </a:t>
+            </a:r>
+            <a:r>
+              <a:rPr lang="en-US" dirty="0" err="1"/>
+              <a:t>osoba</a:t>
+            </a:r>
+            <a:r>
+              <a:rPr lang="en-US" dirty="0"/>
+              <a:t> </a:t>
+            </a:r>
+            <a:r>
+              <a:rPr lang="en-US" dirty="0" err="1"/>
+              <a:t>koja</a:t>
+            </a:r>
+            <a:r>
+              <a:rPr lang="en-US" dirty="0"/>
+              <a:t> je </a:t>
+            </a:r>
+            <a:r>
+              <a:rPr lang="en-US" dirty="0" err="1"/>
+              <a:t>istovremeno</a:t>
+            </a:r>
+            <a:r>
+              <a:rPr lang="en-US" dirty="0"/>
+              <a:t> </a:t>
+            </a:r>
+            <a:r>
+              <a:rPr lang="en-US" dirty="0" err="1"/>
+              <a:t>uposlenik</a:t>
+            </a:r>
+            <a:r>
+              <a:rPr lang="en-US" dirty="0"/>
+              <a:t>, </a:t>
+            </a:r>
+            <a:r>
+              <a:rPr lang="en-US" dirty="0" err="1"/>
+              <a:t>ali</a:t>
+            </a:r>
+            <a:r>
+              <a:rPr lang="en-US" dirty="0"/>
+              <a:t> </a:t>
+            </a:r>
+            <a:r>
+              <a:rPr lang="en-US" dirty="0" err="1"/>
+              <a:t>uz</a:t>
+            </a:r>
+            <a:r>
+              <a:rPr lang="en-US" dirty="0"/>
+              <a:t> to </a:t>
+            </a:r>
+            <a:r>
+              <a:rPr lang="en-US" dirty="0" err="1"/>
+              <a:t>ima</a:t>
+            </a:r>
+            <a:r>
+              <a:rPr lang="en-US" dirty="0"/>
+              <a:t> </a:t>
+            </a:r>
+            <a:r>
+              <a:rPr lang="en-US" dirty="0" err="1"/>
+              <a:t>dodatne</a:t>
+            </a:r>
+            <a:r>
+              <a:rPr lang="en-US" dirty="0"/>
+              <a:t> </a:t>
+            </a:r>
+            <a:r>
+              <a:rPr lang="en-US" dirty="0" err="1"/>
+              <a:t>ovlasti</a:t>
+            </a:r>
+            <a:r>
+              <a:rPr lang="en-US" dirty="0"/>
+              <a:t> </a:t>
+            </a:r>
+            <a:r>
+              <a:rPr lang="en-US" dirty="0" err="1"/>
+              <a:t>koje</a:t>
+            </a:r>
+            <a:r>
+              <a:rPr lang="en-US" dirty="0"/>
+              <a:t> se </a:t>
+            </a:r>
+            <a:r>
+              <a:rPr lang="en-US" dirty="0" err="1"/>
+              <a:t>tiču</a:t>
+            </a:r>
+            <a:r>
+              <a:rPr lang="en-US" dirty="0"/>
+              <a:t> </a:t>
+            </a:r>
+            <a:r>
+              <a:rPr lang="en-US" dirty="0" err="1"/>
+              <a:t>administracije</a:t>
+            </a:r>
+            <a:r>
+              <a:rPr lang="en-US" dirty="0"/>
+              <a:t> </a:t>
+            </a:r>
+            <a:r>
+              <a:rPr lang="en-US" dirty="0" err="1"/>
+              <a:t>stranice</a:t>
+            </a:r>
+            <a:r>
+              <a:rPr lang="en-US" dirty="0"/>
+              <a:t> </a:t>
+            </a:r>
+            <a:r>
+              <a:rPr lang="en-US" dirty="0" err="1"/>
+              <a:t>kroz</a:t>
+            </a:r>
+            <a:r>
+              <a:rPr lang="en-US" dirty="0"/>
+              <a:t> </a:t>
+            </a:r>
+            <a:r>
+              <a:rPr lang="en-US" dirty="0" err="1"/>
+              <a:t>sklanjanje</a:t>
+            </a:r>
+            <a:r>
+              <a:rPr lang="en-US" dirty="0"/>
+              <a:t> </a:t>
+            </a:r>
+            <a:r>
+              <a:rPr lang="en-US" dirty="0" err="1"/>
+              <a:t>nepoželjnih</a:t>
+            </a:r>
+            <a:r>
+              <a:rPr lang="en-US" dirty="0"/>
+              <a:t>(</a:t>
+            </a:r>
+            <a:r>
+              <a:rPr lang="en-US" dirty="0" err="1"/>
+              <a:t>uvredljivih</a:t>
+            </a:r>
+            <a:r>
+              <a:rPr lang="en-US" dirty="0"/>
+              <a:t>, spam </a:t>
+            </a:r>
+            <a:r>
+              <a:rPr lang="en-US" dirty="0" err="1"/>
+              <a:t>i</a:t>
+            </a:r>
+            <a:r>
+              <a:rPr lang="en-US" dirty="0"/>
+              <a:t> sl.) </a:t>
+            </a:r>
+            <a:r>
+              <a:rPr lang="en-US" dirty="0" err="1"/>
+              <a:t>komentara</a:t>
+            </a:r>
+            <a:r>
+              <a:rPr lang="en-US" dirty="0"/>
+              <a:t> </a:t>
+            </a:r>
+            <a:r>
+              <a:rPr lang="en-US" dirty="0" err="1"/>
+              <a:t>te</a:t>
+            </a:r>
+            <a:r>
+              <a:rPr lang="en-US" dirty="0"/>
+              <a:t> </a:t>
+            </a:r>
+            <a:r>
+              <a:rPr lang="en-US" dirty="0" err="1"/>
+              <a:t>nepoželjnih</a:t>
+            </a:r>
+            <a:r>
+              <a:rPr lang="en-US" dirty="0"/>
+              <a:t> </a:t>
+            </a:r>
+            <a:r>
+              <a:rPr lang="en-US" dirty="0" err="1"/>
+              <a:t>korisnika</a:t>
+            </a:r>
+            <a:r>
+              <a:rPr lang="en-US" dirty="0"/>
+              <a:t>.</a:t>
+            </a:r>
+          </a:p>
+          <a:p>
+            <a:r>
+              <a:rPr lang="en-US" dirty="0" err="1"/>
+              <a:t>Kritičar</a:t>
+            </a:r>
+            <a:r>
+              <a:rPr lang="en-US" dirty="0"/>
+              <a:t>: </a:t>
+            </a:r>
+            <a:r>
+              <a:rPr lang="en-US" dirty="0" err="1"/>
+              <a:t>Osoba</a:t>
+            </a:r>
+            <a:r>
+              <a:rPr lang="en-US" dirty="0"/>
+              <a:t> </a:t>
+            </a:r>
+            <a:r>
+              <a:rPr lang="en-US" dirty="0" err="1"/>
+              <a:t>čiji</a:t>
+            </a:r>
+            <a:r>
+              <a:rPr lang="en-US" dirty="0"/>
+              <a:t> je </a:t>
+            </a:r>
+            <a:r>
+              <a:rPr lang="en-US" dirty="0" err="1"/>
+              <a:t>zadatak</a:t>
+            </a:r>
+            <a:r>
+              <a:rPr lang="en-US" dirty="0"/>
+              <a:t> da </a:t>
+            </a:r>
+            <a:r>
+              <a:rPr lang="en-US" dirty="0" err="1"/>
+              <a:t>daje</a:t>
+            </a:r>
+            <a:r>
+              <a:rPr lang="en-US" dirty="0"/>
+              <a:t> </a:t>
+            </a:r>
+            <a:r>
+              <a:rPr lang="en-US" dirty="0" err="1"/>
+              <a:t>ocjene</a:t>
+            </a:r>
+            <a:r>
+              <a:rPr lang="en-US" dirty="0"/>
+              <a:t> </a:t>
+            </a:r>
+            <a:r>
+              <a:rPr lang="en-US" dirty="0" err="1"/>
+              <a:t>za</a:t>
+            </a:r>
+            <a:r>
+              <a:rPr lang="en-US" dirty="0"/>
+              <a:t> </a:t>
+            </a:r>
+            <a:r>
+              <a:rPr lang="en-US" dirty="0" err="1"/>
+              <a:t>robu</a:t>
+            </a:r>
+            <a:r>
+              <a:rPr lang="en-US" dirty="0"/>
+              <a:t> </a:t>
+            </a:r>
+            <a:r>
+              <a:rPr lang="en-US" dirty="0" err="1"/>
+              <a:t>koju</a:t>
+            </a:r>
+            <a:r>
+              <a:rPr lang="en-US" dirty="0"/>
+              <a:t> </a:t>
+            </a:r>
+            <a:r>
+              <a:rPr lang="en-US" dirty="0" err="1"/>
+              <a:t>prodaje</a:t>
+            </a:r>
+            <a:r>
+              <a:rPr lang="en-US" dirty="0"/>
+              <a:t> firma. </a:t>
+            </a:r>
+            <a:r>
+              <a:rPr lang="en-US" dirty="0" err="1"/>
+              <a:t>Komentari</a:t>
+            </a:r>
+            <a:r>
+              <a:rPr lang="en-US" dirty="0"/>
+              <a:t> </a:t>
+            </a:r>
+            <a:r>
+              <a:rPr lang="en-US" dirty="0" err="1"/>
+              <a:t>kritičara</a:t>
+            </a:r>
+            <a:r>
+              <a:rPr lang="en-US" dirty="0"/>
+              <a:t> </a:t>
+            </a:r>
+            <a:r>
+              <a:rPr lang="en-US" dirty="0" err="1"/>
+              <a:t>su</a:t>
+            </a:r>
+            <a:r>
+              <a:rPr lang="en-US" dirty="0"/>
+              <a:t> </a:t>
+            </a:r>
+            <a:r>
+              <a:rPr lang="en-US" dirty="0" err="1"/>
+              <a:t>istaknuti</a:t>
+            </a:r>
+            <a:r>
+              <a:rPr lang="en-US" dirty="0"/>
+              <a:t> </a:t>
+            </a:r>
+            <a:r>
+              <a:rPr lang="en-US" dirty="0" err="1"/>
+              <a:t>i</a:t>
+            </a:r>
+            <a:r>
+              <a:rPr lang="en-US" dirty="0"/>
+              <a:t> </a:t>
+            </a:r>
+            <a:r>
+              <a:rPr lang="en-US" dirty="0" err="1"/>
+              <a:t>svrha</a:t>
+            </a:r>
+            <a:r>
+              <a:rPr lang="en-US" dirty="0"/>
+              <a:t> je da </a:t>
+            </a:r>
+            <a:r>
+              <a:rPr lang="en-US" dirty="0" err="1"/>
+              <a:t>korisnici</a:t>
+            </a:r>
+            <a:r>
+              <a:rPr lang="en-US" dirty="0"/>
+              <a:t> </a:t>
+            </a:r>
+            <a:r>
+              <a:rPr lang="en-US" dirty="0" err="1"/>
+              <a:t>dobiju</a:t>
+            </a:r>
+            <a:r>
+              <a:rPr lang="en-US" dirty="0"/>
+              <a:t> </a:t>
+            </a:r>
+            <a:r>
+              <a:rPr lang="en-US" dirty="0" err="1"/>
+              <a:t>mišljenje</a:t>
+            </a:r>
+            <a:r>
+              <a:rPr lang="en-US" dirty="0"/>
+              <a:t> od </a:t>
+            </a:r>
+            <a:r>
+              <a:rPr lang="en-US" dirty="0" err="1"/>
+              <a:t>osobe</a:t>
+            </a:r>
+            <a:r>
+              <a:rPr lang="en-US" dirty="0"/>
+              <a:t> </a:t>
+            </a:r>
+            <a:r>
+              <a:rPr lang="en-US" dirty="0" err="1"/>
+              <a:t>koja</a:t>
+            </a:r>
+            <a:r>
+              <a:rPr lang="en-US" dirty="0"/>
+              <a:t> </a:t>
+            </a:r>
+            <a:r>
+              <a:rPr lang="en-US" dirty="0" err="1"/>
+              <a:t>ima</a:t>
+            </a:r>
+            <a:r>
+              <a:rPr lang="en-US" dirty="0"/>
+              <a:t> </a:t>
+            </a:r>
+            <a:r>
+              <a:rPr lang="en-US" dirty="0" err="1"/>
+              <a:t>iskustva</a:t>
+            </a:r>
+            <a:r>
+              <a:rPr lang="en-US" dirty="0"/>
+              <a:t> </a:t>
+            </a:r>
+            <a:r>
+              <a:rPr lang="en-US" dirty="0" err="1"/>
+              <a:t>i</a:t>
+            </a:r>
+            <a:r>
+              <a:rPr lang="en-US" dirty="0"/>
+              <a:t> </a:t>
+            </a:r>
+            <a:r>
+              <a:rPr lang="en-US" dirty="0" err="1"/>
+              <a:t>kvalificirana</a:t>
+            </a:r>
+            <a:r>
+              <a:rPr lang="en-US" dirty="0"/>
+              <a:t> je da </a:t>
+            </a:r>
+            <a:r>
+              <a:rPr lang="en-US" dirty="0" err="1"/>
+              <a:t>govori</a:t>
+            </a:r>
+            <a:r>
+              <a:rPr lang="en-US" dirty="0"/>
+              <a:t> o </a:t>
+            </a:r>
+            <a:r>
+              <a:rPr lang="en-US" dirty="0" err="1"/>
+              <a:t>prednostima</a:t>
+            </a:r>
+            <a:r>
+              <a:rPr lang="en-US" dirty="0"/>
+              <a:t> </a:t>
+            </a:r>
+            <a:r>
+              <a:rPr lang="en-US" dirty="0" err="1"/>
+              <a:t>i</a:t>
+            </a:r>
+            <a:r>
+              <a:rPr lang="en-US" dirty="0"/>
+              <a:t> </a:t>
+            </a:r>
+            <a:r>
+              <a:rPr lang="en-US" dirty="0" err="1"/>
+              <a:t>manama</a:t>
+            </a:r>
+            <a:r>
+              <a:rPr lang="en-US" dirty="0"/>
+              <a:t> </a:t>
+            </a:r>
+            <a:r>
+              <a:rPr lang="en-US" dirty="0" err="1"/>
+              <a:t>artikala</a:t>
+            </a:r>
+            <a:r>
+              <a:rPr lang="en-US" dirty="0"/>
+              <a:t>.</a:t>
+            </a:r>
+          </a:p>
+          <a:p>
+            <a:endParaRPr lang="en-US" dirty="0"/>
+          </a:p>
+        </p:txBody>
+      </p:sp>
+    </p:spTree>
+    <p:extLst>
+      <p:ext uri="{BB962C8B-B14F-4D97-AF65-F5344CB8AC3E}">
+        <p14:creationId xmlns:p14="http://schemas.microsoft.com/office/powerpoint/2010/main" val="754271032"/>
+      </p:ext>
+    </p:extLst>
+  </p:cSld>
+  <p:clrMapOvr>
+    <a:masterClrMapping/>
+  </p:clrMapOvr>
+</p:sld>
+</file>
+
+<file path=ppt/slides/slide9.xml><?xml version="1.0" encoding="utf-8"?>
+<p:sld xmlns:a="http://schemas.openxmlformats.org/drawingml/2006/main" xmlns:r="http://schemas.openxmlformats.org/officeDocument/2006/relationships" xmlns:p="http://schemas.openxmlformats.org/presentationml/2006/main">
+  <p:cSld>
+    <p:spTree>
+      <p:nvGrpSpPr>
+        <p:cNvPr id="1" name=""/>
+        <p:cNvGrpSpPr/>
+        <p:nvPr/>
+      </p:nvGrpSpPr>
+      <p:grpSpPr>
+        <a:xfrm>
+          <a:off x="0" y="0"/>
+          <a:ext cx="0" cy="0"/>
+          <a:chOff x="0" y="0"/>
+          <a:chExt cx="0" cy="0"/>
+        </a:xfrm>
+      </p:grpSpPr>
+      <p:sp>
+        <p:nvSpPr>
+          <p:cNvPr id="2" name="Title 1"/>
+          <p:cNvSpPr>
+            <a:spLocks noGrp="1"/>
+          </p:cNvSpPr>
+          <p:nvPr>
+            <p:ph type="title"/>
+          </p:nvPr>
+        </p:nvSpPr>
+        <p:spPr>
+          <a:xfrm>
+            <a:off x="646111" y="452718"/>
+            <a:ext cx="9404723" cy="776007"/>
+          </a:xfrm>
+        </p:spPr>
+        <p:txBody>
+          <a:bodyPr/>
+          <a:lstStyle/>
+          <a:p>
+            <a:r>
+              <a:rPr lang="bs-Latn-BA" dirty="0" smtClean="0"/>
+              <a:t>Šta se koristi</a:t>
+            </a:r>
+            <a:endParaRPr lang="en-US" dirty="0"/>
+          </a:p>
+        </p:txBody>
+      </p:sp>
+      <p:sp>
+        <p:nvSpPr>
+          <p:cNvPr id="3" name="Content Placeholder 2"/>
+          <p:cNvSpPr>
+            <a:spLocks noGrp="1"/>
+          </p:cNvSpPr>
+          <p:nvPr>
+            <p:ph idx="1"/>
+          </p:nvPr>
+        </p:nvSpPr>
+        <p:spPr>
+          <a:xfrm>
+            <a:off x="1103312" y="1228726"/>
+            <a:ext cx="8946541" cy="5019674"/>
+          </a:xfrm>
+        </p:spPr>
+        <p:txBody>
+          <a:bodyPr>
+            <a:normAutofit/>
+          </a:bodyPr>
+          <a:lstStyle/>
+          <a:p>
+            <a:r>
+              <a:rPr lang="bs-Latn-BA" sz="2800" dirty="0" smtClean="0"/>
+              <a:t>Visual Studio 2015 Community Edition</a:t>
+            </a:r>
+          </a:p>
+          <a:p>
+            <a:r>
+              <a:rPr lang="en-US" sz="2800" dirty="0"/>
+              <a:t>Entity </a:t>
+            </a:r>
+            <a:r>
+              <a:rPr lang="en-US" sz="2800" dirty="0" err="1"/>
+              <a:t>Frameworka</a:t>
+            </a:r>
+            <a:endParaRPr lang="en-US" sz="2800" dirty="0"/>
+          </a:p>
+        </p:txBody>
+      </p:sp>
+    </p:spTree>
+    <p:extLst>
+      <p:ext uri="{BB962C8B-B14F-4D97-AF65-F5344CB8AC3E}">
+        <p14:creationId xmlns:p14="http://schemas.microsoft.com/office/powerpoint/2010/main" val="2622030284"/>
+      </p:ext>
+    </p:extLst>
+  </p:cSld>
+  <p:clrMapOvr>
+    <a:masterClrMapping/>
+  </p:clrMapOvr>
 </p:sld>
 </file>
 

--- a/Game_Shop.pptx
+++ b/Game_Shop.pptx
@@ -26,6 +26,7 @@
     <p:sldId id="267" r:id="rId20"/>
     <p:sldId id="268" r:id="rId21"/>
     <p:sldId id="269" r:id="rId22"/>
+    <p:sldId id="278" r:id="rId23"/>
   </p:sldIdLst>
   <p:sldSz cx="12192000" cy="6858000"/>
   <p:notesSz cx="6858000" cy="9144000"/>
@@ -132,6 +133,10 @@
 </p:presentation>
 </file>
 
+<file path=ppt/revisionInfo.xml><?xml version="1.0" encoding="utf-8"?>
+<p1510:revInfo xmlns:a="http://schemas.openxmlformats.org/drawingml/2006/main" xmlns:r="http://schemas.openxmlformats.org/officeDocument/2006/relationships" xmlns:p1510="http://schemas.microsoft.com/office/powerpoint/2015/10/main"/>
+</file>
+
 <file path=ppt/slideLayouts/slideLayout1.xml><?xml version="1.0" encoding="utf-8"?>
 <p:sldLayout xmlns:a="http://schemas.openxmlformats.org/drawingml/2006/main" xmlns:r="http://schemas.openxmlformats.org/officeDocument/2006/relationships" xmlns:p="http://schemas.openxmlformats.org/presentationml/2006/main" type="title" preserve="1">
   <p:cSld name="Title Slide">
@@ -174,7 +179,7 @@
           </a:lstStyle>
           <a:p>
             <a:r>
-              <a:rPr lang="en-US" smtClean="0"/>
+              <a:rPr lang="en-US"/>
               <a:t>Click to edit Master title style</a:t>
             </a:r>
             <a:endParaRPr lang="en-US" dirty="0"/>
@@ -294,7 +299,7 @@
           </a:lstStyle>
           <a:p>
             <a:r>
-              <a:rPr lang="en-US" smtClean="0"/>
+              <a:rPr lang="en-US"/>
               <a:t>Click to edit Master subtitle style</a:t>
             </a:r>
             <a:endParaRPr lang="en-US" dirty="0"/>
@@ -318,7 +323,7 @@
           <a:p>
             <a:fld id="{4AAD347D-5ACD-4C99-B74B-A9C85AD731AF}" type="datetimeFigureOut">
               <a:rPr lang="en-US" dirty="0"/>
-              <a:t>6/3/2017</a:t>
+              <a:t>6/6/2017</a:t>
             </a:fld>
             <a:endParaRPr lang="en-US" dirty="0"/>
           </a:p>
@@ -418,7 +423,7 @@
           </a:lstStyle>
           <a:p>
             <a:r>
-              <a:rPr lang="en-US" smtClean="0"/>
+              <a:rPr lang="en-US"/>
               <a:t>Click to edit Master title style</a:t>
             </a:r>
             <a:endParaRPr lang="en-US" dirty="0"/>
@@ -497,7 +502,7 @@
           </a:lstStyle>
           <a:p>
             <a:r>
-              <a:rPr lang="en-US" smtClean="0"/>
+              <a:rPr lang="en-US"/>
               <a:t>Click icon to add picture</a:t>
             </a:r>
             <a:endParaRPr lang="en-US" dirty="0"/>
@@ -565,7 +570,7 @@
           <a:p>
             <a:pPr lvl="0"/>
             <a:r>
-              <a:rPr lang="en-US" smtClean="0"/>
+              <a:rPr lang="en-US"/>
               <a:t>Edit Master text styles</a:t>
             </a:r>
           </a:p>
@@ -588,7 +593,7 @@
           <a:p>
             <a:fld id="{4509A250-FF31-4206-8172-F9D3106AACB1}" type="datetimeFigureOut">
               <a:rPr lang="en-US" dirty="0"/>
-              <a:t>6/3/2017</a:t>
+              <a:t>6/6/2017</a:t>
             </a:fld>
             <a:endParaRPr lang="en-US" dirty="0"/>
           </a:p>
@@ -686,7 +691,7 @@
           </a:lstStyle>
           <a:p>
             <a:r>
-              <a:rPr lang="en-US" smtClean="0"/>
+              <a:rPr lang="en-US"/>
               <a:t>Click to edit Master title style</a:t>
             </a:r>
             <a:endParaRPr lang="en-US" dirty="0"/>
@@ -754,7 +759,7 @@
           <a:p>
             <a:pPr lvl="0"/>
             <a:r>
-              <a:rPr lang="en-US" smtClean="0"/>
+              <a:rPr lang="en-US"/>
               <a:t>Edit Master text styles</a:t>
             </a:r>
           </a:p>
@@ -777,7 +782,7 @@
           <a:p>
             <a:fld id="{4509A250-FF31-4206-8172-F9D3106AACB1}" type="datetimeFigureOut">
               <a:rPr lang="en-US" dirty="0"/>
-              <a:t>6/3/2017</a:t>
+              <a:t>6/6/2017</a:t>
             </a:fld>
             <a:endParaRPr lang="en-US" dirty="0"/>
           </a:p>
@@ -875,7 +880,7 @@
           </a:lstStyle>
           <a:p>
             <a:r>
-              <a:rPr lang="en-US" smtClean="0"/>
+              <a:rPr lang="en-US"/>
               <a:t>Click to edit Master title style</a:t>
             </a:r>
             <a:endParaRPr lang="en-US" dirty="0"/>
@@ -953,7 +958,7 @@
           <a:p>
             <a:pPr lvl="0"/>
             <a:r>
-              <a:rPr lang="en-US" smtClean="0"/>
+              <a:rPr lang="en-US"/>
               <a:t>Edit Master text styles</a:t>
             </a:r>
           </a:p>
@@ -1020,7 +1025,7 @@
           <a:p>
             <a:pPr lvl="0"/>
             <a:r>
-              <a:rPr lang="en-US" smtClean="0"/>
+              <a:rPr lang="en-US"/>
               <a:t>Edit Master text styles</a:t>
             </a:r>
           </a:p>
@@ -1043,7 +1048,7 @@
           <a:p>
             <a:fld id="{4509A250-FF31-4206-8172-F9D3106AACB1}" type="datetimeFigureOut">
               <a:rPr lang="en-US" dirty="0"/>
-              <a:t>6/3/2017</a:t>
+              <a:t>6/6/2017</a:t>
             </a:fld>
             <a:endParaRPr lang="en-US" dirty="0"/>
           </a:p>
@@ -1221,7 +1226,7 @@
           </a:lstStyle>
           <a:p>
             <a:r>
-              <a:rPr lang="en-US" smtClean="0"/>
+              <a:rPr lang="en-US"/>
               <a:t>Click to edit Master title style</a:t>
             </a:r>
             <a:endParaRPr lang="en-US" dirty="0"/>
@@ -1342,7 +1347,7 @@
           <a:p>
             <a:pPr lvl="0"/>
             <a:r>
-              <a:rPr lang="en-US" smtClean="0"/>
+              <a:rPr lang="en-US"/>
               <a:t>Edit Master text styles</a:t>
             </a:r>
           </a:p>
@@ -1365,7 +1370,7 @@
           <a:p>
             <a:fld id="{4509A250-FF31-4206-8172-F9D3106AACB1}" type="datetimeFigureOut">
               <a:rPr lang="en-US" dirty="0"/>
-              <a:t>6/3/2017</a:t>
+              <a:t>6/6/2017</a:t>
             </a:fld>
             <a:endParaRPr lang="en-US" dirty="0"/>
           </a:p>
@@ -1458,7 +1463,7 @@
           </a:lstStyle>
           <a:p>
             <a:r>
-              <a:rPr lang="en-US" smtClean="0"/>
+              <a:rPr lang="en-US"/>
               <a:t>Click to edit Master title style</a:t>
             </a:r>
             <a:endParaRPr lang="en-US" dirty="0"/>
@@ -1533,7 +1538,7 @@
           <a:p>
             <a:pPr lvl="0"/>
             <a:r>
-              <a:rPr lang="en-US" smtClean="0"/>
+              <a:rPr lang="en-US"/>
               <a:t>Edit Master text styles</a:t>
             </a:r>
           </a:p>
@@ -1600,7 +1605,7 @@
           <a:p>
             <a:pPr lvl="0"/>
             <a:r>
-              <a:rPr lang="en-US" smtClean="0"/>
+              <a:rPr lang="en-US"/>
               <a:t>Edit Master text styles</a:t>
             </a:r>
           </a:p>
@@ -1674,7 +1679,7 @@
           <a:p>
             <a:pPr lvl="0"/>
             <a:r>
-              <a:rPr lang="en-US" smtClean="0"/>
+              <a:rPr lang="en-US"/>
               <a:t>Edit Master text styles</a:t>
             </a:r>
           </a:p>
@@ -1741,7 +1746,7 @@
           <a:p>
             <a:pPr lvl="0"/>
             <a:r>
-              <a:rPr lang="en-US" smtClean="0"/>
+              <a:rPr lang="en-US"/>
               <a:t>Edit Master text styles</a:t>
             </a:r>
           </a:p>
@@ -1815,7 +1820,7 @@
           <a:p>
             <a:pPr lvl="0"/>
             <a:r>
-              <a:rPr lang="en-US" smtClean="0"/>
+              <a:rPr lang="en-US"/>
               <a:t>Edit Master text styles</a:t>
             </a:r>
           </a:p>
@@ -1882,7 +1887,7 @@
           <a:p>
             <a:pPr lvl="0"/>
             <a:r>
-              <a:rPr lang="en-US" smtClean="0"/>
+              <a:rPr lang="en-US"/>
               <a:t>Edit Master text styles</a:t>
             </a:r>
           </a:p>
@@ -1979,7 +1984,7 @@
           <a:p>
             <a:fld id="{4509A250-FF31-4206-8172-F9D3106AACB1}" type="datetimeFigureOut">
               <a:rPr lang="en-US" dirty="0"/>
-              <a:t>6/3/2017</a:t>
+              <a:t>6/6/2017</a:t>
             </a:fld>
             <a:endParaRPr lang="en-US" dirty="0"/>
           </a:p>
@@ -2072,7 +2077,7 @@
           </a:lstStyle>
           <a:p>
             <a:r>
-              <a:rPr lang="en-US" smtClean="0"/>
+              <a:rPr lang="en-US"/>
               <a:t>Click to edit Master title style</a:t>
             </a:r>
             <a:endParaRPr lang="en-US" dirty="0"/>
@@ -2144,7 +2149,7 @@
           <a:p>
             <a:pPr lvl="0"/>
             <a:r>
-              <a:rPr lang="en-US" smtClean="0"/>
+              <a:rPr lang="en-US"/>
               <a:t>Edit Master text styles</a:t>
             </a:r>
           </a:p>
@@ -2222,7 +2227,7 @@
           </a:lstStyle>
           <a:p>
             <a:r>
-              <a:rPr lang="en-US" smtClean="0"/>
+              <a:rPr lang="en-US"/>
               <a:t>Click icon to add picture</a:t>
             </a:r>
             <a:endParaRPr lang="en-US" dirty="0"/>
@@ -2290,7 +2295,7 @@
           <a:p>
             <a:pPr lvl="0"/>
             <a:r>
-              <a:rPr lang="en-US" smtClean="0"/>
+              <a:rPr lang="en-US"/>
               <a:t>Edit Master text styles</a:t>
             </a:r>
           </a:p>
@@ -2361,7 +2366,7 @@
           <a:p>
             <a:pPr lvl="0"/>
             <a:r>
-              <a:rPr lang="en-US" smtClean="0"/>
+              <a:rPr lang="en-US"/>
               <a:t>Edit Master text styles</a:t>
             </a:r>
           </a:p>
@@ -2439,7 +2444,7 @@
           </a:lstStyle>
           <a:p>
             <a:r>
-              <a:rPr lang="en-US" smtClean="0"/>
+              <a:rPr lang="en-US"/>
               <a:t>Click icon to add picture</a:t>
             </a:r>
             <a:endParaRPr lang="en-US" dirty="0"/>
@@ -2507,7 +2512,7 @@
           <a:p>
             <a:pPr lvl="0"/>
             <a:r>
-              <a:rPr lang="en-US" smtClean="0"/>
+              <a:rPr lang="en-US"/>
               <a:t>Edit Master text styles</a:t>
             </a:r>
           </a:p>
@@ -2578,7 +2583,7 @@
           <a:p>
             <a:pPr lvl="0"/>
             <a:r>
-              <a:rPr lang="en-US" smtClean="0"/>
+              <a:rPr lang="en-US"/>
               <a:t>Edit Master text styles</a:t>
             </a:r>
           </a:p>
@@ -2656,7 +2661,7 @@
           </a:lstStyle>
           <a:p>
             <a:r>
-              <a:rPr lang="en-US" smtClean="0"/>
+              <a:rPr lang="en-US"/>
               <a:t>Click icon to add picture</a:t>
             </a:r>
             <a:endParaRPr lang="en-US" dirty="0"/>
@@ -2724,7 +2729,7 @@
           <a:p>
             <a:pPr lvl="0"/>
             <a:r>
-              <a:rPr lang="en-US" smtClean="0"/>
+              <a:rPr lang="en-US"/>
               <a:t>Edit Master text styles</a:t>
             </a:r>
           </a:p>
@@ -2821,7 +2826,7 @@
           <a:p>
             <a:fld id="{4509A250-FF31-4206-8172-F9D3106AACB1}" type="datetimeFigureOut">
               <a:rPr lang="en-US" dirty="0"/>
-              <a:t>6/3/2017</a:t>
+              <a:t>6/6/2017</a:t>
             </a:fld>
             <a:endParaRPr lang="en-US" dirty="0"/>
           </a:p>
@@ -2910,7 +2915,7 @@
           <a:lstStyle/>
           <a:p>
             <a:r>
-              <a:rPr lang="en-US" smtClean="0"/>
+              <a:rPr lang="en-US"/>
               <a:t>Click to edit Master title style</a:t>
             </a:r>
             <a:endParaRPr lang="en-US" dirty="0"/>
@@ -2934,35 +2939,35 @@
           <a:p>
             <a:pPr lvl="0"/>
             <a:r>
-              <a:rPr lang="en-US" smtClean="0"/>
+              <a:rPr lang="en-US"/>
               <a:t>Edit Master text styles</a:t>
             </a:r>
           </a:p>
           <a:p>
             <a:pPr lvl="1"/>
             <a:r>
-              <a:rPr lang="en-US" smtClean="0"/>
+              <a:rPr lang="en-US"/>
               <a:t>Second level</a:t>
             </a:r>
           </a:p>
           <a:p>
             <a:pPr lvl="2"/>
             <a:r>
-              <a:rPr lang="en-US" smtClean="0"/>
+              <a:rPr lang="en-US"/>
               <a:t>Third level</a:t>
             </a:r>
           </a:p>
           <a:p>
             <a:pPr lvl="3"/>
             <a:r>
-              <a:rPr lang="en-US" smtClean="0"/>
+              <a:rPr lang="en-US"/>
               <a:t>Fourth level</a:t>
             </a:r>
           </a:p>
           <a:p>
             <a:pPr lvl="4"/>
             <a:r>
-              <a:rPr lang="en-US" smtClean="0"/>
+              <a:rPr lang="en-US"/>
               <a:t>Fifth level</a:t>
             </a:r>
             <a:endParaRPr lang="en-US" dirty="0"/>
@@ -2986,7 +2991,7 @@
           <a:p>
             <a:fld id="{4509A250-FF31-4206-8172-F9D3106AACB1}" type="datetimeFigureOut">
               <a:rPr lang="en-US" dirty="0"/>
-              <a:t>6/3/2017</a:t>
+              <a:t>6/6/2017</a:t>
             </a:fld>
             <a:endParaRPr lang="en-US" dirty="0"/>
           </a:p>
@@ -3080,7 +3085,7 @@
           <a:lstStyle/>
           <a:p>
             <a:r>
-              <a:rPr lang="en-US" smtClean="0"/>
+              <a:rPr lang="en-US"/>
               <a:t>Click to edit Master title style</a:t>
             </a:r>
             <a:endParaRPr lang="en-US" dirty="0"/>
@@ -3109,35 +3114,35 @@
           <a:p>
             <a:pPr lvl="0"/>
             <a:r>
-              <a:rPr lang="en-US" smtClean="0"/>
+              <a:rPr lang="en-US"/>
               <a:t>Edit Master text styles</a:t>
             </a:r>
           </a:p>
           <a:p>
             <a:pPr lvl="1"/>
             <a:r>
-              <a:rPr lang="en-US" smtClean="0"/>
+              <a:rPr lang="en-US"/>
               <a:t>Second level</a:t>
             </a:r>
           </a:p>
           <a:p>
             <a:pPr lvl="2"/>
             <a:r>
-              <a:rPr lang="en-US" smtClean="0"/>
+              <a:rPr lang="en-US"/>
               <a:t>Third level</a:t>
             </a:r>
           </a:p>
           <a:p>
             <a:pPr lvl="3"/>
             <a:r>
-              <a:rPr lang="en-US" smtClean="0"/>
+              <a:rPr lang="en-US"/>
               <a:t>Fourth level</a:t>
             </a:r>
           </a:p>
           <a:p>
             <a:pPr lvl="4"/>
             <a:r>
-              <a:rPr lang="en-US" smtClean="0"/>
+              <a:rPr lang="en-US"/>
               <a:t>Fifth level</a:t>
             </a:r>
             <a:endParaRPr lang="en-US" dirty="0"/>
@@ -3161,7 +3166,7 @@
           <a:p>
             <a:fld id="{4509A250-FF31-4206-8172-F9D3106AACB1}" type="datetimeFigureOut">
               <a:rPr lang="en-US" dirty="0"/>
-              <a:t>6/3/2017</a:t>
+              <a:t>6/6/2017</a:t>
             </a:fld>
             <a:endParaRPr lang="en-US" dirty="0"/>
           </a:p>
@@ -3250,7 +3255,7 @@
           <a:lstStyle/>
           <a:p>
             <a:r>
-              <a:rPr lang="en-US" smtClean="0"/>
+              <a:rPr lang="en-US"/>
               <a:t>Click to edit Master title style</a:t>
             </a:r>
             <a:endParaRPr lang="en-US" dirty="0"/>
@@ -3274,35 +3279,35 @@
           <a:p>
             <a:pPr lvl="0"/>
             <a:r>
-              <a:rPr lang="en-US" smtClean="0"/>
+              <a:rPr lang="en-US"/>
               <a:t>Edit Master text styles</a:t>
             </a:r>
           </a:p>
           <a:p>
             <a:pPr lvl="1"/>
             <a:r>
-              <a:rPr lang="en-US" smtClean="0"/>
+              <a:rPr lang="en-US"/>
               <a:t>Second level</a:t>
             </a:r>
           </a:p>
           <a:p>
             <a:pPr lvl="2"/>
             <a:r>
-              <a:rPr lang="en-US" smtClean="0"/>
+              <a:rPr lang="en-US"/>
               <a:t>Third level</a:t>
             </a:r>
           </a:p>
           <a:p>
             <a:pPr lvl="3"/>
             <a:r>
-              <a:rPr lang="en-US" smtClean="0"/>
+              <a:rPr lang="en-US"/>
               <a:t>Fourth level</a:t>
             </a:r>
           </a:p>
           <a:p>
             <a:pPr lvl="4"/>
             <a:r>
-              <a:rPr lang="en-US" smtClean="0"/>
+              <a:rPr lang="en-US"/>
               <a:t>Fifth level</a:t>
             </a:r>
             <a:endParaRPr lang="en-US" dirty="0"/>
@@ -3326,7 +3331,7 @@
           <a:p>
             <a:fld id="{9796027F-7875-4030-9381-8BD8C4F21935}" type="datetimeFigureOut">
               <a:rPr lang="en-US" dirty="0"/>
-              <a:t>6/3/2017</a:t>
+              <a:t>6/6/2017</a:t>
             </a:fld>
             <a:endParaRPr lang="en-US" dirty="0"/>
           </a:p>
@@ -3424,7 +3429,7 @@
           </a:lstStyle>
           <a:p>
             <a:r>
-              <a:rPr lang="en-US" smtClean="0"/>
+              <a:rPr lang="en-US"/>
               <a:t>Click to edit Master title style</a:t>
             </a:r>
             <a:endParaRPr lang="en-US" dirty="0"/>
@@ -3545,7 +3550,7 @@
           <a:p>
             <a:pPr lvl="0"/>
             <a:r>
-              <a:rPr lang="en-US" smtClean="0"/>
+              <a:rPr lang="en-US"/>
               <a:t>Edit Master text styles</a:t>
             </a:r>
           </a:p>
@@ -3568,7 +3573,7 @@
           <a:p>
             <a:fld id="{9796027F-7875-4030-9381-8BD8C4F21935}" type="datetimeFigureOut">
               <a:rPr lang="en-US" dirty="0"/>
-              <a:t>6/3/2017</a:t>
+              <a:t>6/6/2017</a:t>
             </a:fld>
             <a:endParaRPr lang="en-US" dirty="0"/>
           </a:p>
@@ -3657,7 +3662,7 @@
           <a:lstStyle/>
           <a:p>
             <a:r>
-              <a:rPr lang="en-US" smtClean="0"/>
+              <a:rPr lang="en-US"/>
               <a:t>Click to edit Master title style</a:t>
             </a:r>
             <a:endParaRPr lang="en-US" dirty="0"/>
@@ -3716,35 +3721,35 @@
           <a:p>
             <a:pPr lvl="0"/>
             <a:r>
-              <a:rPr lang="en-US" smtClean="0"/>
+              <a:rPr lang="en-US"/>
               <a:t>Edit Master text styles</a:t>
             </a:r>
           </a:p>
           <a:p>
             <a:pPr lvl="1"/>
             <a:r>
-              <a:rPr lang="en-US" smtClean="0"/>
+              <a:rPr lang="en-US"/>
               <a:t>Second level</a:t>
             </a:r>
           </a:p>
           <a:p>
             <a:pPr lvl="2"/>
             <a:r>
-              <a:rPr lang="en-US" smtClean="0"/>
+              <a:rPr lang="en-US"/>
               <a:t>Third level</a:t>
             </a:r>
           </a:p>
           <a:p>
             <a:pPr lvl="3"/>
             <a:r>
-              <a:rPr lang="en-US" smtClean="0"/>
+              <a:rPr lang="en-US"/>
               <a:t>Fourth level</a:t>
             </a:r>
           </a:p>
           <a:p>
             <a:pPr lvl="4"/>
             <a:r>
-              <a:rPr lang="en-US" smtClean="0"/>
+              <a:rPr lang="en-US"/>
               <a:t>Fifth level</a:t>
             </a:r>
             <a:endParaRPr lang="en-US" dirty="0"/>
@@ -3803,35 +3808,35 @@
           <a:p>
             <a:pPr lvl="0"/>
             <a:r>
-              <a:rPr lang="en-US" smtClean="0"/>
+              <a:rPr lang="en-US"/>
               <a:t>Edit Master text styles</a:t>
             </a:r>
           </a:p>
           <a:p>
             <a:pPr lvl="1"/>
             <a:r>
-              <a:rPr lang="en-US" smtClean="0"/>
+              <a:rPr lang="en-US"/>
               <a:t>Second level</a:t>
             </a:r>
           </a:p>
           <a:p>
             <a:pPr lvl="2"/>
             <a:r>
-              <a:rPr lang="en-US" smtClean="0"/>
+              <a:rPr lang="en-US"/>
               <a:t>Third level</a:t>
             </a:r>
           </a:p>
           <a:p>
             <a:pPr lvl="3"/>
             <a:r>
-              <a:rPr lang="en-US" smtClean="0"/>
+              <a:rPr lang="en-US"/>
               <a:t>Fourth level</a:t>
             </a:r>
           </a:p>
           <a:p>
             <a:pPr lvl="4"/>
             <a:r>
-              <a:rPr lang="en-US" smtClean="0"/>
+              <a:rPr lang="en-US"/>
               <a:t>Fifth level</a:t>
             </a:r>
             <a:endParaRPr lang="en-US" dirty="0"/>
@@ -3855,7 +3860,7 @@
           <a:p>
             <a:fld id="{9796027F-7875-4030-9381-8BD8C4F21935}" type="datetimeFigureOut">
               <a:rPr lang="en-US" dirty="0"/>
-              <a:t>6/3/2017</a:t>
+              <a:t>6/6/2017</a:t>
             </a:fld>
             <a:endParaRPr lang="en-US" dirty="0"/>
           </a:p>
@@ -3948,7 +3953,7 @@
           </a:lstStyle>
           <a:p>
             <a:r>
-              <a:rPr lang="en-US" smtClean="0"/>
+              <a:rPr lang="en-US"/>
               <a:t>Click to edit Master title style</a:t>
             </a:r>
             <a:endParaRPr lang="en-US" dirty="0"/>
@@ -4023,7 +4028,7 @@
           <a:p>
             <a:pPr lvl="0"/>
             <a:r>
-              <a:rPr lang="en-US" smtClean="0"/>
+              <a:rPr lang="en-US"/>
               <a:t>Edit Master text styles</a:t>
             </a:r>
           </a:p>
@@ -4081,35 +4086,35 @@
           <a:p>
             <a:pPr lvl="0"/>
             <a:r>
-              <a:rPr lang="en-US" smtClean="0"/>
+              <a:rPr lang="en-US"/>
               <a:t>Edit Master text styles</a:t>
             </a:r>
           </a:p>
           <a:p>
             <a:pPr lvl="1"/>
             <a:r>
-              <a:rPr lang="en-US" smtClean="0"/>
+              <a:rPr lang="en-US"/>
               <a:t>Second level</a:t>
             </a:r>
           </a:p>
           <a:p>
             <a:pPr lvl="2"/>
             <a:r>
-              <a:rPr lang="en-US" smtClean="0"/>
+              <a:rPr lang="en-US"/>
               <a:t>Third level</a:t>
             </a:r>
           </a:p>
           <a:p>
             <a:pPr lvl="3"/>
             <a:r>
-              <a:rPr lang="en-US" smtClean="0"/>
+              <a:rPr lang="en-US"/>
               <a:t>Fourth level</a:t>
             </a:r>
           </a:p>
           <a:p>
             <a:pPr lvl="4"/>
             <a:r>
-              <a:rPr lang="en-US" smtClean="0"/>
+              <a:rPr lang="en-US"/>
               <a:t>Fifth level</a:t>
             </a:r>
             <a:endParaRPr lang="en-US" dirty="0"/>
@@ -4184,7 +4189,7 @@
           <a:p>
             <a:pPr lvl="0"/>
             <a:r>
-              <a:rPr lang="en-US" smtClean="0"/>
+              <a:rPr lang="en-US"/>
               <a:t>Edit Master text styles</a:t>
             </a:r>
           </a:p>
@@ -4242,35 +4247,35 @@
           <a:p>
             <a:pPr lvl="0"/>
             <a:r>
-              <a:rPr lang="en-US" smtClean="0"/>
+              <a:rPr lang="en-US"/>
               <a:t>Edit Master text styles</a:t>
             </a:r>
           </a:p>
           <a:p>
             <a:pPr lvl="1"/>
             <a:r>
-              <a:rPr lang="en-US" smtClean="0"/>
+              <a:rPr lang="en-US"/>
               <a:t>Second level</a:t>
             </a:r>
           </a:p>
           <a:p>
             <a:pPr lvl="2"/>
             <a:r>
-              <a:rPr lang="en-US" smtClean="0"/>
+              <a:rPr lang="en-US"/>
               <a:t>Third level</a:t>
             </a:r>
           </a:p>
           <a:p>
             <a:pPr lvl="3"/>
             <a:r>
-              <a:rPr lang="en-US" smtClean="0"/>
+              <a:rPr lang="en-US"/>
               <a:t>Fourth level</a:t>
             </a:r>
           </a:p>
           <a:p>
             <a:pPr lvl="4"/>
             <a:r>
-              <a:rPr lang="en-US" smtClean="0"/>
+              <a:rPr lang="en-US"/>
               <a:t>Fifth level</a:t>
             </a:r>
             <a:endParaRPr lang="en-US" dirty="0"/>
@@ -4294,7 +4299,7 @@
           <a:p>
             <a:fld id="{9796027F-7875-4030-9381-8BD8C4F21935}" type="datetimeFigureOut">
               <a:rPr lang="en-US" dirty="0"/>
-              <a:t>6/3/2017</a:t>
+              <a:t>6/6/2017</a:t>
             </a:fld>
             <a:endParaRPr lang="en-US" dirty="0"/>
           </a:p>
@@ -4383,7 +4388,7 @@
           <a:lstStyle/>
           <a:p>
             <a:r>
-              <a:rPr lang="en-US" smtClean="0"/>
+              <a:rPr lang="en-US"/>
               <a:t>Click to edit Master title style</a:t>
             </a:r>
             <a:endParaRPr lang="en-US" dirty="0"/>
@@ -4407,7 +4412,7 @@
           <a:p>
             <a:fld id="{4509A250-FF31-4206-8172-F9D3106AACB1}" type="datetimeFigureOut">
               <a:rPr lang="en-US" dirty="0"/>
-              <a:t>6/3/2017</a:t>
+              <a:t>6/6/2017</a:t>
             </a:fld>
             <a:endParaRPr lang="en-US" dirty="0"/>
           </a:p>
@@ -4497,7 +4502,7 @@
           <a:p>
             <a:fld id="{4509A250-FF31-4206-8172-F9D3106AACB1}" type="datetimeFigureOut">
               <a:rPr lang="en-US" dirty="0"/>
-              <a:t>6/3/2017</a:t>
+              <a:t>6/6/2017</a:t>
             </a:fld>
             <a:endParaRPr lang="en-US" dirty="0"/>
           </a:p>
@@ -4595,7 +4600,7 @@
           </a:lstStyle>
           <a:p>
             <a:r>
-              <a:rPr lang="en-US" smtClean="0"/>
+              <a:rPr lang="en-US"/>
               <a:t>Click to edit Master title style</a:t>
             </a:r>
             <a:endParaRPr lang="en-US" dirty="0"/>
@@ -4654,35 +4659,35 @@
           <a:p>
             <a:pPr lvl="0"/>
             <a:r>
-              <a:rPr lang="en-US" smtClean="0"/>
+              <a:rPr lang="en-US"/>
               <a:t>Edit Master text styles</a:t>
             </a:r>
           </a:p>
           <a:p>
             <a:pPr lvl="1"/>
             <a:r>
-              <a:rPr lang="en-US" smtClean="0"/>
+              <a:rPr lang="en-US"/>
               <a:t>Second level</a:t>
             </a:r>
           </a:p>
           <a:p>
             <a:pPr lvl="2"/>
             <a:r>
-              <a:rPr lang="en-US" smtClean="0"/>
+              <a:rPr lang="en-US"/>
               <a:t>Third level</a:t>
             </a:r>
           </a:p>
           <a:p>
             <a:pPr lvl="3"/>
             <a:r>
-              <a:rPr lang="en-US" smtClean="0"/>
+              <a:rPr lang="en-US"/>
               <a:t>Fourth level</a:t>
             </a:r>
           </a:p>
           <a:p>
             <a:pPr lvl="4"/>
             <a:r>
-              <a:rPr lang="en-US" smtClean="0"/>
+              <a:rPr lang="en-US"/>
               <a:t>Fifth level</a:t>
             </a:r>
             <a:endParaRPr lang="en-US" dirty="0"/>
@@ -4748,7 +4753,7 @@
           <a:p>
             <a:pPr lvl="0"/>
             <a:r>
-              <a:rPr lang="en-US" smtClean="0"/>
+              <a:rPr lang="en-US"/>
               <a:t>Edit Master text styles</a:t>
             </a:r>
           </a:p>
@@ -4771,7 +4776,7 @@
           <a:p>
             <a:fld id="{4509A250-FF31-4206-8172-F9D3106AACB1}" type="datetimeFigureOut">
               <a:rPr lang="en-US" dirty="0"/>
-              <a:t>6/3/2017</a:t>
+              <a:t>6/6/2017</a:t>
             </a:fld>
             <a:endParaRPr lang="en-US" dirty="0"/>
           </a:p>
@@ -4871,7 +4876,7 @@
           </a:lstStyle>
           <a:p>
             <a:r>
-              <a:rPr lang="en-US" smtClean="0"/>
+              <a:rPr lang="en-US"/>
               <a:t>Click to edit Master title style</a:t>
             </a:r>
             <a:endParaRPr lang="en-US" dirty="0"/>
@@ -4950,7 +4955,7 @@
           </a:lstStyle>
           <a:p>
             <a:r>
-              <a:rPr lang="en-US" smtClean="0"/>
+              <a:rPr lang="en-US"/>
               <a:t>Click icon to add picture</a:t>
             </a:r>
             <a:endParaRPr lang="en-US" dirty="0"/>
@@ -5018,7 +5023,7 @@
           <a:p>
             <a:pPr lvl="0"/>
             <a:r>
-              <a:rPr lang="en-US" smtClean="0"/>
+              <a:rPr lang="en-US"/>
               <a:t>Edit Master text styles</a:t>
             </a:r>
           </a:p>
@@ -5041,7 +5046,7 @@
           <a:p>
             <a:fld id="{4509A250-FF31-4206-8172-F9D3106AACB1}" type="datetimeFigureOut">
               <a:rPr lang="en-US" dirty="0"/>
-              <a:t>6/3/2017</a:t>
+              <a:t>6/6/2017</a:t>
             </a:fld>
             <a:endParaRPr lang="en-US" dirty="0"/>
           </a:p>
@@ -5354,7 +5359,7 @@
           <a:lstStyle/>
           <a:p>
             <a:r>
-              <a:rPr lang="en-US" smtClean="0"/>
+              <a:rPr lang="en-US"/>
               <a:t>Click to edit Master title style</a:t>
             </a:r>
             <a:endParaRPr lang="en-US" dirty="0"/>
@@ -5388,35 +5393,35 @@
           <a:p>
             <a:pPr lvl="0"/>
             <a:r>
-              <a:rPr lang="en-US" smtClean="0"/>
+              <a:rPr lang="en-US"/>
               <a:t>Edit Master text styles</a:t>
             </a:r>
           </a:p>
           <a:p>
             <a:pPr lvl="1"/>
             <a:r>
-              <a:rPr lang="en-US" smtClean="0"/>
+              <a:rPr lang="en-US"/>
               <a:t>Second level</a:t>
             </a:r>
           </a:p>
           <a:p>
             <a:pPr lvl="2"/>
             <a:r>
-              <a:rPr lang="en-US" smtClean="0"/>
+              <a:rPr lang="en-US"/>
               <a:t>Third level</a:t>
             </a:r>
           </a:p>
           <a:p>
             <a:pPr lvl="3"/>
             <a:r>
-              <a:rPr lang="en-US" smtClean="0"/>
+              <a:rPr lang="en-US"/>
               <a:t>Fourth level</a:t>
             </a:r>
           </a:p>
           <a:p>
             <a:pPr lvl="4"/>
             <a:r>
-              <a:rPr lang="en-US" smtClean="0"/>
+              <a:rPr lang="en-US"/>
               <a:t>Fifth level</a:t>
             </a:r>
             <a:endParaRPr lang="en-US" dirty="0"/>
@@ -5459,7 +5464,7 @@
           <a:p>
             <a:fld id="{4AAD347D-5ACD-4C99-B74B-A9C85AD731AF}" type="datetimeFigureOut">
               <a:rPr lang="en-US" dirty="0"/>
-              <a:t>6/3/2017</a:t>
+              <a:t>6/6/2017</a:t>
             </a:fld>
             <a:endParaRPr lang="en-US" dirty="0"/>
           </a:p>
@@ -5999,7 +6004,7 @@
           <a:lstStyle/>
           <a:p>
             <a:r>
-              <a:rPr lang="bs-Latn-BA" dirty="0" smtClean="0"/>
+              <a:rPr lang="bs-Latn-BA" dirty="0"/>
               <a:t>Game Shop</a:t>
             </a:r>
             <a:endParaRPr lang="en-US" dirty="0"/>
@@ -6022,13 +6027,13 @@
           <a:lstStyle/>
           <a:p>
             <a:r>
-              <a:rPr lang="bs-Latn-BA" dirty="0" smtClean="0"/>
-              <a:t>Ahmedspahić Jan</a:t>
-            </a:r>
-          </a:p>
-          <a:p>
-            <a:r>
-              <a:rPr lang="bs-Latn-BA" dirty="0" smtClean="0"/>
+              <a:rPr lang="bs-Latn-BA" dirty="0"/>
+              <a:t>AhmeTspahić Jan</a:t>
+            </a:r>
+          </a:p>
+          <a:p>
+            <a:r>
+              <a:rPr lang="bs-Latn-BA" dirty="0"/>
               <a:t>Talić Azur</a:t>
             </a:r>
             <a:endParaRPr lang="en-US" dirty="0"/>
@@ -6086,7 +6091,7 @@
           <a:lstStyle/>
           <a:p>
             <a:r>
-              <a:rPr lang="bs-Latn-BA" dirty="0" smtClean="0"/>
+              <a:rPr lang="bs-Latn-BA" dirty="0"/>
               <a:t>Use case dijagram</a:t>
             </a:r>
             <a:endParaRPr lang="en-US" dirty="0"/>
@@ -6173,7 +6178,7 @@
           <a:lstStyle/>
           <a:p>
             <a:r>
-              <a:rPr lang="bs-Latn-BA" dirty="0" smtClean="0"/>
+              <a:rPr lang="bs-Latn-BA" dirty="0"/>
               <a:t>Opis use case dijagrama</a:t>
             </a:r>
             <a:endParaRPr lang="en-US" dirty="0"/>
@@ -6229,7 +6234,7 @@
                     <a:p>
                       <a:pPr algn="l"/>
                       <a:r>
-                        <a:rPr lang="bs-Latn-BA" sz="1400" dirty="0" smtClean="0"/>
+                        <a:rPr lang="bs-Latn-BA" sz="1400" dirty="0"/>
                         <a:t>Naziv</a:t>
                       </a:r>
                       <a:endParaRPr lang="en-US" sz="1400" dirty="0"/>
@@ -6244,19 +6249,19 @@
                     <a:p>
                       <a:pPr algn="l"/>
                       <a:r>
-                        <a:rPr lang="en-US" sz="1400" dirty="0" smtClean="0"/>
+                        <a:rPr lang="en-US" sz="1400" dirty="0"/>
                         <a:t>Online </a:t>
                       </a:r>
                       <a:r>
-                        <a:rPr lang="en-US" sz="1400" dirty="0" err="1" smtClean="0"/>
+                        <a:rPr lang="en-US" sz="1400" dirty="0" err="1"/>
                         <a:t>kupovina</a:t>
                       </a:r>
                       <a:r>
-                        <a:rPr lang="en-US" sz="1400" dirty="0" smtClean="0"/>
+                        <a:rPr lang="en-US" sz="1400" dirty="0"/>
                         <a:t>/</a:t>
                       </a:r>
                       <a:r>
-                        <a:rPr lang="en-US" sz="1400" dirty="0" err="1" smtClean="0"/>
+                        <a:rPr lang="en-US" sz="1400" dirty="0" err="1"/>
                         <a:t>prodaja</a:t>
                       </a:r>
                       <a:endParaRPr lang="en-US" sz="1400" dirty="0"/>
@@ -6278,7 +6283,7 @@
                     <a:p>
                       <a:pPr algn="l"/>
                       <a:r>
-                        <a:rPr lang="bs-Latn-BA" sz="1400" dirty="0" smtClean="0"/>
+                        <a:rPr lang="bs-Latn-BA" sz="1400" dirty="0"/>
                         <a:t>Opis</a:t>
                       </a:r>
                       <a:endParaRPr lang="en-US" sz="1400" dirty="0"/>
@@ -6293,23 +6298,23 @@
                     <a:p>
                       <a:pPr algn="l"/>
                       <a:r>
-                        <a:rPr lang="en-US" sz="1400" dirty="0" err="1" smtClean="0"/>
+                        <a:rPr lang="en-US" sz="1400" dirty="0" err="1"/>
                         <a:t>Kupovina</a:t>
                       </a:r>
                       <a:r>
-                        <a:rPr lang="en-US" sz="1400" dirty="0" smtClean="0"/>
+                        <a:rPr lang="en-US" sz="1400" dirty="0"/>
                         <a:t> </a:t>
                       </a:r>
                       <a:r>
-                        <a:rPr lang="en-US" sz="1400" dirty="0" err="1" smtClean="0"/>
+                        <a:rPr lang="en-US" sz="1400" dirty="0" err="1"/>
                         <a:t>artikla</a:t>
                       </a:r>
                       <a:r>
-                        <a:rPr lang="en-US" sz="1400" dirty="0" smtClean="0"/>
+                        <a:rPr lang="en-US" sz="1400" dirty="0"/>
                         <a:t> online </a:t>
                       </a:r>
                       <a:r>
-                        <a:rPr lang="en-US" sz="1400" dirty="0" err="1" smtClean="0"/>
+                        <a:rPr lang="en-US" sz="1400" dirty="0" err="1"/>
                         <a:t>metodom</a:t>
                       </a:r>
                       <a:endParaRPr lang="en-US" sz="1400" dirty="0"/>
@@ -6331,7 +6336,7 @@
                     <a:p>
                       <a:pPr algn="l"/>
                       <a:r>
-                        <a:rPr lang="bs-Latn-BA" sz="1400" dirty="0" smtClean="0"/>
+                        <a:rPr lang="bs-Latn-BA" sz="1400" dirty="0"/>
                         <a:t>Vezani zahtjevi</a:t>
                       </a:r>
                       <a:endParaRPr lang="en-US" sz="1400" dirty="0"/>
@@ -6346,63 +6351,63 @@
                     <a:p>
                       <a:pPr algn="l"/>
                       <a:r>
-                        <a:rPr lang="en-US" sz="1400" dirty="0" err="1" smtClean="0"/>
+                        <a:rPr lang="en-US" sz="1400" dirty="0" err="1"/>
                         <a:t>Kupac</a:t>
                       </a:r>
                       <a:r>
-                        <a:rPr lang="en-US" sz="1400" dirty="0" smtClean="0"/>
+                        <a:rPr lang="en-US" sz="1400" dirty="0"/>
                         <a:t>/</a:t>
                       </a:r>
                       <a:r>
-                        <a:rPr lang="en-US" sz="1400" dirty="0" err="1" smtClean="0"/>
+                        <a:rPr lang="en-US" sz="1400" dirty="0" err="1"/>
                         <a:t>korisnik</a:t>
                       </a:r>
                       <a:r>
-                        <a:rPr lang="en-US" sz="1400" dirty="0" smtClean="0"/>
+                        <a:rPr lang="en-US" sz="1400" dirty="0"/>
                         <a:t> </a:t>
                       </a:r>
                       <a:r>
-                        <a:rPr lang="en-US" sz="1400" dirty="0" err="1" smtClean="0"/>
+                        <a:rPr lang="en-US" sz="1400" dirty="0" err="1"/>
                         <a:t>želi</a:t>
                       </a:r>
                       <a:r>
-                        <a:rPr lang="en-US" sz="1400" dirty="0" smtClean="0"/>
+                        <a:rPr lang="en-US" sz="1400" dirty="0"/>
                         <a:t> </a:t>
                       </a:r>
                       <a:r>
-                        <a:rPr lang="en-US" sz="1400" dirty="0" err="1" smtClean="0"/>
+                        <a:rPr lang="en-US" sz="1400" dirty="0" err="1"/>
                         <a:t>kupiti</a:t>
                       </a:r>
                       <a:r>
-                        <a:rPr lang="en-US" sz="1400" dirty="0" smtClean="0"/>
+                        <a:rPr lang="en-US" sz="1400" dirty="0"/>
                         <a:t>/</a:t>
                       </a:r>
                       <a:r>
-                        <a:rPr lang="en-US" sz="1400" dirty="0" err="1" smtClean="0"/>
+                        <a:rPr lang="en-US" sz="1400" dirty="0" err="1"/>
                         <a:t>vratiti</a:t>
                       </a:r>
                       <a:r>
-                        <a:rPr lang="en-US" sz="1400" dirty="0" smtClean="0"/>
+                        <a:rPr lang="en-US" sz="1400" dirty="0"/>
                         <a:t> </a:t>
                       </a:r>
                       <a:r>
-                        <a:rPr lang="en-US" sz="1400" dirty="0" err="1" smtClean="0"/>
+                        <a:rPr lang="en-US" sz="1400" dirty="0" err="1"/>
                         <a:t>robu</a:t>
                       </a:r>
                       <a:r>
-                        <a:rPr lang="en-US" sz="1400" dirty="0" smtClean="0"/>
+                        <a:rPr lang="en-US" sz="1400" dirty="0"/>
                         <a:t>/</a:t>
                       </a:r>
                       <a:r>
-                        <a:rPr lang="en-US" sz="1400" dirty="0" err="1" smtClean="0"/>
+                        <a:rPr lang="en-US" sz="1400" dirty="0" err="1"/>
                         <a:t>kupiti</a:t>
                       </a:r>
                       <a:r>
-                        <a:rPr lang="en-US" sz="1400" dirty="0" smtClean="0"/>
+                        <a:rPr lang="en-US" sz="1400" dirty="0"/>
                         <a:t> premium membership </a:t>
                       </a:r>
                       <a:r>
-                        <a:rPr lang="en-US" sz="1400" dirty="0" err="1" smtClean="0"/>
+                        <a:rPr lang="en-US" sz="1400" dirty="0" err="1"/>
                         <a:t>kartu</a:t>
                       </a:r>
                       <a:endParaRPr lang="en-US" sz="1400" dirty="0"/>
@@ -6424,7 +6429,7 @@
                     <a:p>
                       <a:pPr algn="l"/>
                       <a:r>
-                        <a:rPr lang="bs-Latn-BA" sz="1400" dirty="0" smtClean="0"/>
+                        <a:rPr lang="bs-Latn-BA" sz="1400" dirty="0"/>
                         <a:t>Preduvjeti</a:t>
                       </a:r>
                       <a:endParaRPr lang="en-US" sz="1400" dirty="0"/>
@@ -6439,95 +6444,95 @@
                     <a:p>
                       <a:pPr algn="l"/>
                       <a:r>
-                        <a:rPr lang="en-US" sz="1400" dirty="0" err="1" smtClean="0"/>
+                        <a:rPr lang="en-US" sz="1400" dirty="0" err="1"/>
                         <a:t>Kupac</a:t>
                       </a:r>
                       <a:r>
-                        <a:rPr lang="en-US" sz="1400" dirty="0" smtClean="0"/>
+                        <a:rPr lang="en-US" sz="1400" dirty="0"/>
                         <a:t> </a:t>
                       </a:r>
                       <a:r>
-                        <a:rPr lang="en-US" sz="1400" dirty="0" err="1" smtClean="0"/>
+                        <a:rPr lang="en-US" sz="1400" dirty="0" err="1"/>
                         <a:t>ima</a:t>
                       </a:r>
                       <a:r>
-                        <a:rPr lang="en-US" sz="1400" dirty="0" smtClean="0"/>
+                        <a:rPr lang="en-US" sz="1400" dirty="0"/>
                         <a:t> </a:t>
                       </a:r>
                       <a:r>
-                        <a:rPr lang="en-US" sz="1400" dirty="0" err="1" smtClean="0"/>
+                        <a:rPr lang="en-US" sz="1400" dirty="0" err="1"/>
                         <a:t>dovoljno</a:t>
                       </a:r>
                       <a:r>
-                        <a:rPr lang="en-US" sz="1400" dirty="0" smtClean="0"/>
+                        <a:rPr lang="en-US" sz="1400" dirty="0"/>
                         <a:t> </a:t>
                       </a:r>
                       <a:r>
-                        <a:rPr lang="en-US" sz="1400" dirty="0" err="1" smtClean="0"/>
+                        <a:rPr lang="en-US" sz="1400" dirty="0" err="1"/>
                         <a:t>sredstava</a:t>
                       </a:r>
                       <a:r>
-                        <a:rPr lang="en-US" sz="1400" dirty="0" smtClean="0"/>
+                        <a:rPr lang="en-US" sz="1400" dirty="0"/>
                         <a:t> </a:t>
                       </a:r>
                       <a:r>
-                        <a:rPr lang="en-US" sz="1400" dirty="0" err="1" smtClean="0"/>
+                        <a:rPr lang="en-US" sz="1400" dirty="0" err="1"/>
                         <a:t>na</a:t>
                       </a:r>
                       <a:r>
-                        <a:rPr lang="en-US" sz="1400" dirty="0" smtClean="0"/>
+                        <a:rPr lang="en-US" sz="1400" dirty="0"/>
                         <a:t> </a:t>
                       </a:r>
                       <a:r>
-                        <a:rPr lang="en-US" sz="1400" dirty="0" err="1" smtClean="0"/>
+                        <a:rPr lang="en-US" sz="1400" dirty="0" err="1"/>
                         <a:t>kartici</a:t>
                       </a:r>
                       <a:r>
-                        <a:rPr lang="en-US" sz="1400" dirty="0" smtClean="0"/>
+                        <a:rPr lang="en-US" sz="1400" dirty="0"/>
                         <a:t> </a:t>
                       </a:r>
                       <a:r>
-                        <a:rPr lang="en-US" sz="1400" dirty="0" err="1" smtClean="0"/>
+                        <a:rPr lang="en-US" sz="1400" dirty="0" err="1"/>
                         <a:t>ili</a:t>
                       </a:r>
                       <a:r>
-                        <a:rPr lang="en-US" sz="1400" dirty="0" smtClean="0"/>
+                        <a:rPr lang="en-US" sz="1400" dirty="0"/>
                         <a:t> </a:t>
                       </a:r>
                       <a:r>
-                        <a:rPr lang="en-US" sz="1400" dirty="0" err="1" smtClean="0"/>
+                        <a:rPr lang="en-US" sz="1400" dirty="0" err="1"/>
                         <a:t>posjeduje</a:t>
                       </a:r>
                       <a:r>
-                        <a:rPr lang="en-US" sz="1400" dirty="0" smtClean="0"/>
+                        <a:rPr lang="en-US" sz="1400" dirty="0"/>
                         <a:t> </a:t>
                       </a:r>
                       <a:r>
-                        <a:rPr lang="en-US" sz="1400" dirty="0" err="1" smtClean="0"/>
+                        <a:rPr lang="en-US" sz="1400" dirty="0" err="1"/>
                         <a:t>robu</a:t>
                       </a:r>
                       <a:r>
-                        <a:rPr lang="en-US" sz="1400" dirty="0" smtClean="0"/>
+                        <a:rPr lang="en-US" sz="1400" dirty="0"/>
                         <a:t> </a:t>
                       </a:r>
                       <a:r>
-                        <a:rPr lang="en-US" sz="1400" dirty="0" err="1" smtClean="0"/>
+                        <a:rPr lang="en-US" sz="1400" dirty="0" err="1"/>
                         <a:t>koju</a:t>
                       </a:r>
                       <a:r>
-                        <a:rPr lang="en-US" sz="1400" dirty="0" smtClean="0"/>
+                        <a:rPr lang="en-US" sz="1400" dirty="0"/>
                         <a:t> </a:t>
                       </a:r>
                       <a:r>
-                        <a:rPr lang="en-US" sz="1400" dirty="0" err="1" smtClean="0"/>
+                        <a:rPr lang="en-US" sz="1400" dirty="0" err="1"/>
                         <a:t>želi</a:t>
                       </a:r>
                       <a:r>
-                        <a:rPr lang="en-US" sz="1400" dirty="0" smtClean="0"/>
+                        <a:rPr lang="en-US" sz="1400" dirty="0"/>
                         <a:t> </a:t>
                       </a:r>
                       <a:r>
-                        <a:rPr lang="en-US" sz="1400" dirty="0" err="1" smtClean="0"/>
+                        <a:rPr lang="en-US" sz="1400" dirty="0" err="1"/>
                         <a:t>vratiti</a:t>
                       </a:r>
                       <a:endParaRPr lang="en-US" sz="1400" dirty="0"/>
@@ -6549,15 +6554,15 @@
                     <a:p>
                       <a:pPr algn="l"/>
                       <a:r>
-                        <a:rPr lang="en-US" sz="1400" dirty="0" err="1" smtClean="0"/>
+                        <a:rPr lang="en-US" sz="1400" dirty="0" err="1"/>
                         <a:t>Posljedice-uspješan</a:t>
                       </a:r>
                       <a:r>
-                        <a:rPr lang="en-US" sz="1400" dirty="0" smtClean="0"/>
+                        <a:rPr lang="en-US" sz="1400" dirty="0"/>
                         <a:t> </a:t>
                       </a:r>
                       <a:r>
-                        <a:rPr lang="en-US" sz="1400" dirty="0" err="1" smtClean="0"/>
+                        <a:rPr lang="en-US" sz="1400" dirty="0" err="1"/>
                         <a:t>završetak</a:t>
                       </a:r>
                       <a:endParaRPr lang="en-US" sz="1400" dirty="0"/>
@@ -6572,151 +6577,151 @@
                     <a:p>
                       <a:pPr algn="l"/>
                       <a:r>
-                        <a:rPr lang="en-US" sz="1400" dirty="0" err="1" smtClean="0"/>
+                        <a:rPr lang="en-US" sz="1400" dirty="0" err="1"/>
                         <a:t>Kupac</a:t>
                       </a:r>
                       <a:r>
-                        <a:rPr lang="en-US" sz="1400" dirty="0" smtClean="0"/>
+                        <a:rPr lang="en-US" sz="1400" dirty="0"/>
                         <a:t> je </a:t>
                       </a:r>
                       <a:r>
-                        <a:rPr lang="en-US" sz="1400" dirty="0" err="1" smtClean="0"/>
+                        <a:rPr lang="en-US" sz="1400" dirty="0" err="1"/>
                         <a:t>platio</a:t>
                       </a:r>
                       <a:r>
-                        <a:rPr lang="en-US" sz="1400" dirty="0" smtClean="0"/>
+                        <a:rPr lang="en-US" sz="1400" dirty="0"/>
                         <a:t> </a:t>
                       </a:r>
                       <a:r>
-                        <a:rPr lang="en-US" sz="1400" dirty="0" err="1" smtClean="0"/>
+                        <a:rPr lang="en-US" sz="1400" dirty="0" err="1"/>
                         <a:t>za</a:t>
                       </a:r>
                       <a:r>
-                        <a:rPr lang="en-US" sz="1400" dirty="0" smtClean="0"/>
+                        <a:rPr lang="en-US" sz="1400" dirty="0"/>
                         <a:t> </a:t>
                       </a:r>
                       <a:r>
-                        <a:rPr lang="en-US" sz="1400" dirty="0" err="1" smtClean="0"/>
+                        <a:rPr lang="en-US" sz="1400" dirty="0" err="1"/>
                         <a:t>neku</a:t>
                       </a:r>
                       <a:r>
-                        <a:rPr lang="en-US" sz="1400" dirty="0" smtClean="0"/>
+                        <a:rPr lang="en-US" sz="1400" dirty="0"/>
                         <a:t> </a:t>
                       </a:r>
                       <a:r>
-                        <a:rPr lang="en-US" sz="1400" dirty="0" err="1" smtClean="0"/>
+                        <a:rPr lang="en-US" sz="1400" dirty="0" err="1"/>
                         <a:t>robu</a:t>
                       </a:r>
                       <a:r>
-                        <a:rPr lang="en-US" sz="1400" dirty="0" smtClean="0"/>
+                        <a:rPr lang="en-US" sz="1400" dirty="0"/>
                         <a:t> </a:t>
                       </a:r>
                       <a:r>
-                        <a:rPr lang="en-US" sz="1400" dirty="0" err="1" smtClean="0"/>
+                        <a:rPr lang="en-US" sz="1400" dirty="0" err="1"/>
                         <a:t>i</a:t>
                       </a:r>
                       <a:r>
-                        <a:rPr lang="en-US" sz="1400" dirty="0" smtClean="0"/>
+                        <a:rPr lang="en-US" sz="1400" dirty="0"/>
                         <a:t> </a:t>
                       </a:r>
                       <a:r>
-                        <a:rPr lang="en-US" sz="1400" dirty="0" err="1" smtClean="0"/>
+                        <a:rPr lang="en-US" sz="1400" dirty="0" err="1"/>
                         <a:t>čeka</a:t>
                       </a:r>
                       <a:r>
-                        <a:rPr lang="en-US" sz="1400" dirty="0" smtClean="0"/>
+                        <a:rPr lang="en-US" sz="1400" dirty="0"/>
                         <a:t> </a:t>
                       </a:r>
                       <a:r>
-                        <a:rPr lang="en-US" sz="1400" dirty="0" err="1" smtClean="0"/>
+                        <a:rPr lang="en-US" sz="1400" dirty="0" err="1"/>
                         <a:t>isporuku</a:t>
                       </a:r>
                       <a:r>
-                        <a:rPr lang="en-US" sz="1400" dirty="0" smtClean="0"/>
+                        <a:rPr lang="en-US" sz="1400" dirty="0"/>
                         <a:t> </a:t>
                       </a:r>
                       <a:r>
-                        <a:rPr lang="en-US" sz="1400" dirty="0" err="1" smtClean="0"/>
+                        <a:rPr lang="en-US" sz="1400" dirty="0" err="1"/>
                         <a:t>ili</a:t>
                       </a:r>
                       <a:r>
-                        <a:rPr lang="en-US" sz="1400" dirty="0" smtClean="0"/>
+                        <a:rPr lang="en-US" sz="1400" dirty="0"/>
                         <a:t> je </a:t>
                       </a:r>
                       <a:r>
-                        <a:rPr lang="en-US" sz="1400" dirty="0" err="1" smtClean="0"/>
+                        <a:rPr lang="en-US" sz="1400" dirty="0" err="1"/>
                         <a:t>kupio</a:t>
                       </a:r>
                       <a:r>
-                        <a:rPr lang="en-US" sz="1400" dirty="0" smtClean="0"/>
+                        <a:rPr lang="en-US" sz="1400" dirty="0"/>
                         <a:t> premium </a:t>
                       </a:r>
                       <a:r>
-                        <a:rPr lang="en-US" sz="1400" dirty="0" err="1" smtClean="0"/>
+                        <a:rPr lang="en-US" sz="1400" dirty="0" err="1"/>
                         <a:t>kartu</a:t>
                       </a:r>
                       <a:r>
-                        <a:rPr lang="en-US" sz="1400" dirty="0" smtClean="0"/>
+                        <a:rPr lang="en-US" sz="1400" dirty="0"/>
                         <a:t> </a:t>
                       </a:r>
                       <a:r>
-                        <a:rPr lang="en-US" sz="1400" dirty="0" err="1" smtClean="0"/>
+                        <a:rPr lang="en-US" sz="1400" dirty="0" err="1"/>
                         <a:t>ili</a:t>
                       </a:r>
                       <a:r>
-                        <a:rPr lang="en-US" sz="1400" dirty="0" smtClean="0"/>
+                        <a:rPr lang="en-US" sz="1400" dirty="0"/>
                         <a:t> </a:t>
                       </a:r>
                       <a:r>
-                        <a:rPr lang="en-US" sz="1400" dirty="0" err="1" smtClean="0"/>
+                        <a:rPr lang="en-US" sz="1400" dirty="0" err="1"/>
                         <a:t>uspješno</a:t>
                       </a:r>
                       <a:r>
-                        <a:rPr lang="en-US" sz="1400" dirty="0" smtClean="0"/>
+                        <a:rPr lang="en-US" sz="1400" dirty="0"/>
                         <a:t> je </a:t>
                       </a:r>
                       <a:r>
-                        <a:rPr lang="en-US" sz="1400" dirty="0" err="1" smtClean="0"/>
+                        <a:rPr lang="en-US" sz="1400" dirty="0" err="1"/>
                         <a:t>vratio</a:t>
                       </a:r>
                       <a:r>
-                        <a:rPr lang="en-US" sz="1400" dirty="0" smtClean="0"/>
+                        <a:rPr lang="en-US" sz="1400" dirty="0"/>
                         <a:t> </a:t>
                       </a:r>
                       <a:r>
-                        <a:rPr lang="en-US" sz="1400" dirty="0" err="1" smtClean="0"/>
+                        <a:rPr lang="en-US" sz="1400" dirty="0" err="1"/>
                         <a:t>robu</a:t>
                       </a:r>
                       <a:r>
-                        <a:rPr lang="en-US" sz="1400" dirty="0" smtClean="0"/>
+                        <a:rPr lang="en-US" sz="1400" dirty="0"/>
                         <a:t> </a:t>
                       </a:r>
                       <a:r>
-                        <a:rPr lang="en-US" sz="1400" dirty="0" err="1" smtClean="0"/>
+                        <a:rPr lang="en-US" sz="1400" dirty="0" err="1"/>
                         <a:t>i</a:t>
                       </a:r>
                       <a:r>
-                        <a:rPr lang="en-US" sz="1400" dirty="0" smtClean="0"/>
+                        <a:rPr lang="en-US" sz="1400" dirty="0"/>
                         <a:t> </a:t>
                       </a:r>
                       <a:r>
-                        <a:rPr lang="en-US" sz="1400" dirty="0" err="1" smtClean="0"/>
+                        <a:rPr lang="en-US" sz="1400" dirty="0" err="1"/>
                         <a:t>primio</a:t>
                       </a:r>
                       <a:r>
-                        <a:rPr lang="en-US" sz="1400" dirty="0" smtClean="0"/>
+                        <a:rPr lang="en-US" sz="1400" dirty="0"/>
                         <a:t> </a:t>
                       </a:r>
                       <a:r>
-                        <a:rPr lang="en-US" sz="1400" dirty="0" err="1" smtClean="0"/>
+                        <a:rPr lang="en-US" sz="1400" dirty="0" err="1"/>
                         <a:t>nazad</a:t>
                       </a:r>
                       <a:r>
-                        <a:rPr lang="en-US" sz="1400" dirty="0" smtClean="0"/>
+                        <a:rPr lang="en-US" sz="1400" dirty="0"/>
                         <a:t> </a:t>
                       </a:r>
                       <a:r>
-                        <a:rPr lang="en-US" sz="1400" dirty="0" err="1" smtClean="0"/>
+                        <a:rPr lang="en-US" sz="1400" dirty="0" err="1"/>
                         <a:t>novac</a:t>
                       </a:r>
                       <a:endParaRPr lang="en-US" sz="1400" dirty="0"/>
@@ -6738,15 +6743,15 @@
                     <a:p>
                       <a:pPr algn="l"/>
                       <a:r>
-                        <a:rPr lang="en-US" sz="1400" dirty="0" err="1" smtClean="0"/>
+                        <a:rPr lang="en-US" sz="1400" dirty="0" err="1"/>
                         <a:t>Posljedice-neuspješan</a:t>
                       </a:r>
                       <a:r>
-                        <a:rPr lang="en-US" sz="1400" dirty="0" smtClean="0"/>
+                        <a:rPr lang="en-US" sz="1400" dirty="0"/>
                         <a:t> </a:t>
                       </a:r>
                       <a:r>
-                        <a:rPr lang="en-US" sz="1400" dirty="0" err="1" smtClean="0"/>
+                        <a:rPr lang="en-US" sz="1400" dirty="0" err="1"/>
                         <a:t>završetak</a:t>
                       </a:r>
                       <a:endParaRPr lang="en-US" sz="1400" dirty="0"/>
@@ -6761,135 +6766,135 @@
                     <a:p>
                       <a:pPr algn="l"/>
                       <a:r>
-                        <a:rPr lang="en-US" sz="1400" dirty="0" err="1" smtClean="0"/>
+                        <a:rPr lang="en-US" sz="1400" dirty="0" err="1"/>
                         <a:t>Kupac</a:t>
                       </a:r>
                       <a:r>
-                        <a:rPr lang="en-US" sz="1400" dirty="0" smtClean="0"/>
+                        <a:rPr lang="en-US" sz="1400" dirty="0"/>
                         <a:t> </a:t>
                       </a:r>
                       <a:r>
-                        <a:rPr lang="en-US" sz="1400" dirty="0" err="1" smtClean="0"/>
+                        <a:rPr lang="en-US" sz="1400" dirty="0" err="1"/>
                         <a:t>nije</a:t>
                       </a:r>
                       <a:r>
-                        <a:rPr lang="en-US" sz="1400" dirty="0" smtClean="0"/>
+                        <a:rPr lang="en-US" sz="1400" dirty="0"/>
                         <a:t> </a:t>
                       </a:r>
                       <a:r>
-                        <a:rPr lang="en-US" sz="1400" dirty="0" err="1" smtClean="0"/>
+                        <a:rPr lang="en-US" sz="1400" dirty="0" err="1"/>
                         <a:t>uspio</a:t>
                       </a:r>
                       <a:r>
-                        <a:rPr lang="en-US" sz="1400" dirty="0" smtClean="0"/>
+                        <a:rPr lang="en-US" sz="1400" dirty="0"/>
                         <a:t> </a:t>
                       </a:r>
                       <a:r>
-                        <a:rPr lang="en-US" sz="1400" dirty="0" err="1" smtClean="0"/>
+                        <a:rPr lang="en-US" sz="1400" dirty="0" err="1"/>
                         <a:t>platiti</a:t>
                       </a:r>
                       <a:r>
-                        <a:rPr lang="en-US" sz="1400" dirty="0" smtClean="0"/>
+                        <a:rPr lang="en-US" sz="1400" dirty="0"/>
                         <a:t> </a:t>
                       </a:r>
                       <a:r>
-                        <a:rPr lang="en-US" sz="1400" dirty="0" err="1" smtClean="0"/>
+                        <a:rPr lang="en-US" sz="1400" dirty="0" err="1"/>
                         <a:t>za</a:t>
                       </a:r>
                       <a:r>
-                        <a:rPr lang="en-US" sz="1400" dirty="0" smtClean="0"/>
+                        <a:rPr lang="en-US" sz="1400" dirty="0"/>
                         <a:t> </a:t>
                       </a:r>
                       <a:r>
-                        <a:rPr lang="en-US" sz="1400" dirty="0" err="1" smtClean="0"/>
+                        <a:rPr lang="en-US" sz="1400" dirty="0" err="1"/>
                         <a:t>robu</a:t>
                       </a:r>
                       <a:r>
-                        <a:rPr lang="en-US" sz="1400" dirty="0" smtClean="0"/>
+                        <a:rPr lang="en-US" sz="1400" dirty="0"/>
                         <a:t>/</a:t>
                       </a:r>
                       <a:r>
-                        <a:rPr lang="en-US" sz="1400" dirty="0" err="1" smtClean="0"/>
+                        <a:rPr lang="en-US" sz="1400" dirty="0" err="1"/>
                         <a:t>kartu</a:t>
                       </a:r>
                       <a:r>
-                        <a:rPr lang="en-US" sz="1400" dirty="0" smtClean="0"/>
+                        <a:rPr lang="en-US" sz="1400" dirty="0"/>
                         <a:t>, </a:t>
                       </a:r>
                       <a:r>
-                        <a:rPr lang="en-US" sz="1400" dirty="0" err="1" smtClean="0"/>
+                        <a:rPr lang="en-US" sz="1400" dirty="0" err="1"/>
                         <a:t>nema</a:t>
                       </a:r>
                       <a:r>
-                        <a:rPr lang="en-US" sz="1400" dirty="0" smtClean="0"/>
+                        <a:rPr lang="en-US" sz="1400" dirty="0"/>
                         <a:t> </a:t>
                       </a:r>
                       <a:r>
-                        <a:rPr lang="en-US" sz="1400" dirty="0" err="1" smtClean="0"/>
+                        <a:rPr lang="en-US" sz="1400" dirty="0" err="1"/>
                         <a:t>trenutne</a:t>
                       </a:r>
                       <a:r>
-                        <a:rPr lang="en-US" sz="1400" dirty="0" smtClean="0"/>
+                        <a:rPr lang="en-US" sz="1400" dirty="0"/>
                         <a:t> robe </a:t>
                       </a:r>
                       <a:r>
-                        <a:rPr lang="en-US" sz="1400" dirty="0" err="1" smtClean="0"/>
+                        <a:rPr lang="en-US" sz="1400" dirty="0" err="1"/>
                         <a:t>na</a:t>
                       </a:r>
                       <a:r>
-                        <a:rPr lang="en-US" sz="1400" dirty="0" smtClean="0"/>
+                        <a:rPr lang="en-US" sz="1400" dirty="0"/>
                         <a:t> </a:t>
                       </a:r>
                       <a:r>
-                        <a:rPr lang="en-US" sz="1400" dirty="0" err="1" smtClean="0"/>
+                        <a:rPr lang="en-US" sz="1400" dirty="0" err="1"/>
                         <a:t>raspolaganju</a:t>
                       </a:r>
                       <a:r>
-                        <a:rPr lang="en-US" sz="1400" dirty="0" smtClean="0"/>
+                        <a:rPr lang="en-US" sz="1400" dirty="0"/>
                         <a:t>, ne </a:t>
                       </a:r>
                       <a:r>
-                        <a:rPr lang="en-US" sz="1400" dirty="0" err="1" smtClean="0"/>
+                        <a:rPr lang="en-US" sz="1400" dirty="0" err="1"/>
                         <a:t>posjeduje</a:t>
                       </a:r>
                       <a:r>
-                        <a:rPr lang="en-US" sz="1400" dirty="0" smtClean="0"/>
+                        <a:rPr lang="en-US" sz="1400" dirty="0"/>
                         <a:t> </a:t>
                       </a:r>
                       <a:r>
-                        <a:rPr lang="en-US" sz="1400" dirty="0" err="1" smtClean="0"/>
+                        <a:rPr lang="en-US" sz="1400" dirty="0" err="1"/>
                         <a:t>robu</a:t>
                       </a:r>
                       <a:r>
-                        <a:rPr lang="en-US" sz="1400" dirty="0" smtClean="0"/>
+                        <a:rPr lang="en-US" sz="1400" dirty="0"/>
                         <a:t> </a:t>
                       </a:r>
                       <a:r>
-                        <a:rPr lang="en-US" sz="1400" dirty="0" err="1" smtClean="0"/>
+                        <a:rPr lang="en-US" sz="1400" dirty="0" err="1"/>
                         <a:t>koju</a:t>
                       </a:r>
                       <a:r>
-                        <a:rPr lang="en-US" sz="1400" dirty="0" smtClean="0"/>
+                        <a:rPr lang="en-US" sz="1400" dirty="0"/>
                         <a:t> je </a:t>
                       </a:r>
                       <a:r>
-                        <a:rPr lang="en-US" sz="1400" dirty="0" err="1" smtClean="0"/>
+                        <a:rPr lang="en-US" sz="1400" dirty="0" err="1"/>
                         <a:t>kupac</a:t>
                       </a:r>
                       <a:r>
-                        <a:rPr lang="en-US" sz="1400" dirty="0" smtClean="0"/>
+                        <a:rPr lang="en-US" sz="1400" dirty="0"/>
                         <a:t> </a:t>
                       </a:r>
                       <a:r>
-                        <a:rPr lang="en-US" sz="1400" dirty="0" err="1" smtClean="0"/>
+                        <a:rPr lang="en-US" sz="1400" dirty="0" err="1"/>
                         <a:t>namjeravao</a:t>
                       </a:r>
                       <a:r>
-                        <a:rPr lang="en-US" sz="1400" dirty="0" smtClean="0"/>
+                        <a:rPr lang="en-US" sz="1400" dirty="0"/>
                         <a:t> </a:t>
                       </a:r>
                       <a:r>
-                        <a:rPr lang="en-US" sz="1400" dirty="0" err="1" smtClean="0"/>
+                        <a:rPr lang="en-US" sz="1400" dirty="0" err="1"/>
                         <a:t>vratiti</a:t>
                       </a:r>
                       <a:endParaRPr lang="en-US" sz="1400" dirty="0"/>
@@ -6911,15 +6916,15 @@
                     <a:p>
                       <a:pPr algn="l"/>
                       <a:r>
-                        <a:rPr lang="en-US" sz="1400" dirty="0" err="1" smtClean="0"/>
+                        <a:rPr lang="en-US" sz="1400" dirty="0" err="1"/>
                         <a:t>Primarni</a:t>
                       </a:r>
                       <a:r>
-                        <a:rPr lang="en-US" sz="1400" dirty="0" smtClean="0"/>
+                        <a:rPr lang="en-US" sz="1400" dirty="0"/>
                         <a:t> </a:t>
                       </a:r>
                       <a:r>
-                        <a:rPr lang="en-US" sz="1400" dirty="0" err="1" smtClean="0"/>
+                        <a:rPr lang="en-US" sz="1400" dirty="0" err="1"/>
                         <a:t>Akteri</a:t>
                       </a:r>
                       <a:endParaRPr lang="en-US" sz="1400" dirty="0"/>
@@ -6934,15 +6939,15 @@
                     <a:p>
                       <a:pPr algn="l"/>
                       <a:r>
-                        <a:rPr lang="en-US" sz="1400" dirty="0" err="1" smtClean="0"/>
+                        <a:rPr lang="en-US" sz="1400" dirty="0" err="1"/>
                         <a:t>Kupac</a:t>
                       </a:r>
                       <a:r>
-                        <a:rPr lang="en-US" sz="1400" dirty="0" smtClean="0"/>
+                        <a:rPr lang="en-US" sz="1400" dirty="0"/>
                         <a:t>/</a:t>
                       </a:r>
                       <a:r>
-                        <a:rPr lang="en-US" sz="1400" dirty="0" err="1" smtClean="0"/>
+                        <a:rPr lang="en-US" sz="1400" dirty="0" err="1"/>
                         <a:t>Korisnik</a:t>
                       </a:r>
                       <a:endParaRPr lang="en-US" sz="1400" dirty="0"/>
@@ -6964,15 +6969,15 @@
                     <a:p>
                       <a:pPr algn="l"/>
                       <a:r>
-                        <a:rPr lang="en-US" sz="1400" dirty="0" err="1" smtClean="0"/>
+                        <a:rPr lang="en-US" sz="1400" dirty="0" err="1"/>
                         <a:t>Ostali</a:t>
                       </a:r>
                       <a:r>
-                        <a:rPr lang="en-US" sz="1400" dirty="0" smtClean="0"/>
+                        <a:rPr lang="en-US" sz="1400" dirty="0"/>
                         <a:t> </a:t>
                       </a:r>
                       <a:r>
-                        <a:rPr lang="en-US" sz="1400" dirty="0" err="1" smtClean="0"/>
+                        <a:rPr lang="en-US" sz="1400" dirty="0" err="1"/>
                         <a:t>akteri</a:t>
                       </a:r>
                       <a:endParaRPr lang="en-US" sz="1400" dirty="0"/>
@@ -6987,30 +6992,29 @@
                     <a:p>
                       <a:pPr algn="l"/>
                       <a:r>
-                        <a:rPr lang="en-US" sz="1400" dirty="0" err="1" smtClean="0"/>
+                        <a:rPr lang="en-US" sz="1400" dirty="0" err="1"/>
                         <a:t>Pošta</a:t>
                       </a:r>
                       <a:r>
-                        <a:rPr lang="en-US" sz="1400" dirty="0" smtClean="0"/>
+                        <a:rPr lang="en-US" sz="1400" dirty="0"/>
                         <a:t>, </a:t>
                       </a:r>
                       <a:r>
-                        <a:rPr lang="en-US" sz="1400" dirty="0" err="1" smtClean="0"/>
+                        <a:rPr lang="en-US" sz="1400" dirty="0" err="1"/>
                         <a:t>banka</a:t>
                       </a:r>
                       <a:r>
-                        <a:rPr lang="en-US" sz="1400" dirty="0" smtClean="0"/>
+                        <a:rPr lang="en-US" sz="1400" dirty="0"/>
                         <a:t>, </a:t>
                       </a:r>
                       <a:r>
-                        <a:rPr lang="en-US" sz="1400" dirty="0" err="1" smtClean="0"/>
+                        <a:rPr lang="en-US" sz="1400" dirty="0" err="1"/>
                         <a:t>zaposlenik</a:t>
                       </a:r>
                       <a:r>
-                        <a:rPr lang="en-US" sz="1400" dirty="0" smtClean="0"/>
+                        <a:rPr lang="en-US" sz="1400" dirty="0"/>
                         <a:t>, admin</a:t>
                       </a:r>
-                      <a:endParaRPr lang="en-US" sz="1400" dirty="0"/>
                     </a:p>
                   </a:txBody>
                   <a:tcPr anchor="ctr"/>
@@ -7029,15 +7033,15 @@
                     <a:p>
                       <a:pPr algn="l"/>
                       <a:r>
-                        <a:rPr lang="en-US" sz="1400" dirty="0" err="1" smtClean="0"/>
+                        <a:rPr lang="en-US" sz="1400" dirty="0" err="1"/>
                         <a:t>Glavni</a:t>
                       </a:r>
                       <a:r>
-                        <a:rPr lang="en-US" sz="1400" dirty="0" smtClean="0"/>
+                        <a:rPr lang="en-US" sz="1400" dirty="0"/>
                         <a:t> </a:t>
                       </a:r>
                       <a:r>
-                        <a:rPr lang="en-US" sz="1400" dirty="0" err="1" smtClean="0"/>
+                        <a:rPr lang="en-US" sz="1400" dirty="0" err="1"/>
                         <a:t>Tok</a:t>
                       </a:r>
                       <a:endParaRPr lang="en-US" sz="1400" dirty="0"/>
@@ -7052,31 +7056,31 @@
                     <a:p>
                       <a:pPr algn="l"/>
                       <a:r>
-                        <a:rPr lang="en-US" sz="1400" dirty="0" err="1" smtClean="0"/>
+                        <a:rPr lang="en-US" sz="1400" dirty="0" err="1"/>
                         <a:t>Kupac</a:t>
                       </a:r>
                       <a:r>
-                        <a:rPr lang="en-US" sz="1400" dirty="0" smtClean="0"/>
+                        <a:rPr lang="en-US" sz="1400" dirty="0"/>
                         <a:t> </a:t>
                       </a:r>
                       <a:r>
-                        <a:rPr lang="en-US" sz="1400" dirty="0" err="1" smtClean="0"/>
+                        <a:rPr lang="en-US" sz="1400" dirty="0" err="1"/>
                         <a:t>kupi</a:t>
                       </a:r>
                       <a:r>
-                        <a:rPr lang="en-US" sz="1400" dirty="0" smtClean="0"/>
+                        <a:rPr lang="en-US" sz="1400" dirty="0"/>
                         <a:t> </a:t>
                       </a:r>
                       <a:r>
-                        <a:rPr lang="en-US" sz="1400" dirty="0" err="1" smtClean="0"/>
+                        <a:rPr lang="en-US" sz="1400" dirty="0" err="1"/>
                         <a:t>artikal</a:t>
                       </a:r>
                       <a:r>
-                        <a:rPr lang="en-US" sz="1400" dirty="0" smtClean="0"/>
+                        <a:rPr lang="en-US" sz="1400" dirty="0"/>
                         <a:t>/</a:t>
                       </a:r>
                       <a:r>
-                        <a:rPr lang="en-US" sz="1400" dirty="0" err="1" smtClean="0"/>
+                        <a:rPr lang="en-US" sz="1400" dirty="0" err="1"/>
                         <a:t>kartu</a:t>
                       </a:r>
                       <a:endParaRPr lang="en-US" sz="1400" dirty="0"/>
@@ -7098,14 +7102,13 @@
                     <a:p>
                       <a:pPr algn="l"/>
                       <a:r>
-                        <a:rPr lang="en-US" sz="1400" dirty="0" err="1" smtClean="0"/>
+                        <a:rPr lang="en-US" sz="1400" dirty="0" err="1"/>
                         <a:t>Proširenja</a:t>
                       </a:r>
                       <a:r>
-                        <a:rPr lang="en-US" sz="1400" dirty="0" smtClean="0"/>
+                        <a:rPr lang="en-US" sz="1400" dirty="0"/>
                         <a:t>/Alternative</a:t>
                       </a:r>
-                      <a:endParaRPr lang="en-US" sz="1400" dirty="0"/>
                     </a:p>
                   </a:txBody>
                   <a:tcPr anchor="ctr"/>
@@ -7117,23 +7120,23 @@
                     <a:p>
                       <a:pPr algn="l"/>
                       <a:r>
-                        <a:rPr lang="en-US" sz="1400" dirty="0" err="1" smtClean="0"/>
+                        <a:rPr lang="en-US" sz="1400" dirty="0" err="1"/>
                         <a:t>Korisnik</a:t>
                       </a:r>
                       <a:r>
-                        <a:rPr lang="en-US" sz="1400" dirty="0" smtClean="0"/>
+                        <a:rPr lang="en-US" sz="1400" dirty="0"/>
                         <a:t> </a:t>
                       </a:r>
                       <a:r>
-                        <a:rPr lang="en-US" sz="1400" dirty="0" err="1" smtClean="0"/>
+                        <a:rPr lang="en-US" sz="1400" dirty="0" err="1"/>
                         <a:t>vrati</a:t>
                       </a:r>
                       <a:r>
-                        <a:rPr lang="en-US" sz="1400" dirty="0" smtClean="0"/>
+                        <a:rPr lang="en-US" sz="1400" dirty="0"/>
                         <a:t> </a:t>
                       </a:r>
                       <a:r>
-                        <a:rPr lang="en-US" sz="1400" dirty="0" err="1" smtClean="0"/>
+                        <a:rPr lang="en-US" sz="1400" dirty="0" err="1"/>
                         <a:t>robu</a:t>
                       </a:r>
                       <a:endParaRPr lang="en-US" sz="1400" dirty="0"/>
@@ -7202,7 +7205,7 @@
           <a:lstStyle/>
           <a:p>
             <a:r>
-              <a:rPr lang="bs-Latn-BA" dirty="0" smtClean="0"/>
+              <a:rPr lang="bs-Latn-BA" dirty="0"/>
               <a:t>Scenarij</a:t>
             </a:r>
             <a:endParaRPr lang="en-US" dirty="0"/>
@@ -7254,10 +7257,10 @@
               <a:t> </a:t>
             </a:r>
             <a:r>
-              <a:rPr lang="en-US" dirty="0" err="1" smtClean="0"/>
+              <a:rPr lang="en-US" dirty="0" err="1"/>
               <a:t>završetak</a:t>
             </a:r>
-            <a:endParaRPr lang="bs-Latn-BA" dirty="0" smtClean="0"/>
+            <a:endParaRPr lang="bs-Latn-BA" dirty="0"/>
           </a:p>
         </p:txBody>
       </p:sp>
@@ -7323,15 +7326,15 @@
                     <a:p>
                       <a:pPr algn="ctr"/>
                       <a:r>
-                        <a:rPr lang="en-US" sz="1200" dirty="0" err="1" smtClean="0"/>
+                        <a:rPr lang="en-US" sz="1200" dirty="0" err="1"/>
                         <a:t>Kupac</a:t>
                       </a:r>
                       <a:r>
-                        <a:rPr lang="en-US" sz="1200" dirty="0" smtClean="0"/>
+                        <a:rPr lang="en-US" sz="1200" dirty="0"/>
                         <a:t>/</a:t>
                       </a:r>
                       <a:r>
-                        <a:rPr lang="en-US" sz="1200" dirty="0" err="1" smtClean="0"/>
+                        <a:rPr lang="en-US" sz="1200" dirty="0" err="1"/>
                         <a:t>korisnik</a:t>
                       </a:r>
                       <a:endParaRPr lang="en-US" sz="1200" dirty="0"/>
@@ -7346,15 +7349,15 @@
                     <a:p>
                       <a:pPr algn="ctr"/>
                       <a:r>
-                        <a:rPr lang="en-US" sz="1200" dirty="0" err="1" smtClean="0"/>
+                        <a:rPr lang="en-US" sz="1200" dirty="0" err="1"/>
                         <a:t>Sistem</a:t>
                       </a:r>
                       <a:r>
-                        <a:rPr lang="en-US" sz="1200" dirty="0" smtClean="0"/>
+                        <a:rPr lang="en-US" sz="1200" dirty="0"/>
                         <a:t> online </a:t>
                       </a:r>
                       <a:r>
-                        <a:rPr lang="en-US" sz="1200" dirty="0" err="1" smtClean="0"/>
+                        <a:rPr lang="en-US" sz="1200" dirty="0" err="1"/>
                         <a:t>kupovanja</a:t>
                       </a:r>
                       <a:endParaRPr lang="en-US" sz="1200" dirty="0"/>
@@ -7369,10 +7372,9 @@
                     <a:p>
                       <a:pPr algn="ctr"/>
                       <a:r>
-                        <a:rPr lang="en-US" sz="1200" dirty="0" smtClean="0"/>
+                        <a:rPr lang="en-US" sz="1200" dirty="0"/>
                         <a:t>Banka</a:t>
                       </a:r>
-                      <a:endParaRPr lang="en-US" sz="1200" dirty="0"/>
                     </a:p>
                   </a:txBody>
                   <a:tcPr anchor="ctr"/>
@@ -7384,7 +7386,7 @@
                     <a:p>
                       <a:pPr algn="ctr"/>
                       <a:r>
-                        <a:rPr lang="en-US" sz="1200" dirty="0" err="1" smtClean="0"/>
+                        <a:rPr lang="en-US" sz="1200" dirty="0" err="1"/>
                         <a:t>Pošta</a:t>
                       </a:r>
                       <a:endParaRPr lang="en-US" sz="1200" dirty="0"/>
@@ -7406,7 +7408,7 @@
                     <a:p>
                       <a:pPr algn="l"/>
                       <a:r>
-                        <a:rPr lang="pl-PL" sz="1200" dirty="0" smtClean="0"/>
+                        <a:rPr lang="pl-PL" sz="1200" dirty="0"/>
                         <a:t>1. Želi da kupi robu</a:t>
                       </a:r>
                       <a:endParaRPr lang="en-US" sz="1200" dirty="0"/>
@@ -7421,7 +7423,7 @@
                     <a:p>
                       <a:pPr algn="l"/>
                       <a:r>
-                        <a:rPr lang="pl-PL" sz="1200" dirty="0" smtClean="0"/>
+                        <a:rPr lang="pl-PL" sz="1200" dirty="0"/>
                         <a:t>2. Da korisniku da unese svoje podatke za kupnju</a:t>
                       </a:r>
                       <a:endParaRPr lang="en-US" sz="1200" dirty="0"/>
@@ -7465,27 +7467,27 @@
                     <a:p>
                       <a:pPr algn="l"/>
                       <a:r>
-                        <a:rPr lang="en-US" sz="1200" dirty="0" smtClean="0"/>
+                        <a:rPr lang="en-US" sz="1200" dirty="0"/>
                         <a:t>3. </a:t>
                       </a:r>
                       <a:r>
-                        <a:rPr lang="en-US" sz="1200" dirty="0" err="1" smtClean="0"/>
+                        <a:rPr lang="en-US" sz="1200" dirty="0" err="1"/>
                         <a:t>Unese</a:t>
                       </a:r>
                       <a:r>
-                        <a:rPr lang="en-US" sz="1200" dirty="0" smtClean="0"/>
+                        <a:rPr lang="en-US" sz="1200" dirty="0"/>
                         <a:t> </a:t>
                       </a:r>
                       <a:r>
-                        <a:rPr lang="en-US" sz="1200" dirty="0" err="1" smtClean="0"/>
+                        <a:rPr lang="en-US" sz="1200" dirty="0" err="1"/>
                         <a:t>potrebne</a:t>
                       </a:r>
                       <a:r>
-                        <a:rPr lang="en-US" sz="1200" dirty="0" smtClean="0"/>
+                        <a:rPr lang="en-US" sz="1200" dirty="0"/>
                         <a:t> </a:t>
                       </a:r>
                       <a:r>
-                        <a:rPr lang="en-US" sz="1200" dirty="0" err="1" smtClean="0"/>
+                        <a:rPr lang="en-US" sz="1200" dirty="0" err="1"/>
                         <a:t>podatke</a:t>
                       </a:r>
                       <a:endParaRPr lang="en-US" sz="1200" dirty="0"/>
@@ -7540,34 +7542,33 @@
                     <a:p>
                       <a:pPr algn="l"/>
                       <a:r>
-                        <a:rPr lang="en-US" sz="1200" dirty="0" smtClean="0"/>
+                        <a:rPr lang="en-US" sz="1200" dirty="0"/>
                         <a:t>4. </a:t>
                       </a:r>
                       <a:r>
-                        <a:rPr lang="en-US" sz="1200" dirty="0" err="1" smtClean="0"/>
+                        <a:rPr lang="en-US" sz="1200" dirty="0" err="1"/>
                         <a:t>Podnese</a:t>
                       </a:r>
                       <a:r>
-                        <a:rPr lang="en-US" sz="1200" dirty="0" smtClean="0"/>
+                        <a:rPr lang="en-US" sz="1200" dirty="0"/>
                         <a:t> </a:t>
                       </a:r>
                       <a:r>
-                        <a:rPr lang="en-US" sz="1200" dirty="0" err="1" smtClean="0"/>
+                        <a:rPr lang="en-US" sz="1200" dirty="0" err="1"/>
                         <a:t>zahtjev</a:t>
                       </a:r>
                       <a:r>
-                        <a:rPr lang="en-US" sz="1200" dirty="0" smtClean="0"/>
+                        <a:rPr lang="en-US" sz="1200" dirty="0"/>
                         <a:t> </a:t>
                       </a:r>
                       <a:r>
-                        <a:rPr lang="en-US" sz="1200" dirty="0" err="1" smtClean="0"/>
+                        <a:rPr lang="en-US" sz="1200" dirty="0" err="1"/>
                         <a:t>za</a:t>
                       </a:r>
                       <a:r>
-                        <a:rPr lang="en-US" sz="1200" dirty="0" smtClean="0"/>
+                        <a:rPr lang="en-US" sz="1200" dirty="0"/>
                         <a:t> checkout</a:t>
                       </a:r>
-                      <a:endParaRPr lang="en-US" sz="1200" dirty="0"/>
                     </a:p>
                   </a:txBody>
                   <a:tcPr anchor="ctr"/>
@@ -7579,27 +7580,27 @@
                     <a:p>
                       <a:pPr algn="l"/>
                       <a:r>
-                        <a:rPr lang="en-US" sz="1200" dirty="0" smtClean="0"/>
+                        <a:rPr lang="en-US" sz="1200" dirty="0"/>
                         <a:t>5. </a:t>
                       </a:r>
                       <a:r>
-                        <a:rPr lang="en-US" sz="1200" dirty="0" err="1" smtClean="0"/>
+                        <a:rPr lang="en-US" sz="1200" dirty="0" err="1"/>
                         <a:t>Validacija</a:t>
                       </a:r>
                       <a:r>
-                        <a:rPr lang="en-US" sz="1200" dirty="0" smtClean="0"/>
+                        <a:rPr lang="en-US" sz="1200" dirty="0"/>
                         <a:t> </a:t>
                       </a:r>
                       <a:r>
-                        <a:rPr lang="en-US" sz="1200" dirty="0" err="1" smtClean="0"/>
+                        <a:rPr lang="en-US" sz="1200" dirty="0" err="1"/>
                         <a:t>koriničkovih</a:t>
                       </a:r>
                       <a:r>
-                        <a:rPr lang="en-US" sz="1200" dirty="0" smtClean="0"/>
+                        <a:rPr lang="en-US" sz="1200" dirty="0"/>
                         <a:t> </a:t>
                       </a:r>
                       <a:r>
-                        <a:rPr lang="en-US" sz="1200" dirty="0" err="1" smtClean="0"/>
+                        <a:rPr lang="en-US" sz="1200" dirty="0" err="1"/>
                         <a:t>podataka</a:t>
                       </a:r>
                       <a:endParaRPr lang="en-US" sz="1200" dirty="0"/>
@@ -7654,26 +7655,25 @@
                     <a:p>
                       <a:pPr algn="l"/>
                       <a:r>
-                        <a:rPr lang="en-US" sz="1200" dirty="0" smtClean="0"/>
+                        <a:rPr lang="en-US" sz="1200" dirty="0"/>
                         <a:t>6. </a:t>
                       </a:r>
                       <a:r>
-                        <a:rPr lang="en-US" sz="1200" dirty="0" err="1" smtClean="0"/>
+                        <a:rPr lang="en-US" sz="1200" dirty="0" err="1"/>
                         <a:t>Provjera</a:t>
                       </a:r>
                       <a:r>
-                        <a:rPr lang="en-US" sz="1200" dirty="0" smtClean="0"/>
+                        <a:rPr lang="en-US" sz="1200" dirty="0"/>
                         <a:t> </a:t>
                       </a:r>
                       <a:r>
-                        <a:rPr lang="en-US" sz="1200" dirty="0" err="1" smtClean="0"/>
+                        <a:rPr lang="en-US" sz="1200" dirty="0" err="1"/>
                         <a:t>stanja</a:t>
                       </a:r>
                       <a:r>
-                        <a:rPr lang="en-US" sz="1200" dirty="0" smtClean="0"/>
+                        <a:rPr lang="en-US" sz="1200" dirty="0"/>
                         <a:t> robe</a:t>
                       </a:r>
-                      <a:endParaRPr lang="en-US" sz="1200" dirty="0"/>
                     </a:p>
                   </a:txBody>
                   <a:tcPr anchor="ctr"/>
@@ -7736,43 +7736,43 @@
                     <a:p>
                       <a:pPr algn="l"/>
                       <a:r>
-                        <a:rPr lang="en-US" sz="1200" dirty="0" smtClean="0"/>
+                        <a:rPr lang="en-US" sz="1200" dirty="0"/>
                         <a:t>7. </a:t>
                       </a:r>
                       <a:r>
-                        <a:rPr lang="en-US" sz="1200" dirty="0" err="1" smtClean="0"/>
+                        <a:rPr lang="en-US" sz="1200" dirty="0" err="1"/>
                         <a:t>Provjera</a:t>
                       </a:r>
                       <a:r>
-                        <a:rPr lang="en-US" sz="1200" dirty="0" smtClean="0"/>
+                        <a:rPr lang="en-US" sz="1200" dirty="0"/>
                         <a:t> </a:t>
                       </a:r>
                       <a:r>
-                        <a:rPr lang="en-US" sz="1200" dirty="0" err="1" smtClean="0"/>
+                        <a:rPr lang="en-US" sz="1200" dirty="0" err="1"/>
                         <a:t>stanja</a:t>
                       </a:r>
                       <a:r>
-                        <a:rPr lang="en-US" sz="1200" dirty="0" smtClean="0"/>
+                        <a:rPr lang="en-US" sz="1200" dirty="0"/>
                         <a:t> </a:t>
                       </a:r>
                       <a:r>
-                        <a:rPr lang="en-US" sz="1200" dirty="0" err="1" smtClean="0"/>
+                        <a:rPr lang="en-US" sz="1200" dirty="0" err="1"/>
                         <a:t>korisničkove</a:t>
                       </a:r>
                       <a:r>
-                        <a:rPr lang="en-US" sz="1200" dirty="0" smtClean="0"/>
+                        <a:rPr lang="en-US" sz="1200" dirty="0"/>
                         <a:t> </a:t>
                       </a:r>
                       <a:r>
-                        <a:rPr lang="en-US" sz="1200" dirty="0" err="1" smtClean="0"/>
+                        <a:rPr lang="en-US" sz="1200" dirty="0" err="1"/>
                         <a:t>kreditne</a:t>
                       </a:r>
                       <a:r>
-                        <a:rPr lang="en-US" sz="1200" dirty="0" smtClean="0"/>
+                        <a:rPr lang="en-US" sz="1200" dirty="0"/>
                         <a:t> </a:t>
                       </a:r>
                       <a:r>
-                        <a:rPr lang="en-US" sz="1200" dirty="0" err="1" smtClean="0"/>
+                        <a:rPr lang="en-US" sz="1200" dirty="0" err="1"/>
                         <a:t>kartice</a:t>
                       </a:r>
                       <a:endParaRPr lang="en-US" sz="1200" dirty="0"/>
@@ -7827,19 +7827,19 @@
                     <a:p>
                       <a:pPr algn="l"/>
                       <a:r>
-                        <a:rPr lang="en-US" sz="1200" dirty="0" smtClean="0"/>
+                        <a:rPr lang="en-US" sz="1200" dirty="0"/>
                         <a:t>8. </a:t>
                       </a:r>
                       <a:r>
-                        <a:rPr lang="en-US" sz="1200" dirty="0" err="1" smtClean="0"/>
+                        <a:rPr lang="en-US" sz="1200" dirty="0" err="1"/>
                         <a:t>Vršenje</a:t>
                       </a:r>
                       <a:r>
-                        <a:rPr lang="en-US" sz="1200" dirty="0" smtClean="0"/>
+                        <a:rPr lang="en-US" sz="1200" dirty="0"/>
                         <a:t> </a:t>
                       </a:r>
                       <a:r>
-                        <a:rPr lang="en-US" sz="1200" dirty="0" err="1" smtClean="0"/>
+                        <a:rPr lang="en-US" sz="1200" dirty="0" err="1"/>
                         <a:t>transakcije</a:t>
                       </a:r>
                       <a:endParaRPr lang="en-US" sz="1200" dirty="0"/>
@@ -7883,7 +7883,7 @@
                     <a:p>
                       <a:pPr algn="l"/>
                       <a:r>
-                        <a:rPr lang="pl-PL" sz="1200" dirty="0" smtClean="0"/>
+                        <a:rPr lang="pl-PL" sz="1200" dirty="0"/>
                         <a:t>9. Informisanje korisnika o rezultatu</a:t>
                       </a:r>
                       <a:endParaRPr lang="en-US" sz="1200" dirty="0"/>
@@ -7938,7 +7938,7 @@
                     <a:p>
                       <a:pPr algn="l"/>
                       <a:r>
-                        <a:rPr lang="pl-PL" sz="1200" dirty="0" smtClean="0"/>
+                        <a:rPr lang="pl-PL" sz="1200" dirty="0"/>
                         <a:t>10. Informisanje pošte ako je upitanju fizička roba</a:t>
                       </a:r>
                       <a:endParaRPr lang="en-US" sz="1200" dirty="0"/>
@@ -8015,7 +8015,7 @@
                     <a:p>
                       <a:pPr algn="l"/>
                       <a:r>
-                        <a:rPr lang="pl-PL" sz="1200" dirty="0" smtClean="0"/>
+                        <a:rPr lang="pl-PL" sz="1200" dirty="0"/>
                         <a:t>11. Slanje robe (samo ako je fizička roba)</a:t>
                       </a:r>
                       <a:endParaRPr lang="en-US" sz="1200" dirty="0"/>
@@ -8084,7 +8084,7 @@
           <a:lstStyle/>
           <a:p>
             <a:r>
-              <a:rPr lang="bs-Latn-BA" dirty="0" smtClean="0"/>
+              <a:rPr lang="bs-Latn-BA" dirty="0"/>
               <a:t>Alternativni tok</a:t>
             </a:r>
             <a:endParaRPr lang="en-US" dirty="0"/>
@@ -8154,15 +8154,15 @@
                     <a:p>
                       <a:pPr algn="l"/>
                       <a:r>
-                        <a:rPr lang="en-US" sz="1200" dirty="0" err="1" smtClean="0"/>
+                        <a:rPr lang="en-US" sz="1200" dirty="0" err="1"/>
                         <a:t>Kupac</a:t>
                       </a:r>
                       <a:r>
-                        <a:rPr lang="en-US" sz="1200" dirty="0" smtClean="0"/>
+                        <a:rPr lang="en-US" sz="1200" dirty="0"/>
                         <a:t>/</a:t>
                       </a:r>
                       <a:r>
-                        <a:rPr lang="en-US" sz="1200" dirty="0" err="1" smtClean="0"/>
+                        <a:rPr lang="en-US" sz="1200" dirty="0" err="1"/>
                         <a:t>korisnik</a:t>
                       </a:r>
                       <a:endParaRPr lang="en-US" sz="1200" dirty="0"/>
@@ -8177,15 +8177,15 @@
                     <a:p>
                       <a:pPr algn="l"/>
                       <a:r>
-                        <a:rPr lang="en-US" sz="1200" dirty="0" err="1" smtClean="0"/>
+                        <a:rPr lang="en-US" sz="1200" dirty="0" err="1"/>
                         <a:t>Sistem</a:t>
                       </a:r>
                       <a:r>
-                        <a:rPr lang="en-US" sz="1200" dirty="0" smtClean="0"/>
+                        <a:rPr lang="en-US" sz="1200" dirty="0"/>
                         <a:t> online </a:t>
                       </a:r>
                       <a:r>
-                        <a:rPr lang="en-US" sz="1200" dirty="0" err="1" smtClean="0"/>
+                        <a:rPr lang="en-US" sz="1200" dirty="0" err="1"/>
                         <a:t>kupovanja</a:t>
                       </a:r>
                       <a:endParaRPr lang="en-US" sz="1200" dirty="0"/>
@@ -8200,10 +8200,9 @@
                     <a:p>
                       <a:pPr algn="l"/>
                       <a:r>
-                        <a:rPr lang="en-US" sz="1200" dirty="0" smtClean="0"/>
+                        <a:rPr lang="en-US" sz="1200" dirty="0"/>
                         <a:t>Banka</a:t>
                       </a:r>
-                      <a:endParaRPr lang="en-US" sz="1200" dirty="0"/>
                     </a:p>
                   </a:txBody>
                   <a:tcPr/>
@@ -8215,7 +8214,7 @@
                     <a:p>
                       <a:pPr algn="l"/>
                       <a:r>
-                        <a:rPr lang="en-US" sz="1200" dirty="0" err="1" smtClean="0"/>
+                        <a:rPr lang="en-US" sz="1200" dirty="0" err="1"/>
                         <a:t>Pošta</a:t>
                       </a:r>
                       <a:endParaRPr lang="en-US" sz="1200" dirty="0"/>
@@ -8256,59 +8255,59 @@
                     <a:lstStyle/>
                     <a:p>
                       <a:r>
-                        <a:rPr lang="en-US" sz="1400" dirty="0" smtClean="0"/>
+                        <a:rPr lang="en-US" sz="1400" dirty="0"/>
                         <a:t>8. </a:t>
                       </a:r>
                       <a:r>
-                        <a:rPr lang="en-US" sz="1400" dirty="0" err="1" smtClean="0"/>
+                        <a:rPr lang="en-US" sz="1400" dirty="0" err="1"/>
                         <a:t>Slanje</a:t>
                       </a:r>
                       <a:r>
-                        <a:rPr lang="en-US" sz="1400" dirty="0" smtClean="0"/>
+                        <a:rPr lang="en-US" sz="1400" dirty="0"/>
                         <a:t> </a:t>
                       </a:r>
                       <a:r>
-                        <a:rPr lang="en-US" sz="1400" dirty="0" err="1" smtClean="0"/>
+                        <a:rPr lang="en-US" sz="1400" dirty="0" err="1"/>
                         <a:t>obavještenja</a:t>
                       </a:r>
                       <a:r>
-                        <a:rPr lang="en-US" sz="1400" dirty="0" smtClean="0"/>
+                        <a:rPr lang="en-US" sz="1400" dirty="0"/>
                         <a:t> o </a:t>
                       </a:r>
                       <a:r>
-                        <a:rPr lang="en-US" sz="1400" dirty="0" err="1" smtClean="0"/>
+                        <a:rPr lang="en-US" sz="1400" dirty="0" err="1"/>
                         <a:t>nedovoljnom</a:t>
                       </a:r>
                       <a:r>
-                        <a:rPr lang="en-US" sz="1400" dirty="0" smtClean="0"/>
+                        <a:rPr lang="en-US" sz="1400" dirty="0"/>
                         <a:t> </a:t>
                       </a:r>
                       <a:r>
-                        <a:rPr lang="en-US" sz="1400" dirty="0" err="1" smtClean="0"/>
+                        <a:rPr lang="en-US" sz="1400" dirty="0" err="1"/>
                         <a:t>broju</a:t>
                       </a:r>
                       <a:r>
-                        <a:rPr lang="en-US" sz="1400" dirty="0" smtClean="0"/>
+                        <a:rPr lang="en-US" sz="1400" dirty="0"/>
                         <a:t> </a:t>
                       </a:r>
                       <a:r>
-                        <a:rPr lang="en-US" sz="1400" dirty="0" err="1" smtClean="0"/>
+                        <a:rPr lang="en-US" sz="1400" dirty="0" err="1"/>
                         <a:t>sredstava</a:t>
                       </a:r>
                       <a:r>
-                        <a:rPr lang="en-US" sz="1400" dirty="0" smtClean="0"/>
+                        <a:rPr lang="en-US" sz="1400" dirty="0"/>
                         <a:t> </a:t>
                       </a:r>
                       <a:r>
-                        <a:rPr lang="en-US" sz="1400" dirty="0" err="1" smtClean="0"/>
+                        <a:rPr lang="en-US" sz="1400" dirty="0" err="1"/>
                         <a:t>na</a:t>
                       </a:r>
                       <a:r>
-                        <a:rPr lang="en-US" sz="1400" dirty="0" smtClean="0"/>
+                        <a:rPr lang="en-US" sz="1400" dirty="0"/>
                         <a:t> </a:t>
                       </a:r>
                       <a:r>
-                        <a:rPr lang="en-US" sz="1400" dirty="0" err="1" smtClean="0"/>
+                        <a:rPr lang="en-US" sz="1400" dirty="0" err="1"/>
                         <a:t>kartici</a:t>
                       </a:r>
                       <a:endParaRPr lang="en-US" sz="1400" dirty="0"/>
@@ -8349,7 +8348,7 @@
                     <a:lstStyle/>
                     <a:p>
                       <a:r>
-                        <a:rPr lang="pl-PL" sz="1400" dirty="0" smtClean="0"/>
+                        <a:rPr lang="pl-PL" sz="1400" dirty="0"/>
                         <a:t>9. Informisanje korisnika o rezultatu</a:t>
                       </a:r>
                       <a:endParaRPr lang="en-US" sz="1400" dirty="0"/>
@@ -8438,7 +8437,7 @@
           <a:lstStyle/>
           <a:p>
             <a:r>
-              <a:rPr lang="bs-Latn-BA" dirty="0" smtClean="0"/>
+              <a:rPr lang="bs-Latn-BA" dirty="0"/>
               <a:t>Opis activity dijagrama</a:t>
             </a:r>
             <a:endParaRPr lang="en-US" dirty="0"/>
@@ -8539,7 +8538,7 @@
           <a:lstStyle/>
           <a:p>
             <a:r>
-              <a:rPr lang="bs-Latn-BA" dirty="0" smtClean="0"/>
+              <a:rPr lang="bs-Latn-BA" dirty="0"/>
               <a:t>Opis dijagram klasa</a:t>
             </a:r>
             <a:endParaRPr lang="en-US" dirty="0"/>
@@ -8585,13 +8584,6 @@
   <p:clrMapOvr>
     <a:masterClrMapping/>
   </p:clrMapOvr>
-  <p:timing>
-    <p:tnLst>
-      <p:par>
-        <p:cTn id="1" dur="indefinite" restart="never" nodeType="tmRoot"/>
-      </p:par>
-    </p:tnLst>
-  </p:timing>
 </p:sld>
 </file>
 
@@ -8633,7 +8625,7 @@
           <a:lstStyle/>
           <a:p>
             <a:r>
-              <a:rPr lang="bs-Latn-BA" sz="3600" dirty="0" smtClean="0"/>
+              <a:rPr lang="bs-Latn-BA" sz="3600" dirty="0"/>
               <a:t>Opis dijagram klase (MVVM arhitekture)</a:t>
             </a:r>
             <a:endParaRPr lang="en-US" sz="3600" dirty="0"/>
@@ -8693,13 +8685,6 @@
   <p:clrMapOvr>
     <a:masterClrMapping/>
   </p:clrMapOvr>
-  <p:timing>
-    <p:tnLst>
-      <p:par>
-        <p:cTn id="1" dur="indefinite" restart="never" nodeType="tmRoot"/>
-      </p:par>
-    </p:tnLst>
-  </p:timing>
 </p:sld>
 </file>
 
@@ -8741,7 +8726,7 @@
           <a:lstStyle/>
           <a:p>
             <a:r>
-              <a:rPr lang="bs-Latn-BA" dirty="0" smtClean="0"/>
+              <a:rPr lang="bs-Latn-BA" dirty="0"/>
               <a:t>Opis dijagram sekvenci</a:t>
             </a:r>
             <a:endParaRPr lang="en-US" dirty="0"/>
@@ -8787,13 +8772,6 @@
   <p:clrMapOvr>
     <a:masterClrMapping/>
   </p:clrMapOvr>
-  <p:timing>
-    <p:tnLst>
-      <p:par>
-        <p:cTn id="1" dur="indefinite" restart="never" nodeType="tmRoot"/>
-      </p:par>
-    </p:tnLst>
-  </p:timing>
 </p:sld>
 </file>
 
@@ -8835,7 +8813,7 @@
           <a:lstStyle/>
           <a:p>
             <a:r>
-              <a:rPr lang="bs-Latn-BA" dirty="0" smtClean="0"/>
+              <a:rPr lang="bs-Latn-BA" dirty="0"/>
               <a:t>Opis dijagram komunikacije</a:t>
             </a:r>
             <a:endParaRPr lang="en-US" dirty="0"/>
@@ -8922,7 +8900,7 @@
           <a:lstStyle/>
           <a:p>
             <a:r>
-              <a:rPr lang="bs-Latn-BA" dirty="0" smtClean="0"/>
+              <a:rPr lang="bs-Latn-BA" dirty="0"/>
               <a:t>Opis dijagram paketa</a:t>
             </a:r>
             <a:endParaRPr lang="en-US" dirty="0"/>
@@ -9020,10 +8998,6 @@
               <a:rPr lang="en-US" b="1" dirty="0" err="1"/>
               <a:t>teme</a:t>
             </a:r>
-            <a:r>
-              <a:rPr lang="en-US" b="1" dirty="0"/>
-              <a:t/>
-            </a:r>
             <a:br>
               <a:rPr lang="en-US" b="1" dirty="0"/>
             </a:br>
@@ -9056,11 +9030,11 @@
               <a:t>O</a:t>
             </a:r>
             <a:r>
-              <a:rPr lang="en-US" sz="2800" dirty="0" err="1" smtClean="0"/>
+              <a:rPr lang="en-US" sz="2800" dirty="0" err="1"/>
               <a:t>snovnu</a:t>
             </a:r>
             <a:r>
-              <a:rPr lang="en-US" sz="2800" dirty="0" smtClean="0"/>
+              <a:rPr lang="en-US" sz="2800" dirty="0"/>
               <a:t> </a:t>
             </a:r>
             <a:r>
@@ -9080,15 +9054,15 @@
               <a:t> </a:t>
             </a:r>
             <a:r>
-              <a:rPr lang="en-US" sz="2800" dirty="0" err="1" smtClean="0"/>
+              <a:rPr lang="en-US" sz="2800" dirty="0" err="1"/>
               <a:t>posjeduje</a:t>
             </a:r>
             <a:r>
-              <a:rPr lang="bs-Latn-BA" sz="2800" dirty="0" smtClean="0"/>
+              <a:rPr lang="bs-Latn-BA" sz="2800" dirty="0"/>
               <a:t> pregled i kupovina artikala,</a:t>
             </a:r>
             <a:r>
-              <a:rPr lang="en-US" sz="2800" dirty="0" smtClean="0"/>
+              <a:rPr lang="en-US" sz="2800" dirty="0"/>
               <a:t> </a:t>
             </a:r>
             <a:r>
@@ -9195,7 +9169,7 @@
               <a:rPr lang="en-US" sz="2800" dirty="0"/>
               <a:t>. </a:t>
             </a:r>
-            <a:endParaRPr lang="bs-Latn-BA" sz="2800" dirty="0" smtClean="0"/>
+            <a:endParaRPr lang="bs-Latn-BA" sz="2800" dirty="0"/>
           </a:p>
           <a:p>
             <a:r>
@@ -9519,41 +9493,56 @@
           <a:lstStyle/>
           <a:p>
             <a:r>
-              <a:rPr lang="bs-Latn-BA" dirty="0" smtClean="0"/>
+              <a:rPr lang="bs-Latn-BA" dirty="0"/>
               <a:t>Opis dijagram komponenti</a:t>
             </a:r>
             <a:endParaRPr lang="en-US" dirty="0"/>
           </a:p>
         </p:txBody>
       </p:sp>
-      <p:sp>
-        <p:nvSpPr>
-          <p:cNvPr id="3" name="Content Placeholder 2"/>
-          <p:cNvSpPr>
-            <a:spLocks noGrp="1"/>
-          </p:cNvSpPr>
+      <p:pic>
+        <p:nvPicPr>
+          <p:cNvPr id="1026" name="Picture 2" descr="https://raw.githubusercontent.com/ooad-2016-2017/Tim19-PraiseTheSun/master/DijagramKomponenata/Component1.jpg"/>
+          <p:cNvPicPr>
+            <a:picLocks noGrp="1" noChangeAspect="1" noChangeArrowheads="1"/>
+          </p:cNvPicPr>
           <p:nvPr>
             <p:ph idx="1"/>
           </p:nvPr>
-        </p:nvSpPr>
-        <p:spPr>
+        </p:nvPicPr>
+        <p:blipFill>
+          <a:blip r:embed="rId2">
+            <a:extLst>
+              <a:ext uri="{28A0092B-C50C-407E-A947-70E740481C1C}">
+                <a14:useLocalDpi xmlns:a14="http://schemas.microsoft.com/office/drawing/2010/main" val="0"/>
+              </a:ext>
+            </a:extLst>
+          </a:blip>
+          <a:srcRect/>
+          <a:stretch>
+            <a:fillRect/>
+          </a:stretch>
+        </p:blipFill>
+        <p:spPr bwMode="auto">
           <a:xfrm>
-            <a:off x="1103312" y="1352550"/>
-            <a:ext cx="8946541" cy="4895849"/>
+            <a:off x="1394912" y="1470859"/>
+            <a:ext cx="8838022" cy="4941971"/>
           </a:xfrm>
+          <a:prstGeom prst="rect">
+            <a:avLst/>
+          </a:prstGeom>
+          <a:noFill/>
+          <a:extLst>
+            <a:ext uri="{909E8E84-426E-40DD-AFC4-6F175D3DCCD1}">
+              <a14:hiddenFill xmlns:a14="http://schemas.microsoft.com/office/drawing/2010/main">
+                <a:solidFill>
+                  <a:srgbClr val="FFFFFF"/>
+                </a:solidFill>
+              </a14:hiddenFill>
+            </a:ext>
+          </a:extLst>
         </p:spPr>
-        <p:txBody>
-          <a:bodyPr/>
-          <a:lstStyle/>
-          <a:p>
-            <a:r>
-              <a:rPr lang="bs-Latn-BA" dirty="0" smtClean="0"/>
-              <a:t>Ne znam je li tačno lolololol</a:t>
-            </a:r>
-            <a:endParaRPr lang="en-US" dirty="0"/>
-          </a:p>
-        </p:txBody>
-      </p:sp>
+      </p:pic>
     </p:spTree>
     <p:extLst>
       <p:ext uri="{BB962C8B-B14F-4D97-AF65-F5344CB8AC3E}">
@@ -9605,7 +9594,7 @@
           <a:lstStyle/>
           <a:p>
             <a:r>
-              <a:rPr lang="bs-Latn-BA" dirty="0" smtClean="0"/>
+              <a:rPr lang="bs-Latn-BA" dirty="0"/>
               <a:t>Ideja za igru</a:t>
             </a:r>
             <a:endParaRPr lang="en-US" dirty="0"/>
@@ -9635,25 +9624,25 @@
           <a:lstStyle/>
           <a:p>
             <a:r>
-              <a:rPr lang="bs-Latn-BA" sz="3200" dirty="0" smtClean="0"/>
+              <a:rPr lang="bs-Latn-BA" sz="3200" dirty="0"/>
               <a:t>Postoje tri radnje u različitim bojama</a:t>
             </a:r>
           </a:p>
           <a:p>
             <a:r>
-              <a:rPr lang="bs-Latn-BA" sz="3200" dirty="0" smtClean="0"/>
+              <a:rPr lang="bs-Latn-BA" sz="3200" dirty="0"/>
               <a:t>Artikli padaju sa vrha ekrana</a:t>
             </a:r>
           </a:p>
           <a:p>
             <a:r>
-              <a:rPr lang="bs-Latn-BA" sz="3200" dirty="0" smtClean="0"/>
+              <a:rPr lang="bs-Latn-BA" sz="3200" dirty="0"/>
               <a:t>Trebaju se poslati artikli u odgovarajućim radnjama</a:t>
             </a:r>
           </a:p>
           <a:p>
             <a:r>
-              <a:rPr lang="bs-Latn-BA" sz="3200" dirty="0" smtClean="0"/>
+              <a:rPr lang="bs-Latn-BA" sz="3200" dirty="0"/>
               <a:t>Slično Guitar Hero-u</a:t>
             </a:r>
             <a:endParaRPr lang="en-US" sz="3200" dirty="0"/>
@@ -9714,6 +9703,58 @@
 </p:sld>
 </file>
 
+<file path=ppt/slides/slide22.xml><?xml version="1.0" encoding="utf-8"?>
+<p:sld xmlns:a="http://schemas.openxmlformats.org/drawingml/2006/main" xmlns:r="http://schemas.openxmlformats.org/officeDocument/2006/relationships" xmlns:p="http://schemas.openxmlformats.org/presentationml/2006/main">
+  <p:cSld>
+    <p:spTree>
+      <p:nvGrpSpPr>
+        <p:cNvPr id="1" name=""/>
+        <p:cNvGrpSpPr/>
+        <p:nvPr/>
+      </p:nvGrpSpPr>
+      <p:grpSpPr>
+        <a:xfrm>
+          <a:off x="0" y="0"/>
+          <a:ext cx="0" cy="0"/>
+          <a:chOff x="0" y="0"/>
+          <a:chExt cx="0" cy="0"/>
+        </a:xfrm>
+      </p:grpSpPr>
+      <p:sp>
+        <p:nvSpPr>
+          <p:cNvPr id="2" name="Title 1"/>
+          <p:cNvSpPr>
+            <a:spLocks noGrp="1"/>
+          </p:cNvSpPr>
+          <p:nvPr>
+            <p:ph type="title"/>
+          </p:nvPr>
+        </p:nvSpPr>
+        <p:spPr/>
+        <p:txBody>
+          <a:bodyPr/>
+          <a:lstStyle/>
+          <a:p>
+            <a:r>
+              <a:rPr lang="bs-Latn-BA" dirty="0"/>
+              <a:t>Hvala na pažnji!</a:t>
+            </a:r>
+          </a:p>
+        </p:txBody>
+      </p:sp>
+    </p:spTree>
+    <p:extLst>
+      <p:ext uri="{BB962C8B-B14F-4D97-AF65-F5344CB8AC3E}">
+        <p14:creationId xmlns:p14="http://schemas.microsoft.com/office/powerpoint/2010/main" val="2188133826"/>
+      </p:ext>
+    </p:extLst>
+  </p:cSld>
+  <p:clrMapOvr>
+    <a:masterClrMapping/>
+  </p:clrMapOvr>
+</p:sld>
+</file>
+
 <file path=ppt/slides/slide3.xml><?xml version="1.0" encoding="utf-8"?>
 <p:sld xmlns:a="http://schemas.openxmlformats.org/drawingml/2006/main" xmlns:r="http://schemas.openxmlformats.org/officeDocument/2006/relationships" xmlns:p="http://schemas.openxmlformats.org/presentationml/2006/main">
   <p:cSld>
@@ -9755,10 +9796,6 @@
               <a:rPr lang="en-US" b="1" dirty="0" err="1"/>
               <a:t>Funkcionalnosti</a:t>
             </a:r>
-            <a:r>
-              <a:rPr lang="en-US" b="1" dirty="0"/>
-              <a:t/>
-            </a:r>
             <a:br>
               <a:rPr lang="en-US" b="1" dirty="0"/>
             </a:br>
@@ -10249,6 +10286,12 @@
           </a:p>
           <a:p>
             <a:r>
+              <a:rPr lang="bs-Latn-BA" dirty="0"/>
+              <a:t>Mogućnost kupovanja kreditnom karticom</a:t>
+            </a:r>
+          </a:p>
+          <a:p>
+            <a:r>
               <a:rPr lang="en-US" dirty="0" err="1"/>
               <a:t>Mogućnost</a:t>
             </a:r>
@@ -10257,21 +10300,6 @@
               <a:t> </a:t>
             </a:r>
             <a:r>
-              <a:rPr lang="en-US" dirty="0" err="1" smtClean="0"/>
-              <a:t>kup</a:t>
-            </a:r>
-            <a:endParaRPr lang="bs-Latn-BA" dirty="0" smtClean="0"/>
-          </a:p>
-          <a:p>
-            <a:r>
-              <a:rPr lang="en-US" dirty="0" err="1"/>
-              <a:t>Mogućnost</a:t>
-            </a:r>
-            <a:r>
-              <a:rPr lang="en-US" dirty="0"/>
-              <a:t> </a:t>
-            </a:r>
-            <a:r>
               <a:rPr lang="en-US" dirty="0" err="1"/>
               <a:t>kupovanja</a:t>
             </a:r>
@@ -10395,29 +10423,9 @@
               <a:rPr lang="en-US" dirty="0" err="1"/>
               <a:t>artikal</a:t>
             </a:r>
-            <a:endParaRPr lang="en-US" dirty="0"/>
-          </a:p>
-          <a:p>
-            <a:r>
-              <a:rPr lang="en-US" dirty="0" err="1" smtClean="0"/>
-              <a:t>ovanja</a:t>
-            </a:r>
-            <a:r>
-              <a:rPr lang="en-US" dirty="0" smtClean="0"/>
-              <a:t> </a:t>
-            </a:r>
-            <a:r>
-              <a:rPr lang="en-US" dirty="0" err="1"/>
-              <a:t>kreditnom</a:t>
-            </a:r>
-            <a:r>
-              <a:rPr lang="en-US" dirty="0"/>
-              <a:t> </a:t>
-            </a:r>
-            <a:r>
-              <a:rPr lang="en-US" dirty="0" err="1"/>
-              <a:t>karticom</a:t>
-            </a:r>
+            <a:br>
+              <a:rPr lang="pl-PL" dirty="0"/>
+            </a:br>
             <a:endParaRPr lang="en-US" dirty="0"/>
           </a:p>
         </p:txBody>
@@ -10765,22 +10773,6 @@
             </a:r>
             <a:r>
               <a:rPr lang="en-US" dirty="0" err="1"/>
-              <a:t>raznih</a:t>
-            </a:r>
-            <a:r>
-              <a:rPr lang="en-US" dirty="0"/>
-              <a:t> </a:t>
-            </a:r>
-            <a:r>
-              <a:rPr lang="en-US" dirty="0" err="1"/>
-              <a:t>administrativnih</a:t>
-            </a:r>
-            <a:r>
-              <a:rPr lang="en-US" dirty="0"/>
-              <a:t> </a:t>
-            </a:r>
-            <a:r>
-              <a:rPr lang="en-US" dirty="0" err="1"/>
               <a:t>zahtjeva</a:t>
             </a:r>
             <a:r>
@@ -10797,7 +10789,7 @@
             </a:r>
             <a:r>
               <a:rPr lang="en-US" dirty="0" err="1"/>
-              <a:t>uposlenika</a:t>
+              <a:t>zaposlenika</a:t>
             </a:r>
             <a:r>
               <a:rPr lang="en-US" dirty="0"/>
@@ -10805,96 +10797,6 @@
             </a:r>
             <a:r>
               <a:rPr lang="en-US" dirty="0" err="1"/>
-              <a:t>za</a:t>
-            </a:r>
-            <a:r>
-              <a:rPr lang="en-US" dirty="0"/>
-              <a:t> </a:t>
-            </a:r>
-            <a:r>
-              <a:rPr lang="en-US" dirty="0" err="1"/>
-              <a:t>različite</a:t>
-            </a:r>
-            <a:r>
-              <a:rPr lang="en-US" dirty="0"/>
-              <a:t> </a:t>
-            </a:r>
-            <a:r>
-              <a:rPr lang="en-US" dirty="0" err="1"/>
-              <a:t>fizikalne</a:t>
-            </a:r>
-            <a:r>
-              <a:rPr lang="en-US" dirty="0"/>
-              <a:t> </a:t>
-            </a:r>
-            <a:r>
-              <a:rPr lang="en-US" dirty="0" err="1"/>
-              <a:t>probleme</a:t>
-            </a:r>
-            <a:r>
-              <a:rPr lang="en-US" dirty="0"/>
-              <a:t>(</a:t>
-            </a:r>
-            <a:r>
-              <a:rPr lang="en-US" dirty="0" err="1"/>
-              <a:t>premještanje</a:t>
-            </a:r>
-            <a:r>
-              <a:rPr lang="en-US" dirty="0"/>
-              <a:t>, </a:t>
-            </a:r>
-            <a:r>
-              <a:rPr lang="en-US" dirty="0" err="1"/>
-              <a:t>nabavka</a:t>
-            </a:r>
-            <a:r>
-              <a:rPr lang="en-US" dirty="0"/>
-              <a:t> robe, </a:t>
-            </a:r>
-            <a:r>
-              <a:rPr lang="en-US" dirty="0" err="1"/>
-              <a:t>i</a:t>
-            </a:r>
-            <a:r>
-              <a:rPr lang="en-US" dirty="0"/>
-              <a:t> sl.)</a:t>
-            </a:r>
-          </a:p>
-          <a:p>
-            <a:r>
-              <a:rPr lang="en-US" dirty="0" err="1"/>
-              <a:t>Podnošenje</a:t>
-            </a:r>
-            <a:r>
-              <a:rPr lang="en-US" dirty="0"/>
-              <a:t> </a:t>
-            </a:r>
-            <a:r>
-              <a:rPr lang="en-US" dirty="0" err="1"/>
-              <a:t>zahtjeva</a:t>
-            </a:r>
-            <a:r>
-              <a:rPr lang="en-US" dirty="0"/>
-              <a:t>(od </a:t>
-            </a:r>
-            <a:r>
-              <a:rPr lang="en-US" dirty="0" err="1"/>
-              <a:t>strane</a:t>
-            </a:r>
-            <a:r>
-              <a:rPr lang="en-US" dirty="0"/>
-              <a:t> </a:t>
-            </a:r>
-            <a:r>
-              <a:rPr lang="en-US" dirty="0" err="1"/>
-              <a:t>zaposlenika</a:t>
-            </a:r>
-            <a:r>
-              <a:rPr lang="en-US" dirty="0"/>
-              <a:t>) </a:t>
-            </a:r>
-            <a:r>
-              <a:rPr lang="en-US" dirty="0" err="1"/>
               <a:t>koji</a:t>
             </a:r>
             <a:r>
@@ -10912,61 +10814,6 @@
             <a:r>
               <a:rPr lang="en-US" dirty="0" err="1"/>
               <a:t>aplikacije</a:t>
-            </a:r>
-            <a:endParaRPr lang="en-US" dirty="0"/>
-          </a:p>
-          <a:p>
-            <a:r>
-              <a:rPr lang="en-US" dirty="0" err="1"/>
-              <a:t>Manuelna</a:t>
-            </a:r>
-            <a:r>
-              <a:rPr lang="en-US" dirty="0"/>
-              <a:t> </a:t>
-            </a:r>
-            <a:r>
-              <a:rPr lang="en-US" dirty="0" err="1"/>
-              <a:t>obrada</a:t>
-            </a:r>
-            <a:r>
-              <a:rPr lang="en-US" dirty="0"/>
-              <a:t> </a:t>
-            </a:r>
-            <a:r>
-              <a:rPr lang="en-US" dirty="0" err="1"/>
-              <a:t>zahtjeva</a:t>
-            </a:r>
-            <a:r>
-              <a:rPr lang="en-US" dirty="0"/>
-              <a:t> od </a:t>
-            </a:r>
-            <a:r>
-              <a:rPr lang="en-US" dirty="0" err="1"/>
-              <a:t>strane</a:t>
-            </a:r>
-            <a:r>
-              <a:rPr lang="en-US" dirty="0"/>
-              <a:t> </a:t>
-            </a:r>
-            <a:r>
-              <a:rPr lang="en-US" dirty="0" err="1"/>
-              <a:t>drugog</a:t>
-            </a:r>
-            <a:r>
-              <a:rPr lang="en-US" dirty="0"/>
-              <a:t> </a:t>
-            </a:r>
-            <a:r>
-              <a:rPr lang="en-US" dirty="0" err="1"/>
-              <a:t>uposlenika</a:t>
-            </a:r>
-            <a:r>
-              <a:rPr lang="en-US" dirty="0"/>
-              <a:t> / </a:t>
-            </a:r>
-            <a:r>
-              <a:rPr lang="en-US" dirty="0" err="1"/>
-              <a:t>admina</a:t>
             </a:r>
             <a:endParaRPr lang="en-US" dirty="0"/>
           </a:p>
@@ -11120,7 +10967,7 @@
           <a:lstStyle/>
           <a:p>
             <a:r>
-              <a:rPr lang="bs-Latn-BA" dirty="0" smtClean="0"/>
+              <a:rPr lang="bs-Latn-BA" dirty="0"/>
               <a:t>Procesi</a:t>
             </a:r>
             <a:endParaRPr lang="en-US" dirty="0"/>
@@ -12117,7 +11964,7 @@
         </p:spPr>
         <p:txBody>
           <a:bodyPr>
-            <a:normAutofit fontScale="92500" lnSpcReduction="20000"/>
+            <a:normAutofit fontScale="92500" lnSpcReduction="10000"/>
           </a:bodyPr>
           <a:lstStyle/>
           <a:p>
@@ -12125,16 +11972,12 @@
               <a:buNone/>
             </a:pPr>
             <a:r>
-              <a:rPr lang="en-US" sz="2800" b="1" dirty="0" err="1" smtClean="0"/>
+              <a:rPr lang="en-US" sz="2800" b="1" dirty="0" err="1"/>
               <a:t>Kupovina</a:t>
             </a:r>
             <a:r>
-              <a:rPr lang="en-US" sz="2800" b="1" dirty="0" smtClean="0"/>
-              <a:t> </a:t>
-            </a:r>
-            <a:r>
               <a:rPr lang="en-US" sz="2800" b="1" dirty="0"/>
-              <a:t>robe</a:t>
+              <a:t> robe</a:t>
             </a:r>
           </a:p>
           <a:p>
@@ -12990,327 +12833,9 @@
           </a:p>
           <a:p>
             <a:r>
-              <a:rPr lang="en-US" dirty="0" err="1"/>
-              <a:t>Korisnik</a:t>
-            </a:r>
-            <a:r>
-              <a:rPr lang="en-US" dirty="0"/>
-              <a:t> </a:t>
-            </a:r>
-            <a:r>
-              <a:rPr lang="en-US" dirty="0" err="1"/>
-              <a:t>može</a:t>
-            </a:r>
-            <a:r>
-              <a:rPr lang="en-US" dirty="0"/>
-              <a:t> </a:t>
-            </a:r>
-            <a:r>
-              <a:rPr lang="en-US" dirty="0" err="1"/>
-              <a:t>kroz</a:t>
-            </a:r>
-            <a:r>
-              <a:rPr lang="en-US" dirty="0"/>
-              <a:t> </a:t>
-            </a:r>
-            <a:r>
-              <a:rPr lang="en-US" dirty="0" err="1"/>
-              <a:t>profil</a:t>
-            </a:r>
-            <a:r>
-              <a:rPr lang="en-US" dirty="0"/>
-              <a:t> </a:t>
-            </a:r>
-            <a:r>
-              <a:rPr lang="en-US" dirty="0" err="1"/>
-              <a:t>pristupiti</a:t>
-            </a:r>
-            <a:r>
-              <a:rPr lang="en-US" dirty="0"/>
-              <a:t> </a:t>
-            </a:r>
-            <a:r>
-              <a:rPr lang="en-US" dirty="0" err="1"/>
-              <a:t>pregledu</a:t>
-            </a:r>
-            <a:r>
-              <a:rPr lang="en-US" dirty="0"/>
-              <a:t> </a:t>
-            </a:r>
-            <a:r>
-              <a:rPr lang="en-US" dirty="0" err="1"/>
-              <a:t>svoje</a:t>
-            </a:r>
-            <a:r>
-              <a:rPr lang="en-US" dirty="0"/>
-              <a:t> </a:t>
-            </a:r>
-            <a:r>
-              <a:rPr lang="en-US" dirty="0" err="1"/>
-              <a:t>kolekcije</a:t>
-            </a:r>
-            <a:r>
-              <a:rPr lang="en-US" dirty="0"/>
-              <a:t> </a:t>
-            </a:r>
-            <a:r>
-              <a:rPr lang="en-US" dirty="0" err="1"/>
-              <a:t>i</a:t>
-            </a:r>
-            <a:r>
-              <a:rPr lang="en-US" dirty="0"/>
-              <a:t> </a:t>
-            </a:r>
-            <a:r>
-              <a:rPr lang="en-US" dirty="0" err="1"/>
-              <a:t>kroz</a:t>
-            </a:r>
-            <a:r>
-              <a:rPr lang="en-US" dirty="0"/>
-              <a:t> to </a:t>
-            </a:r>
-            <a:r>
-              <a:rPr lang="en-US" dirty="0" err="1"/>
-              <a:t>podnijeti</a:t>
-            </a:r>
-            <a:r>
-              <a:rPr lang="en-US" dirty="0"/>
-              <a:t> </a:t>
-            </a:r>
-            <a:r>
-              <a:rPr lang="en-US" dirty="0" err="1"/>
-              <a:t>zahtjev</a:t>
-            </a:r>
-            <a:r>
-              <a:rPr lang="en-US" dirty="0"/>
-              <a:t> </a:t>
-            </a:r>
-            <a:r>
-              <a:rPr lang="en-US" dirty="0" err="1"/>
-              <a:t>za</a:t>
-            </a:r>
-            <a:r>
-              <a:rPr lang="en-US" dirty="0"/>
-              <a:t> </a:t>
-            </a:r>
-            <a:r>
-              <a:rPr lang="en-US" dirty="0" err="1"/>
-              <a:t>povratak</a:t>
-            </a:r>
-            <a:r>
-              <a:rPr lang="en-US" dirty="0"/>
-              <a:t> robe </a:t>
-            </a:r>
-            <a:r>
-              <a:rPr lang="en-US" dirty="0" err="1"/>
-              <a:t>davajući</a:t>
-            </a:r>
-            <a:r>
-              <a:rPr lang="en-US" dirty="0"/>
-              <a:t> </a:t>
-            </a:r>
-            <a:r>
-              <a:rPr lang="en-US" dirty="0" err="1"/>
-              <a:t>usput</a:t>
-            </a:r>
-            <a:r>
-              <a:rPr lang="en-US" dirty="0"/>
-              <a:t> </a:t>
-            </a:r>
-            <a:r>
-              <a:rPr lang="en-US" dirty="0" err="1"/>
-              <a:t>odgovarajući</a:t>
-            </a:r>
-            <a:r>
-              <a:rPr lang="en-US" dirty="0"/>
-              <a:t> </a:t>
-            </a:r>
-            <a:r>
-              <a:rPr lang="en-US" dirty="0" err="1"/>
-              <a:t>komentar</a:t>
-            </a:r>
-            <a:r>
-              <a:rPr lang="en-US" dirty="0"/>
-              <a:t>. </a:t>
-            </a:r>
-            <a:r>
-              <a:rPr lang="en-US" dirty="0" err="1"/>
-              <a:t>Ovaj</a:t>
-            </a:r>
-            <a:r>
-              <a:rPr lang="en-US" dirty="0"/>
-              <a:t> </a:t>
-            </a:r>
-            <a:r>
-              <a:rPr lang="en-US" dirty="0" err="1"/>
-              <a:t>zahtjev</a:t>
-            </a:r>
-            <a:r>
-              <a:rPr lang="en-US" dirty="0"/>
-              <a:t> </a:t>
-            </a:r>
-            <a:r>
-              <a:rPr lang="en-US" dirty="0" err="1"/>
-              <a:t>procesuira</a:t>
-            </a:r>
-            <a:r>
-              <a:rPr lang="en-US" dirty="0"/>
-              <a:t> </a:t>
-            </a:r>
-            <a:r>
-              <a:rPr lang="en-US" dirty="0" err="1"/>
-              <a:t>neki</a:t>
-            </a:r>
-            <a:r>
-              <a:rPr lang="en-US" dirty="0"/>
-              <a:t> od </a:t>
-            </a:r>
-            <a:r>
-              <a:rPr lang="en-US" dirty="0" err="1"/>
-              <a:t>uposlenika</a:t>
-            </a:r>
-            <a:r>
-              <a:rPr lang="en-US" dirty="0"/>
-              <a:t> </a:t>
-            </a:r>
-            <a:r>
-              <a:rPr lang="en-US" dirty="0" err="1"/>
-              <a:t>i</a:t>
-            </a:r>
-            <a:r>
-              <a:rPr lang="en-US" dirty="0"/>
-              <a:t> </a:t>
-            </a:r>
-            <a:r>
-              <a:rPr lang="en-US" dirty="0" err="1"/>
-              <a:t>daje</a:t>
-            </a:r>
-            <a:r>
-              <a:rPr lang="en-US" dirty="0"/>
-              <a:t> </a:t>
-            </a:r>
-            <a:r>
-              <a:rPr lang="en-US" dirty="0" err="1"/>
-              <a:t>odgovarajuće</a:t>
-            </a:r>
-            <a:r>
-              <a:rPr lang="en-US" dirty="0"/>
-              <a:t> </a:t>
-            </a:r>
-            <a:r>
-              <a:rPr lang="en-US" dirty="0" err="1"/>
-              <a:t>obrazloženje</a:t>
-            </a:r>
-            <a:r>
-              <a:rPr lang="en-US" dirty="0"/>
-              <a:t> </a:t>
-            </a:r>
-            <a:r>
-              <a:rPr lang="en-US" dirty="0" err="1"/>
-              <a:t>kada</a:t>
-            </a:r>
-            <a:r>
-              <a:rPr lang="en-US" dirty="0"/>
-              <a:t> </a:t>
-            </a:r>
-            <a:r>
-              <a:rPr lang="en-US" dirty="0" err="1"/>
-              <a:t>odobri</a:t>
-            </a:r>
-            <a:r>
-              <a:rPr lang="en-US" dirty="0"/>
-              <a:t> </a:t>
-            </a:r>
-            <a:r>
-              <a:rPr lang="en-US" dirty="0" err="1"/>
-              <a:t>ili</a:t>
-            </a:r>
-            <a:r>
-              <a:rPr lang="en-US" dirty="0"/>
-              <a:t> </a:t>
-            </a:r>
-            <a:r>
-              <a:rPr lang="en-US" dirty="0" err="1"/>
-              <a:t>odbije</a:t>
-            </a:r>
-            <a:r>
-              <a:rPr lang="en-US" dirty="0"/>
-              <a:t> </a:t>
-            </a:r>
-            <a:r>
-              <a:rPr lang="en-US" dirty="0" err="1"/>
-              <a:t>zahtjev</a:t>
-            </a:r>
-            <a:r>
-              <a:rPr lang="en-US" dirty="0"/>
-              <a:t>. U </a:t>
-            </a:r>
-            <a:r>
-              <a:rPr lang="en-US" dirty="0" err="1"/>
-              <a:t>slučaju</a:t>
-            </a:r>
-            <a:r>
-              <a:rPr lang="en-US" dirty="0"/>
-              <a:t> </a:t>
-            </a:r>
-            <a:r>
-              <a:rPr lang="en-US" dirty="0" err="1"/>
-              <a:t>odobrenja</a:t>
-            </a:r>
-            <a:r>
-              <a:rPr lang="en-US" dirty="0"/>
-              <a:t>, </a:t>
-            </a:r>
-            <a:r>
-              <a:rPr lang="en-US" dirty="0" err="1"/>
-              <a:t>korisnik</a:t>
-            </a:r>
-            <a:r>
-              <a:rPr lang="en-US" dirty="0"/>
-              <a:t> </a:t>
-            </a:r>
-            <a:r>
-              <a:rPr lang="en-US" dirty="0" err="1"/>
-              <a:t>biva</a:t>
-            </a:r>
-            <a:r>
-              <a:rPr lang="en-US" dirty="0"/>
-              <a:t> </a:t>
-            </a:r>
-            <a:r>
-              <a:rPr lang="en-US" dirty="0" err="1"/>
-              <a:t>obaviješten</a:t>
-            </a:r>
-            <a:r>
-              <a:rPr lang="en-US" dirty="0"/>
-              <a:t> o </a:t>
-            </a:r>
-            <a:r>
-              <a:rPr lang="en-US" dirty="0" err="1"/>
-              <a:t>konkretnostima</a:t>
-            </a:r>
-            <a:r>
-              <a:rPr lang="en-US" dirty="0"/>
-              <a:t> </a:t>
-            </a:r>
-            <a:r>
-              <a:rPr lang="en-US" dirty="0" err="1"/>
-              <a:t>ovog</a:t>
-            </a:r>
-            <a:r>
-              <a:rPr lang="en-US" dirty="0"/>
-              <a:t> </a:t>
-            </a:r>
-            <a:r>
-              <a:rPr lang="en-US" dirty="0" err="1"/>
-              <a:t>povratka</a:t>
-            </a:r>
-            <a:r>
-              <a:rPr lang="en-US" dirty="0"/>
-              <a:t>.</a:t>
-            </a:r>
-          </a:p>
-          <a:p>
+              <a:rPr lang="bs-Latn-BA" dirty="0"/>
+              <a:t>Korisnik može kroz profil pristupiti pregledu svoje kolekcije i kroz to podnijeti zahtjev za povratak robe unutar nekog vremena kupovine te (elektronske) robe.</a:t>
+            </a:r>
             <a:endParaRPr lang="en-US" dirty="0"/>
           </a:p>
         </p:txBody>
@@ -13640,399 +13165,9 @@
           </a:p>
           <a:p>
             <a:r>
-              <a:rPr lang="en-US" dirty="0" err="1"/>
-              <a:t>Uposlenici</a:t>
-            </a:r>
-            <a:r>
-              <a:rPr lang="en-US" dirty="0"/>
-              <a:t> tog </a:t>
-            </a:r>
-            <a:r>
-              <a:rPr lang="en-US" dirty="0" err="1"/>
-              <a:t>biznisa</a:t>
-            </a:r>
-            <a:r>
-              <a:rPr lang="en-US" dirty="0"/>
-              <a:t> </a:t>
-            </a:r>
-            <a:r>
-              <a:rPr lang="en-US" dirty="0" err="1"/>
-              <a:t>imaju</a:t>
-            </a:r>
-            <a:r>
-              <a:rPr lang="en-US" dirty="0"/>
-              <a:t> </a:t>
-            </a:r>
-            <a:r>
-              <a:rPr lang="en-US" dirty="0" err="1"/>
-              <a:t>mogućnost</a:t>
-            </a:r>
-            <a:r>
-              <a:rPr lang="en-US" dirty="0"/>
-              <a:t> </a:t>
-            </a:r>
-            <a:r>
-              <a:rPr lang="en-US" dirty="0" err="1"/>
-              <a:t>kroz</a:t>
-            </a:r>
-            <a:r>
-              <a:rPr lang="en-US" dirty="0"/>
-              <a:t> </a:t>
-            </a:r>
-            <a:r>
-              <a:rPr lang="en-US" dirty="0" err="1"/>
-              <a:t>svoje</a:t>
-            </a:r>
-            <a:r>
-              <a:rPr lang="en-US" dirty="0"/>
-              <a:t> profile da </a:t>
-            </a:r>
-            <a:r>
-              <a:rPr lang="en-US" dirty="0" err="1"/>
-              <a:t>podnose</a:t>
-            </a:r>
-            <a:r>
-              <a:rPr lang="en-US" dirty="0"/>
-              <a:t> </a:t>
-            </a:r>
-            <a:r>
-              <a:rPr lang="en-US" dirty="0" err="1"/>
-              <a:t>zahtjeve</a:t>
-            </a:r>
-            <a:r>
-              <a:rPr lang="en-US" dirty="0"/>
-              <a:t> </a:t>
-            </a:r>
-            <a:r>
-              <a:rPr lang="en-US" dirty="0" err="1"/>
-              <a:t>za</a:t>
-            </a:r>
-            <a:r>
-              <a:rPr lang="en-US" dirty="0"/>
-              <a:t> </a:t>
-            </a:r>
-            <a:r>
-              <a:rPr lang="en-US" dirty="0" err="1"/>
-              <a:t>razne</a:t>
-            </a:r>
-            <a:r>
-              <a:rPr lang="en-US" dirty="0"/>
-              <a:t> </a:t>
-            </a:r>
-            <a:r>
-              <a:rPr lang="en-US" dirty="0" err="1"/>
-              <a:t>svrhe</a:t>
-            </a:r>
-            <a:r>
-              <a:rPr lang="en-US" dirty="0"/>
-              <a:t> </a:t>
-            </a:r>
-            <a:r>
-              <a:rPr lang="en-US" dirty="0" err="1"/>
-              <a:t>kao</a:t>
-            </a:r>
-            <a:r>
-              <a:rPr lang="en-US" dirty="0"/>
-              <a:t> </a:t>
-            </a:r>
-            <a:r>
-              <a:rPr lang="en-US" dirty="0" err="1"/>
-              <a:t>što</a:t>
-            </a:r>
-            <a:r>
-              <a:rPr lang="en-US" dirty="0"/>
-              <a:t> </a:t>
-            </a:r>
-            <a:r>
-              <a:rPr lang="en-US" dirty="0" err="1"/>
-              <a:t>su</a:t>
-            </a:r>
-            <a:r>
-              <a:rPr lang="en-US" dirty="0"/>
-              <a:t> </a:t>
-            </a:r>
-            <a:r>
-              <a:rPr lang="en-US" dirty="0" err="1"/>
-              <a:t>nabavka</a:t>
-            </a:r>
-            <a:r>
-              <a:rPr lang="en-US" dirty="0"/>
-              <a:t> robe, </a:t>
-            </a:r>
-            <a:r>
-              <a:rPr lang="en-US" dirty="0" err="1"/>
-              <a:t>premještanje</a:t>
-            </a:r>
-            <a:r>
-              <a:rPr lang="en-US" dirty="0"/>
-              <a:t> robe </a:t>
-            </a:r>
-            <a:r>
-              <a:rPr lang="en-US" dirty="0" err="1"/>
-              <a:t>sa</a:t>
-            </a:r>
-            <a:r>
-              <a:rPr lang="en-US" dirty="0"/>
-              <a:t> </a:t>
-            </a:r>
-            <a:r>
-              <a:rPr lang="en-US" dirty="0" err="1"/>
-              <a:t>jednog</a:t>
-            </a:r>
-            <a:r>
-              <a:rPr lang="en-US" dirty="0"/>
-              <a:t> </a:t>
-            </a:r>
-            <a:r>
-              <a:rPr lang="en-US" dirty="0" err="1"/>
-              <a:t>mjesta</a:t>
-            </a:r>
-            <a:r>
-              <a:rPr lang="en-US" dirty="0"/>
-              <a:t> </a:t>
-            </a:r>
-            <a:r>
-              <a:rPr lang="en-US" dirty="0" err="1"/>
-              <a:t>na</a:t>
-            </a:r>
-            <a:r>
-              <a:rPr lang="en-US" dirty="0"/>
-              <a:t> </a:t>
-            </a:r>
-            <a:r>
-              <a:rPr lang="en-US" dirty="0" err="1"/>
-              <a:t>drugo</a:t>
-            </a:r>
-            <a:r>
-              <a:rPr lang="en-US" dirty="0"/>
-              <a:t>, </a:t>
-            </a:r>
-            <a:r>
-              <a:rPr lang="en-US" dirty="0" err="1"/>
-              <a:t>dodavanje</a:t>
-            </a:r>
-            <a:r>
-              <a:rPr lang="en-US" dirty="0"/>
-              <a:t> </a:t>
-            </a:r>
-            <a:r>
-              <a:rPr lang="en-US" dirty="0" err="1"/>
-              <a:t>lokacija</a:t>
-            </a:r>
-            <a:r>
-              <a:rPr lang="en-US" dirty="0"/>
-              <a:t> </a:t>
-            </a:r>
-            <a:r>
-              <a:rPr lang="en-US" dirty="0" err="1"/>
-              <a:t>na</a:t>
-            </a:r>
-            <a:r>
-              <a:rPr lang="en-US" dirty="0"/>
-              <a:t> </a:t>
-            </a:r>
-            <a:r>
-              <a:rPr lang="en-US" dirty="0" err="1"/>
-              <a:t>sistem</a:t>
-            </a:r>
-            <a:r>
-              <a:rPr lang="en-US" dirty="0"/>
-              <a:t> </a:t>
-            </a:r>
-            <a:r>
-              <a:rPr lang="en-US" dirty="0" err="1"/>
-              <a:t>mapa</a:t>
-            </a:r>
-            <a:r>
-              <a:rPr lang="en-US" dirty="0"/>
-              <a:t>(</a:t>
-            </a:r>
-            <a:r>
-              <a:rPr lang="en-US" dirty="0" err="1"/>
-              <a:t>vanjski</a:t>
-            </a:r>
-            <a:r>
-              <a:rPr lang="en-US" dirty="0"/>
-              <a:t> </a:t>
-            </a:r>
-            <a:r>
-              <a:rPr lang="en-US" dirty="0" err="1"/>
-              <a:t>sistem</a:t>
-            </a:r>
-            <a:r>
-              <a:rPr lang="en-US" dirty="0"/>
-              <a:t>), </a:t>
-            </a:r>
-            <a:r>
-              <a:rPr lang="en-US" dirty="0" err="1"/>
-              <a:t>itd</a:t>
-            </a:r>
-            <a:r>
-              <a:rPr lang="en-US" dirty="0"/>
-              <a:t>. </a:t>
-            </a:r>
-            <a:r>
-              <a:rPr lang="en-US" dirty="0" err="1"/>
-              <a:t>Osim</a:t>
-            </a:r>
-            <a:r>
-              <a:rPr lang="en-US" dirty="0"/>
-              <a:t> toga </a:t>
-            </a:r>
-            <a:r>
-              <a:rPr lang="en-US" dirty="0" err="1"/>
-              <a:t>drugi</a:t>
-            </a:r>
-            <a:r>
-              <a:rPr lang="en-US" dirty="0"/>
-              <a:t> </a:t>
-            </a:r>
-            <a:r>
-              <a:rPr lang="en-US" dirty="0" err="1"/>
-              <a:t>uposlenici</a:t>
-            </a:r>
-            <a:r>
-              <a:rPr lang="en-US" dirty="0"/>
-              <a:t>/</a:t>
-            </a:r>
-            <a:r>
-              <a:rPr lang="en-US" dirty="0" err="1"/>
-              <a:t>admini</a:t>
-            </a:r>
-            <a:r>
-              <a:rPr lang="en-US" dirty="0"/>
-              <a:t> </a:t>
-            </a:r>
-            <a:r>
-              <a:rPr lang="en-US" dirty="0" err="1"/>
-              <a:t>mogu</a:t>
-            </a:r>
-            <a:r>
-              <a:rPr lang="en-US" dirty="0"/>
-              <a:t> da </a:t>
-            </a:r>
-            <a:r>
-              <a:rPr lang="en-US" dirty="0" err="1"/>
-              <a:t>odobravaju</a:t>
-            </a:r>
-            <a:r>
-              <a:rPr lang="en-US" dirty="0"/>
-              <a:t> </a:t>
-            </a:r>
-            <a:r>
-              <a:rPr lang="en-US" dirty="0" err="1"/>
-              <a:t>ili</a:t>
-            </a:r>
-            <a:r>
-              <a:rPr lang="en-US" dirty="0"/>
-              <a:t> </a:t>
-            </a:r>
-            <a:r>
-              <a:rPr lang="en-US" dirty="0" err="1"/>
-              <a:t>odbijaju</a:t>
-            </a:r>
-            <a:r>
-              <a:rPr lang="en-US" dirty="0"/>
-              <a:t> </a:t>
-            </a:r>
-            <a:r>
-              <a:rPr lang="en-US" dirty="0" err="1"/>
-              <a:t>ove</a:t>
-            </a:r>
-            <a:r>
-              <a:rPr lang="en-US" dirty="0"/>
-              <a:t> </a:t>
-            </a:r>
-            <a:r>
-              <a:rPr lang="en-US" dirty="0" err="1"/>
-              <a:t>zahtjeve</a:t>
-            </a:r>
-            <a:r>
-              <a:rPr lang="en-US" dirty="0"/>
-              <a:t> </a:t>
-            </a:r>
-            <a:r>
-              <a:rPr lang="en-US" dirty="0" err="1"/>
-              <a:t>ili</a:t>
-            </a:r>
-            <a:r>
-              <a:rPr lang="en-US" dirty="0"/>
-              <a:t> </a:t>
-            </a:r>
-            <a:r>
-              <a:rPr lang="en-US" dirty="0" err="1"/>
-              <a:t>sistem</a:t>
-            </a:r>
-            <a:r>
-              <a:rPr lang="en-US" dirty="0"/>
-              <a:t> </a:t>
-            </a:r>
-            <a:r>
-              <a:rPr lang="en-US" dirty="0" err="1"/>
-              <a:t>sam</a:t>
-            </a:r>
-            <a:r>
-              <a:rPr lang="en-US" dirty="0"/>
-              <a:t> </a:t>
-            </a:r>
-            <a:r>
-              <a:rPr lang="en-US" dirty="0" err="1"/>
-              <a:t>može</a:t>
-            </a:r>
-            <a:r>
-              <a:rPr lang="en-US" dirty="0"/>
-              <a:t> da to </a:t>
-            </a:r>
-            <a:r>
-              <a:rPr lang="en-US" dirty="0" err="1"/>
-              <a:t>uradi</a:t>
-            </a:r>
-            <a:r>
-              <a:rPr lang="en-US" dirty="0"/>
-              <a:t> </a:t>
-            </a:r>
-            <a:r>
-              <a:rPr lang="en-US" dirty="0" err="1"/>
-              <a:t>ukoliko</a:t>
-            </a:r>
-            <a:r>
-              <a:rPr lang="en-US" dirty="0"/>
-              <a:t> se </a:t>
-            </a:r>
-            <a:r>
-              <a:rPr lang="en-US" dirty="0" err="1"/>
-              <a:t>zahtjev</a:t>
-            </a:r>
-            <a:r>
-              <a:rPr lang="en-US" dirty="0"/>
-              <a:t> tog </a:t>
-            </a:r>
-            <a:r>
-              <a:rPr lang="en-US" dirty="0" err="1"/>
-              <a:t>tipa</a:t>
-            </a:r>
-            <a:r>
-              <a:rPr lang="en-US" dirty="0"/>
-              <a:t> </a:t>
-            </a:r>
-            <a:r>
-              <a:rPr lang="en-US" dirty="0" err="1"/>
-              <a:t>automatski</a:t>
-            </a:r>
-            <a:r>
-              <a:rPr lang="en-US" dirty="0"/>
-              <a:t> </a:t>
-            </a:r>
-            <a:r>
-              <a:rPr lang="en-US" dirty="0" err="1"/>
-              <a:t>procesira</a:t>
-            </a:r>
-            <a:r>
-              <a:rPr lang="en-US" dirty="0"/>
-              <a:t>.</a:t>
-            </a:r>
-          </a:p>
-          <a:p>
+              <a:rPr lang="bs-Latn-BA" dirty="0"/>
+              <a:t>Uposlenici tog biznisa imaju mogućnost kroz svoje profile da podnose zahtjeve za dodavanje i brisanje lokacija sa sistema za mape, prodaju robe i sl.</a:t>
+            </a:r>
             <a:endParaRPr lang="en-US" dirty="0"/>
           </a:p>
         </p:txBody>
@@ -14088,7 +13223,7 @@
           <a:lstStyle/>
           <a:p>
             <a:r>
-              <a:rPr lang="bs-Latn-BA" dirty="0" smtClean="0"/>
+              <a:rPr lang="bs-Latn-BA" dirty="0"/>
               <a:t>Akteri</a:t>
             </a:r>
             <a:endParaRPr lang="en-US" dirty="0"/>
@@ -14113,783 +13248,32 @@
         </p:spPr>
         <p:txBody>
           <a:bodyPr>
-            <a:normAutofit lnSpcReduction="10000"/>
+            <a:normAutofit/>
           </a:bodyPr>
           <a:lstStyle/>
           <a:p>
             <a:r>
-              <a:rPr lang="en-US" dirty="0" err="1"/>
-              <a:t>Korisnik</a:t>
-            </a:r>
-            <a:r>
-              <a:rPr lang="en-US" dirty="0"/>
-              <a:t> </a:t>
-            </a:r>
-            <a:r>
-              <a:rPr lang="en-US" dirty="0" err="1"/>
-              <a:t>usluga</a:t>
-            </a:r>
-            <a:r>
-              <a:rPr lang="en-US" dirty="0"/>
-              <a:t>: To je </a:t>
-            </a:r>
-            <a:r>
-              <a:rPr lang="en-US" dirty="0" err="1"/>
-              <a:t>osoba</a:t>
-            </a:r>
-            <a:r>
-              <a:rPr lang="en-US" dirty="0"/>
-              <a:t> </a:t>
-            </a:r>
-            <a:r>
-              <a:rPr lang="en-US" dirty="0" err="1"/>
-              <a:t>koja</a:t>
-            </a:r>
-            <a:r>
-              <a:rPr lang="en-US" dirty="0"/>
-              <a:t> </a:t>
-            </a:r>
-            <a:r>
-              <a:rPr lang="en-US" dirty="0" err="1"/>
-              <a:t>ima</a:t>
-            </a:r>
-            <a:r>
-              <a:rPr lang="en-US" dirty="0"/>
-              <a:t> </a:t>
-            </a:r>
-            <a:r>
-              <a:rPr lang="en-US" dirty="0" err="1"/>
-              <a:t>mogućnosti</a:t>
-            </a:r>
-            <a:r>
-              <a:rPr lang="en-US" dirty="0"/>
-              <a:t> </a:t>
-            </a:r>
-            <a:r>
-              <a:rPr lang="en-US" dirty="0" err="1"/>
-              <a:t>pregleda</a:t>
-            </a:r>
-            <a:r>
-              <a:rPr lang="en-US" dirty="0"/>
-              <a:t>, </a:t>
-            </a:r>
-            <a:r>
-              <a:rPr lang="en-US" dirty="0" err="1"/>
-              <a:t>kupovine</a:t>
-            </a:r>
-            <a:r>
-              <a:rPr lang="en-US" dirty="0"/>
-              <a:t> </a:t>
-            </a:r>
-            <a:r>
-              <a:rPr lang="en-US" dirty="0" err="1"/>
-              <a:t>i</a:t>
-            </a:r>
-            <a:r>
-              <a:rPr lang="en-US" dirty="0"/>
-              <a:t> </a:t>
-            </a:r>
-            <a:r>
-              <a:rPr lang="en-US" dirty="0" err="1"/>
-              <a:t>povratka</a:t>
-            </a:r>
-            <a:r>
-              <a:rPr lang="en-US" dirty="0"/>
-              <a:t> robe </a:t>
-            </a:r>
-            <a:r>
-              <a:rPr lang="en-US" dirty="0" err="1"/>
-              <a:t>unutar</a:t>
-            </a:r>
-            <a:r>
-              <a:rPr lang="en-US" dirty="0"/>
-              <a:t> online </a:t>
-            </a:r>
-            <a:r>
-              <a:rPr lang="en-US" dirty="0" err="1"/>
-              <a:t>prodavnice</a:t>
-            </a:r>
-            <a:r>
-              <a:rPr lang="en-US" dirty="0"/>
-              <a:t>.</a:t>
-            </a:r>
-          </a:p>
-          <a:p>
-            <a:r>
-              <a:rPr lang="en-US" dirty="0" err="1"/>
-              <a:t>Uposlenik</a:t>
-            </a:r>
-            <a:r>
-              <a:rPr lang="en-US" dirty="0"/>
-              <a:t>: On je </a:t>
-            </a:r>
-            <a:r>
-              <a:rPr lang="en-US" dirty="0" err="1"/>
-              <a:t>zadužen</a:t>
-            </a:r>
-            <a:r>
-              <a:rPr lang="en-US" dirty="0"/>
-              <a:t> </a:t>
-            </a:r>
-            <a:r>
-              <a:rPr lang="en-US" dirty="0" err="1"/>
-              <a:t>za</a:t>
-            </a:r>
-            <a:r>
-              <a:rPr lang="en-US" dirty="0"/>
-              <a:t> </a:t>
-            </a:r>
-            <a:r>
-              <a:rPr lang="en-US" dirty="0" err="1"/>
-              <a:t>razne</a:t>
-            </a:r>
-            <a:r>
-              <a:rPr lang="en-US" dirty="0"/>
-              <a:t> </a:t>
-            </a:r>
-            <a:r>
-              <a:rPr lang="en-US" dirty="0" err="1"/>
-              <a:t>administrativne</a:t>
-            </a:r>
-            <a:r>
-              <a:rPr lang="en-US" dirty="0"/>
-              <a:t> </a:t>
-            </a:r>
-            <a:r>
-              <a:rPr lang="en-US" dirty="0" err="1"/>
-              <a:t>poslove</a:t>
-            </a:r>
-            <a:r>
-              <a:rPr lang="en-US" dirty="0"/>
-              <a:t> </a:t>
-            </a:r>
-            <a:r>
-              <a:rPr lang="en-US" dirty="0" err="1"/>
-              <a:t>na</a:t>
-            </a:r>
-            <a:r>
-              <a:rPr lang="en-US" dirty="0"/>
-              <a:t> </a:t>
-            </a:r>
-            <a:r>
-              <a:rPr lang="en-US" dirty="0" err="1"/>
-              <a:t>poslovnim</a:t>
-            </a:r>
-            <a:r>
-              <a:rPr lang="en-US" dirty="0"/>
-              <a:t> </a:t>
-            </a:r>
-            <a:r>
-              <a:rPr lang="en-US" dirty="0" err="1"/>
-              <a:t>mjestima</a:t>
-            </a:r>
-            <a:r>
-              <a:rPr lang="en-US" dirty="0"/>
-              <a:t>, </a:t>
-            </a:r>
-            <a:r>
-              <a:rPr lang="en-US" dirty="0" err="1"/>
-              <a:t>te</a:t>
-            </a:r>
-            <a:r>
-              <a:rPr lang="en-US" dirty="0"/>
-              <a:t> </a:t>
-            </a:r>
-            <a:r>
-              <a:rPr lang="en-US" dirty="0" err="1"/>
-              <a:t>za</a:t>
-            </a:r>
-            <a:r>
-              <a:rPr lang="en-US" dirty="0"/>
-              <a:t> </a:t>
-            </a:r>
-            <a:r>
-              <a:rPr lang="en-US" dirty="0" err="1"/>
-              <a:t>komunikaciju</a:t>
-            </a:r>
-            <a:r>
-              <a:rPr lang="en-US" dirty="0"/>
-              <a:t> u </a:t>
-            </a:r>
-            <a:r>
-              <a:rPr lang="en-US" dirty="0" err="1"/>
-              <a:t>vidu</a:t>
-            </a:r>
-            <a:r>
-              <a:rPr lang="en-US" dirty="0"/>
-              <a:t> </a:t>
-            </a:r>
-            <a:r>
-              <a:rPr lang="en-US" dirty="0" err="1"/>
-              <a:t>zahtjeva</a:t>
-            </a:r>
-            <a:r>
-              <a:rPr lang="en-US" dirty="0"/>
-              <a:t> </a:t>
-            </a:r>
-            <a:r>
-              <a:rPr lang="en-US" dirty="0" err="1"/>
-              <a:t>kroz</a:t>
-            </a:r>
-            <a:r>
-              <a:rPr lang="en-US" dirty="0"/>
-              <a:t> </a:t>
-            </a:r>
-            <a:r>
-              <a:rPr lang="en-US" dirty="0" err="1"/>
-              <a:t>aplikaciju</a:t>
-            </a:r>
-            <a:r>
-              <a:rPr lang="en-US" dirty="0"/>
-              <a:t> </a:t>
-            </a:r>
-            <a:r>
-              <a:rPr lang="en-US" dirty="0" err="1"/>
-              <a:t>sa</a:t>
-            </a:r>
-            <a:r>
-              <a:rPr lang="en-US" dirty="0"/>
-              <a:t> </a:t>
-            </a:r>
-            <a:r>
-              <a:rPr lang="en-US" dirty="0" err="1"/>
-              <a:t>drugim</a:t>
-            </a:r>
-            <a:r>
-              <a:rPr lang="en-US" dirty="0"/>
-              <a:t> </a:t>
-            </a:r>
-            <a:r>
-              <a:rPr lang="en-US" dirty="0" err="1"/>
-              <a:t>poslovnicama</a:t>
-            </a:r>
-            <a:r>
-              <a:rPr lang="en-US" dirty="0"/>
-              <a:t> </a:t>
-            </a:r>
-            <a:r>
-              <a:rPr lang="en-US" dirty="0" err="1"/>
-              <a:t>i</a:t>
-            </a:r>
-            <a:r>
-              <a:rPr lang="en-US" dirty="0"/>
-              <a:t> </a:t>
-            </a:r>
-            <a:r>
-              <a:rPr lang="en-US" dirty="0" err="1"/>
-              <a:t>administratorima</a:t>
-            </a:r>
-            <a:r>
-              <a:rPr lang="en-US" dirty="0"/>
-              <a:t>. Oni u </a:t>
-            </a:r>
-            <a:r>
-              <a:rPr lang="en-US" dirty="0" err="1"/>
-              <a:t>isto</a:t>
-            </a:r>
-            <a:r>
-              <a:rPr lang="en-US" dirty="0"/>
-              <a:t> </a:t>
-            </a:r>
-            <a:r>
-              <a:rPr lang="en-US" dirty="0" err="1"/>
-              <a:t>vrijeme</a:t>
-            </a:r>
-            <a:r>
-              <a:rPr lang="en-US" dirty="0"/>
-              <a:t> </a:t>
-            </a:r>
-            <a:r>
-              <a:rPr lang="en-US" dirty="0" err="1"/>
-              <a:t>podnosi</a:t>
-            </a:r>
-            <a:r>
-              <a:rPr lang="en-US" dirty="0"/>
-              <a:t> </a:t>
-            </a:r>
-            <a:r>
-              <a:rPr lang="en-US" dirty="0" err="1"/>
-              <a:t>i</a:t>
-            </a:r>
-            <a:r>
-              <a:rPr lang="en-US" dirty="0"/>
-              <a:t> </a:t>
-            </a:r>
-            <a:r>
-              <a:rPr lang="en-US" dirty="0" err="1"/>
-              <a:t>obrađuje</a:t>
-            </a:r>
-            <a:r>
-              <a:rPr lang="en-US" dirty="0"/>
-              <a:t> </a:t>
-            </a:r>
-            <a:r>
-              <a:rPr lang="en-US" dirty="0" err="1"/>
-              <a:t>odgovarajuće</a:t>
-            </a:r>
-            <a:r>
-              <a:rPr lang="en-US" dirty="0"/>
-              <a:t> </a:t>
-            </a:r>
-            <a:r>
-              <a:rPr lang="en-US" dirty="0" err="1"/>
-              <a:t>zahtjeve</a:t>
-            </a:r>
-            <a:r>
-              <a:rPr lang="en-US" dirty="0"/>
-              <a:t> </a:t>
-            </a:r>
-            <a:r>
-              <a:rPr lang="en-US" dirty="0" err="1"/>
-              <a:t>ovisno</a:t>
-            </a:r>
-            <a:r>
-              <a:rPr lang="en-US" dirty="0"/>
-              <a:t> od </a:t>
-            </a:r>
-            <a:r>
-              <a:rPr lang="en-US" dirty="0" err="1"/>
-              <a:t>svojih</a:t>
-            </a:r>
-            <a:r>
-              <a:rPr lang="en-US" dirty="0"/>
-              <a:t> </a:t>
-            </a:r>
-            <a:r>
-              <a:rPr lang="en-US" dirty="0" err="1"/>
-              <a:t>obaveza</a:t>
-            </a:r>
-            <a:r>
-              <a:rPr lang="en-US" dirty="0"/>
-              <a:t>.</a:t>
-            </a:r>
-          </a:p>
-          <a:p>
-            <a:r>
-              <a:rPr lang="en-US" dirty="0"/>
-              <a:t>Administrator: To je </a:t>
-            </a:r>
-            <a:r>
-              <a:rPr lang="en-US" dirty="0" err="1"/>
-              <a:t>osoba</a:t>
-            </a:r>
-            <a:r>
-              <a:rPr lang="en-US" dirty="0"/>
-              <a:t> </a:t>
-            </a:r>
-            <a:r>
-              <a:rPr lang="en-US" dirty="0" err="1"/>
-              <a:t>koja</a:t>
-            </a:r>
-            <a:r>
-              <a:rPr lang="en-US" dirty="0"/>
-              <a:t> je </a:t>
-            </a:r>
-            <a:r>
-              <a:rPr lang="en-US" dirty="0" err="1"/>
-              <a:t>istovremeno</a:t>
-            </a:r>
-            <a:r>
-              <a:rPr lang="en-US" dirty="0"/>
-              <a:t> </a:t>
-            </a:r>
-            <a:r>
-              <a:rPr lang="en-US" dirty="0" err="1"/>
-              <a:t>uposlenik</a:t>
-            </a:r>
-            <a:r>
-              <a:rPr lang="en-US" dirty="0"/>
-              <a:t>, </a:t>
-            </a:r>
-            <a:r>
-              <a:rPr lang="en-US" dirty="0" err="1"/>
-              <a:t>ali</a:t>
-            </a:r>
-            <a:r>
-              <a:rPr lang="en-US" dirty="0"/>
-              <a:t> </a:t>
-            </a:r>
-            <a:r>
-              <a:rPr lang="en-US" dirty="0" err="1"/>
-              <a:t>uz</a:t>
-            </a:r>
-            <a:r>
-              <a:rPr lang="en-US" dirty="0"/>
-              <a:t> to </a:t>
-            </a:r>
-            <a:r>
-              <a:rPr lang="en-US" dirty="0" err="1"/>
-              <a:t>ima</a:t>
-            </a:r>
-            <a:r>
-              <a:rPr lang="en-US" dirty="0"/>
-              <a:t> </a:t>
-            </a:r>
-            <a:r>
-              <a:rPr lang="en-US" dirty="0" err="1"/>
-              <a:t>dodatne</a:t>
-            </a:r>
-            <a:r>
-              <a:rPr lang="en-US" dirty="0"/>
-              <a:t> </a:t>
-            </a:r>
-            <a:r>
-              <a:rPr lang="en-US" dirty="0" err="1"/>
-              <a:t>ovlasti</a:t>
-            </a:r>
-            <a:r>
-              <a:rPr lang="en-US" dirty="0"/>
-              <a:t> </a:t>
-            </a:r>
-            <a:r>
-              <a:rPr lang="en-US" dirty="0" err="1"/>
-              <a:t>koje</a:t>
-            </a:r>
-            <a:r>
-              <a:rPr lang="en-US" dirty="0"/>
-              <a:t> se </a:t>
-            </a:r>
-            <a:r>
-              <a:rPr lang="en-US" dirty="0" err="1"/>
-              <a:t>tiču</a:t>
-            </a:r>
-            <a:r>
-              <a:rPr lang="en-US" dirty="0"/>
-              <a:t> </a:t>
-            </a:r>
-            <a:r>
-              <a:rPr lang="en-US" dirty="0" err="1"/>
-              <a:t>administracije</a:t>
-            </a:r>
-            <a:r>
-              <a:rPr lang="en-US" dirty="0"/>
-              <a:t> </a:t>
-            </a:r>
-            <a:r>
-              <a:rPr lang="en-US" dirty="0" err="1"/>
-              <a:t>stranice</a:t>
-            </a:r>
-            <a:r>
-              <a:rPr lang="en-US" dirty="0"/>
-              <a:t> </a:t>
-            </a:r>
-            <a:r>
-              <a:rPr lang="en-US" dirty="0" err="1"/>
-              <a:t>kroz</a:t>
-            </a:r>
-            <a:r>
-              <a:rPr lang="en-US" dirty="0"/>
-              <a:t> </a:t>
-            </a:r>
-            <a:r>
-              <a:rPr lang="en-US" dirty="0" err="1"/>
-              <a:t>sklanjanje</a:t>
-            </a:r>
-            <a:r>
-              <a:rPr lang="en-US" dirty="0"/>
-              <a:t> </a:t>
-            </a:r>
-            <a:r>
-              <a:rPr lang="en-US" dirty="0" err="1"/>
-              <a:t>nepoželjnih</a:t>
-            </a:r>
-            <a:r>
-              <a:rPr lang="en-US" dirty="0"/>
-              <a:t>(</a:t>
-            </a:r>
-            <a:r>
-              <a:rPr lang="en-US" dirty="0" err="1"/>
-              <a:t>uvredljivih</a:t>
-            </a:r>
-            <a:r>
-              <a:rPr lang="en-US" dirty="0"/>
-              <a:t>, spam </a:t>
-            </a:r>
-            <a:r>
-              <a:rPr lang="en-US" dirty="0" err="1"/>
-              <a:t>i</a:t>
-            </a:r>
-            <a:r>
-              <a:rPr lang="en-US" dirty="0"/>
-              <a:t> sl.) </a:t>
-            </a:r>
-            <a:r>
-              <a:rPr lang="en-US" dirty="0" err="1"/>
-              <a:t>komentara</a:t>
-            </a:r>
-            <a:r>
-              <a:rPr lang="en-US" dirty="0"/>
-              <a:t> </a:t>
-            </a:r>
-            <a:r>
-              <a:rPr lang="en-US" dirty="0" err="1"/>
-              <a:t>te</a:t>
-            </a:r>
-            <a:r>
-              <a:rPr lang="en-US" dirty="0"/>
-              <a:t> </a:t>
-            </a:r>
-            <a:r>
-              <a:rPr lang="en-US" dirty="0" err="1"/>
-              <a:t>nepoželjnih</a:t>
-            </a:r>
-            <a:r>
-              <a:rPr lang="en-US" dirty="0"/>
-              <a:t> </a:t>
-            </a:r>
-            <a:r>
-              <a:rPr lang="en-US" dirty="0" err="1"/>
-              <a:t>korisnika</a:t>
-            </a:r>
-            <a:r>
-              <a:rPr lang="en-US" dirty="0"/>
-              <a:t>.</a:t>
-            </a:r>
-          </a:p>
-          <a:p>
-            <a:r>
-              <a:rPr lang="en-US" dirty="0" err="1"/>
-              <a:t>Kritičar</a:t>
-            </a:r>
-            <a:r>
-              <a:rPr lang="en-US" dirty="0"/>
-              <a:t>: </a:t>
-            </a:r>
-            <a:r>
-              <a:rPr lang="en-US" dirty="0" err="1"/>
-              <a:t>Osoba</a:t>
-            </a:r>
-            <a:r>
-              <a:rPr lang="en-US" dirty="0"/>
-              <a:t> </a:t>
-            </a:r>
-            <a:r>
-              <a:rPr lang="en-US" dirty="0" err="1"/>
-              <a:t>čiji</a:t>
-            </a:r>
-            <a:r>
-              <a:rPr lang="en-US" dirty="0"/>
-              <a:t> je </a:t>
-            </a:r>
-            <a:r>
-              <a:rPr lang="en-US" dirty="0" err="1"/>
-              <a:t>zadatak</a:t>
-            </a:r>
-            <a:r>
-              <a:rPr lang="en-US" dirty="0"/>
-              <a:t> da </a:t>
-            </a:r>
-            <a:r>
-              <a:rPr lang="en-US" dirty="0" err="1"/>
-              <a:t>daje</a:t>
-            </a:r>
-            <a:r>
-              <a:rPr lang="en-US" dirty="0"/>
-              <a:t> </a:t>
-            </a:r>
-            <a:r>
-              <a:rPr lang="en-US" dirty="0" err="1"/>
-              <a:t>ocjene</a:t>
-            </a:r>
-            <a:r>
-              <a:rPr lang="en-US" dirty="0"/>
-              <a:t> </a:t>
-            </a:r>
-            <a:r>
-              <a:rPr lang="en-US" dirty="0" err="1"/>
-              <a:t>za</a:t>
-            </a:r>
-            <a:r>
-              <a:rPr lang="en-US" dirty="0"/>
-              <a:t> </a:t>
-            </a:r>
-            <a:r>
-              <a:rPr lang="en-US" dirty="0" err="1"/>
-              <a:t>robu</a:t>
-            </a:r>
-            <a:r>
-              <a:rPr lang="en-US" dirty="0"/>
-              <a:t> </a:t>
-            </a:r>
-            <a:r>
-              <a:rPr lang="en-US" dirty="0" err="1"/>
-              <a:t>koju</a:t>
-            </a:r>
-            <a:r>
-              <a:rPr lang="en-US" dirty="0"/>
-              <a:t> </a:t>
-            </a:r>
-            <a:r>
-              <a:rPr lang="en-US" dirty="0" err="1"/>
-              <a:t>prodaje</a:t>
-            </a:r>
-            <a:r>
-              <a:rPr lang="en-US" dirty="0"/>
-              <a:t> firma. </a:t>
-            </a:r>
-            <a:r>
-              <a:rPr lang="en-US" dirty="0" err="1"/>
-              <a:t>Komentari</a:t>
-            </a:r>
-            <a:r>
-              <a:rPr lang="en-US" dirty="0"/>
-              <a:t> </a:t>
-            </a:r>
-            <a:r>
-              <a:rPr lang="en-US" dirty="0" err="1"/>
-              <a:t>kritičara</a:t>
-            </a:r>
-            <a:r>
-              <a:rPr lang="en-US" dirty="0"/>
-              <a:t> </a:t>
-            </a:r>
-            <a:r>
-              <a:rPr lang="en-US" dirty="0" err="1"/>
-              <a:t>su</a:t>
-            </a:r>
-            <a:r>
-              <a:rPr lang="en-US" dirty="0"/>
-              <a:t> </a:t>
-            </a:r>
-            <a:r>
-              <a:rPr lang="en-US" dirty="0" err="1"/>
-              <a:t>istaknuti</a:t>
-            </a:r>
-            <a:r>
-              <a:rPr lang="en-US" dirty="0"/>
-              <a:t> </a:t>
-            </a:r>
-            <a:r>
-              <a:rPr lang="en-US" dirty="0" err="1"/>
-              <a:t>i</a:t>
-            </a:r>
-            <a:r>
-              <a:rPr lang="en-US" dirty="0"/>
-              <a:t> </a:t>
-            </a:r>
-            <a:r>
-              <a:rPr lang="en-US" dirty="0" err="1"/>
-              <a:t>svrha</a:t>
-            </a:r>
-            <a:r>
-              <a:rPr lang="en-US" dirty="0"/>
-              <a:t> je da </a:t>
-            </a:r>
-            <a:r>
-              <a:rPr lang="en-US" dirty="0" err="1"/>
-              <a:t>korisnici</a:t>
-            </a:r>
-            <a:r>
-              <a:rPr lang="en-US" dirty="0"/>
-              <a:t> </a:t>
-            </a:r>
-            <a:r>
-              <a:rPr lang="en-US" dirty="0" err="1"/>
-              <a:t>dobiju</a:t>
-            </a:r>
-            <a:r>
-              <a:rPr lang="en-US" dirty="0"/>
-              <a:t> </a:t>
-            </a:r>
-            <a:r>
-              <a:rPr lang="en-US" dirty="0" err="1"/>
-              <a:t>mišljenje</a:t>
-            </a:r>
-            <a:r>
-              <a:rPr lang="en-US" dirty="0"/>
-              <a:t> od </a:t>
-            </a:r>
-            <a:r>
-              <a:rPr lang="en-US" dirty="0" err="1"/>
-              <a:t>osobe</a:t>
-            </a:r>
-            <a:r>
-              <a:rPr lang="en-US" dirty="0"/>
-              <a:t> </a:t>
-            </a:r>
-            <a:r>
-              <a:rPr lang="en-US" dirty="0" err="1"/>
-              <a:t>koja</a:t>
-            </a:r>
-            <a:r>
-              <a:rPr lang="en-US" dirty="0"/>
-              <a:t> </a:t>
-            </a:r>
-            <a:r>
-              <a:rPr lang="en-US" dirty="0" err="1"/>
-              <a:t>ima</a:t>
-            </a:r>
-            <a:r>
-              <a:rPr lang="en-US" dirty="0"/>
-              <a:t> </a:t>
-            </a:r>
-            <a:r>
-              <a:rPr lang="en-US" dirty="0" err="1"/>
-              <a:t>iskustva</a:t>
-            </a:r>
-            <a:r>
-              <a:rPr lang="en-US" dirty="0"/>
-              <a:t> </a:t>
-            </a:r>
-            <a:r>
-              <a:rPr lang="en-US" dirty="0" err="1"/>
-              <a:t>i</a:t>
-            </a:r>
-            <a:r>
-              <a:rPr lang="en-US" dirty="0"/>
-              <a:t> </a:t>
-            </a:r>
-            <a:r>
-              <a:rPr lang="en-US" dirty="0" err="1"/>
-              <a:t>kvalificirana</a:t>
-            </a:r>
-            <a:r>
-              <a:rPr lang="en-US" dirty="0"/>
-              <a:t> je da </a:t>
-            </a:r>
-            <a:r>
-              <a:rPr lang="en-US" dirty="0" err="1"/>
-              <a:t>govori</a:t>
-            </a:r>
-            <a:r>
-              <a:rPr lang="en-US" dirty="0"/>
-              <a:t> o </a:t>
-            </a:r>
-            <a:r>
-              <a:rPr lang="en-US" dirty="0" err="1"/>
-              <a:t>prednostima</a:t>
-            </a:r>
-            <a:r>
-              <a:rPr lang="en-US" dirty="0"/>
-              <a:t> </a:t>
-            </a:r>
-            <a:r>
-              <a:rPr lang="en-US" dirty="0" err="1"/>
-              <a:t>i</a:t>
-            </a:r>
-            <a:r>
-              <a:rPr lang="en-US" dirty="0"/>
-              <a:t> </a:t>
-            </a:r>
-            <a:r>
-              <a:rPr lang="en-US" dirty="0" err="1"/>
-              <a:t>manama</a:t>
-            </a:r>
-            <a:r>
-              <a:rPr lang="en-US" dirty="0"/>
-              <a:t> </a:t>
-            </a:r>
-            <a:r>
-              <a:rPr lang="en-US" dirty="0" err="1"/>
-              <a:t>artikala</a:t>
-            </a:r>
-            <a:r>
-              <a:rPr lang="en-US" dirty="0"/>
-              <a:t>.</a:t>
-            </a:r>
-          </a:p>
-          <a:p>
-            <a:endParaRPr lang="en-US" dirty="0"/>
+              <a:rPr lang="bs-Latn-BA" dirty="0"/>
+              <a:t>Korisnik usluga: To je osoba koja ima mogućnosti pregleda, kupovine i povratka robe unutar online prodavnice.</a:t>
+            </a:r>
+          </a:p>
+          <a:p>
+            <a:r>
+              <a:rPr lang="bs-Latn-BA" dirty="0"/>
+              <a:t>Uposlenik: On je zadužen za razne administrativne poslove na poslovnim mjestima, te za komunikaciju u vidu zahtjeva kroz aplikaciju.</a:t>
+            </a:r>
+          </a:p>
+          <a:p>
+            <a:r>
+              <a:rPr lang="bs-Latn-BA" dirty="0"/>
+              <a:t>Administrator: To je osoba koja je istovremeno uposlenik, ali uz to ima dodatne ovlasti koje se tiču administracije stranice kroz sklanjanje nepoželjnih(uvredljivih, spam i sl.) komentara te nepoželjnih korisnika.</a:t>
+            </a:r>
+          </a:p>
+          <a:p>
+            <a:r>
+              <a:rPr lang="bs-Latn-BA" dirty="0"/>
+              <a:t>Kritičar: Osoba čiji je zadatak da daje ocjene za robu koju prodaje firma. Komentari kritičara su istaknuti i svrha je da korisnici dobiju mišljenje od osobe koja ima iskustva i kvalificirana je da govori o prednostima i manama artikala.</a:t>
+            </a:r>
           </a:p>
         </p:txBody>
       </p:sp>
@@ -14944,7 +13328,7 @@
           <a:lstStyle/>
           <a:p>
             <a:r>
-              <a:rPr lang="bs-Latn-BA" dirty="0" smtClean="0"/>
+              <a:rPr lang="bs-Latn-BA" dirty="0"/>
               <a:t>Šta se koristi</a:t>
             </a:r>
             <a:endParaRPr lang="en-US" dirty="0"/>
@@ -14974,20 +13358,40 @@
           <a:lstStyle/>
           <a:p>
             <a:r>
-              <a:rPr lang="bs-Latn-BA" sz="2800" dirty="0" smtClean="0"/>
+              <a:rPr lang="bs-Latn-BA" sz="2800" dirty="0"/>
               <a:t>Visual Studio 2015 Community Edition</a:t>
             </a:r>
           </a:p>
           <a:p>
             <a:r>
               <a:rPr lang="en-US" sz="2800" dirty="0"/>
-              <a:t>Entity </a:t>
-            </a:r>
-            <a:r>
-              <a:rPr lang="en-US" sz="2800" dirty="0" err="1"/>
-              <a:t>Frameworka</a:t>
-            </a:r>
-            <a:endParaRPr lang="en-US" sz="2800" dirty="0"/>
+              <a:t>Entity Framework</a:t>
+            </a:r>
+            <a:endParaRPr lang="bs-Latn-BA" sz="2800" dirty="0"/>
+          </a:p>
+          <a:p>
+            <a:r>
+              <a:rPr lang="bs-Latn-BA" sz="2800" dirty="0"/>
+              <a:t>SQLite</a:t>
+            </a:r>
+          </a:p>
+          <a:p>
+            <a:r>
+              <a:rPr lang="bs-Latn-BA" sz="2800" dirty="0"/>
+              <a:t>Unity</a:t>
+            </a:r>
+          </a:p>
+          <a:p>
+            <a:r>
+              <a:rPr lang="bs-Latn-BA" sz="2800" dirty="0"/>
+              <a:t>Azure</a:t>
+            </a:r>
+          </a:p>
+          <a:p>
+            <a:r>
+              <a:rPr lang="bs-Latn-BA" sz="2800" dirty="0"/>
+              <a:t>Bing maps</a:t>
+            </a:r>
           </a:p>
         </p:txBody>
       </p:sp>
